--- a/ComputerOrganization/Chapter2.pptx
+++ b/ComputerOrganization/Chapter2.pptx
@@ -265,7 +265,7 @@
           <a:p>
             <a:fld id="{37A25B79-5AFE-40DE-8D90-7CD7EC558B08}" type="datetimeFigureOut">
               <a:rPr lang="ko-KR" altLang="en-US" smtClean="0"/>
-              <a:t>2019-06-03</a:t>
+              <a:t>2019-06-11</a:t>
             </a:fld>
             <a:endParaRPr lang="ko-KR" altLang="en-US"/>
           </a:p>
@@ -465,7 +465,7 @@
           <a:p>
             <a:fld id="{37A25B79-5AFE-40DE-8D90-7CD7EC558B08}" type="datetimeFigureOut">
               <a:rPr lang="ko-KR" altLang="en-US" smtClean="0"/>
-              <a:t>2019-06-03</a:t>
+              <a:t>2019-06-11</a:t>
             </a:fld>
             <a:endParaRPr lang="ko-KR" altLang="en-US"/>
           </a:p>
@@ -675,7 +675,7 @@
           <a:p>
             <a:fld id="{37A25B79-5AFE-40DE-8D90-7CD7EC558B08}" type="datetimeFigureOut">
               <a:rPr lang="ko-KR" altLang="en-US" smtClean="0"/>
-              <a:t>2019-06-03</a:t>
+              <a:t>2019-06-11</a:t>
             </a:fld>
             <a:endParaRPr lang="ko-KR" altLang="en-US"/>
           </a:p>
@@ -875,7 +875,7 @@
           <a:p>
             <a:fld id="{37A25B79-5AFE-40DE-8D90-7CD7EC558B08}" type="datetimeFigureOut">
               <a:rPr lang="ko-KR" altLang="en-US" smtClean="0"/>
-              <a:t>2019-06-03</a:t>
+              <a:t>2019-06-11</a:t>
             </a:fld>
             <a:endParaRPr lang="ko-KR" altLang="en-US"/>
           </a:p>
@@ -1151,7 +1151,7 @@
           <a:p>
             <a:fld id="{37A25B79-5AFE-40DE-8D90-7CD7EC558B08}" type="datetimeFigureOut">
               <a:rPr lang="ko-KR" altLang="en-US" smtClean="0"/>
-              <a:t>2019-06-03</a:t>
+              <a:t>2019-06-11</a:t>
             </a:fld>
             <a:endParaRPr lang="ko-KR" altLang="en-US"/>
           </a:p>
@@ -1419,7 +1419,7 @@
           <a:p>
             <a:fld id="{37A25B79-5AFE-40DE-8D90-7CD7EC558B08}" type="datetimeFigureOut">
               <a:rPr lang="ko-KR" altLang="en-US" smtClean="0"/>
-              <a:t>2019-06-03</a:t>
+              <a:t>2019-06-11</a:t>
             </a:fld>
             <a:endParaRPr lang="ko-KR" altLang="en-US"/>
           </a:p>
@@ -1834,7 +1834,7 @@
           <a:p>
             <a:fld id="{37A25B79-5AFE-40DE-8D90-7CD7EC558B08}" type="datetimeFigureOut">
               <a:rPr lang="ko-KR" altLang="en-US" smtClean="0"/>
-              <a:t>2019-06-03</a:t>
+              <a:t>2019-06-11</a:t>
             </a:fld>
             <a:endParaRPr lang="ko-KR" altLang="en-US"/>
           </a:p>
@@ -1976,7 +1976,7 @@
           <a:p>
             <a:fld id="{37A25B79-5AFE-40DE-8D90-7CD7EC558B08}" type="datetimeFigureOut">
               <a:rPr lang="ko-KR" altLang="en-US" smtClean="0"/>
-              <a:t>2019-06-03</a:t>
+              <a:t>2019-06-11</a:t>
             </a:fld>
             <a:endParaRPr lang="ko-KR" altLang="en-US"/>
           </a:p>
@@ -2089,7 +2089,7 @@
           <a:p>
             <a:fld id="{37A25B79-5AFE-40DE-8D90-7CD7EC558B08}" type="datetimeFigureOut">
               <a:rPr lang="ko-KR" altLang="en-US" smtClean="0"/>
-              <a:t>2019-06-03</a:t>
+              <a:t>2019-06-11</a:t>
             </a:fld>
             <a:endParaRPr lang="ko-KR" altLang="en-US"/>
           </a:p>
@@ -2402,7 +2402,7 @@
           <a:p>
             <a:fld id="{37A25B79-5AFE-40DE-8D90-7CD7EC558B08}" type="datetimeFigureOut">
               <a:rPr lang="ko-KR" altLang="en-US" smtClean="0"/>
-              <a:t>2019-06-03</a:t>
+              <a:t>2019-06-11</a:t>
             </a:fld>
             <a:endParaRPr lang="ko-KR" altLang="en-US"/>
           </a:p>
@@ -2691,7 +2691,7 @@
           <a:p>
             <a:fld id="{37A25B79-5AFE-40DE-8D90-7CD7EC558B08}" type="datetimeFigureOut">
               <a:rPr lang="ko-KR" altLang="en-US" smtClean="0"/>
-              <a:t>2019-06-03</a:t>
+              <a:t>2019-06-11</a:t>
             </a:fld>
             <a:endParaRPr lang="ko-KR" altLang="en-US"/>
           </a:p>
@@ -2934,7 +2934,7 @@
           <a:p>
             <a:fld id="{37A25B79-5AFE-40DE-8D90-7CD7EC558B08}" type="datetimeFigureOut">
               <a:rPr lang="ko-KR" altLang="en-US" smtClean="0"/>
-              <a:t>2019-06-03</a:t>
+              <a:t>2019-06-11</a:t>
             </a:fld>
             <a:endParaRPr lang="ko-KR" altLang="en-US"/>
           </a:p>
@@ -26297,547 +26297,6 @@
       </p:sp>
       <p:grpSp>
         <p:nvGrpSpPr>
-          <p:cNvPr id="204" name="Group 203">
-            <a:extLst>
-              <a:ext uri="{FF2B5EF4-FFF2-40B4-BE49-F238E27FC236}">
-                <a16:creationId xmlns:a16="http://schemas.microsoft.com/office/drawing/2014/main" id="{A9205AE7-E863-4EFB-9262-D5B873602172}"/>
-              </a:ext>
-            </a:extLst>
-          </p:cNvPr>
-          <p:cNvGrpSpPr/>
-          <p:nvPr/>
-        </p:nvGrpSpPr>
-        <p:grpSpPr>
-          <a:xfrm>
-            <a:off x="7049861" y="1872250"/>
-            <a:ext cx="729606" cy="950633"/>
-            <a:chOff x="1599514" y="2351983"/>
-            <a:chExt cx="667729" cy="870012"/>
-          </a:xfrm>
-        </p:grpSpPr>
-        <p:sp>
-          <p:nvSpPr>
-            <p:cNvPr id="205" name="Title 1">
-              <a:extLst>
-                <a:ext uri="{FF2B5EF4-FFF2-40B4-BE49-F238E27FC236}">
-                  <a16:creationId xmlns:a16="http://schemas.microsoft.com/office/drawing/2014/main" id="{B5AC8B8C-4F75-4E80-8D48-E04B9D24402F}"/>
-                </a:ext>
-              </a:extLst>
-            </p:cNvPr>
-            <p:cNvSpPr txBox="1">
-              <a:spLocks/>
-            </p:cNvSpPr>
-            <p:nvPr/>
-          </p:nvSpPr>
-          <p:spPr>
-            <a:xfrm>
-              <a:off x="1599514" y="2351983"/>
-              <a:ext cx="667729" cy="435006"/>
-            </a:xfrm>
-            <a:prstGeom prst="rect">
-              <a:avLst/>
-            </a:prstGeom>
-            <a:solidFill>
-              <a:schemeClr val="bg1">
-                <a:lumMod val="85000"/>
-              </a:schemeClr>
-            </a:solidFill>
-            <a:ln w="76200">
-              <a:noFill/>
-            </a:ln>
-          </p:spPr>
-          <p:txBody>
-            <a:bodyPr vert="horz" lIns="91440" tIns="45720" rIns="91440" bIns="45720" rtlCol="0" anchor="b">
-              <a:noAutofit/>
-            </a:bodyPr>
-            <a:lstStyle>
-              <a:lvl1pPr algn="ctr" defTabSz="914400" rtl="0" eaLnBrk="1" latinLnBrk="0" hangingPunct="1">
-                <a:lnSpc>
-                  <a:spcPct val="90000"/>
-                </a:lnSpc>
-                <a:spcBef>
-                  <a:spcPct val="0"/>
-                </a:spcBef>
-                <a:buNone/>
-                <a:defRPr sz="6000" kern="1200">
-                  <a:solidFill>
-                    <a:schemeClr val="tx1"/>
-                  </a:solidFill>
-                  <a:latin typeface="+mj-lt"/>
-                  <a:ea typeface="+mj-ea"/>
-                  <a:cs typeface="+mj-cs"/>
-                </a:defRPr>
-              </a:lvl1pPr>
-            </a:lstStyle>
-            <a:p>
-              <a:endParaRPr lang="en-US" sz="2400" dirty="0">
-                <a:ln>
-                  <a:solidFill>
-                    <a:schemeClr val="tx1"/>
-                  </a:solidFill>
-                </a:ln>
-              </a:endParaRPr>
-            </a:p>
-          </p:txBody>
-        </p:sp>
-        <p:sp>
-          <p:nvSpPr>
-            <p:cNvPr id="206" name="Title 1">
-              <a:extLst>
-                <a:ext uri="{FF2B5EF4-FFF2-40B4-BE49-F238E27FC236}">
-                  <a16:creationId xmlns:a16="http://schemas.microsoft.com/office/drawing/2014/main" id="{DFD4BC03-0D86-4A57-B5C4-8C4CBBC83587}"/>
-                </a:ext>
-              </a:extLst>
-            </p:cNvPr>
-            <p:cNvSpPr txBox="1">
-              <a:spLocks/>
-            </p:cNvSpPr>
-            <p:nvPr/>
-          </p:nvSpPr>
-          <p:spPr>
-            <a:xfrm>
-              <a:off x="1673151" y="2440369"/>
-              <a:ext cx="277570" cy="86011"/>
-            </a:xfrm>
-            <a:prstGeom prst="rect">
-              <a:avLst/>
-            </a:prstGeom>
-            <a:solidFill>
-              <a:schemeClr val="bg1">
-                <a:lumMod val="65000"/>
-              </a:schemeClr>
-            </a:solidFill>
-            <a:ln w="76200">
-              <a:noFill/>
-            </a:ln>
-          </p:spPr>
-          <p:txBody>
-            <a:bodyPr vert="horz" lIns="91440" tIns="45720" rIns="91440" bIns="45720" rtlCol="0" anchor="b">
-              <a:noAutofit/>
-            </a:bodyPr>
-            <a:lstStyle>
-              <a:lvl1pPr algn="ctr" defTabSz="914400" rtl="0" eaLnBrk="1" latinLnBrk="0" hangingPunct="1">
-                <a:lnSpc>
-                  <a:spcPct val="90000"/>
-                </a:lnSpc>
-                <a:spcBef>
-                  <a:spcPct val="0"/>
-                </a:spcBef>
-                <a:buNone/>
-                <a:defRPr sz="6000" kern="1200">
-                  <a:solidFill>
-                    <a:schemeClr val="tx1"/>
-                  </a:solidFill>
-                  <a:latin typeface="+mj-lt"/>
-                  <a:ea typeface="+mj-ea"/>
-                  <a:cs typeface="+mj-cs"/>
-                </a:defRPr>
-              </a:lvl1pPr>
-            </a:lstStyle>
-            <a:p>
-              <a:endParaRPr lang="en-US" sz="2400" dirty="0">
-                <a:ln>
-                  <a:solidFill>
-                    <a:schemeClr val="tx1"/>
-                  </a:solidFill>
-                </a:ln>
-              </a:endParaRPr>
-            </a:p>
-          </p:txBody>
-        </p:sp>
-        <p:sp>
-          <p:nvSpPr>
-            <p:cNvPr id="207" name="Title 1">
-              <a:extLst>
-                <a:ext uri="{FF2B5EF4-FFF2-40B4-BE49-F238E27FC236}">
-                  <a16:creationId xmlns:a16="http://schemas.microsoft.com/office/drawing/2014/main" id="{D76B24F7-535C-4F04-825F-4188D8F4BA4F}"/>
-                </a:ext>
-              </a:extLst>
-            </p:cNvPr>
-            <p:cNvSpPr txBox="1">
-              <a:spLocks/>
-            </p:cNvSpPr>
-            <p:nvPr/>
-          </p:nvSpPr>
-          <p:spPr>
-            <a:xfrm>
-              <a:off x="2019813" y="2440368"/>
-              <a:ext cx="127122" cy="86011"/>
-            </a:xfrm>
-            <a:prstGeom prst="rect">
-              <a:avLst/>
-            </a:prstGeom>
-            <a:solidFill>
-              <a:schemeClr val="bg1">
-                <a:lumMod val="65000"/>
-              </a:schemeClr>
-            </a:solidFill>
-            <a:ln w="76200">
-              <a:noFill/>
-            </a:ln>
-          </p:spPr>
-          <p:txBody>
-            <a:bodyPr vert="horz" lIns="91440" tIns="45720" rIns="91440" bIns="45720" rtlCol="0" anchor="b">
-              <a:noAutofit/>
-            </a:bodyPr>
-            <a:lstStyle>
-              <a:lvl1pPr algn="ctr" defTabSz="914400" rtl="0" eaLnBrk="1" latinLnBrk="0" hangingPunct="1">
-                <a:lnSpc>
-                  <a:spcPct val="90000"/>
-                </a:lnSpc>
-                <a:spcBef>
-                  <a:spcPct val="0"/>
-                </a:spcBef>
-                <a:buNone/>
-                <a:defRPr sz="6000" kern="1200">
-                  <a:solidFill>
-                    <a:schemeClr val="tx1"/>
-                  </a:solidFill>
-                  <a:latin typeface="+mj-lt"/>
-                  <a:ea typeface="+mj-ea"/>
-                  <a:cs typeface="+mj-cs"/>
-                </a:defRPr>
-              </a:lvl1pPr>
-            </a:lstStyle>
-            <a:p>
-              <a:endParaRPr lang="en-US" sz="2400" dirty="0">
-                <a:ln>
-                  <a:solidFill>
-                    <a:schemeClr val="tx1"/>
-                  </a:solidFill>
-                </a:ln>
-              </a:endParaRPr>
-            </a:p>
-          </p:txBody>
-        </p:sp>
-        <p:sp>
-          <p:nvSpPr>
-            <p:cNvPr id="208" name="Title 1">
-              <a:extLst>
-                <a:ext uri="{FF2B5EF4-FFF2-40B4-BE49-F238E27FC236}">
-                  <a16:creationId xmlns:a16="http://schemas.microsoft.com/office/drawing/2014/main" id="{82BE5CAD-379C-42CD-9E64-45908B80E6A4}"/>
-                </a:ext>
-              </a:extLst>
-            </p:cNvPr>
-            <p:cNvSpPr txBox="1">
-              <a:spLocks/>
-            </p:cNvSpPr>
-            <p:nvPr/>
-          </p:nvSpPr>
-          <p:spPr>
-            <a:xfrm>
-              <a:off x="1673151" y="2613679"/>
-              <a:ext cx="549984" cy="86011"/>
-            </a:xfrm>
-            <a:prstGeom prst="rect">
-              <a:avLst/>
-            </a:prstGeom>
-            <a:solidFill>
-              <a:schemeClr val="bg1">
-                <a:lumMod val="65000"/>
-              </a:schemeClr>
-            </a:solidFill>
-            <a:ln w="76200">
-              <a:noFill/>
-            </a:ln>
-          </p:spPr>
-          <p:txBody>
-            <a:bodyPr vert="horz" lIns="91440" tIns="45720" rIns="91440" bIns="45720" rtlCol="0" anchor="b">
-              <a:noAutofit/>
-            </a:bodyPr>
-            <a:lstStyle>
-              <a:lvl1pPr algn="ctr" defTabSz="914400" rtl="0" eaLnBrk="1" latinLnBrk="0" hangingPunct="1">
-                <a:lnSpc>
-                  <a:spcPct val="90000"/>
-                </a:lnSpc>
-                <a:spcBef>
-                  <a:spcPct val="0"/>
-                </a:spcBef>
-                <a:buNone/>
-                <a:defRPr sz="6000" kern="1200">
-                  <a:solidFill>
-                    <a:schemeClr val="tx1"/>
-                  </a:solidFill>
-                  <a:latin typeface="+mj-lt"/>
-                  <a:ea typeface="+mj-ea"/>
-                  <a:cs typeface="+mj-cs"/>
-                </a:defRPr>
-              </a:lvl1pPr>
-            </a:lstStyle>
-            <a:p>
-              <a:endParaRPr lang="en-US" sz="2400" dirty="0">
-                <a:ln>
-                  <a:solidFill>
-                    <a:schemeClr val="tx1"/>
-                  </a:solidFill>
-                </a:ln>
-              </a:endParaRPr>
-            </a:p>
-          </p:txBody>
-        </p:sp>
-        <p:sp>
-          <p:nvSpPr>
-            <p:cNvPr id="209" name="Title 1">
-              <a:extLst>
-                <a:ext uri="{FF2B5EF4-FFF2-40B4-BE49-F238E27FC236}">
-                  <a16:creationId xmlns:a16="http://schemas.microsoft.com/office/drawing/2014/main" id="{2E4A4B24-BE53-4702-95ED-E868436F1100}"/>
-                </a:ext>
-              </a:extLst>
-            </p:cNvPr>
-            <p:cNvSpPr txBox="1">
-              <a:spLocks/>
-            </p:cNvSpPr>
-            <p:nvPr/>
-          </p:nvSpPr>
-          <p:spPr>
-            <a:xfrm>
-              <a:off x="1599514" y="2786989"/>
-              <a:ext cx="667729" cy="435006"/>
-            </a:xfrm>
-            <a:prstGeom prst="rect">
-              <a:avLst/>
-            </a:prstGeom>
-            <a:solidFill>
-              <a:schemeClr val="bg1">
-                <a:lumMod val="85000"/>
-              </a:schemeClr>
-            </a:solidFill>
-            <a:ln w="76200">
-              <a:noFill/>
-            </a:ln>
-          </p:spPr>
-          <p:txBody>
-            <a:bodyPr vert="horz" lIns="91440" tIns="45720" rIns="91440" bIns="45720" rtlCol="0" anchor="b">
-              <a:noAutofit/>
-            </a:bodyPr>
-            <a:lstStyle>
-              <a:lvl1pPr algn="ctr" defTabSz="914400" rtl="0" eaLnBrk="1" latinLnBrk="0" hangingPunct="1">
-                <a:lnSpc>
-                  <a:spcPct val="90000"/>
-                </a:lnSpc>
-                <a:spcBef>
-                  <a:spcPct val="0"/>
-                </a:spcBef>
-                <a:buNone/>
-                <a:defRPr sz="6000" kern="1200">
-                  <a:solidFill>
-                    <a:schemeClr val="tx1"/>
-                  </a:solidFill>
-                  <a:latin typeface="+mj-lt"/>
-                  <a:ea typeface="+mj-ea"/>
-                  <a:cs typeface="+mj-cs"/>
-                </a:defRPr>
-              </a:lvl1pPr>
-            </a:lstStyle>
-            <a:p>
-              <a:endParaRPr lang="en-US" sz="2400" dirty="0">
-                <a:ln>
-                  <a:solidFill>
-                    <a:schemeClr val="tx1"/>
-                  </a:solidFill>
-                </a:ln>
-              </a:endParaRPr>
-            </a:p>
-          </p:txBody>
-        </p:sp>
-        <p:sp>
-          <p:nvSpPr>
-            <p:cNvPr id="210" name="Title 1">
-              <a:extLst>
-                <a:ext uri="{FF2B5EF4-FFF2-40B4-BE49-F238E27FC236}">
-                  <a16:creationId xmlns:a16="http://schemas.microsoft.com/office/drawing/2014/main" id="{01A1BB22-85C1-44DE-966E-4A63E2CC71B8}"/>
-                </a:ext>
-              </a:extLst>
-            </p:cNvPr>
-            <p:cNvSpPr txBox="1">
-              <a:spLocks/>
-            </p:cNvSpPr>
-            <p:nvPr/>
-          </p:nvSpPr>
-          <p:spPr>
-            <a:xfrm>
-              <a:off x="1673151" y="2875375"/>
-              <a:ext cx="277570" cy="86011"/>
-            </a:xfrm>
-            <a:prstGeom prst="rect">
-              <a:avLst/>
-            </a:prstGeom>
-            <a:solidFill>
-              <a:schemeClr val="bg1">
-                <a:lumMod val="65000"/>
-              </a:schemeClr>
-            </a:solidFill>
-            <a:ln w="76200">
-              <a:noFill/>
-            </a:ln>
-          </p:spPr>
-          <p:txBody>
-            <a:bodyPr vert="horz" lIns="91440" tIns="45720" rIns="91440" bIns="45720" rtlCol="0" anchor="b">
-              <a:noAutofit/>
-            </a:bodyPr>
-            <a:lstStyle>
-              <a:lvl1pPr algn="ctr" defTabSz="914400" rtl="0" eaLnBrk="1" latinLnBrk="0" hangingPunct="1">
-                <a:lnSpc>
-                  <a:spcPct val="90000"/>
-                </a:lnSpc>
-                <a:spcBef>
-                  <a:spcPct val="0"/>
-                </a:spcBef>
-                <a:buNone/>
-                <a:defRPr sz="6000" kern="1200">
-                  <a:solidFill>
-                    <a:schemeClr val="tx1"/>
-                  </a:solidFill>
-                  <a:latin typeface="+mj-lt"/>
-                  <a:ea typeface="+mj-ea"/>
-                  <a:cs typeface="+mj-cs"/>
-                </a:defRPr>
-              </a:lvl1pPr>
-            </a:lstStyle>
-            <a:p>
-              <a:endParaRPr lang="en-US" sz="2400" dirty="0">
-                <a:ln>
-                  <a:solidFill>
-                    <a:schemeClr val="tx1"/>
-                  </a:solidFill>
-                </a:ln>
-              </a:endParaRPr>
-            </a:p>
-          </p:txBody>
-        </p:sp>
-        <p:sp>
-          <p:nvSpPr>
-            <p:cNvPr id="211" name="Title 1">
-              <a:extLst>
-                <a:ext uri="{FF2B5EF4-FFF2-40B4-BE49-F238E27FC236}">
-                  <a16:creationId xmlns:a16="http://schemas.microsoft.com/office/drawing/2014/main" id="{6E35DFDC-2610-4856-A0FB-CBD65279EFD0}"/>
-                </a:ext>
-              </a:extLst>
-            </p:cNvPr>
-            <p:cNvSpPr txBox="1">
-              <a:spLocks/>
-            </p:cNvSpPr>
-            <p:nvPr/>
-          </p:nvSpPr>
-          <p:spPr>
-            <a:xfrm>
-              <a:off x="2019813" y="2875374"/>
-              <a:ext cx="127122" cy="86011"/>
-            </a:xfrm>
-            <a:prstGeom prst="rect">
-              <a:avLst/>
-            </a:prstGeom>
-            <a:solidFill>
-              <a:schemeClr val="bg1">
-                <a:lumMod val="65000"/>
-              </a:schemeClr>
-            </a:solidFill>
-            <a:ln w="76200">
-              <a:noFill/>
-            </a:ln>
-          </p:spPr>
-          <p:txBody>
-            <a:bodyPr vert="horz" lIns="91440" tIns="45720" rIns="91440" bIns="45720" rtlCol="0" anchor="b">
-              <a:noAutofit/>
-            </a:bodyPr>
-            <a:lstStyle>
-              <a:lvl1pPr algn="ctr" defTabSz="914400" rtl="0" eaLnBrk="1" latinLnBrk="0" hangingPunct="1">
-                <a:lnSpc>
-                  <a:spcPct val="90000"/>
-                </a:lnSpc>
-                <a:spcBef>
-                  <a:spcPct val="0"/>
-                </a:spcBef>
-                <a:buNone/>
-                <a:defRPr sz="6000" kern="1200">
-                  <a:solidFill>
-                    <a:schemeClr val="tx1"/>
-                  </a:solidFill>
-                  <a:latin typeface="+mj-lt"/>
-                  <a:ea typeface="+mj-ea"/>
-                  <a:cs typeface="+mj-cs"/>
-                </a:defRPr>
-              </a:lvl1pPr>
-            </a:lstStyle>
-            <a:p>
-              <a:endParaRPr lang="en-US" sz="2400" dirty="0">
-                <a:ln>
-                  <a:solidFill>
-                    <a:schemeClr val="tx1"/>
-                  </a:solidFill>
-                </a:ln>
-              </a:endParaRPr>
-            </a:p>
-          </p:txBody>
-        </p:sp>
-        <p:sp>
-          <p:nvSpPr>
-            <p:cNvPr id="212" name="Title 1">
-              <a:extLst>
-                <a:ext uri="{FF2B5EF4-FFF2-40B4-BE49-F238E27FC236}">
-                  <a16:creationId xmlns:a16="http://schemas.microsoft.com/office/drawing/2014/main" id="{5BA8DE8B-2A0A-49CD-9DE7-7EB277A83C1D}"/>
-                </a:ext>
-              </a:extLst>
-            </p:cNvPr>
-            <p:cNvSpPr txBox="1">
-              <a:spLocks/>
-            </p:cNvSpPr>
-            <p:nvPr/>
-          </p:nvSpPr>
-          <p:spPr>
-            <a:xfrm>
-              <a:off x="1673151" y="3048685"/>
-              <a:ext cx="549984" cy="86011"/>
-            </a:xfrm>
-            <a:prstGeom prst="rect">
-              <a:avLst/>
-            </a:prstGeom>
-            <a:solidFill>
-              <a:schemeClr val="bg1">
-                <a:lumMod val="65000"/>
-              </a:schemeClr>
-            </a:solidFill>
-            <a:ln w="76200">
-              <a:noFill/>
-            </a:ln>
-          </p:spPr>
-          <p:txBody>
-            <a:bodyPr vert="horz" lIns="91440" tIns="45720" rIns="91440" bIns="45720" rtlCol="0" anchor="b">
-              <a:noAutofit/>
-            </a:bodyPr>
-            <a:lstStyle>
-              <a:lvl1pPr algn="ctr" defTabSz="914400" rtl="0" eaLnBrk="1" latinLnBrk="0" hangingPunct="1">
-                <a:lnSpc>
-                  <a:spcPct val="90000"/>
-                </a:lnSpc>
-                <a:spcBef>
-                  <a:spcPct val="0"/>
-                </a:spcBef>
-                <a:buNone/>
-                <a:defRPr sz="6000" kern="1200">
-                  <a:solidFill>
-                    <a:schemeClr val="tx1"/>
-                  </a:solidFill>
-                  <a:latin typeface="+mj-lt"/>
-                  <a:ea typeface="+mj-ea"/>
-                  <a:cs typeface="+mj-cs"/>
-                </a:defRPr>
-              </a:lvl1pPr>
-            </a:lstStyle>
-            <a:p>
-              <a:endParaRPr lang="en-US" sz="2400" dirty="0">
-                <a:ln>
-                  <a:solidFill>
-                    <a:schemeClr val="tx1"/>
-                  </a:solidFill>
-                </a:ln>
-              </a:endParaRPr>
-            </a:p>
-          </p:txBody>
-        </p:sp>
-      </p:grpSp>
-      <p:grpSp>
-        <p:nvGrpSpPr>
           <p:cNvPr id="23" name="Group 22">
             <a:extLst>
               <a:ext uri="{FF2B5EF4-FFF2-40B4-BE49-F238E27FC236}">
@@ -26850,10 +26309,10 @@
         </p:nvGrpSpPr>
         <p:grpSpPr>
           <a:xfrm>
-            <a:off x="2591235" y="4812965"/>
-            <a:ext cx="3034502" cy="1493456"/>
-            <a:chOff x="2293159" y="3728858"/>
-            <a:chExt cx="3034502" cy="1493456"/>
+            <a:off x="2346988" y="3329954"/>
+            <a:ext cx="3845993" cy="2752132"/>
+            <a:chOff x="2411768" y="3728858"/>
+            <a:chExt cx="2462627" cy="1762217"/>
           </a:xfrm>
         </p:grpSpPr>
         <p:sp>
@@ -26872,8 +26331,8 @@
           </p:nvSpPr>
           <p:spPr>
             <a:xfrm>
-              <a:off x="2293159" y="3728858"/>
-              <a:ext cx="2170664" cy="388016"/>
+              <a:off x="2411768" y="3728858"/>
+              <a:ext cx="2462627" cy="248751"/>
             </a:xfrm>
             <a:prstGeom prst="rect">
               <a:avLst/>
@@ -27048,28 +26507,20 @@
               </a:lvl9pPr>
             </a:lstStyle>
             <a:p>
+              <a:pPr algn="l"/>
               <a:r>
-                <a:rPr lang="en-US" altLang="ko-KR" sz="2000" dirty="0" err="1">
+                <a:rPr lang="en-US" altLang="ko-KR" sz="2000" dirty="0">
                   <a:solidFill>
                     <a:srgbClr val="013B51"/>
                   </a:solidFill>
                   <a:latin typeface="Noto Sans CJK KR Medium" panose="020B0600000000000000" pitchFamily="34" charset="-127"/>
                   <a:ea typeface="Noto Sans CJK KR Medium" panose="020B0600000000000000" pitchFamily="34" charset="-127"/>
                 </a:rPr>
-                <a:t>lw</a:t>
-              </a:r>
-              <a:r>
-                <a:rPr lang="en-US" altLang="ko-KR" sz="2000" dirty="0">
-                  <a:solidFill>
-                    <a:srgbClr val="013B51"/>
-                  </a:solidFill>
-                  <a:latin typeface="Noto Sans CJK KR Medium" panose="020B0600000000000000" pitchFamily="34" charset="-127"/>
-                  <a:ea typeface="Noto Sans CJK KR Medium" panose="020B0600000000000000" pitchFamily="34" charset="-127"/>
-                </a:rPr>
-                <a:t>(Load Word)</a:t>
+                <a:t>if – then - else</a:t>
               </a:r>
             </a:p>
             <a:p>
+              <a:pPr algn="l"/>
               <a:endParaRPr lang="ko-KR" altLang="en-US" sz="2000" dirty="0">
                 <a:solidFill>
                   <a:srgbClr val="013B51"/>
@@ -27096,8 +26547,8 @@
           </p:nvSpPr>
           <p:spPr>
             <a:xfrm>
-              <a:off x="2411769" y="4116873"/>
-              <a:ext cx="2915892" cy="1105441"/>
+              <a:off x="2411770" y="4116873"/>
+              <a:ext cx="1069489" cy="1105441"/>
             </a:xfrm>
             <a:prstGeom prst="rect">
               <a:avLst/>
@@ -27281,11 +26732,8 @@
                   <a:latin typeface="Noto Sans CJK KR Medium" panose="020B0600000000000000" pitchFamily="34" charset="-127"/>
                   <a:ea typeface="Noto Sans CJK KR Medium" panose="020B0600000000000000" pitchFamily="34" charset="-127"/>
                 </a:rPr>
-                <a:t>g = h + A[8];</a:t>
+                <a:t>if (</a:t>
               </a:r>
-            </a:p>
-            <a:p>
-              <a:pPr algn="l"/>
               <a:r>
                 <a:rPr lang="en-US" altLang="ko-KR" sz="1600" dirty="0" err="1">
                   <a:solidFill>
@@ -27294,7 +26742,7 @@
                   <a:latin typeface="Noto Sans CJK KR Medium" panose="020B0600000000000000" pitchFamily="34" charset="-127"/>
                   <a:ea typeface="Noto Sans CJK KR Medium" panose="020B0600000000000000" pitchFamily="34" charset="-127"/>
                 </a:rPr>
-                <a:t>lw</a:t>
+                <a:t>i</a:t>
               </a:r>
               <a:r>
                 <a:rPr lang="en-US" altLang="ko-KR" sz="1600" dirty="0">
@@ -27304,7 +26752,7 @@
                   <a:latin typeface="Noto Sans CJK KR Medium" panose="020B0600000000000000" pitchFamily="34" charset="-127"/>
                   <a:ea typeface="Noto Sans CJK KR Medium" panose="020B0600000000000000" pitchFamily="34" charset="-127"/>
                 </a:rPr>
-                <a:t>       $t0, 32($s3)</a:t>
+                <a:t> == j) </a:t>
               </a:r>
             </a:p>
             <a:p>
@@ -27317,9 +26765,38 @@
                   <a:latin typeface="Noto Sans CJK KR Medium" panose="020B0600000000000000" pitchFamily="34" charset="-127"/>
                   <a:ea typeface="Noto Sans CJK KR Medium" panose="020B0600000000000000" pitchFamily="34" charset="-127"/>
                 </a:rPr>
-                <a:t>add    $s1, $s2, $t0 </a:t>
+                <a:t>   f = g + h; </a:t>
               </a:r>
-              <a:endParaRPr lang="ko-KR" altLang="en-US" sz="1600" dirty="0">
+            </a:p>
+            <a:p>
+              <a:pPr algn="l"/>
+              <a:r>
+                <a:rPr lang="en-US" altLang="ko-KR" sz="1600" dirty="0">
+                  <a:solidFill>
+                    <a:srgbClr val="013B51"/>
+                  </a:solidFill>
+                  <a:latin typeface="Noto Sans CJK KR Medium" panose="020B0600000000000000" pitchFamily="34" charset="-127"/>
+                  <a:ea typeface="Noto Sans CJK KR Medium" panose="020B0600000000000000" pitchFamily="34" charset="-127"/>
+                </a:rPr>
+                <a:t>else </a:t>
+              </a:r>
+            </a:p>
+            <a:p>
+              <a:pPr algn="l"/>
+              <a:r>
+                <a:rPr lang="en-US" altLang="ko-KR" sz="1600" dirty="0">
+                  <a:solidFill>
+                    <a:srgbClr val="013B51"/>
+                  </a:solidFill>
+                  <a:latin typeface="Noto Sans CJK KR Medium" panose="020B0600000000000000" pitchFamily="34" charset="-127"/>
+                  <a:ea typeface="Noto Sans CJK KR Medium" panose="020B0600000000000000" pitchFamily="34" charset="-127"/>
+                </a:rPr>
+                <a:t>   f = g – h;</a:t>
+              </a:r>
+            </a:p>
+            <a:p>
+              <a:pPr algn="l"/>
+              <a:endParaRPr lang="en-US" altLang="ko-KR" sz="1600" dirty="0">
                 <a:solidFill>
                   <a:srgbClr val="013B51"/>
                 </a:solidFill>
@@ -27329,13 +26806,294 @@
             </a:p>
           </p:txBody>
         </p:sp>
+        <p:sp>
+          <p:nvSpPr>
+            <p:cNvPr id="69" name="Subtitle 2">
+              <a:extLst>
+                <a:ext uri="{FF2B5EF4-FFF2-40B4-BE49-F238E27FC236}">
+                  <a16:creationId xmlns:a16="http://schemas.microsoft.com/office/drawing/2014/main" id="{227194D9-CE5A-41BD-908B-6B8BC79412D3}"/>
+                </a:ext>
+              </a:extLst>
+            </p:cNvPr>
+            <p:cNvSpPr txBox="1">
+              <a:spLocks/>
+            </p:cNvSpPr>
+            <p:nvPr/>
+          </p:nvSpPr>
+          <p:spPr>
+            <a:xfrm>
+              <a:off x="3316562" y="4116873"/>
+              <a:ext cx="1557832" cy="1374202"/>
+            </a:xfrm>
+            <a:prstGeom prst="rect">
+              <a:avLst/>
+            </a:prstGeom>
+          </p:spPr>
+          <p:txBody>
+            <a:bodyPr vert="horz" lIns="91440" tIns="45720" rIns="91440" bIns="45720" rtlCol="0">
+              <a:noAutofit/>
+            </a:bodyPr>
+            <a:lstStyle>
+              <a:lvl1pPr marL="0" indent="0" algn="ctr" defTabSz="914400" rtl="0" eaLnBrk="1" latinLnBrk="1" hangingPunct="1">
+                <a:lnSpc>
+                  <a:spcPct val="90000"/>
+                </a:lnSpc>
+                <a:spcBef>
+                  <a:spcPts val="1000"/>
+                </a:spcBef>
+                <a:buFont typeface="Arial" panose="020B0604020202020204" pitchFamily="34" charset="0"/>
+                <a:buNone/>
+                <a:defRPr sz="2400" kern="1200">
+                  <a:solidFill>
+                    <a:schemeClr val="tx1"/>
+                  </a:solidFill>
+                  <a:latin typeface="+mn-lt"/>
+                  <a:ea typeface="+mn-ea"/>
+                  <a:cs typeface="+mn-cs"/>
+                </a:defRPr>
+              </a:lvl1pPr>
+              <a:lvl2pPr marL="457200" indent="0" algn="ctr" defTabSz="914400" rtl="0" eaLnBrk="1" latinLnBrk="1" hangingPunct="1">
+                <a:lnSpc>
+                  <a:spcPct val="90000"/>
+                </a:lnSpc>
+                <a:spcBef>
+                  <a:spcPts val="500"/>
+                </a:spcBef>
+                <a:buFont typeface="Arial" panose="020B0604020202020204" pitchFamily="34" charset="0"/>
+                <a:buNone/>
+                <a:defRPr sz="2000" kern="1200">
+                  <a:solidFill>
+                    <a:schemeClr val="tx1"/>
+                  </a:solidFill>
+                  <a:latin typeface="+mn-lt"/>
+                  <a:ea typeface="+mn-ea"/>
+                  <a:cs typeface="+mn-cs"/>
+                </a:defRPr>
+              </a:lvl2pPr>
+              <a:lvl3pPr marL="914400" indent="0" algn="ctr" defTabSz="914400" rtl="0" eaLnBrk="1" latinLnBrk="1" hangingPunct="1">
+                <a:lnSpc>
+                  <a:spcPct val="90000"/>
+                </a:lnSpc>
+                <a:spcBef>
+                  <a:spcPts val="500"/>
+                </a:spcBef>
+                <a:buFont typeface="Arial" panose="020B0604020202020204" pitchFamily="34" charset="0"/>
+                <a:buNone/>
+                <a:defRPr sz="1800" kern="1200">
+                  <a:solidFill>
+                    <a:schemeClr val="tx1"/>
+                  </a:solidFill>
+                  <a:latin typeface="+mn-lt"/>
+                  <a:ea typeface="+mn-ea"/>
+                  <a:cs typeface="+mn-cs"/>
+                </a:defRPr>
+              </a:lvl3pPr>
+              <a:lvl4pPr marL="1371600" indent="0" algn="ctr" defTabSz="914400" rtl="0" eaLnBrk="1" latinLnBrk="1" hangingPunct="1">
+                <a:lnSpc>
+                  <a:spcPct val="90000"/>
+                </a:lnSpc>
+                <a:spcBef>
+                  <a:spcPts val="500"/>
+                </a:spcBef>
+                <a:buFont typeface="Arial" panose="020B0604020202020204" pitchFamily="34" charset="0"/>
+                <a:buNone/>
+                <a:defRPr sz="1600" kern="1200">
+                  <a:solidFill>
+                    <a:schemeClr val="tx1"/>
+                  </a:solidFill>
+                  <a:latin typeface="+mn-lt"/>
+                  <a:ea typeface="+mn-ea"/>
+                  <a:cs typeface="+mn-cs"/>
+                </a:defRPr>
+              </a:lvl4pPr>
+              <a:lvl5pPr marL="1828800" indent="0" algn="ctr" defTabSz="914400" rtl="0" eaLnBrk="1" latinLnBrk="1" hangingPunct="1">
+                <a:lnSpc>
+                  <a:spcPct val="90000"/>
+                </a:lnSpc>
+                <a:spcBef>
+                  <a:spcPts val="500"/>
+                </a:spcBef>
+                <a:buFont typeface="Arial" panose="020B0604020202020204" pitchFamily="34" charset="0"/>
+                <a:buNone/>
+                <a:defRPr sz="1600" kern="1200">
+                  <a:solidFill>
+                    <a:schemeClr val="tx1"/>
+                  </a:solidFill>
+                  <a:latin typeface="+mn-lt"/>
+                  <a:ea typeface="+mn-ea"/>
+                  <a:cs typeface="+mn-cs"/>
+                </a:defRPr>
+              </a:lvl5pPr>
+              <a:lvl6pPr marL="2286000" indent="0" algn="ctr" defTabSz="914400" rtl="0" eaLnBrk="1" latinLnBrk="1" hangingPunct="1">
+                <a:lnSpc>
+                  <a:spcPct val="90000"/>
+                </a:lnSpc>
+                <a:spcBef>
+                  <a:spcPts val="500"/>
+                </a:spcBef>
+                <a:buFont typeface="Arial" panose="020B0604020202020204" pitchFamily="34" charset="0"/>
+                <a:buNone/>
+                <a:defRPr sz="1600" kern="1200">
+                  <a:solidFill>
+                    <a:schemeClr val="tx1"/>
+                  </a:solidFill>
+                  <a:latin typeface="+mn-lt"/>
+                  <a:ea typeface="+mn-ea"/>
+                  <a:cs typeface="+mn-cs"/>
+                </a:defRPr>
+              </a:lvl6pPr>
+              <a:lvl7pPr marL="2743200" indent="0" algn="ctr" defTabSz="914400" rtl="0" eaLnBrk="1" latinLnBrk="1" hangingPunct="1">
+                <a:lnSpc>
+                  <a:spcPct val="90000"/>
+                </a:lnSpc>
+                <a:spcBef>
+                  <a:spcPts val="500"/>
+                </a:spcBef>
+                <a:buFont typeface="Arial" panose="020B0604020202020204" pitchFamily="34" charset="0"/>
+                <a:buNone/>
+                <a:defRPr sz="1600" kern="1200">
+                  <a:solidFill>
+                    <a:schemeClr val="tx1"/>
+                  </a:solidFill>
+                  <a:latin typeface="+mn-lt"/>
+                  <a:ea typeface="+mn-ea"/>
+                  <a:cs typeface="+mn-cs"/>
+                </a:defRPr>
+              </a:lvl7pPr>
+              <a:lvl8pPr marL="3200400" indent="0" algn="ctr" defTabSz="914400" rtl="0" eaLnBrk="1" latinLnBrk="1" hangingPunct="1">
+                <a:lnSpc>
+                  <a:spcPct val="90000"/>
+                </a:lnSpc>
+                <a:spcBef>
+                  <a:spcPts val="500"/>
+                </a:spcBef>
+                <a:buFont typeface="Arial" panose="020B0604020202020204" pitchFamily="34" charset="0"/>
+                <a:buNone/>
+                <a:defRPr sz="1600" kern="1200">
+                  <a:solidFill>
+                    <a:schemeClr val="tx1"/>
+                  </a:solidFill>
+                  <a:latin typeface="+mn-lt"/>
+                  <a:ea typeface="+mn-ea"/>
+                  <a:cs typeface="+mn-cs"/>
+                </a:defRPr>
+              </a:lvl8pPr>
+              <a:lvl9pPr marL="3657600" indent="0" algn="ctr" defTabSz="914400" rtl="0" eaLnBrk="1" latinLnBrk="1" hangingPunct="1">
+                <a:lnSpc>
+                  <a:spcPct val="90000"/>
+                </a:lnSpc>
+                <a:spcBef>
+                  <a:spcPts val="500"/>
+                </a:spcBef>
+                <a:buFont typeface="Arial" panose="020B0604020202020204" pitchFamily="34" charset="0"/>
+                <a:buNone/>
+                <a:defRPr sz="1600" kern="1200">
+                  <a:solidFill>
+                    <a:schemeClr val="tx1"/>
+                  </a:solidFill>
+                  <a:latin typeface="+mn-lt"/>
+                  <a:ea typeface="+mn-ea"/>
+                  <a:cs typeface="+mn-cs"/>
+                </a:defRPr>
+              </a:lvl9pPr>
+            </a:lstStyle>
+            <a:p>
+              <a:pPr algn="l"/>
+              <a:r>
+                <a:rPr lang="en-US" altLang="ko-KR" sz="1600" dirty="0" err="1">
+                  <a:solidFill>
+                    <a:srgbClr val="013B51"/>
+                  </a:solidFill>
+                  <a:latin typeface="Noto Sans CJK KR Medium" panose="020B0600000000000000" pitchFamily="34" charset="-127"/>
+                  <a:ea typeface="Noto Sans CJK KR Medium" panose="020B0600000000000000" pitchFamily="34" charset="-127"/>
+                </a:rPr>
+                <a:t>bne</a:t>
+              </a:r>
+              <a:r>
+                <a:rPr lang="en-US" altLang="ko-KR" sz="1600" dirty="0">
+                  <a:solidFill>
+                    <a:srgbClr val="013B51"/>
+                  </a:solidFill>
+                  <a:latin typeface="Noto Sans CJK KR Medium" panose="020B0600000000000000" pitchFamily="34" charset="-127"/>
+                  <a:ea typeface="Noto Sans CJK KR Medium" panose="020B0600000000000000" pitchFamily="34" charset="-127"/>
+                </a:rPr>
+                <a:t> $s3, $s4, Else</a:t>
+              </a:r>
+            </a:p>
+            <a:p>
+              <a:pPr algn="l"/>
+              <a:r>
+                <a:rPr lang="en-US" altLang="ko-KR" sz="1600" dirty="0">
+                  <a:solidFill>
+                    <a:srgbClr val="013B51"/>
+                  </a:solidFill>
+                  <a:latin typeface="Noto Sans CJK KR Medium" panose="020B0600000000000000" pitchFamily="34" charset="-127"/>
+                  <a:ea typeface="Noto Sans CJK KR Medium" panose="020B0600000000000000" pitchFamily="34" charset="-127"/>
+                </a:rPr>
+                <a:t>add $s0, $s1, $s2</a:t>
+              </a:r>
+            </a:p>
+            <a:p>
+              <a:pPr algn="l"/>
+              <a:r>
+                <a:rPr lang="en-US" altLang="ko-KR" sz="1600" dirty="0">
+                  <a:solidFill>
+                    <a:srgbClr val="013B51"/>
+                  </a:solidFill>
+                  <a:latin typeface="Noto Sans CJK KR Medium" panose="020B0600000000000000" pitchFamily="34" charset="-127"/>
+                  <a:ea typeface="Noto Sans CJK KR Medium" panose="020B0600000000000000" pitchFamily="34" charset="-127"/>
+                </a:rPr>
+                <a:t>j        Exit //jump to Exit</a:t>
+              </a:r>
+            </a:p>
+            <a:p>
+              <a:pPr algn="l"/>
+              <a:r>
+                <a:rPr lang="en-US" altLang="ko-KR" sz="1600" dirty="0">
+                  <a:solidFill>
+                    <a:srgbClr val="013B51"/>
+                  </a:solidFill>
+                  <a:latin typeface="Noto Sans CJK KR Medium" panose="020B0600000000000000" pitchFamily="34" charset="-127"/>
+                  <a:ea typeface="Noto Sans CJK KR Medium" panose="020B0600000000000000" pitchFamily="34" charset="-127"/>
+                </a:rPr>
+                <a:t>Else:</a:t>
+              </a:r>
+            </a:p>
+            <a:p>
+              <a:pPr algn="l"/>
+              <a:r>
+                <a:rPr lang="en-US" altLang="ko-KR" sz="1600" dirty="0">
+                  <a:solidFill>
+                    <a:srgbClr val="013B51"/>
+                  </a:solidFill>
+                  <a:latin typeface="Noto Sans CJK KR Medium" panose="020B0600000000000000" pitchFamily="34" charset="-127"/>
+                  <a:ea typeface="Noto Sans CJK KR Medium" panose="020B0600000000000000" pitchFamily="34" charset="-127"/>
+                </a:rPr>
+                <a:t>sub $s0, $s1, $s2</a:t>
+              </a:r>
+            </a:p>
+            <a:p>
+              <a:pPr algn="l"/>
+              <a:r>
+                <a:rPr lang="en-US" altLang="ko-KR" sz="1600" dirty="0">
+                  <a:solidFill>
+                    <a:srgbClr val="013B51"/>
+                  </a:solidFill>
+                  <a:latin typeface="Noto Sans CJK KR Medium" panose="020B0600000000000000" pitchFamily="34" charset="-127"/>
+                  <a:ea typeface="Noto Sans CJK KR Medium" panose="020B0600000000000000" pitchFamily="34" charset="-127"/>
+                </a:rPr>
+                <a:t>Exit:</a:t>
+              </a:r>
+            </a:p>
+          </p:txBody>
+        </p:sp>
       </p:grpSp>
       <p:sp>
         <p:nvSpPr>
-          <p:cNvPr id="214" name="Subtitle 2">
+          <p:cNvPr id="66" name="Subtitle 2">
             <a:extLst>
               <a:ext uri="{FF2B5EF4-FFF2-40B4-BE49-F238E27FC236}">
-                <a16:creationId xmlns:a16="http://schemas.microsoft.com/office/drawing/2014/main" id="{DE1D0F54-262B-479A-AAE5-2CAF1E63A0CB}"/>
+                <a16:creationId xmlns:a16="http://schemas.microsoft.com/office/drawing/2014/main" id="{9E6CB888-ABB2-4C89-A8BF-828D0F4C0872}"/>
               </a:ext>
             </a:extLst>
           </p:cNvPr>
@@ -27346,232 +27104,8 @@
         </p:nvSpPr>
         <p:spPr>
           <a:xfrm>
-            <a:off x="5063555" y="4794865"/>
-            <a:ext cx="2170664" cy="388016"/>
-          </a:xfrm>
-          <a:prstGeom prst="rect">
-            <a:avLst/>
-          </a:prstGeom>
-        </p:spPr>
-        <p:txBody>
-          <a:bodyPr vert="horz" lIns="91440" tIns="45720" rIns="91440" bIns="45720" rtlCol="0">
-            <a:noAutofit/>
-          </a:bodyPr>
-          <a:lstStyle>
-            <a:lvl1pPr marL="0" indent="0" algn="ctr" defTabSz="914400" rtl="0" eaLnBrk="1" latinLnBrk="1" hangingPunct="1">
-              <a:lnSpc>
-                <a:spcPct val="90000"/>
-              </a:lnSpc>
-              <a:spcBef>
-                <a:spcPts val="1000"/>
-              </a:spcBef>
-              <a:buFont typeface="Arial" panose="020B0604020202020204" pitchFamily="34" charset="0"/>
-              <a:buNone/>
-              <a:defRPr sz="2400" kern="1200">
-                <a:solidFill>
-                  <a:schemeClr val="tx1"/>
-                </a:solidFill>
-                <a:latin typeface="+mn-lt"/>
-                <a:ea typeface="+mn-ea"/>
-                <a:cs typeface="+mn-cs"/>
-              </a:defRPr>
-            </a:lvl1pPr>
-            <a:lvl2pPr marL="457200" indent="0" algn="ctr" defTabSz="914400" rtl="0" eaLnBrk="1" latinLnBrk="1" hangingPunct="1">
-              <a:lnSpc>
-                <a:spcPct val="90000"/>
-              </a:lnSpc>
-              <a:spcBef>
-                <a:spcPts val="500"/>
-              </a:spcBef>
-              <a:buFont typeface="Arial" panose="020B0604020202020204" pitchFamily="34" charset="0"/>
-              <a:buNone/>
-              <a:defRPr sz="2000" kern="1200">
-                <a:solidFill>
-                  <a:schemeClr val="tx1"/>
-                </a:solidFill>
-                <a:latin typeface="+mn-lt"/>
-                <a:ea typeface="+mn-ea"/>
-                <a:cs typeface="+mn-cs"/>
-              </a:defRPr>
-            </a:lvl2pPr>
-            <a:lvl3pPr marL="914400" indent="0" algn="ctr" defTabSz="914400" rtl="0" eaLnBrk="1" latinLnBrk="1" hangingPunct="1">
-              <a:lnSpc>
-                <a:spcPct val="90000"/>
-              </a:lnSpc>
-              <a:spcBef>
-                <a:spcPts val="500"/>
-              </a:spcBef>
-              <a:buFont typeface="Arial" panose="020B0604020202020204" pitchFamily="34" charset="0"/>
-              <a:buNone/>
-              <a:defRPr sz="1800" kern="1200">
-                <a:solidFill>
-                  <a:schemeClr val="tx1"/>
-                </a:solidFill>
-                <a:latin typeface="+mn-lt"/>
-                <a:ea typeface="+mn-ea"/>
-                <a:cs typeface="+mn-cs"/>
-              </a:defRPr>
-            </a:lvl3pPr>
-            <a:lvl4pPr marL="1371600" indent="0" algn="ctr" defTabSz="914400" rtl="0" eaLnBrk="1" latinLnBrk="1" hangingPunct="1">
-              <a:lnSpc>
-                <a:spcPct val="90000"/>
-              </a:lnSpc>
-              <a:spcBef>
-                <a:spcPts val="500"/>
-              </a:spcBef>
-              <a:buFont typeface="Arial" panose="020B0604020202020204" pitchFamily="34" charset="0"/>
-              <a:buNone/>
-              <a:defRPr sz="1600" kern="1200">
-                <a:solidFill>
-                  <a:schemeClr val="tx1"/>
-                </a:solidFill>
-                <a:latin typeface="+mn-lt"/>
-                <a:ea typeface="+mn-ea"/>
-                <a:cs typeface="+mn-cs"/>
-              </a:defRPr>
-            </a:lvl4pPr>
-            <a:lvl5pPr marL="1828800" indent="0" algn="ctr" defTabSz="914400" rtl="0" eaLnBrk="1" latinLnBrk="1" hangingPunct="1">
-              <a:lnSpc>
-                <a:spcPct val="90000"/>
-              </a:lnSpc>
-              <a:spcBef>
-                <a:spcPts val="500"/>
-              </a:spcBef>
-              <a:buFont typeface="Arial" panose="020B0604020202020204" pitchFamily="34" charset="0"/>
-              <a:buNone/>
-              <a:defRPr sz="1600" kern="1200">
-                <a:solidFill>
-                  <a:schemeClr val="tx1"/>
-                </a:solidFill>
-                <a:latin typeface="+mn-lt"/>
-                <a:ea typeface="+mn-ea"/>
-                <a:cs typeface="+mn-cs"/>
-              </a:defRPr>
-            </a:lvl5pPr>
-            <a:lvl6pPr marL="2286000" indent="0" algn="ctr" defTabSz="914400" rtl="0" eaLnBrk="1" latinLnBrk="1" hangingPunct="1">
-              <a:lnSpc>
-                <a:spcPct val="90000"/>
-              </a:lnSpc>
-              <a:spcBef>
-                <a:spcPts val="500"/>
-              </a:spcBef>
-              <a:buFont typeface="Arial" panose="020B0604020202020204" pitchFamily="34" charset="0"/>
-              <a:buNone/>
-              <a:defRPr sz="1600" kern="1200">
-                <a:solidFill>
-                  <a:schemeClr val="tx1"/>
-                </a:solidFill>
-                <a:latin typeface="+mn-lt"/>
-                <a:ea typeface="+mn-ea"/>
-                <a:cs typeface="+mn-cs"/>
-              </a:defRPr>
-            </a:lvl6pPr>
-            <a:lvl7pPr marL="2743200" indent="0" algn="ctr" defTabSz="914400" rtl="0" eaLnBrk="1" latinLnBrk="1" hangingPunct="1">
-              <a:lnSpc>
-                <a:spcPct val="90000"/>
-              </a:lnSpc>
-              <a:spcBef>
-                <a:spcPts val="500"/>
-              </a:spcBef>
-              <a:buFont typeface="Arial" panose="020B0604020202020204" pitchFamily="34" charset="0"/>
-              <a:buNone/>
-              <a:defRPr sz="1600" kern="1200">
-                <a:solidFill>
-                  <a:schemeClr val="tx1"/>
-                </a:solidFill>
-                <a:latin typeface="+mn-lt"/>
-                <a:ea typeface="+mn-ea"/>
-                <a:cs typeface="+mn-cs"/>
-              </a:defRPr>
-            </a:lvl7pPr>
-            <a:lvl8pPr marL="3200400" indent="0" algn="ctr" defTabSz="914400" rtl="0" eaLnBrk="1" latinLnBrk="1" hangingPunct="1">
-              <a:lnSpc>
-                <a:spcPct val="90000"/>
-              </a:lnSpc>
-              <a:spcBef>
-                <a:spcPts val="500"/>
-              </a:spcBef>
-              <a:buFont typeface="Arial" panose="020B0604020202020204" pitchFamily="34" charset="0"/>
-              <a:buNone/>
-              <a:defRPr sz="1600" kern="1200">
-                <a:solidFill>
-                  <a:schemeClr val="tx1"/>
-                </a:solidFill>
-                <a:latin typeface="+mn-lt"/>
-                <a:ea typeface="+mn-ea"/>
-                <a:cs typeface="+mn-cs"/>
-              </a:defRPr>
-            </a:lvl8pPr>
-            <a:lvl9pPr marL="3657600" indent="0" algn="ctr" defTabSz="914400" rtl="0" eaLnBrk="1" latinLnBrk="1" hangingPunct="1">
-              <a:lnSpc>
-                <a:spcPct val="90000"/>
-              </a:lnSpc>
-              <a:spcBef>
-                <a:spcPts val="500"/>
-              </a:spcBef>
-              <a:buFont typeface="Arial" panose="020B0604020202020204" pitchFamily="34" charset="0"/>
-              <a:buNone/>
-              <a:defRPr sz="1600" kern="1200">
-                <a:solidFill>
-                  <a:schemeClr val="tx1"/>
-                </a:solidFill>
-                <a:latin typeface="+mn-lt"/>
-                <a:ea typeface="+mn-ea"/>
-                <a:cs typeface="+mn-cs"/>
-              </a:defRPr>
-            </a:lvl9pPr>
-          </a:lstStyle>
-          <a:p>
-            <a:r>
-              <a:rPr lang="en-US" altLang="ko-KR" sz="2000" dirty="0" err="1">
-                <a:solidFill>
-                  <a:srgbClr val="013B51"/>
-                </a:solidFill>
-                <a:latin typeface="Noto Sans CJK KR Medium" panose="020B0600000000000000" pitchFamily="34" charset="-127"/>
-                <a:ea typeface="Noto Sans CJK KR Medium" panose="020B0600000000000000" pitchFamily="34" charset="-127"/>
-              </a:rPr>
-              <a:t>sw</a:t>
-            </a:r>
-            <a:r>
-              <a:rPr lang="en-US" altLang="ko-KR" sz="2000" dirty="0">
-                <a:solidFill>
-                  <a:srgbClr val="013B51"/>
-                </a:solidFill>
-                <a:latin typeface="Noto Sans CJK KR Medium" panose="020B0600000000000000" pitchFamily="34" charset="-127"/>
-                <a:ea typeface="Noto Sans CJK KR Medium" panose="020B0600000000000000" pitchFamily="34" charset="-127"/>
-              </a:rPr>
-              <a:t>(Save Word)</a:t>
-            </a:r>
-          </a:p>
-          <a:p>
-            <a:endParaRPr lang="ko-KR" altLang="en-US" sz="2000" dirty="0">
-              <a:solidFill>
-                <a:srgbClr val="013B51"/>
-              </a:solidFill>
-              <a:latin typeface="Noto Sans CJK KR Medium" panose="020B0600000000000000" pitchFamily="34" charset="-127"/>
-              <a:ea typeface="Noto Sans CJK KR Medium" panose="020B0600000000000000" pitchFamily="34" charset="-127"/>
-            </a:endParaRPr>
-          </a:p>
-        </p:txBody>
-      </p:sp>
-      <p:sp>
-        <p:nvSpPr>
-          <p:cNvPr id="215" name="Subtitle 2">
-            <a:extLst>
-              <a:ext uri="{FF2B5EF4-FFF2-40B4-BE49-F238E27FC236}">
-                <a16:creationId xmlns:a16="http://schemas.microsoft.com/office/drawing/2014/main" id="{9F741BFE-371F-4DFD-9329-2D9001A0410A}"/>
-              </a:ext>
-            </a:extLst>
-          </p:cNvPr>
-          <p:cNvSpPr txBox="1">
-            <a:spLocks/>
-          </p:cNvSpPr>
-          <p:nvPr/>
-        </p:nvSpPr>
-        <p:spPr>
-          <a:xfrm>
-            <a:off x="5182165" y="5182880"/>
-            <a:ext cx="2915892" cy="1403203"/>
+            <a:off x="2346988" y="2204387"/>
+            <a:ext cx="3157168" cy="847312"/>
           </a:xfrm>
           <a:prstGeom prst="rect">
             <a:avLst/>
@@ -27748,75 +27282,295 @@
           <a:p>
             <a:pPr algn="l"/>
             <a:r>
-              <a:rPr lang="en-US" altLang="ko-KR" sz="1600" dirty="0">
+              <a:rPr lang="en-US" altLang="ko-KR" sz="2000" dirty="0" err="1">
                 <a:solidFill>
                   <a:srgbClr val="013B51"/>
                 </a:solidFill>
                 <a:latin typeface="Noto Sans CJK KR Medium" panose="020B0600000000000000" pitchFamily="34" charset="-127"/>
                 <a:ea typeface="Noto Sans CJK KR Medium" panose="020B0600000000000000" pitchFamily="34" charset="-127"/>
               </a:rPr>
-              <a:t>A[12] = h + A[8];</a:t>
+              <a:t>beq</a:t>
             </a:r>
-          </a:p>
-          <a:p>
-            <a:pPr algn="l"/>
             <a:r>
-              <a:rPr lang="en-US" altLang="ko-KR" sz="1600" dirty="0" err="1">
+              <a:rPr lang="en-US" altLang="ko-KR" sz="2000" dirty="0">
                 <a:solidFill>
                   <a:srgbClr val="013B51"/>
                 </a:solidFill>
                 <a:latin typeface="Noto Sans CJK KR Medium" panose="020B0600000000000000" pitchFamily="34" charset="-127"/>
                 <a:ea typeface="Noto Sans CJK KR Medium" panose="020B0600000000000000" pitchFamily="34" charset="-127"/>
               </a:rPr>
-              <a:t>lw</a:t>
+              <a:t>(branch if  equal)</a:t>
             </a:r>
+          </a:p>
+          <a:p>
+            <a:pPr algn="l"/>
             <a:r>
-              <a:rPr lang="en-US" altLang="ko-KR" sz="1600" dirty="0">
+              <a:rPr lang="en-US" altLang="ko-KR" sz="1800" dirty="0" err="1">
                 <a:solidFill>
                   <a:srgbClr val="013B51"/>
                 </a:solidFill>
                 <a:latin typeface="Noto Sans CJK KR Medium" panose="020B0600000000000000" pitchFamily="34" charset="-127"/>
                 <a:ea typeface="Noto Sans CJK KR Medium" panose="020B0600000000000000" pitchFamily="34" charset="-127"/>
               </a:rPr>
-              <a:t>       $t0, 32($s3)</a:t>
+              <a:t>beq</a:t>
             </a:r>
-          </a:p>
-          <a:p>
-            <a:pPr algn="l"/>
             <a:r>
-              <a:rPr lang="en-US" altLang="ko-KR" sz="1600" dirty="0">
+              <a:rPr lang="en-US" altLang="ko-KR" sz="1800" dirty="0">
                 <a:solidFill>
                   <a:srgbClr val="013B51"/>
                 </a:solidFill>
                 <a:latin typeface="Noto Sans CJK KR Medium" panose="020B0600000000000000" pitchFamily="34" charset="-127"/>
                 <a:ea typeface="Noto Sans CJK KR Medium" panose="020B0600000000000000" pitchFamily="34" charset="-127"/>
               </a:rPr>
-              <a:t>add    $t0, $s2, $t0</a:t>
+              <a:t> register1, register2, L1</a:t>
             </a:r>
+            <a:endParaRPr lang="ko-KR" altLang="en-US" sz="1800" dirty="0">
+              <a:solidFill>
+                <a:srgbClr val="013B51"/>
+              </a:solidFill>
+              <a:latin typeface="Noto Sans CJK KR Medium" panose="020B0600000000000000" pitchFamily="34" charset="-127"/>
+              <a:ea typeface="Noto Sans CJK KR Medium" panose="020B0600000000000000" pitchFamily="34" charset="-127"/>
+            </a:endParaRPr>
           </a:p>
+        </p:txBody>
+      </p:sp>
+      <p:sp>
+        <p:nvSpPr>
+          <p:cNvPr id="68" name="Subtitle 2">
+            <a:extLst>
+              <a:ext uri="{FF2B5EF4-FFF2-40B4-BE49-F238E27FC236}">
+                <a16:creationId xmlns:a16="http://schemas.microsoft.com/office/drawing/2014/main" id="{EDB9B575-58E9-43F5-B06C-081B8DC714E9}"/>
+              </a:ext>
+            </a:extLst>
+          </p:cNvPr>
+          <p:cNvSpPr txBox="1">
+            <a:spLocks/>
+          </p:cNvSpPr>
+          <p:nvPr/>
+        </p:nvSpPr>
+        <p:spPr>
+          <a:xfrm>
+            <a:off x="5504156" y="2145432"/>
+            <a:ext cx="3157168" cy="847312"/>
+          </a:xfrm>
+          <a:prstGeom prst="rect">
+            <a:avLst/>
+          </a:prstGeom>
+        </p:spPr>
+        <p:txBody>
+          <a:bodyPr vert="horz" lIns="91440" tIns="45720" rIns="91440" bIns="45720" rtlCol="0">
+            <a:noAutofit/>
+          </a:bodyPr>
+          <a:lstStyle>
+            <a:lvl1pPr marL="0" indent="0" algn="ctr" defTabSz="914400" rtl="0" eaLnBrk="1" latinLnBrk="1" hangingPunct="1">
+              <a:lnSpc>
+                <a:spcPct val="90000"/>
+              </a:lnSpc>
+              <a:spcBef>
+                <a:spcPts val="1000"/>
+              </a:spcBef>
+              <a:buFont typeface="Arial" panose="020B0604020202020204" pitchFamily="34" charset="0"/>
+              <a:buNone/>
+              <a:defRPr sz="2400" kern="1200">
+                <a:solidFill>
+                  <a:schemeClr val="tx1"/>
+                </a:solidFill>
+                <a:latin typeface="+mn-lt"/>
+                <a:ea typeface="+mn-ea"/>
+                <a:cs typeface="+mn-cs"/>
+              </a:defRPr>
+            </a:lvl1pPr>
+            <a:lvl2pPr marL="457200" indent="0" algn="ctr" defTabSz="914400" rtl="0" eaLnBrk="1" latinLnBrk="1" hangingPunct="1">
+              <a:lnSpc>
+                <a:spcPct val="90000"/>
+              </a:lnSpc>
+              <a:spcBef>
+                <a:spcPts val="500"/>
+              </a:spcBef>
+              <a:buFont typeface="Arial" panose="020B0604020202020204" pitchFamily="34" charset="0"/>
+              <a:buNone/>
+              <a:defRPr sz="2000" kern="1200">
+                <a:solidFill>
+                  <a:schemeClr val="tx1"/>
+                </a:solidFill>
+                <a:latin typeface="+mn-lt"/>
+                <a:ea typeface="+mn-ea"/>
+                <a:cs typeface="+mn-cs"/>
+              </a:defRPr>
+            </a:lvl2pPr>
+            <a:lvl3pPr marL="914400" indent="0" algn="ctr" defTabSz="914400" rtl="0" eaLnBrk="1" latinLnBrk="1" hangingPunct="1">
+              <a:lnSpc>
+                <a:spcPct val="90000"/>
+              </a:lnSpc>
+              <a:spcBef>
+                <a:spcPts val="500"/>
+              </a:spcBef>
+              <a:buFont typeface="Arial" panose="020B0604020202020204" pitchFamily="34" charset="0"/>
+              <a:buNone/>
+              <a:defRPr sz="1800" kern="1200">
+                <a:solidFill>
+                  <a:schemeClr val="tx1"/>
+                </a:solidFill>
+                <a:latin typeface="+mn-lt"/>
+                <a:ea typeface="+mn-ea"/>
+                <a:cs typeface="+mn-cs"/>
+              </a:defRPr>
+            </a:lvl3pPr>
+            <a:lvl4pPr marL="1371600" indent="0" algn="ctr" defTabSz="914400" rtl="0" eaLnBrk="1" latinLnBrk="1" hangingPunct="1">
+              <a:lnSpc>
+                <a:spcPct val="90000"/>
+              </a:lnSpc>
+              <a:spcBef>
+                <a:spcPts val="500"/>
+              </a:spcBef>
+              <a:buFont typeface="Arial" panose="020B0604020202020204" pitchFamily="34" charset="0"/>
+              <a:buNone/>
+              <a:defRPr sz="1600" kern="1200">
+                <a:solidFill>
+                  <a:schemeClr val="tx1"/>
+                </a:solidFill>
+                <a:latin typeface="+mn-lt"/>
+                <a:ea typeface="+mn-ea"/>
+                <a:cs typeface="+mn-cs"/>
+              </a:defRPr>
+            </a:lvl4pPr>
+            <a:lvl5pPr marL="1828800" indent="0" algn="ctr" defTabSz="914400" rtl="0" eaLnBrk="1" latinLnBrk="1" hangingPunct="1">
+              <a:lnSpc>
+                <a:spcPct val="90000"/>
+              </a:lnSpc>
+              <a:spcBef>
+                <a:spcPts val="500"/>
+              </a:spcBef>
+              <a:buFont typeface="Arial" panose="020B0604020202020204" pitchFamily="34" charset="0"/>
+              <a:buNone/>
+              <a:defRPr sz="1600" kern="1200">
+                <a:solidFill>
+                  <a:schemeClr val="tx1"/>
+                </a:solidFill>
+                <a:latin typeface="+mn-lt"/>
+                <a:ea typeface="+mn-ea"/>
+                <a:cs typeface="+mn-cs"/>
+              </a:defRPr>
+            </a:lvl5pPr>
+            <a:lvl6pPr marL="2286000" indent="0" algn="ctr" defTabSz="914400" rtl="0" eaLnBrk="1" latinLnBrk="1" hangingPunct="1">
+              <a:lnSpc>
+                <a:spcPct val="90000"/>
+              </a:lnSpc>
+              <a:spcBef>
+                <a:spcPts val="500"/>
+              </a:spcBef>
+              <a:buFont typeface="Arial" panose="020B0604020202020204" pitchFamily="34" charset="0"/>
+              <a:buNone/>
+              <a:defRPr sz="1600" kern="1200">
+                <a:solidFill>
+                  <a:schemeClr val="tx1"/>
+                </a:solidFill>
+                <a:latin typeface="+mn-lt"/>
+                <a:ea typeface="+mn-ea"/>
+                <a:cs typeface="+mn-cs"/>
+              </a:defRPr>
+            </a:lvl6pPr>
+            <a:lvl7pPr marL="2743200" indent="0" algn="ctr" defTabSz="914400" rtl="0" eaLnBrk="1" latinLnBrk="1" hangingPunct="1">
+              <a:lnSpc>
+                <a:spcPct val="90000"/>
+              </a:lnSpc>
+              <a:spcBef>
+                <a:spcPts val="500"/>
+              </a:spcBef>
+              <a:buFont typeface="Arial" panose="020B0604020202020204" pitchFamily="34" charset="0"/>
+              <a:buNone/>
+              <a:defRPr sz="1600" kern="1200">
+                <a:solidFill>
+                  <a:schemeClr val="tx1"/>
+                </a:solidFill>
+                <a:latin typeface="+mn-lt"/>
+                <a:ea typeface="+mn-ea"/>
+                <a:cs typeface="+mn-cs"/>
+              </a:defRPr>
+            </a:lvl7pPr>
+            <a:lvl8pPr marL="3200400" indent="0" algn="ctr" defTabSz="914400" rtl="0" eaLnBrk="1" latinLnBrk="1" hangingPunct="1">
+              <a:lnSpc>
+                <a:spcPct val="90000"/>
+              </a:lnSpc>
+              <a:spcBef>
+                <a:spcPts val="500"/>
+              </a:spcBef>
+              <a:buFont typeface="Arial" panose="020B0604020202020204" pitchFamily="34" charset="0"/>
+              <a:buNone/>
+              <a:defRPr sz="1600" kern="1200">
+                <a:solidFill>
+                  <a:schemeClr val="tx1"/>
+                </a:solidFill>
+                <a:latin typeface="+mn-lt"/>
+                <a:ea typeface="+mn-ea"/>
+                <a:cs typeface="+mn-cs"/>
+              </a:defRPr>
+            </a:lvl8pPr>
+            <a:lvl9pPr marL="3657600" indent="0" algn="ctr" defTabSz="914400" rtl="0" eaLnBrk="1" latinLnBrk="1" hangingPunct="1">
+              <a:lnSpc>
+                <a:spcPct val="90000"/>
+              </a:lnSpc>
+              <a:spcBef>
+                <a:spcPts val="500"/>
+              </a:spcBef>
+              <a:buFont typeface="Arial" panose="020B0604020202020204" pitchFamily="34" charset="0"/>
+              <a:buNone/>
+              <a:defRPr sz="1600" kern="1200">
+                <a:solidFill>
+                  <a:schemeClr val="tx1"/>
+                </a:solidFill>
+                <a:latin typeface="+mn-lt"/>
+                <a:ea typeface="+mn-ea"/>
+                <a:cs typeface="+mn-cs"/>
+              </a:defRPr>
+            </a:lvl9pPr>
+          </a:lstStyle>
           <a:p>
             <a:pPr algn="l"/>
             <a:r>
-              <a:rPr lang="en-US" altLang="ko-KR" sz="1600" dirty="0" err="1">
+              <a:rPr lang="en-US" altLang="ko-KR" sz="2000" dirty="0" err="1">
                 <a:solidFill>
                   <a:srgbClr val="013B51"/>
                 </a:solidFill>
                 <a:latin typeface="Noto Sans CJK KR Medium" panose="020B0600000000000000" pitchFamily="34" charset="-127"/>
                 <a:ea typeface="Noto Sans CJK KR Medium" panose="020B0600000000000000" pitchFamily="34" charset="-127"/>
               </a:rPr>
-              <a:t>sw</a:t>
+              <a:t>bne</a:t>
             </a:r>
             <a:r>
-              <a:rPr lang="en-US" altLang="ko-KR" sz="1600" dirty="0">
+              <a:rPr lang="en-US" altLang="ko-KR" sz="2000" dirty="0">
                 <a:solidFill>
                   <a:srgbClr val="013B51"/>
                 </a:solidFill>
                 <a:latin typeface="Noto Sans CJK KR Medium" panose="020B0600000000000000" pitchFamily="34" charset="-127"/>
                 <a:ea typeface="Noto Sans CJK KR Medium" panose="020B0600000000000000" pitchFamily="34" charset="-127"/>
               </a:rPr>
-              <a:t>      $t0, 48($s3) </a:t>
+              <a:t>(branch not equal)</a:t>
             </a:r>
-            <a:endParaRPr lang="ko-KR" altLang="en-US" sz="1600" dirty="0">
+          </a:p>
+          <a:p>
+            <a:pPr algn="l"/>
+            <a:r>
+              <a:rPr lang="en-US" altLang="ko-KR" sz="1800" dirty="0" err="1">
+                <a:solidFill>
+                  <a:srgbClr val="013B51"/>
+                </a:solidFill>
+                <a:latin typeface="Noto Sans CJK KR Medium" panose="020B0600000000000000" pitchFamily="34" charset="-127"/>
+                <a:ea typeface="Noto Sans CJK KR Medium" panose="020B0600000000000000" pitchFamily="34" charset="-127"/>
+              </a:rPr>
+              <a:t>bne</a:t>
+            </a:r>
+            <a:r>
+              <a:rPr lang="en-US" altLang="ko-KR" sz="1800" dirty="0">
+                <a:solidFill>
+                  <a:srgbClr val="013B51"/>
+                </a:solidFill>
+                <a:latin typeface="Noto Sans CJK KR Medium" panose="020B0600000000000000" pitchFamily="34" charset="-127"/>
+                <a:ea typeface="Noto Sans CJK KR Medium" panose="020B0600000000000000" pitchFamily="34" charset="-127"/>
+              </a:rPr>
+              <a:t> register1, register2, L1</a:t>
+            </a:r>
+            <a:endParaRPr lang="ko-KR" altLang="en-US" sz="1800" dirty="0">
               <a:solidFill>
                 <a:srgbClr val="013B51"/>
               </a:solidFill>
@@ -27828,10 +27582,10 @@
       </p:sp>
       <p:grpSp>
         <p:nvGrpSpPr>
-          <p:cNvPr id="27" name="Group 26">
+          <p:cNvPr id="70" name="Group 69">
             <a:extLst>
               <a:ext uri="{FF2B5EF4-FFF2-40B4-BE49-F238E27FC236}">
-                <a16:creationId xmlns:a16="http://schemas.microsoft.com/office/drawing/2014/main" id="{296A96EC-0226-4BFF-89D1-96A552B639D6}"/>
+                <a16:creationId xmlns:a16="http://schemas.microsoft.com/office/drawing/2014/main" id="{22D58E60-A7F5-456D-A04A-B11895331931}"/>
               </a:ext>
             </a:extLst>
           </p:cNvPr>
@@ -27840,2606 +27594,838 @@
         </p:nvGrpSpPr>
         <p:grpSpPr>
           <a:xfrm>
-            <a:off x="9161629" y="4500254"/>
-            <a:ext cx="2832094" cy="2226214"/>
-            <a:chOff x="7846542" y="3804967"/>
-            <a:chExt cx="2832099" cy="2226219"/>
-          </a:xfrm>
-        </p:grpSpPr>
-        <p:grpSp>
-          <p:nvGrpSpPr>
-            <p:cNvPr id="25" name="Group 24">
-              <a:extLst>
-                <a:ext uri="{FF2B5EF4-FFF2-40B4-BE49-F238E27FC236}">
-                  <a16:creationId xmlns:a16="http://schemas.microsoft.com/office/drawing/2014/main" id="{E660CE25-DC00-4962-A42C-1B9EFC2A5D9B}"/>
-                </a:ext>
-              </a:extLst>
-            </p:cNvPr>
-            <p:cNvGrpSpPr/>
-            <p:nvPr/>
-          </p:nvGrpSpPr>
-          <p:grpSpPr>
-            <a:xfrm>
-              <a:off x="8512368" y="3804970"/>
-              <a:ext cx="2166273" cy="2226216"/>
-              <a:chOff x="8375338" y="4158138"/>
-              <a:chExt cx="1822612" cy="1873046"/>
-            </a:xfrm>
-          </p:grpSpPr>
-          <p:sp>
-            <p:nvSpPr>
-              <p:cNvPr id="24" name="Rectangle 23">
-                <a:extLst>
-                  <a:ext uri="{FF2B5EF4-FFF2-40B4-BE49-F238E27FC236}">
-                    <a16:creationId xmlns:a16="http://schemas.microsoft.com/office/drawing/2014/main" id="{B94B4045-2697-48A8-87A8-5527DF9B9475}"/>
-                  </a:ext>
-                </a:extLst>
-              </p:cNvPr>
-              <p:cNvSpPr/>
-              <p:nvPr/>
-            </p:nvSpPr>
-            <p:spPr>
-              <a:xfrm>
-                <a:off x="8375338" y="5639912"/>
-                <a:ext cx="1822612" cy="391272"/>
-              </a:xfrm>
-              <a:prstGeom prst="rect">
-                <a:avLst/>
-              </a:prstGeom>
-              <a:noFill/>
-              <a:ln w="76200">
-                <a:solidFill>
-                  <a:srgbClr val="013B51"/>
-                </a:solidFill>
-              </a:ln>
-            </p:spPr>
-            <p:style>
-              <a:lnRef idx="2">
-                <a:schemeClr val="accent1">
-                  <a:shade val="50000"/>
-                </a:schemeClr>
-              </a:lnRef>
-              <a:fillRef idx="1">
-                <a:schemeClr val="accent1"/>
-              </a:fillRef>
-              <a:effectRef idx="0">
-                <a:schemeClr val="accent1"/>
-              </a:effectRef>
-              <a:fontRef idx="minor">
-                <a:schemeClr val="lt1"/>
-              </a:fontRef>
-            </p:style>
-            <p:txBody>
-              <a:bodyPr rtlCol="0" anchor="ctr"/>
-              <a:lstStyle/>
-              <a:p>
-                <a:pPr algn="ctr"/>
-                <a:r>
-                  <a:rPr lang="en-US" altLang="ko-KR" dirty="0">
-                    <a:solidFill>
-                      <a:srgbClr val="013B51"/>
-                    </a:solidFill>
-                    <a:latin typeface="Noto Sans CJK KR Bold" panose="020B0800000000000000" pitchFamily="34" charset="-127"/>
-                    <a:ea typeface="Noto Sans CJK KR Bold" panose="020B0800000000000000" pitchFamily="34" charset="-127"/>
-                  </a:rPr>
-                  <a:t>1</a:t>
-                </a:r>
-                <a:endParaRPr lang="ko-KR" altLang="en-US" dirty="0">
-                  <a:solidFill>
-                    <a:srgbClr val="013B51"/>
-                  </a:solidFill>
-                  <a:latin typeface="Noto Sans CJK KR Bold" panose="020B0800000000000000" pitchFamily="34" charset="-127"/>
-                  <a:ea typeface="Noto Sans CJK KR Bold" panose="020B0800000000000000" pitchFamily="34" charset="-127"/>
-                </a:endParaRPr>
-              </a:p>
-            </p:txBody>
-          </p:sp>
-          <p:sp>
-            <p:nvSpPr>
-              <p:cNvPr id="218" name="Rectangle 217">
-                <a:extLst>
-                  <a:ext uri="{FF2B5EF4-FFF2-40B4-BE49-F238E27FC236}">
-                    <a16:creationId xmlns:a16="http://schemas.microsoft.com/office/drawing/2014/main" id="{AE364071-2234-457D-AE82-5E8EB41B2EB8}"/>
-                  </a:ext>
-                </a:extLst>
-              </p:cNvPr>
-              <p:cNvSpPr/>
-              <p:nvPr/>
-            </p:nvSpPr>
-            <p:spPr>
-              <a:xfrm>
-                <a:off x="8375338" y="5226304"/>
-                <a:ext cx="1822612" cy="391272"/>
-              </a:xfrm>
-              <a:prstGeom prst="rect">
-                <a:avLst/>
-              </a:prstGeom>
-              <a:noFill/>
-              <a:ln w="76200">
-                <a:solidFill>
-                  <a:srgbClr val="013B51"/>
-                </a:solidFill>
-              </a:ln>
-            </p:spPr>
-            <p:style>
-              <a:lnRef idx="2">
-                <a:schemeClr val="accent1">
-                  <a:shade val="50000"/>
-                </a:schemeClr>
-              </a:lnRef>
-              <a:fillRef idx="1">
-                <a:schemeClr val="accent1"/>
-              </a:fillRef>
-              <a:effectRef idx="0">
-                <a:schemeClr val="accent1"/>
-              </a:effectRef>
-              <a:fontRef idx="minor">
-                <a:schemeClr val="lt1"/>
-              </a:fontRef>
-            </p:style>
-            <p:txBody>
-              <a:bodyPr rtlCol="0" anchor="ctr"/>
-              <a:lstStyle/>
-              <a:p>
-                <a:pPr algn="ctr"/>
-                <a:r>
-                  <a:rPr lang="en-US" altLang="ko-KR" dirty="0">
-                    <a:solidFill>
-                      <a:srgbClr val="013B51"/>
-                    </a:solidFill>
-                    <a:latin typeface="Noto Sans CJK KR Bold" panose="020B0800000000000000" pitchFamily="34" charset="-127"/>
-                    <a:ea typeface="Noto Sans CJK KR Bold" panose="020B0800000000000000" pitchFamily="34" charset="-127"/>
-                  </a:rPr>
-                  <a:t>101</a:t>
-                </a:r>
-                <a:endParaRPr lang="ko-KR" altLang="en-US" dirty="0">
-                  <a:solidFill>
-                    <a:srgbClr val="013B51"/>
-                  </a:solidFill>
-                  <a:latin typeface="Noto Sans CJK KR Bold" panose="020B0800000000000000" pitchFamily="34" charset="-127"/>
-                  <a:ea typeface="Noto Sans CJK KR Bold" panose="020B0800000000000000" pitchFamily="34" charset="-127"/>
-                </a:endParaRPr>
-              </a:p>
-            </p:txBody>
-          </p:sp>
-          <p:sp>
-            <p:nvSpPr>
-              <p:cNvPr id="219" name="Rectangle 218">
-                <a:extLst>
-                  <a:ext uri="{FF2B5EF4-FFF2-40B4-BE49-F238E27FC236}">
-                    <a16:creationId xmlns:a16="http://schemas.microsoft.com/office/drawing/2014/main" id="{7C2B519D-2529-4A93-A24D-8E624D996161}"/>
-                  </a:ext>
-                </a:extLst>
-              </p:cNvPr>
-              <p:cNvSpPr/>
-              <p:nvPr/>
-            </p:nvSpPr>
-            <p:spPr>
-              <a:xfrm>
-                <a:off x="8375338" y="4843831"/>
-                <a:ext cx="1822612" cy="391272"/>
-              </a:xfrm>
-              <a:prstGeom prst="rect">
-                <a:avLst/>
-              </a:prstGeom>
-              <a:noFill/>
-              <a:ln w="76200">
-                <a:solidFill>
-                  <a:srgbClr val="013B51"/>
-                </a:solidFill>
-              </a:ln>
-            </p:spPr>
-            <p:style>
-              <a:lnRef idx="2">
-                <a:schemeClr val="accent1">
-                  <a:shade val="50000"/>
-                </a:schemeClr>
-              </a:lnRef>
-              <a:fillRef idx="1">
-                <a:schemeClr val="accent1"/>
-              </a:fillRef>
-              <a:effectRef idx="0">
-                <a:schemeClr val="accent1"/>
-              </a:effectRef>
-              <a:fontRef idx="minor">
-                <a:schemeClr val="lt1"/>
-              </a:fontRef>
-            </p:style>
-            <p:txBody>
-              <a:bodyPr rtlCol="0" anchor="ctr"/>
-              <a:lstStyle/>
-              <a:p>
-                <a:pPr algn="ctr"/>
-                <a:r>
-                  <a:rPr lang="en-US" altLang="ko-KR" dirty="0">
-                    <a:solidFill>
-                      <a:srgbClr val="013B51"/>
-                    </a:solidFill>
-                    <a:latin typeface="Noto Sans CJK KR Bold" panose="020B0800000000000000" pitchFamily="34" charset="-127"/>
-                    <a:ea typeface="Noto Sans CJK KR Bold" panose="020B0800000000000000" pitchFamily="34" charset="-127"/>
-                  </a:rPr>
-                  <a:t>10</a:t>
-                </a:r>
-                <a:endParaRPr lang="ko-KR" altLang="en-US" dirty="0">
-                  <a:solidFill>
-                    <a:srgbClr val="013B51"/>
-                  </a:solidFill>
-                  <a:latin typeface="Noto Sans CJK KR Bold" panose="020B0800000000000000" pitchFamily="34" charset="-127"/>
-                  <a:ea typeface="Noto Sans CJK KR Bold" panose="020B0800000000000000" pitchFamily="34" charset="-127"/>
-                </a:endParaRPr>
-              </a:p>
-            </p:txBody>
-          </p:sp>
-          <p:sp>
-            <p:nvSpPr>
-              <p:cNvPr id="220" name="Rectangle 219">
-                <a:extLst>
-                  <a:ext uri="{FF2B5EF4-FFF2-40B4-BE49-F238E27FC236}">
-                    <a16:creationId xmlns:a16="http://schemas.microsoft.com/office/drawing/2014/main" id="{B664EA53-DE30-4290-9EF8-A8A5EA947440}"/>
-                  </a:ext>
-                </a:extLst>
-              </p:cNvPr>
-              <p:cNvSpPr/>
-              <p:nvPr/>
-            </p:nvSpPr>
-            <p:spPr>
-              <a:xfrm>
-                <a:off x="8375338" y="4430223"/>
-                <a:ext cx="1822612" cy="391272"/>
-              </a:xfrm>
-              <a:prstGeom prst="rect">
-                <a:avLst/>
-              </a:prstGeom>
-              <a:noFill/>
-              <a:ln w="76200">
-                <a:solidFill>
-                  <a:srgbClr val="013B51"/>
-                </a:solidFill>
-              </a:ln>
-            </p:spPr>
-            <p:style>
-              <a:lnRef idx="2">
-                <a:schemeClr val="accent1">
-                  <a:shade val="50000"/>
-                </a:schemeClr>
-              </a:lnRef>
-              <a:fillRef idx="1">
-                <a:schemeClr val="accent1"/>
-              </a:fillRef>
-              <a:effectRef idx="0">
-                <a:schemeClr val="accent1"/>
-              </a:effectRef>
-              <a:fontRef idx="minor">
-                <a:schemeClr val="lt1"/>
-              </a:fontRef>
-            </p:style>
-            <p:txBody>
-              <a:bodyPr rtlCol="0" anchor="ctr"/>
-              <a:lstStyle/>
-              <a:p>
-                <a:pPr algn="ctr"/>
-                <a:r>
-                  <a:rPr lang="en-US" altLang="ko-KR" dirty="0">
-                    <a:solidFill>
-                      <a:srgbClr val="013B51"/>
-                    </a:solidFill>
-                    <a:latin typeface="Noto Sans CJK KR Bold" panose="020B0800000000000000" pitchFamily="34" charset="-127"/>
-                    <a:ea typeface="Noto Sans CJK KR Bold" panose="020B0800000000000000" pitchFamily="34" charset="-127"/>
-                  </a:rPr>
-                  <a:t>100</a:t>
-                </a:r>
-                <a:endParaRPr lang="ko-KR" altLang="en-US" dirty="0">
-                  <a:solidFill>
-                    <a:srgbClr val="013B51"/>
-                  </a:solidFill>
-                  <a:latin typeface="Noto Sans CJK KR Bold" panose="020B0800000000000000" pitchFamily="34" charset="-127"/>
-                  <a:ea typeface="Noto Sans CJK KR Bold" panose="020B0800000000000000" pitchFamily="34" charset="-127"/>
-                </a:endParaRPr>
-              </a:p>
-            </p:txBody>
-          </p:sp>
-          <p:sp>
-            <p:nvSpPr>
-              <p:cNvPr id="227" name="Rectangle 226">
-                <a:extLst>
-                  <a:ext uri="{FF2B5EF4-FFF2-40B4-BE49-F238E27FC236}">
-                    <a16:creationId xmlns:a16="http://schemas.microsoft.com/office/drawing/2014/main" id="{13D2B9F9-4F0E-4C74-AD10-7DEDC6AD56A9}"/>
-                  </a:ext>
-                </a:extLst>
-              </p:cNvPr>
-              <p:cNvSpPr/>
-              <p:nvPr/>
-            </p:nvSpPr>
-            <p:spPr>
-              <a:xfrm>
-                <a:off x="8375338" y="4158138"/>
-                <a:ext cx="1822612" cy="282785"/>
-              </a:xfrm>
-              <a:prstGeom prst="rect">
-                <a:avLst/>
-              </a:prstGeom>
-              <a:noFill/>
-              <a:ln w="76200">
-                <a:solidFill>
-                  <a:srgbClr val="013B51"/>
-                </a:solidFill>
-              </a:ln>
-            </p:spPr>
-            <p:style>
-              <a:lnRef idx="2">
-                <a:schemeClr val="accent1">
-                  <a:shade val="50000"/>
-                </a:schemeClr>
-              </a:lnRef>
-              <a:fillRef idx="1">
-                <a:schemeClr val="accent1"/>
-              </a:fillRef>
-              <a:effectRef idx="0">
-                <a:schemeClr val="accent1"/>
-              </a:effectRef>
-              <a:fontRef idx="minor">
-                <a:schemeClr val="lt1"/>
-              </a:fontRef>
-            </p:style>
-            <p:txBody>
-              <a:bodyPr rtlCol="0" anchor="ctr"/>
-              <a:lstStyle/>
-              <a:p>
-                <a:pPr algn="ctr"/>
-                <a:r>
-                  <a:rPr lang="en-US" altLang="ko-KR" sz="1100" dirty="0">
-                    <a:solidFill>
-                      <a:srgbClr val="013B51"/>
-                    </a:solidFill>
-                    <a:latin typeface="Noto Sans CJK KR Bold" panose="020B0800000000000000" pitchFamily="34" charset="-127"/>
-                    <a:ea typeface="Noto Sans CJK KR Bold" panose="020B0800000000000000" pitchFamily="34" charset="-127"/>
-                  </a:rPr>
-                  <a:t>Data</a:t>
-                </a:r>
-                <a:endParaRPr lang="ko-KR" altLang="en-US" sz="1100" dirty="0">
-                  <a:solidFill>
-                    <a:srgbClr val="013B51"/>
-                  </a:solidFill>
-                  <a:latin typeface="Noto Sans CJK KR Bold" panose="020B0800000000000000" pitchFamily="34" charset="-127"/>
-                  <a:ea typeface="Noto Sans CJK KR Bold" panose="020B0800000000000000" pitchFamily="34" charset="-127"/>
-                </a:endParaRPr>
-              </a:p>
-            </p:txBody>
-          </p:sp>
-        </p:grpSp>
-        <p:grpSp>
-          <p:nvGrpSpPr>
-            <p:cNvPr id="222" name="Group 221">
-              <a:extLst>
-                <a:ext uri="{FF2B5EF4-FFF2-40B4-BE49-F238E27FC236}">
-                  <a16:creationId xmlns:a16="http://schemas.microsoft.com/office/drawing/2014/main" id="{060FAE79-1738-4627-B511-FEA68AF4EA34}"/>
-                </a:ext>
-              </a:extLst>
-            </p:cNvPr>
-            <p:cNvGrpSpPr/>
-            <p:nvPr/>
-          </p:nvGrpSpPr>
-          <p:grpSpPr>
-            <a:xfrm>
-              <a:off x="7846542" y="3804967"/>
-              <a:ext cx="665826" cy="2226216"/>
-              <a:chOff x="8375335" y="4158137"/>
-              <a:chExt cx="1822615" cy="1873047"/>
-            </a:xfrm>
-          </p:grpSpPr>
-          <p:sp>
-            <p:nvSpPr>
-              <p:cNvPr id="223" name="Rectangle 222">
-                <a:extLst>
-                  <a:ext uri="{FF2B5EF4-FFF2-40B4-BE49-F238E27FC236}">
-                    <a16:creationId xmlns:a16="http://schemas.microsoft.com/office/drawing/2014/main" id="{6B43CA79-2799-4B42-9111-E2B57B0CA6E4}"/>
-                  </a:ext>
-                </a:extLst>
-              </p:cNvPr>
-              <p:cNvSpPr/>
-              <p:nvPr/>
-            </p:nvSpPr>
-            <p:spPr>
-              <a:xfrm>
-                <a:off x="8375338" y="5639912"/>
-                <a:ext cx="1822612" cy="391272"/>
-              </a:xfrm>
-              <a:prstGeom prst="rect">
-                <a:avLst/>
-              </a:prstGeom>
-              <a:noFill/>
-              <a:ln w="76200">
-                <a:solidFill>
-                  <a:srgbClr val="013B51"/>
-                </a:solidFill>
-              </a:ln>
-            </p:spPr>
-            <p:style>
-              <a:lnRef idx="2">
-                <a:schemeClr val="accent1">
-                  <a:shade val="50000"/>
-                </a:schemeClr>
-              </a:lnRef>
-              <a:fillRef idx="1">
-                <a:schemeClr val="accent1"/>
-              </a:fillRef>
-              <a:effectRef idx="0">
-                <a:schemeClr val="accent1"/>
-              </a:effectRef>
-              <a:fontRef idx="minor">
-                <a:schemeClr val="lt1"/>
-              </a:fontRef>
-            </p:style>
-            <p:txBody>
-              <a:bodyPr rtlCol="0" anchor="ctr"/>
-              <a:lstStyle/>
-              <a:p>
-                <a:pPr algn="ctr"/>
-                <a:r>
-                  <a:rPr lang="en-US" altLang="ko-KR" dirty="0">
-                    <a:solidFill>
-                      <a:srgbClr val="013B51"/>
-                    </a:solidFill>
-                    <a:latin typeface="Noto Sans CJK KR Bold" panose="020B0800000000000000" pitchFamily="34" charset="-127"/>
-                    <a:ea typeface="Noto Sans CJK KR Bold" panose="020B0800000000000000" pitchFamily="34" charset="-127"/>
-                  </a:rPr>
-                  <a:t>0</a:t>
-                </a:r>
-                <a:endParaRPr lang="ko-KR" altLang="en-US" dirty="0">
-                  <a:solidFill>
-                    <a:srgbClr val="013B51"/>
-                  </a:solidFill>
-                  <a:latin typeface="Noto Sans CJK KR Bold" panose="020B0800000000000000" pitchFamily="34" charset="-127"/>
-                  <a:ea typeface="Noto Sans CJK KR Bold" panose="020B0800000000000000" pitchFamily="34" charset="-127"/>
-                </a:endParaRPr>
-              </a:p>
-            </p:txBody>
-          </p:sp>
-          <p:sp>
-            <p:nvSpPr>
-              <p:cNvPr id="224" name="Rectangle 223">
-                <a:extLst>
-                  <a:ext uri="{FF2B5EF4-FFF2-40B4-BE49-F238E27FC236}">
-                    <a16:creationId xmlns:a16="http://schemas.microsoft.com/office/drawing/2014/main" id="{C9D30452-BCBB-41BE-89E9-0212080D7C5B}"/>
-                  </a:ext>
-                </a:extLst>
-              </p:cNvPr>
-              <p:cNvSpPr/>
-              <p:nvPr/>
-            </p:nvSpPr>
-            <p:spPr>
-              <a:xfrm>
-                <a:off x="8375335" y="5226304"/>
-                <a:ext cx="1822612" cy="391272"/>
-              </a:xfrm>
-              <a:prstGeom prst="rect">
-                <a:avLst/>
-              </a:prstGeom>
-              <a:noFill/>
-              <a:ln w="76200">
-                <a:solidFill>
-                  <a:srgbClr val="013B51"/>
-                </a:solidFill>
-              </a:ln>
-            </p:spPr>
-            <p:style>
-              <a:lnRef idx="2">
-                <a:schemeClr val="accent1">
-                  <a:shade val="50000"/>
-                </a:schemeClr>
-              </a:lnRef>
-              <a:fillRef idx="1">
-                <a:schemeClr val="accent1"/>
-              </a:fillRef>
-              <a:effectRef idx="0">
-                <a:schemeClr val="accent1"/>
-              </a:effectRef>
-              <a:fontRef idx="minor">
-                <a:schemeClr val="lt1"/>
-              </a:fontRef>
-            </p:style>
-            <p:txBody>
-              <a:bodyPr rtlCol="0" anchor="ctr"/>
-              <a:lstStyle/>
-              <a:p>
-                <a:pPr algn="ctr"/>
-                <a:r>
-                  <a:rPr lang="en-US" altLang="ko-KR" dirty="0">
-                    <a:solidFill>
-                      <a:srgbClr val="013B51"/>
-                    </a:solidFill>
-                    <a:latin typeface="Noto Sans CJK KR Bold" panose="020B0800000000000000" pitchFamily="34" charset="-127"/>
-                    <a:ea typeface="Noto Sans CJK KR Bold" panose="020B0800000000000000" pitchFamily="34" charset="-127"/>
-                  </a:rPr>
-                  <a:t>4</a:t>
-                </a:r>
-                <a:endParaRPr lang="ko-KR" altLang="en-US" dirty="0">
-                  <a:solidFill>
-                    <a:srgbClr val="013B51"/>
-                  </a:solidFill>
-                  <a:latin typeface="Noto Sans CJK KR Bold" panose="020B0800000000000000" pitchFamily="34" charset="-127"/>
-                  <a:ea typeface="Noto Sans CJK KR Bold" panose="020B0800000000000000" pitchFamily="34" charset="-127"/>
-                </a:endParaRPr>
-              </a:p>
-            </p:txBody>
-          </p:sp>
-          <p:sp>
-            <p:nvSpPr>
-              <p:cNvPr id="225" name="Rectangle 224">
-                <a:extLst>
-                  <a:ext uri="{FF2B5EF4-FFF2-40B4-BE49-F238E27FC236}">
-                    <a16:creationId xmlns:a16="http://schemas.microsoft.com/office/drawing/2014/main" id="{516AE550-CE74-4BD9-9F40-9CE2F5BA9A14}"/>
-                  </a:ext>
-                </a:extLst>
-              </p:cNvPr>
-              <p:cNvSpPr/>
-              <p:nvPr/>
-            </p:nvSpPr>
-            <p:spPr>
-              <a:xfrm>
-                <a:off x="8375338" y="4843831"/>
-                <a:ext cx="1822612" cy="391272"/>
-              </a:xfrm>
-              <a:prstGeom prst="rect">
-                <a:avLst/>
-              </a:prstGeom>
-              <a:noFill/>
-              <a:ln w="76200">
-                <a:solidFill>
-                  <a:srgbClr val="013B51"/>
-                </a:solidFill>
-              </a:ln>
-            </p:spPr>
-            <p:style>
-              <a:lnRef idx="2">
-                <a:schemeClr val="accent1">
-                  <a:shade val="50000"/>
-                </a:schemeClr>
-              </a:lnRef>
-              <a:fillRef idx="1">
-                <a:schemeClr val="accent1"/>
-              </a:fillRef>
-              <a:effectRef idx="0">
-                <a:schemeClr val="accent1"/>
-              </a:effectRef>
-              <a:fontRef idx="minor">
-                <a:schemeClr val="lt1"/>
-              </a:fontRef>
-            </p:style>
-            <p:txBody>
-              <a:bodyPr rtlCol="0" anchor="ctr"/>
-              <a:lstStyle/>
-              <a:p>
-                <a:pPr algn="ctr"/>
-                <a:r>
-                  <a:rPr lang="en-US" altLang="ko-KR" dirty="0">
-                    <a:solidFill>
-                      <a:srgbClr val="013B51"/>
-                    </a:solidFill>
-                    <a:latin typeface="Noto Sans CJK KR Bold" panose="020B0800000000000000" pitchFamily="34" charset="-127"/>
-                    <a:ea typeface="Noto Sans CJK KR Bold" panose="020B0800000000000000" pitchFamily="34" charset="-127"/>
-                  </a:rPr>
-                  <a:t>8</a:t>
-                </a:r>
-                <a:endParaRPr lang="ko-KR" altLang="en-US" dirty="0">
-                  <a:solidFill>
-                    <a:srgbClr val="013B51"/>
-                  </a:solidFill>
-                  <a:latin typeface="Noto Sans CJK KR Bold" panose="020B0800000000000000" pitchFamily="34" charset="-127"/>
-                  <a:ea typeface="Noto Sans CJK KR Bold" panose="020B0800000000000000" pitchFamily="34" charset="-127"/>
-                </a:endParaRPr>
-              </a:p>
-            </p:txBody>
-          </p:sp>
-          <p:sp>
-            <p:nvSpPr>
-              <p:cNvPr id="226" name="Rectangle 225">
-                <a:extLst>
-                  <a:ext uri="{FF2B5EF4-FFF2-40B4-BE49-F238E27FC236}">
-                    <a16:creationId xmlns:a16="http://schemas.microsoft.com/office/drawing/2014/main" id="{B7C48896-D0BB-4FA3-9DD1-A9D9E37B0343}"/>
-                  </a:ext>
-                </a:extLst>
-              </p:cNvPr>
-              <p:cNvSpPr/>
-              <p:nvPr/>
-            </p:nvSpPr>
-            <p:spPr>
-              <a:xfrm>
-                <a:off x="8375338" y="4430223"/>
-                <a:ext cx="1822612" cy="391272"/>
-              </a:xfrm>
-              <a:prstGeom prst="rect">
-                <a:avLst/>
-              </a:prstGeom>
-              <a:noFill/>
-              <a:ln w="76200">
-                <a:solidFill>
-                  <a:srgbClr val="013B51"/>
-                </a:solidFill>
-              </a:ln>
-            </p:spPr>
-            <p:style>
-              <a:lnRef idx="2">
-                <a:schemeClr val="accent1">
-                  <a:shade val="50000"/>
-                </a:schemeClr>
-              </a:lnRef>
-              <a:fillRef idx="1">
-                <a:schemeClr val="accent1"/>
-              </a:fillRef>
-              <a:effectRef idx="0">
-                <a:schemeClr val="accent1"/>
-              </a:effectRef>
-              <a:fontRef idx="minor">
-                <a:schemeClr val="lt1"/>
-              </a:fontRef>
-            </p:style>
-            <p:txBody>
-              <a:bodyPr rtlCol="0" anchor="ctr"/>
-              <a:lstStyle/>
-              <a:p>
-                <a:pPr algn="ctr"/>
-                <a:r>
-                  <a:rPr lang="en-US" altLang="ko-KR" dirty="0">
-                    <a:solidFill>
-                      <a:srgbClr val="013B51"/>
-                    </a:solidFill>
-                    <a:latin typeface="Noto Sans CJK KR Bold" panose="020B0800000000000000" pitchFamily="34" charset="-127"/>
-                    <a:ea typeface="Noto Sans CJK KR Bold" panose="020B0800000000000000" pitchFamily="34" charset="-127"/>
-                  </a:rPr>
-                  <a:t>12</a:t>
-                </a:r>
-                <a:endParaRPr lang="ko-KR" altLang="en-US" dirty="0">
-                  <a:solidFill>
-                    <a:srgbClr val="013B51"/>
-                  </a:solidFill>
-                  <a:latin typeface="Noto Sans CJK KR Bold" panose="020B0800000000000000" pitchFamily="34" charset="-127"/>
-                  <a:ea typeface="Noto Sans CJK KR Bold" panose="020B0800000000000000" pitchFamily="34" charset="-127"/>
-                </a:endParaRPr>
-              </a:p>
-            </p:txBody>
-          </p:sp>
-          <p:sp>
-            <p:nvSpPr>
-              <p:cNvPr id="228" name="Rectangle 227">
-                <a:extLst>
-                  <a:ext uri="{FF2B5EF4-FFF2-40B4-BE49-F238E27FC236}">
-                    <a16:creationId xmlns:a16="http://schemas.microsoft.com/office/drawing/2014/main" id="{B1A7B399-C820-49CF-9C0B-1F4E444DA3BC}"/>
-                  </a:ext>
-                </a:extLst>
-              </p:cNvPr>
-              <p:cNvSpPr/>
-              <p:nvPr/>
-            </p:nvSpPr>
-            <p:spPr>
-              <a:xfrm>
-                <a:off x="8375338" y="4158137"/>
-                <a:ext cx="1822612" cy="266768"/>
-              </a:xfrm>
-              <a:prstGeom prst="rect">
-                <a:avLst/>
-              </a:prstGeom>
-              <a:noFill/>
-              <a:ln w="76200">
-                <a:solidFill>
-                  <a:srgbClr val="013B51"/>
-                </a:solidFill>
-              </a:ln>
-            </p:spPr>
-            <p:style>
-              <a:lnRef idx="2">
-                <a:schemeClr val="accent1">
-                  <a:shade val="50000"/>
-                </a:schemeClr>
-              </a:lnRef>
-              <a:fillRef idx="1">
-                <a:schemeClr val="accent1"/>
-              </a:fillRef>
-              <a:effectRef idx="0">
-                <a:schemeClr val="accent1"/>
-              </a:effectRef>
-              <a:fontRef idx="minor">
-                <a:schemeClr val="lt1"/>
-              </a:fontRef>
-            </p:style>
-            <p:txBody>
-              <a:bodyPr rtlCol="0" anchor="ctr"/>
-              <a:lstStyle/>
-              <a:p>
-                <a:pPr algn="ctr"/>
-                <a:r>
-                  <a:rPr lang="en-US" altLang="ko-KR" sz="900" dirty="0">
-                    <a:solidFill>
-                      <a:srgbClr val="013B51"/>
-                    </a:solidFill>
-                    <a:latin typeface="Noto Sans CJK KR Bold" panose="020B0800000000000000" pitchFamily="34" charset="-127"/>
-                    <a:ea typeface="Noto Sans CJK KR Bold" panose="020B0800000000000000" pitchFamily="34" charset="-127"/>
-                  </a:rPr>
-                  <a:t>Address</a:t>
-                </a:r>
-                <a:endParaRPr lang="ko-KR" altLang="en-US" sz="900" dirty="0">
-                  <a:solidFill>
-                    <a:srgbClr val="013B51"/>
-                  </a:solidFill>
-                  <a:latin typeface="Noto Sans CJK KR Bold" panose="020B0800000000000000" pitchFamily="34" charset="-127"/>
-                  <a:ea typeface="Noto Sans CJK KR Bold" panose="020B0800000000000000" pitchFamily="34" charset="-127"/>
-                </a:endParaRPr>
-              </a:p>
-            </p:txBody>
-          </p:sp>
-        </p:grpSp>
-      </p:grpSp>
-      <p:grpSp>
-        <p:nvGrpSpPr>
-          <p:cNvPr id="5" name="Group 4">
-            <a:extLst>
-              <a:ext uri="{FF2B5EF4-FFF2-40B4-BE49-F238E27FC236}">
-                <a16:creationId xmlns:a16="http://schemas.microsoft.com/office/drawing/2014/main" id="{3FCE6E0D-5B98-4A08-BFAC-B8DB286E8D96}"/>
-              </a:ext>
-            </a:extLst>
-          </p:cNvPr>
-          <p:cNvGrpSpPr/>
-          <p:nvPr/>
-        </p:nvGrpSpPr>
-        <p:grpSpPr>
-          <a:xfrm>
-            <a:off x="2173010" y="3359854"/>
-            <a:ext cx="6786338" cy="901208"/>
-            <a:chOff x="2246451" y="3074979"/>
-            <a:chExt cx="9602951" cy="1275243"/>
+            <a:off x="6157016" y="3329953"/>
+            <a:ext cx="6036640" cy="3372686"/>
+            <a:chOff x="2411768" y="3728858"/>
+            <a:chExt cx="3865320" cy="2159564"/>
           </a:xfrm>
         </p:grpSpPr>
         <p:sp>
           <p:nvSpPr>
-            <p:cNvPr id="230" name="Rectangle 229">
+            <p:cNvPr id="71" name="Subtitle 2">
               <a:extLst>
                 <a:ext uri="{FF2B5EF4-FFF2-40B4-BE49-F238E27FC236}">
-                  <a16:creationId xmlns:a16="http://schemas.microsoft.com/office/drawing/2014/main" id="{CE4FDB92-8507-4A17-BDBC-5C6951465CB1}"/>
+                  <a16:creationId xmlns:a16="http://schemas.microsoft.com/office/drawing/2014/main" id="{B1CF7E81-C162-4D5D-9852-5541F7A11A59}"/>
                 </a:ext>
               </a:extLst>
             </p:cNvPr>
-            <p:cNvSpPr/>
+            <p:cNvSpPr txBox="1">
+              <a:spLocks/>
+            </p:cNvSpPr>
             <p:nvPr/>
           </p:nvSpPr>
           <p:spPr>
             <a:xfrm>
-              <a:off x="4009100" y="3432833"/>
-              <a:ext cx="665825" cy="465047"/>
+              <a:off x="2411768" y="3728858"/>
+              <a:ext cx="2462627" cy="248751"/>
             </a:xfrm>
             <a:prstGeom prst="rect">
               <a:avLst/>
             </a:prstGeom>
-            <a:noFill/>
-            <a:ln w="76200">
-              <a:solidFill>
-                <a:srgbClr val="013B51"/>
-              </a:solidFill>
-            </a:ln>
           </p:spPr>
-          <p:style>
-            <a:lnRef idx="2">
-              <a:schemeClr val="accent1">
-                <a:shade val="50000"/>
-              </a:schemeClr>
-            </a:lnRef>
-            <a:fillRef idx="1">
-              <a:schemeClr val="accent1"/>
-            </a:fillRef>
-            <a:effectRef idx="0">
-              <a:schemeClr val="accent1"/>
-            </a:effectRef>
-            <a:fontRef idx="minor">
-              <a:schemeClr val="lt1"/>
-            </a:fontRef>
-          </p:style>
           <p:txBody>
-            <a:bodyPr rtlCol="0" anchor="ctr"/>
-            <a:lstStyle/>
+            <a:bodyPr vert="horz" lIns="91440" tIns="45720" rIns="91440" bIns="45720" rtlCol="0">
+              <a:noAutofit/>
+            </a:bodyPr>
+            <a:lstStyle>
+              <a:lvl1pPr marL="0" indent="0" algn="ctr" defTabSz="914400" rtl="0" eaLnBrk="1" latinLnBrk="1" hangingPunct="1">
+                <a:lnSpc>
+                  <a:spcPct val="90000"/>
+                </a:lnSpc>
+                <a:spcBef>
+                  <a:spcPts val="1000"/>
+                </a:spcBef>
+                <a:buFont typeface="Arial" panose="020B0604020202020204" pitchFamily="34" charset="0"/>
+                <a:buNone/>
+                <a:defRPr sz="2400" kern="1200">
+                  <a:solidFill>
+                    <a:schemeClr val="tx1"/>
+                  </a:solidFill>
+                  <a:latin typeface="+mn-lt"/>
+                  <a:ea typeface="+mn-ea"/>
+                  <a:cs typeface="+mn-cs"/>
+                </a:defRPr>
+              </a:lvl1pPr>
+              <a:lvl2pPr marL="457200" indent="0" algn="ctr" defTabSz="914400" rtl="0" eaLnBrk="1" latinLnBrk="1" hangingPunct="1">
+                <a:lnSpc>
+                  <a:spcPct val="90000"/>
+                </a:lnSpc>
+                <a:spcBef>
+                  <a:spcPts val="500"/>
+                </a:spcBef>
+                <a:buFont typeface="Arial" panose="020B0604020202020204" pitchFamily="34" charset="0"/>
+                <a:buNone/>
+                <a:defRPr sz="2000" kern="1200">
+                  <a:solidFill>
+                    <a:schemeClr val="tx1"/>
+                  </a:solidFill>
+                  <a:latin typeface="+mn-lt"/>
+                  <a:ea typeface="+mn-ea"/>
+                  <a:cs typeface="+mn-cs"/>
+                </a:defRPr>
+              </a:lvl2pPr>
+              <a:lvl3pPr marL="914400" indent="0" algn="ctr" defTabSz="914400" rtl="0" eaLnBrk="1" latinLnBrk="1" hangingPunct="1">
+                <a:lnSpc>
+                  <a:spcPct val="90000"/>
+                </a:lnSpc>
+                <a:spcBef>
+                  <a:spcPts val="500"/>
+                </a:spcBef>
+                <a:buFont typeface="Arial" panose="020B0604020202020204" pitchFamily="34" charset="0"/>
+                <a:buNone/>
+                <a:defRPr sz="1800" kern="1200">
+                  <a:solidFill>
+                    <a:schemeClr val="tx1"/>
+                  </a:solidFill>
+                  <a:latin typeface="+mn-lt"/>
+                  <a:ea typeface="+mn-ea"/>
+                  <a:cs typeface="+mn-cs"/>
+                </a:defRPr>
+              </a:lvl3pPr>
+              <a:lvl4pPr marL="1371600" indent="0" algn="ctr" defTabSz="914400" rtl="0" eaLnBrk="1" latinLnBrk="1" hangingPunct="1">
+                <a:lnSpc>
+                  <a:spcPct val="90000"/>
+                </a:lnSpc>
+                <a:spcBef>
+                  <a:spcPts val="500"/>
+                </a:spcBef>
+                <a:buFont typeface="Arial" panose="020B0604020202020204" pitchFamily="34" charset="0"/>
+                <a:buNone/>
+                <a:defRPr sz="1600" kern="1200">
+                  <a:solidFill>
+                    <a:schemeClr val="tx1"/>
+                  </a:solidFill>
+                  <a:latin typeface="+mn-lt"/>
+                  <a:ea typeface="+mn-ea"/>
+                  <a:cs typeface="+mn-cs"/>
+                </a:defRPr>
+              </a:lvl4pPr>
+              <a:lvl5pPr marL="1828800" indent="0" algn="ctr" defTabSz="914400" rtl="0" eaLnBrk="1" latinLnBrk="1" hangingPunct="1">
+                <a:lnSpc>
+                  <a:spcPct val="90000"/>
+                </a:lnSpc>
+                <a:spcBef>
+                  <a:spcPts val="500"/>
+                </a:spcBef>
+                <a:buFont typeface="Arial" panose="020B0604020202020204" pitchFamily="34" charset="0"/>
+                <a:buNone/>
+                <a:defRPr sz="1600" kern="1200">
+                  <a:solidFill>
+                    <a:schemeClr val="tx1"/>
+                  </a:solidFill>
+                  <a:latin typeface="+mn-lt"/>
+                  <a:ea typeface="+mn-ea"/>
+                  <a:cs typeface="+mn-cs"/>
+                </a:defRPr>
+              </a:lvl5pPr>
+              <a:lvl6pPr marL="2286000" indent="0" algn="ctr" defTabSz="914400" rtl="0" eaLnBrk="1" latinLnBrk="1" hangingPunct="1">
+                <a:lnSpc>
+                  <a:spcPct val="90000"/>
+                </a:lnSpc>
+                <a:spcBef>
+                  <a:spcPts val="500"/>
+                </a:spcBef>
+                <a:buFont typeface="Arial" panose="020B0604020202020204" pitchFamily="34" charset="0"/>
+                <a:buNone/>
+                <a:defRPr sz="1600" kern="1200">
+                  <a:solidFill>
+                    <a:schemeClr val="tx1"/>
+                  </a:solidFill>
+                  <a:latin typeface="+mn-lt"/>
+                  <a:ea typeface="+mn-ea"/>
+                  <a:cs typeface="+mn-cs"/>
+                </a:defRPr>
+              </a:lvl6pPr>
+              <a:lvl7pPr marL="2743200" indent="0" algn="ctr" defTabSz="914400" rtl="0" eaLnBrk="1" latinLnBrk="1" hangingPunct="1">
+                <a:lnSpc>
+                  <a:spcPct val="90000"/>
+                </a:lnSpc>
+                <a:spcBef>
+                  <a:spcPts val="500"/>
+                </a:spcBef>
+                <a:buFont typeface="Arial" panose="020B0604020202020204" pitchFamily="34" charset="0"/>
+                <a:buNone/>
+                <a:defRPr sz="1600" kern="1200">
+                  <a:solidFill>
+                    <a:schemeClr val="tx1"/>
+                  </a:solidFill>
+                  <a:latin typeface="+mn-lt"/>
+                  <a:ea typeface="+mn-ea"/>
+                  <a:cs typeface="+mn-cs"/>
+                </a:defRPr>
+              </a:lvl7pPr>
+              <a:lvl8pPr marL="3200400" indent="0" algn="ctr" defTabSz="914400" rtl="0" eaLnBrk="1" latinLnBrk="1" hangingPunct="1">
+                <a:lnSpc>
+                  <a:spcPct val="90000"/>
+                </a:lnSpc>
+                <a:spcBef>
+                  <a:spcPts val="500"/>
+                </a:spcBef>
+                <a:buFont typeface="Arial" panose="020B0604020202020204" pitchFamily="34" charset="0"/>
+                <a:buNone/>
+                <a:defRPr sz="1600" kern="1200">
+                  <a:solidFill>
+                    <a:schemeClr val="tx1"/>
+                  </a:solidFill>
+                  <a:latin typeface="+mn-lt"/>
+                  <a:ea typeface="+mn-ea"/>
+                  <a:cs typeface="+mn-cs"/>
+                </a:defRPr>
+              </a:lvl8pPr>
+              <a:lvl9pPr marL="3657600" indent="0" algn="ctr" defTabSz="914400" rtl="0" eaLnBrk="1" latinLnBrk="1" hangingPunct="1">
+                <a:lnSpc>
+                  <a:spcPct val="90000"/>
+                </a:lnSpc>
+                <a:spcBef>
+                  <a:spcPts val="500"/>
+                </a:spcBef>
+                <a:buFont typeface="Arial" panose="020B0604020202020204" pitchFamily="34" charset="0"/>
+                <a:buNone/>
+                <a:defRPr sz="1600" kern="1200">
+                  <a:solidFill>
+                    <a:schemeClr val="tx1"/>
+                  </a:solidFill>
+                  <a:latin typeface="+mn-lt"/>
+                  <a:ea typeface="+mn-ea"/>
+                  <a:cs typeface="+mn-cs"/>
+                </a:defRPr>
+              </a:lvl9pPr>
+            </a:lstStyle>
             <a:p>
-              <a:pPr algn="ctr"/>
+              <a:pPr algn="l"/>
               <a:r>
-                <a:rPr lang="en-US" altLang="ko-KR" sz="1400" dirty="0">
+                <a:rPr lang="en-US" altLang="ko-KR" sz="2000" dirty="0">
                   <a:solidFill>
                     <a:srgbClr val="013B51"/>
                   </a:solidFill>
-                  <a:latin typeface="Noto Sans CJK KR Bold" panose="020B0800000000000000" pitchFamily="34" charset="-127"/>
-                  <a:ea typeface="Noto Sans CJK KR Bold" panose="020B0800000000000000" pitchFamily="34" charset="-127"/>
+                  <a:latin typeface="Noto Sans CJK KR Medium" panose="020B0600000000000000" pitchFamily="34" charset="-127"/>
+                  <a:ea typeface="Noto Sans CJK KR Medium" panose="020B0600000000000000" pitchFamily="34" charset="-127"/>
                 </a:rPr>
-                <a:t>I</a:t>
+                <a:t>while</a:t>
               </a:r>
-              <a:endParaRPr lang="ko-KR" altLang="en-US" sz="1400" dirty="0">
+              <a:endParaRPr lang="ko-KR" altLang="en-US" sz="2000" dirty="0">
                 <a:solidFill>
                   <a:srgbClr val="013B51"/>
                 </a:solidFill>
-                <a:latin typeface="Noto Sans CJK KR Bold" panose="020B0800000000000000" pitchFamily="34" charset="-127"/>
-                <a:ea typeface="Noto Sans CJK KR Bold" panose="020B0800000000000000" pitchFamily="34" charset="-127"/>
+                <a:latin typeface="Noto Sans CJK KR Medium" panose="020B0600000000000000" pitchFamily="34" charset="-127"/>
+                <a:ea typeface="Noto Sans CJK KR Medium" panose="020B0600000000000000" pitchFamily="34" charset="-127"/>
               </a:endParaRPr>
             </a:p>
           </p:txBody>
         </p:sp>
         <p:sp>
           <p:nvSpPr>
-            <p:cNvPr id="234" name="Rectangle 233">
+            <p:cNvPr id="72" name="Subtitle 2">
               <a:extLst>
                 <a:ext uri="{FF2B5EF4-FFF2-40B4-BE49-F238E27FC236}">
-                  <a16:creationId xmlns:a16="http://schemas.microsoft.com/office/drawing/2014/main" id="{ED846B32-6D25-4CF9-BC08-0603F40C3843}"/>
+                  <a16:creationId xmlns:a16="http://schemas.microsoft.com/office/drawing/2014/main" id="{831D4D4E-95D6-42DE-B09C-71735496C27E}"/>
                 </a:ext>
               </a:extLst>
             </p:cNvPr>
-            <p:cNvSpPr/>
+            <p:cNvSpPr txBox="1">
+              <a:spLocks/>
+            </p:cNvSpPr>
             <p:nvPr/>
           </p:nvSpPr>
           <p:spPr>
             <a:xfrm>
-              <a:off x="4009100" y="3074979"/>
-              <a:ext cx="665825" cy="317068"/>
+              <a:off x="2411770" y="4116873"/>
+              <a:ext cx="1330049" cy="1105441"/>
             </a:xfrm>
             <a:prstGeom prst="rect">
               <a:avLst/>
             </a:prstGeom>
-            <a:solidFill>
-              <a:srgbClr val="013B51"/>
-            </a:solidFill>
-            <a:ln w="76200">
-              <a:solidFill>
-                <a:srgbClr val="013B51"/>
-              </a:solidFill>
-            </a:ln>
           </p:spPr>
-          <p:style>
-            <a:lnRef idx="2">
-              <a:schemeClr val="accent1">
-                <a:shade val="50000"/>
-              </a:schemeClr>
-            </a:lnRef>
-            <a:fillRef idx="1">
-              <a:schemeClr val="accent1"/>
-            </a:fillRef>
-            <a:effectRef idx="0">
-              <a:schemeClr val="accent1"/>
-            </a:effectRef>
-            <a:fontRef idx="minor">
-              <a:schemeClr val="lt1"/>
-            </a:fontRef>
-          </p:style>
           <p:txBody>
-            <a:bodyPr rtlCol="0" anchor="ctr"/>
-            <a:lstStyle/>
+            <a:bodyPr vert="horz" lIns="91440" tIns="45720" rIns="91440" bIns="45720" rtlCol="0">
+              <a:noAutofit/>
+            </a:bodyPr>
+            <a:lstStyle>
+              <a:lvl1pPr marL="0" indent="0" algn="ctr" defTabSz="914400" rtl="0" eaLnBrk="1" latinLnBrk="1" hangingPunct="1">
+                <a:lnSpc>
+                  <a:spcPct val="90000"/>
+                </a:lnSpc>
+                <a:spcBef>
+                  <a:spcPts val="1000"/>
+                </a:spcBef>
+                <a:buFont typeface="Arial" panose="020B0604020202020204" pitchFamily="34" charset="0"/>
+                <a:buNone/>
+                <a:defRPr sz="2400" kern="1200">
+                  <a:solidFill>
+                    <a:schemeClr val="tx1"/>
+                  </a:solidFill>
+                  <a:latin typeface="+mn-lt"/>
+                  <a:ea typeface="+mn-ea"/>
+                  <a:cs typeface="+mn-cs"/>
+                </a:defRPr>
+              </a:lvl1pPr>
+              <a:lvl2pPr marL="457200" indent="0" algn="ctr" defTabSz="914400" rtl="0" eaLnBrk="1" latinLnBrk="1" hangingPunct="1">
+                <a:lnSpc>
+                  <a:spcPct val="90000"/>
+                </a:lnSpc>
+                <a:spcBef>
+                  <a:spcPts val="500"/>
+                </a:spcBef>
+                <a:buFont typeface="Arial" panose="020B0604020202020204" pitchFamily="34" charset="0"/>
+                <a:buNone/>
+                <a:defRPr sz="2000" kern="1200">
+                  <a:solidFill>
+                    <a:schemeClr val="tx1"/>
+                  </a:solidFill>
+                  <a:latin typeface="+mn-lt"/>
+                  <a:ea typeface="+mn-ea"/>
+                  <a:cs typeface="+mn-cs"/>
+                </a:defRPr>
+              </a:lvl2pPr>
+              <a:lvl3pPr marL="914400" indent="0" algn="ctr" defTabSz="914400" rtl="0" eaLnBrk="1" latinLnBrk="1" hangingPunct="1">
+                <a:lnSpc>
+                  <a:spcPct val="90000"/>
+                </a:lnSpc>
+                <a:spcBef>
+                  <a:spcPts val="500"/>
+                </a:spcBef>
+                <a:buFont typeface="Arial" panose="020B0604020202020204" pitchFamily="34" charset="0"/>
+                <a:buNone/>
+                <a:defRPr sz="1800" kern="1200">
+                  <a:solidFill>
+                    <a:schemeClr val="tx1"/>
+                  </a:solidFill>
+                  <a:latin typeface="+mn-lt"/>
+                  <a:ea typeface="+mn-ea"/>
+                  <a:cs typeface="+mn-cs"/>
+                </a:defRPr>
+              </a:lvl3pPr>
+              <a:lvl4pPr marL="1371600" indent="0" algn="ctr" defTabSz="914400" rtl="0" eaLnBrk="1" latinLnBrk="1" hangingPunct="1">
+                <a:lnSpc>
+                  <a:spcPct val="90000"/>
+                </a:lnSpc>
+                <a:spcBef>
+                  <a:spcPts val="500"/>
+                </a:spcBef>
+                <a:buFont typeface="Arial" panose="020B0604020202020204" pitchFamily="34" charset="0"/>
+                <a:buNone/>
+                <a:defRPr sz="1600" kern="1200">
+                  <a:solidFill>
+                    <a:schemeClr val="tx1"/>
+                  </a:solidFill>
+                  <a:latin typeface="+mn-lt"/>
+                  <a:ea typeface="+mn-ea"/>
+                  <a:cs typeface="+mn-cs"/>
+                </a:defRPr>
+              </a:lvl4pPr>
+              <a:lvl5pPr marL="1828800" indent="0" algn="ctr" defTabSz="914400" rtl="0" eaLnBrk="1" latinLnBrk="1" hangingPunct="1">
+                <a:lnSpc>
+                  <a:spcPct val="90000"/>
+                </a:lnSpc>
+                <a:spcBef>
+                  <a:spcPts val="500"/>
+                </a:spcBef>
+                <a:buFont typeface="Arial" panose="020B0604020202020204" pitchFamily="34" charset="0"/>
+                <a:buNone/>
+                <a:defRPr sz="1600" kern="1200">
+                  <a:solidFill>
+                    <a:schemeClr val="tx1"/>
+                  </a:solidFill>
+                  <a:latin typeface="+mn-lt"/>
+                  <a:ea typeface="+mn-ea"/>
+                  <a:cs typeface="+mn-cs"/>
+                </a:defRPr>
+              </a:lvl5pPr>
+              <a:lvl6pPr marL="2286000" indent="0" algn="ctr" defTabSz="914400" rtl="0" eaLnBrk="1" latinLnBrk="1" hangingPunct="1">
+                <a:lnSpc>
+                  <a:spcPct val="90000"/>
+                </a:lnSpc>
+                <a:spcBef>
+                  <a:spcPts val="500"/>
+                </a:spcBef>
+                <a:buFont typeface="Arial" panose="020B0604020202020204" pitchFamily="34" charset="0"/>
+                <a:buNone/>
+                <a:defRPr sz="1600" kern="1200">
+                  <a:solidFill>
+                    <a:schemeClr val="tx1"/>
+                  </a:solidFill>
+                  <a:latin typeface="+mn-lt"/>
+                  <a:ea typeface="+mn-ea"/>
+                  <a:cs typeface="+mn-cs"/>
+                </a:defRPr>
+              </a:lvl6pPr>
+              <a:lvl7pPr marL="2743200" indent="0" algn="ctr" defTabSz="914400" rtl="0" eaLnBrk="1" latinLnBrk="1" hangingPunct="1">
+                <a:lnSpc>
+                  <a:spcPct val="90000"/>
+                </a:lnSpc>
+                <a:spcBef>
+                  <a:spcPts val="500"/>
+                </a:spcBef>
+                <a:buFont typeface="Arial" panose="020B0604020202020204" pitchFamily="34" charset="0"/>
+                <a:buNone/>
+                <a:defRPr sz="1600" kern="1200">
+                  <a:solidFill>
+                    <a:schemeClr val="tx1"/>
+                  </a:solidFill>
+                  <a:latin typeface="+mn-lt"/>
+                  <a:ea typeface="+mn-ea"/>
+                  <a:cs typeface="+mn-cs"/>
+                </a:defRPr>
+              </a:lvl7pPr>
+              <a:lvl8pPr marL="3200400" indent="0" algn="ctr" defTabSz="914400" rtl="0" eaLnBrk="1" latinLnBrk="1" hangingPunct="1">
+                <a:lnSpc>
+                  <a:spcPct val="90000"/>
+                </a:lnSpc>
+                <a:spcBef>
+                  <a:spcPts val="500"/>
+                </a:spcBef>
+                <a:buFont typeface="Arial" panose="020B0604020202020204" pitchFamily="34" charset="0"/>
+                <a:buNone/>
+                <a:defRPr sz="1600" kern="1200">
+                  <a:solidFill>
+                    <a:schemeClr val="tx1"/>
+                  </a:solidFill>
+                  <a:latin typeface="+mn-lt"/>
+                  <a:ea typeface="+mn-ea"/>
+                  <a:cs typeface="+mn-cs"/>
+                </a:defRPr>
+              </a:lvl8pPr>
+              <a:lvl9pPr marL="3657600" indent="0" algn="ctr" defTabSz="914400" rtl="0" eaLnBrk="1" latinLnBrk="1" hangingPunct="1">
+                <a:lnSpc>
+                  <a:spcPct val="90000"/>
+                </a:lnSpc>
+                <a:spcBef>
+                  <a:spcPts val="500"/>
+                </a:spcBef>
+                <a:buFont typeface="Arial" panose="020B0604020202020204" pitchFamily="34" charset="0"/>
+                <a:buNone/>
+                <a:defRPr sz="1600" kern="1200">
+                  <a:solidFill>
+                    <a:schemeClr val="tx1"/>
+                  </a:solidFill>
+                  <a:latin typeface="+mn-lt"/>
+                  <a:ea typeface="+mn-ea"/>
+                  <a:cs typeface="+mn-cs"/>
+                </a:defRPr>
+              </a:lvl9pPr>
+            </a:lstStyle>
             <a:p>
-              <a:pPr algn="ctr"/>
+              <a:pPr algn="l"/>
               <a:r>
-                <a:rPr lang="en-US" altLang="ko-KR" sz="600" dirty="0">
-                  <a:solidFill>
-                    <a:schemeClr val="bg1"/>
-                  </a:solidFill>
-                  <a:latin typeface="Noto Sans CJK KR Bold" panose="020B0800000000000000" pitchFamily="34" charset="-127"/>
-                  <a:ea typeface="Noto Sans CJK KR Bold" panose="020B0800000000000000" pitchFamily="34" charset="-127"/>
+                <a:rPr lang="en-US" altLang="ko-KR" sz="1600" dirty="0">
+                  <a:solidFill>
+                    <a:srgbClr val="013B51"/>
+                  </a:solidFill>
+                  <a:latin typeface="Noto Sans CJK KR Medium" panose="020B0600000000000000" pitchFamily="34" charset="-127"/>
+                  <a:ea typeface="Noto Sans CJK KR Medium" panose="020B0600000000000000" pitchFamily="34" charset="-127"/>
                 </a:rPr>
-                <a:t>Format</a:t>
+                <a:t>while (save[</a:t>
               </a:r>
-              <a:endParaRPr lang="ko-KR" altLang="en-US" sz="800" dirty="0">
-                <a:solidFill>
-                  <a:schemeClr val="bg1"/>
-                </a:solidFill>
-                <a:latin typeface="Noto Sans CJK KR Bold" panose="020B0800000000000000" pitchFamily="34" charset="-127"/>
-                <a:ea typeface="Noto Sans CJK KR Bold" panose="020B0800000000000000" pitchFamily="34" charset="-127"/>
-              </a:endParaRPr>
+              <a:r>
+                <a:rPr lang="en-US" altLang="ko-KR" sz="1600" dirty="0" err="1">
+                  <a:solidFill>
+                    <a:srgbClr val="013B51"/>
+                  </a:solidFill>
+                  <a:latin typeface="Noto Sans CJK KR Medium" panose="020B0600000000000000" pitchFamily="34" charset="-127"/>
+                  <a:ea typeface="Noto Sans CJK KR Medium" panose="020B0600000000000000" pitchFamily="34" charset="-127"/>
+                </a:rPr>
+                <a:t>i</a:t>
+              </a:r>
+              <a:r>
+                <a:rPr lang="en-US" altLang="ko-KR" sz="1600" dirty="0">
+                  <a:solidFill>
+                    <a:srgbClr val="013B51"/>
+                  </a:solidFill>
+                  <a:latin typeface="Noto Sans CJK KR Medium" panose="020B0600000000000000" pitchFamily="34" charset="-127"/>
+                  <a:ea typeface="Noto Sans CJK KR Medium" panose="020B0600000000000000" pitchFamily="34" charset="-127"/>
+                </a:rPr>
+                <a:t>] == k)</a:t>
+              </a:r>
+            </a:p>
+            <a:p>
+              <a:pPr algn="l"/>
+              <a:r>
+                <a:rPr lang="en-US" altLang="ko-KR" sz="1600" dirty="0">
+                  <a:solidFill>
+                    <a:srgbClr val="013B51"/>
+                  </a:solidFill>
+                  <a:latin typeface="Noto Sans CJK KR Medium" panose="020B0600000000000000" pitchFamily="34" charset="-127"/>
+                  <a:ea typeface="Noto Sans CJK KR Medium" panose="020B0600000000000000" pitchFamily="34" charset="-127"/>
+                </a:rPr>
+                <a:t>    </a:t>
+              </a:r>
+              <a:r>
+                <a:rPr lang="en-US" altLang="ko-KR" sz="1600" dirty="0" err="1">
+                  <a:solidFill>
+                    <a:srgbClr val="013B51"/>
+                  </a:solidFill>
+                  <a:latin typeface="Noto Sans CJK KR Medium" panose="020B0600000000000000" pitchFamily="34" charset="-127"/>
+                  <a:ea typeface="Noto Sans CJK KR Medium" panose="020B0600000000000000" pitchFamily="34" charset="-127"/>
+                </a:rPr>
+                <a:t>i</a:t>
+              </a:r>
+              <a:r>
+                <a:rPr lang="en-US" altLang="ko-KR" sz="1600" dirty="0">
+                  <a:solidFill>
+                    <a:srgbClr val="013B51"/>
+                  </a:solidFill>
+                  <a:latin typeface="Noto Sans CJK KR Medium" panose="020B0600000000000000" pitchFamily="34" charset="-127"/>
+                  <a:ea typeface="Noto Sans CJK KR Medium" panose="020B0600000000000000" pitchFamily="34" charset="-127"/>
+                </a:rPr>
+                <a:t> += 1;</a:t>
+              </a:r>
             </a:p>
           </p:txBody>
         </p:sp>
         <p:sp>
           <p:nvSpPr>
-            <p:cNvPr id="235" name="Rectangle 234">
+            <p:cNvPr id="73" name="Subtitle 2">
               <a:extLst>
                 <a:ext uri="{FF2B5EF4-FFF2-40B4-BE49-F238E27FC236}">
-                  <a16:creationId xmlns:a16="http://schemas.microsoft.com/office/drawing/2014/main" id="{0BD8D342-4982-44E8-9D95-4128EF7DB373}"/>
+                  <a16:creationId xmlns:a16="http://schemas.microsoft.com/office/drawing/2014/main" id="{9D221C25-C60E-4E63-A5F6-AFB8EB8D531C}"/>
                 </a:ext>
               </a:extLst>
             </p:cNvPr>
-            <p:cNvSpPr/>
+            <p:cNvSpPr txBox="1">
+              <a:spLocks/>
+            </p:cNvSpPr>
             <p:nvPr/>
           </p:nvSpPr>
           <p:spPr>
             <a:xfrm>
-              <a:off x="2246451" y="3432837"/>
-              <a:ext cx="1762646" cy="465047"/>
+              <a:off x="3741818" y="4116872"/>
+              <a:ext cx="2535270" cy="1771550"/>
             </a:xfrm>
             <a:prstGeom prst="rect">
               <a:avLst/>
             </a:prstGeom>
-            <a:noFill/>
-            <a:ln w="76200">
-              <a:solidFill>
-                <a:srgbClr val="013B51"/>
-              </a:solidFill>
-            </a:ln>
           </p:spPr>
-          <p:style>
-            <a:lnRef idx="2">
-              <a:schemeClr val="accent1">
-                <a:shade val="50000"/>
-              </a:schemeClr>
-            </a:lnRef>
-            <a:fillRef idx="1">
-              <a:schemeClr val="accent1"/>
-            </a:fillRef>
-            <a:effectRef idx="0">
-              <a:schemeClr val="accent1"/>
-            </a:effectRef>
-            <a:fontRef idx="minor">
-              <a:schemeClr val="lt1"/>
-            </a:fontRef>
-          </p:style>
           <p:txBody>
-            <a:bodyPr rtlCol="0" anchor="ctr"/>
-            <a:lstStyle/>
+            <a:bodyPr vert="horz" lIns="91440" tIns="45720" rIns="91440" bIns="45720" rtlCol="0">
+              <a:noAutofit/>
+            </a:bodyPr>
+            <a:lstStyle>
+              <a:lvl1pPr marL="0" indent="0" algn="ctr" defTabSz="914400" rtl="0" eaLnBrk="1" latinLnBrk="1" hangingPunct="1">
+                <a:lnSpc>
+                  <a:spcPct val="90000"/>
+                </a:lnSpc>
+                <a:spcBef>
+                  <a:spcPts val="1000"/>
+                </a:spcBef>
+                <a:buFont typeface="Arial" panose="020B0604020202020204" pitchFamily="34" charset="0"/>
+                <a:buNone/>
+                <a:defRPr sz="2400" kern="1200">
+                  <a:solidFill>
+                    <a:schemeClr val="tx1"/>
+                  </a:solidFill>
+                  <a:latin typeface="+mn-lt"/>
+                  <a:ea typeface="+mn-ea"/>
+                  <a:cs typeface="+mn-cs"/>
+                </a:defRPr>
+              </a:lvl1pPr>
+              <a:lvl2pPr marL="457200" indent="0" algn="ctr" defTabSz="914400" rtl="0" eaLnBrk="1" latinLnBrk="1" hangingPunct="1">
+                <a:lnSpc>
+                  <a:spcPct val="90000"/>
+                </a:lnSpc>
+                <a:spcBef>
+                  <a:spcPts val="500"/>
+                </a:spcBef>
+                <a:buFont typeface="Arial" panose="020B0604020202020204" pitchFamily="34" charset="0"/>
+                <a:buNone/>
+                <a:defRPr sz="2000" kern="1200">
+                  <a:solidFill>
+                    <a:schemeClr val="tx1"/>
+                  </a:solidFill>
+                  <a:latin typeface="+mn-lt"/>
+                  <a:ea typeface="+mn-ea"/>
+                  <a:cs typeface="+mn-cs"/>
+                </a:defRPr>
+              </a:lvl2pPr>
+              <a:lvl3pPr marL="914400" indent="0" algn="ctr" defTabSz="914400" rtl="0" eaLnBrk="1" latinLnBrk="1" hangingPunct="1">
+                <a:lnSpc>
+                  <a:spcPct val="90000"/>
+                </a:lnSpc>
+                <a:spcBef>
+                  <a:spcPts val="500"/>
+                </a:spcBef>
+                <a:buFont typeface="Arial" panose="020B0604020202020204" pitchFamily="34" charset="0"/>
+                <a:buNone/>
+                <a:defRPr sz="1800" kern="1200">
+                  <a:solidFill>
+                    <a:schemeClr val="tx1"/>
+                  </a:solidFill>
+                  <a:latin typeface="+mn-lt"/>
+                  <a:ea typeface="+mn-ea"/>
+                  <a:cs typeface="+mn-cs"/>
+                </a:defRPr>
+              </a:lvl3pPr>
+              <a:lvl4pPr marL="1371600" indent="0" algn="ctr" defTabSz="914400" rtl="0" eaLnBrk="1" latinLnBrk="1" hangingPunct="1">
+                <a:lnSpc>
+                  <a:spcPct val="90000"/>
+                </a:lnSpc>
+                <a:spcBef>
+                  <a:spcPts val="500"/>
+                </a:spcBef>
+                <a:buFont typeface="Arial" panose="020B0604020202020204" pitchFamily="34" charset="0"/>
+                <a:buNone/>
+                <a:defRPr sz="1600" kern="1200">
+                  <a:solidFill>
+                    <a:schemeClr val="tx1"/>
+                  </a:solidFill>
+                  <a:latin typeface="+mn-lt"/>
+                  <a:ea typeface="+mn-ea"/>
+                  <a:cs typeface="+mn-cs"/>
+                </a:defRPr>
+              </a:lvl4pPr>
+              <a:lvl5pPr marL="1828800" indent="0" algn="ctr" defTabSz="914400" rtl="0" eaLnBrk="1" latinLnBrk="1" hangingPunct="1">
+                <a:lnSpc>
+                  <a:spcPct val="90000"/>
+                </a:lnSpc>
+                <a:spcBef>
+                  <a:spcPts val="500"/>
+                </a:spcBef>
+                <a:buFont typeface="Arial" panose="020B0604020202020204" pitchFamily="34" charset="0"/>
+                <a:buNone/>
+                <a:defRPr sz="1600" kern="1200">
+                  <a:solidFill>
+                    <a:schemeClr val="tx1"/>
+                  </a:solidFill>
+                  <a:latin typeface="+mn-lt"/>
+                  <a:ea typeface="+mn-ea"/>
+                  <a:cs typeface="+mn-cs"/>
+                </a:defRPr>
+              </a:lvl5pPr>
+              <a:lvl6pPr marL="2286000" indent="0" algn="ctr" defTabSz="914400" rtl="0" eaLnBrk="1" latinLnBrk="1" hangingPunct="1">
+                <a:lnSpc>
+                  <a:spcPct val="90000"/>
+                </a:lnSpc>
+                <a:spcBef>
+                  <a:spcPts val="500"/>
+                </a:spcBef>
+                <a:buFont typeface="Arial" panose="020B0604020202020204" pitchFamily="34" charset="0"/>
+                <a:buNone/>
+                <a:defRPr sz="1600" kern="1200">
+                  <a:solidFill>
+                    <a:schemeClr val="tx1"/>
+                  </a:solidFill>
+                  <a:latin typeface="+mn-lt"/>
+                  <a:ea typeface="+mn-ea"/>
+                  <a:cs typeface="+mn-cs"/>
+                </a:defRPr>
+              </a:lvl6pPr>
+              <a:lvl7pPr marL="2743200" indent="0" algn="ctr" defTabSz="914400" rtl="0" eaLnBrk="1" latinLnBrk="1" hangingPunct="1">
+                <a:lnSpc>
+                  <a:spcPct val="90000"/>
+                </a:lnSpc>
+                <a:spcBef>
+                  <a:spcPts val="500"/>
+                </a:spcBef>
+                <a:buFont typeface="Arial" panose="020B0604020202020204" pitchFamily="34" charset="0"/>
+                <a:buNone/>
+                <a:defRPr sz="1600" kern="1200">
+                  <a:solidFill>
+                    <a:schemeClr val="tx1"/>
+                  </a:solidFill>
+                  <a:latin typeface="+mn-lt"/>
+                  <a:ea typeface="+mn-ea"/>
+                  <a:cs typeface="+mn-cs"/>
+                </a:defRPr>
+              </a:lvl7pPr>
+              <a:lvl8pPr marL="3200400" indent="0" algn="ctr" defTabSz="914400" rtl="0" eaLnBrk="1" latinLnBrk="1" hangingPunct="1">
+                <a:lnSpc>
+                  <a:spcPct val="90000"/>
+                </a:lnSpc>
+                <a:spcBef>
+                  <a:spcPts val="500"/>
+                </a:spcBef>
+                <a:buFont typeface="Arial" panose="020B0604020202020204" pitchFamily="34" charset="0"/>
+                <a:buNone/>
+                <a:defRPr sz="1600" kern="1200">
+                  <a:solidFill>
+                    <a:schemeClr val="tx1"/>
+                  </a:solidFill>
+                  <a:latin typeface="+mn-lt"/>
+                  <a:ea typeface="+mn-ea"/>
+                  <a:cs typeface="+mn-cs"/>
+                </a:defRPr>
+              </a:lvl8pPr>
+              <a:lvl9pPr marL="3657600" indent="0" algn="ctr" defTabSz="914400" rtl="0" eaLnBrk="1" latinLnBrk="1" hangingPunct="1">
+                <a:lnSpc>
+                  <a:spcPct val="90000"/>
+                </a:lnSpc>
+                <a:spcBef>
+                  <a:spcPts val="500"/>
+                </a:spcBef>
+                <a:buFont typeface="Arial" panose="020B0604020202020204" pitchFamily="34" charset="0"/>
+                <a:buNone/>
+                <a:defRPr sz="1600" kern="1200">
+                  <a:solidFill>
+                    <a:schemeClr val="tx1"/>
+                  </a:solidFill>
+                  <a:latin typeface="+mn-lt"/>
+                  <a:ea typeface="+mn-ea"/>
+                  <a:cs typeface="+mn-cs"/>
+                </a:defRPr>
+              </a:lvl9pPr>
+            </a:lstStyle>
             <a:p>
-              <a:pPr algn="ctr"/>
+              <a:pPr algn="l"/>
               <a:r>
-                <a:rPr lang="en-US" altLang="ko-KR" sz="1400" dirty="0" err="1">
+                <a:rPr lang="en-US" altLang="ko-KR" sz="1600" dirty="0">
                   <a:solidFill>
                     <a:srgbClr val="013B51"/>
                   </a:solidFill>
-                  <a:latin typeface="Noto Sans CJK KR Bold" panose="020B0800000000000000" pitchFamily="34" charset="-127"/>
-                  <a:ea typeface="Noto Sans CJK KR Bold" panose="020B0800000000000000" pitchFamily="34" charset="-127"/>
+                  <a:latin typeface="Noto Sans CJK KR Medium" panose="020B0600000000000000" pitchFamily="34" charset="-127"/>
+                  <a:ea typeface="Noto Sans CJK KR Medium" panose="020B0600000000000000" pitchFamily="34" charset="-127"/>
+                </a:rPr>
+                <a:t>Loop:</a:t>
+              </a:r>
+            </a:p>
+            <a:p>
+              <a:pPr algn="l"/>
+              <a:r>
+                <a:rPr lang="en-US" altLang="ko-KR" sz="1600" dirty="0" err="1">
+                  <a:solidFill>
+                    <a:srgbClr val="013B51"/>
+                  </a:solidFill>
+                  <a:latin typeface="Noto Sans CJK KR Medium" panose="020B0600000000000000" pitchFamily="34" charset="-127"/>
+                  <a:ea typeface="Noto Sans CJK KR Medium" panose="020B0600000000000000" pitchFamily="34" charset="-127"/>
+                </a:rPr>
+                <a:t>sll</a:t>
+              </a:r>
+              <a:r>
+                <a:rPr lang="en-US" altLang="ko-KR" sz="1600" dirty="0">
+                  <a:solidFill>
+                    <a:srgbClr val="013B51"/>
+                  </a:solidFill>
+                  <a:latin typeface="Noto Sans CJK KR Medium" panose="020B0600000000000000" pitchFamily="34" charset="-127"/>
+                  <a:ea typeface="Noto Sans CJK KR Medium" panose="020B0600000000000000" pitchFamily="34" charset="-127"/>
+                </a:rPr>
+                <a:t>     $t1, $s3, 2 //$t1 = </a:t>
+              </a:r>
+              <a:r>
+                <a:rPr lang="en-US" altLang="ko-KR" sz="1600" dirty="0" err="1">
+                  <a:solidFill>
+                    <a:srgbClr val="013B51"/>
+                  </a:solidFill>
+                  <a:latin typeface="Noto Sans CJK KR Medium" panose="020B0600000000000000" pitchFamily="34" charset="-127"/>
+                  <a:ea typeface="Noto Sans CJK KR Medium" panose="020B0600000000000000" pitchFamily="34" charset="-127"/>
+                </a:rPr>
+                <a:t>i</a:t>
+              </a:r>
+              <a:r>
+                <a:rPr lang="en-US" altLang="ko-KR" sz="1600" dirty="0">
+                  <a:solidFill>
+                    <a:srgbClr val="013B51"/>
+                  </a:solidFill>
+                  <a:latin typeface="Noto Sans CJK KR Medium" panose="020B0600000000000000" pitchFamily="34" charset="-127"/>
+                  <a:ea typeface="Noto Sans CJK KR Medium" panose="020B0600000000000000" pitchFamily="34" charset="-127"/>
+                </a:rPr>
+                <a:t> &lt;&lt; 2</a:t>
+              </a:r>
+            </a:p>
+            <a:p>
+              <a:pPr algn="l"/>
+              <a:r>
+                <a:rPr lang="en-US" altLang="ko-KR" sz="1600" dirty="0">
+                  <a:solidFill>
+                    <a:srgbClr val="013B51"/>
+                  </a:solidFill>
+                  <a:latin typeface="Noto Sans CJK KR Medium" panose="020B0600000000000000" pitchFamily="34" charset="-127"/>
+                  <a:ea typeface="Noto Sans CJK KR Medium" panose="020B0600000000000000" pitchFamily="34" charset="-127"/>
+                </a:rPr>
+                <a:t>add  $t1, $t1, $s6 // $s6 is base address</a:t>
+              </a:r>
+            </a:p>
+            <a:p>
+              <a:pPr algn="l"/>
+              <a:r>
+                <a:rPr lang="en-US" altLang="ko-KR" sz="1600" dirty="0" err="1">
+                  <a:solidFill>
+                    <a:srgbClr val="013B51"/>
+                  </a:solidFill>
+                  <a:latin typeface="Noto Sans CJK KR Medium" panose="020B0600000000000000" pitchFamily="34" charset="-127"/>
+                  <a:ea typeface="Noto Sans CJK KR Medium" panose="020B0600000000000000" pitchFamily="34" charset="-127"/>
                 </a:rPr>
                 <a:t>lw</a:t>
               </a:r>
-              <a:endParaRPr lang="ko-KR" altLang="en-US" sz="1400" dirty="0">
-                <a:solidFill>
-                  <a:srgbClr val="013B51"/>
-                </a:solidFill>
-                <a:latin typeface="Noto Sans CJK KR Bold" panose="020B0800000000000000" pitchFamily="34" charset="-127"/>
-                <a:ea typeface="Noto Sans CJK KR Bold" panose="020B0800000000000000" pitchFamily="34" charset="-127"/>
-              </a:endParaRPr>
+              <a:r>
+                <a:rPr lang="en-US" altLang="ko-KR" sz="1600" dirty="0">
+                  <a:solidFill>
+                    <a:srgbClr val="013B51"/>
+                  </a:solidFill>
+                  <a:latin typeface="Noto Sans CJK KR Medium" panose="020B0600000000000000" pitchFamily="34" charset="-127"/>
+                  <a:ea typeface="Noto Sans CJK KR Medium" panose="020B0600000000000000" pitchFamily="34" charset="-127"/>
+                </a:rPr>
+                <a:t>     $t0, 0($t1)</a:t>
+              </a:r>
             </a:p>
-          </p:txBody>
-        </p:sp>
-        <p:sp>
-          <p:nvSpPr>
-            <p:cNvPr id="239" name="Rectangle 238">
-              <a:extLst>
-                <a:ext uri="{FF2B5EF4-FFF2-40B4-BE49-F238E27FC236}">
-                  <a16:creationId xmlns:a16="http://schemas.microsoft.com/office/drawing/2014/main" id="{9ECBDDC7-3D67-48B5-ABC2-0F335AB187E8}"/>
-                </a:ext>
-              </a:extLst>
-            </p:cNvPr>
-            <p:cNvSpPr/>
-            <p:nvPr/>
-          </p:nvSpPr>
-          <p:spPr>
-            <a:xfrm>
-              <a:off x="2246451" y="3074982"/>
-              <a:ext cx="1762646" cy="336105"/>
-            </a:xfrm>
-            <a:prstGeom prst="rect">
-              <a:avLst/>
-            </a:prstGeom>
-            <a:solidFill>
-              <a:srgbClr val="013B51"/>
-            </a:solidFill>
-            <a:ln w="76200">
-              <a:solidFill>
-                <a:srgbClr val="013B51"/>
-              </a:solidFill>
-            </a:ln>
-          </p:spPr>
-          <p:style>
-            <a:lnRef idx="2">
-              <a:schemeClr val="accent1">
-                <a:shade val="50000"/>
-              </a:schemeClr>
-            </a:lnRef>
-            <a:fillRef idx="1">
-              <a:schemeClr val="accent1"/>
-            </a:fillRef>
-            <a:effectRef idx="0">
-              <a:schemeClr val="accent1"/>
-            </a:effectRef>
-            <a:fontRef idx="minor">
-              <a:schemeClr val="lt1"/>
-            </a:fontRef>
-          </p:style>
-          <p:txBody>
-            <a:bodyPr rtlCol="0" anchor="ctr"/>
-            <a:lstStyle/>
             <a:p>
-              <a:pPr algn="ctr"/>
+              <a:pPr algn="l"/>
               <a:r>
-                <a:rPr lang="en-US" altLang="ko-KR" sz="1050" dirty="0">
-                  <a:solidFill>
-                    <a:schemeClr val="bg1"/>
-                  </a:solidFill>
-                  <a:latin typeface="Noto Sans CJK KR Bold" panose="020B0800000000000000" pitchFamily="34" charset="-127"/>
-                  <a:ea typeface="Noto Sans CJK KR Bold" panose="020B0800000000000000" pitchFamily="34" charset="-127"/>
+                <a:rPr lang="en-US" altLang="ko-KR" sz="1600" dirty="0" err="1">
+                  <a:solidFill>
+                    <a:srgbClr val="013B51"/>
+                  </a:solidFill>
+                  <a:latin typeface="Noto Sans CJK KR Medium" panose="020B0600000000000000" pitchFamily="34" charset="-127"/>
+                  <a:ea typeface="Noto Sans CJK KR Medium" panose="020B0600000000000000" pitchFamily="34" charset="-127"/>
                 </a:rPr>
-                <a:t>Instruction</a:t>
+                <a:t>bne</a:t>
               </a:r>
-              <a:endParaRPr lang="ko-KR" altLang="en-US" sz="1050" dirty="0">
-                <a:solidFill>
-                  <a:schemeClr val="bg1"/>
-                </a:solidFill>
-                <a:latin typeface="Noto Sans CJK KR Bold" panose="020B0800000000000000" pitchFamily="34" charset="-127"/>
-                <a:ea typeface="Noto Sans CJK KR Bold" panose="020B0800000000000000" pitchFamily="34" charset="-127"/>
-              </a:endParaRPr>
+              <a:r>
+                <a:rPr lang="en-US" altLang="ko-KR" sz="1600" dirty="0">
+                  <a:solidFill>
+                    <a:srgbClr val="013B51"/>
+                  </a:solidFill>
+                  <a:latin typeface="Noto Sans CJK KR Medium" panose="020B0600000000000000" pitchFamily="34" charset="-127"/>
+                  <a:ea typeface="Noto Sans CJK KR Medium" panose="020B0600000000000000" pitchFamily="34" charset="-127"/>
+                </a:rPr>
+                <a:t>  $t0, $s5, Exit</a:t>
+              </a:r>
             </a:p>
-          </p:txBody>
-        </p:sp>
-        <p:sp>
-          <p:nvSpPr>
-            <p:cNvPr id="240" name="Rectangle 239">
-              <a:extLst>
-                <a:ext uri="{FF2B5EF4-FFF2-40B4-BE49-F238E27FC236}">
-                  <a16:creationId xmlns:a16="http://schemas.microsoft.com/office/drawing/2014/main" id="{7DD7A193-2B3B-4883-8B2F-88DCF3570E8B}"/>
-                </a:ext>
-              </a:extLst>
-            </p:cNvPr>
-            <p:cNvSpPr/>
-            <p:nvPr/>
-          </p:nvSpPr>
-          <p:spPr>
-            <a:xfrm>
-              <a:off x="4674925" y="3432837"/>
-              <a:ext cx="873260" cy="465047"/>
-            </a:xfrm>
-            <a:prstGeom prst="rect">
-              <a:avLst/>
-            </a:prstGeom>
-            <a:noFill/>
-            <a:ln w="76200">
-              <a:solidFill>
-                <a:srgbClr val="013B51"/>
-              </a:solidFill>
-            </a:ln>
-          </p:spPr>
-          <p:style>
-            <a:lnRef idx="2">
-              <a:schemeClr val="accent1">
-                <a:shade val="50000"/>
-              </a:schemeClr>
-            </a:lnRef>
-            <a:fillRef idx="1">
-              <a:schemeClr val="accent1"/>
-            </a:fillRef>
-            <a:effectRef idx="0">
-              <a:schemeClr val="accent1"/>
-            </a:effectRef>
-            <a:fontRef idx="minor">
-              <a:schemeClr val="lt1"/>
-            </a:fontRef>
-          </p:style>
-          <p:txBody>
-            <a:bodyPr rtlCol="0" anchor="ctr"/>
-            <a:lstStyle/>
             <a:p>
-              <a:pPr algn="ctr"/>
+              <a:pPr algn="l"/>
               <a:r>
-                <a:rPr lang="en-US" altLang="ko-KR" sz="1400" dirty="0">
+                <a:rPr lang="en-US" altLang="ko-KR" sz="1600" dirty="0" err="1">
                   <a:solidFill>
                     <a:srgbClr val="013B51"/>
                   </a:solidFill>
-                  <a:latin typeface="Noto Sans CJK KR Bold" panose="020B0800000000000000" pitchFamily="34" charset="-127"/>
-                  <a:ea typeface="Noto Sans CJK KR Bold" panose="020B0800000000000000" pitchFamily="34" charset="-127"/>
+                  <a:latin typeface="Noto Sans CJK KR Medium" panose="020B0600000000000000" pitchFamily="34" charset="-127"/>
+                  <a:ea typeface="Noto Sans CJK KR Medium" panose="020B0600000000000000" pitchFamily="34" charset="-127"/>
                 </a:rPr>
-                <a:t>35</a:t>
+                <a:t>addi</a:t>
               </a:r>
-              <a:endParaRPr lang="ko-KR" altLang="en-US" sz="1400" dirty="0">
-                <a:solidFill>
-                  <a:srgbClr val="013B51"/>
-                </a:solidFill>
-                <a:latin typeface="Noto Sans CJK KR Bold" panose="020B0800000000000000" pitchFamily="34" charset="-127"/>
-                <a:ea typeface="Noto Sans CJK KR Bold" panose="020B0800000000000000" pitchFamily="34" charset="-127"/>
-              </a:endParaRPr>
+              <a:r>
+                <a:rPr lang="en-US" altLang="ko-KR" sz="1600" dirty="0">
+                  <a:solidFill>
+                    <a:srgbClr val="013B51"/>
+                  </a:solidFill>
+                  <a:latin typeface="Noto Sans CJK KR Medium" panose="020B0600000000000000" pitchFamily="34" charset="-127"/>
+                  <a:ea typeface="Noto Sans CJK KR Medium" panose="020B0600000000000000" pitchFamily="34" charset="-127"/>
+                </a:rPr>
+                <a:t> $s3, $s3, 1</a:t>
+              </a:r>
             </a:p>
-          </p:txBody>
-        </p:sp>
-        <p:sp>
-          <p:nvSpPr>
-            <p:cNvPr id="244" name="Rectangle 243">
-              <a:extLst>
-                <a:ext uri="{FF2B5EF4-FFF2-40B4-BE49-F238E27FC236}">
-                  <a16:creationId xmlns:a16="http://schemas.microsoft.com/office/drawing/2014/main" id="{4D17440A-7DF8-4F4F-AA9D-49430783F6DD}"/>
-                </a:ext>
-              </a:extLst>
-            </p:cNvPr>
-            <p:cNvSpPr/>
-            <p:nvPr/>
-          </p:nvSpPr>
-          <p:spPr>
-            <a:xfrm>
-              <a:off x="4674925" y="3074982"/>
-              <a:ext cx="873260" cy="336105"/>
-            </a:xfrm>
-            <a:prstGeom prst="rect">
-              <a:avLst/>
-            </a:prstGeom>
-            <a:solidFill>
-              <a:srgbClr val="013B51"/>
-            </a:solidFill>
-            <a:ln w="76200">
-              <a:solidFill>
-                <a:srgbClr val="013B51"/>
-              </a:solidFill>
-            </a:ln>
-          </p:spPr>
-          <p:style>
-            <a:lnRef idx="2">
-              <a:schemeClr val="accent1">
-                <a:shade val="50000"/>
-              </a:schemeClr>
-            </a:lnRef>
-            <a:fillRef idx="1">
-              <a:schemeClr val="accent1"/>
-            </a:fillRef>
-            <a:effectRef idx="0">
-              <a:schemeClr val="accent1"/>
-            </a:effectRef>
-            <a:fontRef idx="minor">
-              <a:schemeClr val="lt1"/>
-            </a:fontRef>
-          </p:style>
-          <p:txBody>
-            <a:bodyPr rtlCol="0" anchor="ctr"/>
-            <a:lstStyle/>
             <a:p>
-              <a:pPr algn="ctr"/>
+              <a:pPr algn="l"/>
               <a:r>
-                <a:rPr lang="en-US" altLang="ko-KR" sz="1050" dirty="0">
-                  <a:solidFill>
-                    <a:schemeClr val="bg1"/>
-                  </a:solidFill>
-                  <a:latin typeface="Noto Sans CJK KR Bold" panose="020B0800000000000000" pitchFamily="34" charset="-127"/>
-                  <a:ea typeface="Noto Sans CJK KR Bold" panose="020B0800000000000000" pitchFamily="34" charset="-127"/>
+                <a:rPr lang="en-US" altLang="ko-KR" sz="1600" dirty="0">
+                  <a:solidFill>
+                    <a:srgbClr val="013B51"/>
+                  </a:solidFill>
+                  <a:latin typeface="Noto Sans CJK KR Medium" panose="020B0600000000000000" pitchFamily="34" charset="-127"/>
+                  <a:ea typeface="Noto Sans CJK KR Medium" panose="020B0600000000000000" pitchFamily="34" charset="-127"/>
                 </a:rPr>
-                <a:t>op</a:t>
+                <a:t>j          Loop</a:t>
               </a:r>
-              <a:endParaRPr lang="ko-KR" altLang="en-US" sz="1050" dirty="0">
-                <a:solidFill>
-                  <a:schemeClr val="bg1"/>
-                </a:solidFill>
-                <a:latin typeface="Noto Sans CJK KR Bold" panose="020B0800000000000000" pitchFamily="34" charset="-127"/>
-                <a:ea typeface="Noto Sans CJK KR Bold" panose="020B0800000000000000" pitchFamily="34" charset="-127"/>
-              </a:endParaRPr>
             </a:p>
-          </p:txBody>
-        </p:sp>
-        <p:sp>
-          <p:nvSpPr>
-            <p:cNvPr id="245" name="Rectangle 244">
-              <a:extLst>
-                <a:ext uri="{FF2B5EF4-FFF2-40B4-BE49-F238E27FC236}">
-                  <a16:creationId xmlns:a16="http://schemas.microsoft.com/office/drawing/2014/main" id="{6783F33E-6B3B-4A1B-8F33-5682AF10D073}"/>
-                </a:ext>
-              </a:extLst>
-            </p:cNvPr>
-            <p:cNvSpPr/>
-            <p:nvPr/>
-          </p:nvSpPr>
-          <p:spPr>
-            <a:xfrm>
-              <a:off x="5545170" y="3432837"/>
-              <a:ext cx="873260" cy="465047"/>
-            </a:xfrm>
-            <a:prstGeom prst="rect">
-              <a:avLst/>
-            </a:prstGeom>
-            <a:noFill/>
-            <a:ln w="76200">
-              <a:solidFill>
-                <a:srgbClr val="013B51"/>
-              </a:solidFill>
-            </a:ln>
-          </p:spPr>
-          <p:style>
-            <a:lnRef idx="2">
-              <a:schemeClr val="accent1">
-                <a:shade val="50000"/>
-              </a:schemeClr>
-            </a:lnRef>
-            <a:fillRef idx="1">
-              <a:schemeClr val="accent1"/>
-            </a:fillRef>
-            <a:effectRef idx="0">
-              <a:schemeClr val="accent1"/>
-            </a:effectRef>
-            <a:fontRef idx="minor">
-              <a:schemeClr val="lt1"/>
-            </a:fontRef>
-          </p:style>
-          <p:txBody>
-            <a:bodyPr rtlCol="0" anchor="ctr"/>
-            <a:lstStyle/>
             <a:p>
-              <a:pPr algn="ctr"/>
+              <a:pPr algn="l"/>
               <a:r>
-                <a:rPr lang="en-US" altLang="ko-KR" sz="1400" dirty="0">
+                <a:rPr lang="en-US" altLang="ko-KR" sz="1600" dirty="0">
                   <a:solidFill>
                     <a:srgbClr val="013B51"/>
                   </a:solidFill>
-                  <a:latin typeface="Noto Sans CJK KR Bold" panose="020B0800000000000000" pitchFamily="34" charset="-127"/>
-                  <a:ea typeface="Noto Sans CJK KR Bold" panose="020B0800000000000000" pitchFamily="34" charset="-127"/>
+                  <a:latin typeface="Noto Sans CJK KR Medium" panose="020B0600000000000000" pitchFamily="34" charset="-127"/>
+                  <a:ea typeface="Noto Sans CJK KR Medium" panose="020B0600000000000000" pitchFamily="34" charset="-127"/>
                 </a:rPr>
-                <a:t>reg</a:t>
+                <a:t>Exit:</a:t>
               </a:r>
-              <a:endParaRPr lang="ko-KR" altLang="en-US" sz="1400" dirty="0">
-                <a:solidFill>
-                  <a:srgbClr val="013B51"/>
-                </a:solidFill>
-                <a:latin typeface="Noto Sans CJK KR Bold" panose="020B0800000000000000" pitchFamily="34" charset="-127"/>
-                <a:ea typeface="Noto Sans CJK KR Bold" panose="020B0800000000000000" pitchFamily="34" charset="-127"/>
-              </a:endParaRPr>
-            </a:p>
-          </p:txBody>
-        </p:sp>
-        <p:sp>
-          <p:nvSpPr>
-            <p:cNvPr id="249" name="Rectangle 248">
-              <a:extLst>
-                <a:ext uri="{FF2B5EF4-FFF2-40B4-BE49-F238E27FC236}">
-                  <a16:creationId xmlns:a16="http://schemas.microsoft.com/office/drawing/2014/main" id="{3EBF5F58-FED0-417E-BE4E-D0D9B92BF4C6}"/>
-                </a:ext>
-              </a:extLst>
-            </p:cNvPr>
-            <p:cNvSpPr/>
-            <p:nvPr/>
-          </p:nvSpPr>
-          <p:spPr>
-            <a:xfrm>
-              <a:off x="5545170" y="3074982"/>
-              <a:ext cx="873260" cy="336105"/>
-            </a:xfrm>
-            <a:prstGeom prst="rect">
-              <a:avLst/>
-            </a:prstGeom>
-            <a:solidFill>
-              <a:srgbClr val="013B51"/>
-            </a:solidFill>
-            <a:ln w="76200">
-              <a:solidFill>
-                <a:srgbClr val="013B51"/>
-              </a:solidFill>
-            </a:ln>
-          </p:spPr>
-          <p:style>
-            <a:lnRef idx="2">
-              <a:schemeClr val="accent1">
-                <a:shade val="50000"/>
-              </a:schemeClr>
-            </a:lnRef>
-            <a:fillRef idx="1">
-              <a:schemeClr val="accent1"/>
-            </a:fillRef>
-            <a:effectRef idx="0">
-              <a:schemeClr val="accent1"/>
-            </a:effectRef>
-            <a:fontRef idx="minor">
-              <a:schemeClr val="lt1"/>
-            </a:fontRef>
-          </p:style>
-          <p:txBody>
-            <a:bodyPr rtlCol="0" anchor="ctr"/>
-            <a:lstStyle/>
-            <a:p>
-              <a:pPr algn="ctr"/>
-              <a:r>
-                <a:rPr lang="en-US" altLang="ko-KR" sz="1050" dirty="0" err="1">
-                  <a:solidFill>
-                    <a:schemeClr val="bg1"/>
-                  </a:solidFill>
-                  <a:latin typeface="Noto Sans CJK KR Bold" panose="020B0800000000000000" pitchFamily="34" charset="-127"/>
-                  <a:ea typeface="Noto Sans CJK KR Bold" panose="020B0800000000000000" pitchFamily="34" charset="-127"/>
-                </a:rPr>
-                <a:t>rs</a:t>
-              </a:r>
-              <a:endParaRPr lang="ko-KR" altLang="en-US" sz="1050" dirty="0">
-                <a:solidFill>
-                  <a:schemeClr val="bg1"/>
-                </a:solidFill>
-                <a:latin typeface="Noto Sans CJK KR Bold" panose="020B0800000000000000" pitchFamily="34" charset="-127"/>
-                <a:ea typeface="Noto Sans CJK KR Bold" panose="020B0800000000000000" pitchFamily="34" charset="-127"/>
-              </a:endParaRPr>
-            </a:p>
-          </p:txBody>
-        </p:sp>
-        <p:sp>
-          <p:nvSpPr>
-            <p:cNvPr id="250" name="Rectangle 249">
-              <a:extLst>
-                <a:ext uri="{FF2B5EF4-FFF2-40B4-BE49-F238E27FC236}">
-                  <a16:creationId xmlns:a16="http://schemas.microsoft.com/office/drawing/2014/main" id="{DF508123-B260-4D90-AE9E-C0684F705982}"/>
-                </a:ext>
-              </a:extLst>
-            </p:cNvPr>
-            <p:cNvSpPr/>
-            <p:nvPr/>
-          </p:nvSpPr>
-          <p:spPr>
-            <a:xfrm>
-              <a:off x="6418431" y="3432837"/>
-              <a:ext cx="873260" cy="465047"/>
-            </a:xfrm>
-            <a:prstGeom prst="rect">
-              <a:avLst/>
-            </a:prstGeom>
-            <a:noFill/>
-            <a:ln w="76200">
-              <a:solidFill>
-                <a:srgbClr val="013B51"/>
-              </a:solidFill>
-            </a:ln>
-          </p:spPr>
-          <p:style>
-            <a:lnRef idx="2">
-              <a:schemeClr val="accent1">
-                <a:shade val="50000"/>
-              </a:schemeClr>
-            </a:lnRef>
-            <a:fillRef idx="1">
-              <a:schemeClr val="accent1"/>
-            </a:fillRef>
-            <a:effectRef idx="0">
-              <a:schemeClr val="accent1"/>
-            </a:effectRef>
-            <a:fontRef idx="minor">
-              <a:schemeClr val="lt1"/>
-            </a:fontRef>
-          </p:style>
-          <p:txBody>
-            <a:bodyPr rtlCol="0" anchor="ctr"/>
-            <a:lstStyle/>
-            <a:p>
-              <a:pPr algn="ctr"/>
-              <a:r>
-                <a:rPr lang="en-US" altLang="ko-KR" sz="1400" dirty="0">
-                  <a:solidFill>
-                    <a:srgbClr val="013B51"/>
-                  </a:solidFill>
-                  <a:latin typeface="Noto Sans CJK KR Bold" panose="020B0800000000000000" pitchFamily="34" charset="-127"/>
-                  <a:ea typeface="Noto Sans CJK KR Bold" panose="020B0800000000000000" pitchFamily="34" charset="-127"/>
-                </a:rPr>
-                <a:t>reg</a:t>
-              </a:r>
-              <a:endParaRPr lang="ko-KR" altLang="en-US" sz="1400" dirty="0">
-                <a:solidFill>
-                  <a:srgbClr val="013B51"/>
-                </a:solidFill>
-                <a:latin typeface="Noto Sans CJK KR Bold" panose="020B0800000000000000" pitchFamily="34" charset="-127"/>
-                <a:ea typeface="Noto Sans CJK KR Bold" panose="020B0800000000000000" pitchFamily="34" charset="-127"/>
-              </a:endParaRPr>
-            </a:p>
-          </p:txBody>
-        </p:sp>
-        <p:sp>
-          <p:nvSpPr>
-            <p:cNvPr id="254" name="Rectangle 253">
-              <a:extLst>
-                <a:ext uri="{FF2B5EF4-FFF2-40B4-BE49-F238E27FC236}">
-                  <a16:creationId xmlns:a16="http://schemas.microsoft.com/office/drawing/2014/main" id="{780D963B-0D8C-4E64-A596-B219725EB659}"/>
-                </a:ext>
-              </a:extLst>
-            </p:cNvPr>
-            <p:cNvSpPr/>
-            <p:nvPr/>
-          </p:nvSpPr>
-          <p:spPr>
-            <a:xfrm>
-              <a:off x="6418431" y="3074982"/>
-              <a:ext cx="873260" cy="336105"/>
-            </a:xfrm>
-            <a:prstGeom prst="rect">
-              <a:avLst/>
-            </a:prstGeom>
-            <a:solidFill>
-              <a:srgbClr val="013B51"/>
-            </a:solidFill>
-            <a:ln w="76200">
-              <a:solidFill>
-                <a:srgbClr val="013B51"/>
-              </a:solidFill>
-            </a:ln>
-          </p:spPr>
-          <p:style>
-            <a:lnRef idx="2">
-              <a:schemeClr val="accent1">
-                <a:shade val="50000"/>
-              </a:schemeClr>
-            </a:lnRef>
-            <a:fillRef idx="1">
-              <a:schemeClr val="accent1"/>
-            </a:fillRef>
-            <a:effectRef idx="0">
-              <a:schemeClr val="accent1"/>
-            </a:effectRef>
-            <a:fontRef idx="minor">
-              <a:schemeClr val="lt1"/>
-            </a:fontRef>
-          </p:style>
-          <p:txBody>
-            <a:bodyPr rtlCol="0" anchor="ctr"/>
-            <a:lstStyle/>
-            <a:p>
-              <a:pPr algn="ctr"/>
-              <a:r>
-                <a:rPr lang="en-US" altLang="ko-KR" sz="1050" dirty="0">
-                  <a:solidFill>
-                    <a:schemeClr val="bg1"/>
-                  </a:solidFill>
-                  <a:latin typeface="Noto Sans CJK KR Bold" panose="020B0800000000000000" pitchFamily="34" charset="-127"/>
-                  <a:ea typeface="Noto Sans CJK KR Bold" panose="020B0800000000000000" pitchFamily="34" charset="-127"/>
-                </a:rPr>
-                <a:t>rt</a:t>
-              </a:r>
-              <a:endParaRPr lang="ko-KR" altLang="en-US" sz="1050" dirty="0">
-                <a:solidFill>
-                  <a:schemeClr val="bg1"/>
-                </a:solidFill>
-                <a:latin typeface="Noto Sans CJK KR Bold" panose="020B0800000000000000" pitchFamily="34" charset="-127"/>
-                <a:ea typeface="Noto Sans CJK KR Bold" panose="020B0800000000000000" pitchFamily="34" charset="-127"/>
-              </a:endParaRPr>
-            </a:p>
-          </p:txBody>
-        </p:sp>
-        <p:sp>
-          <p:nvSpPr>
-            <p:cNvPr id="255" name="Rectangle 254">
-              <a:extLst>
-                <a:ext uri="{FF2B5EF4-FFF2-40B4-BE49-F238E27FC236}">
-                  <a16:creationId xmlns:a16="http://schemas.microsoft.com/office/drawing/2014/main" id="{E2EBB805-5318-46C5-9B2E-04DE6E2DA260}"/>
-                </a:ext>
-              </a:extLst>
-            </p:cNvPr>
-            <p:cNvSpPr/>
-            <p:nvPr/>
-          </p:nvSpPr>
-          <p:spPr>
-            <a:xfrm>
-              <a:off x="7288677" y="3432837"/>
-              <a:ext cx="873260" cy="465047"/>
-            </a:xfrm>
-            <a:prstGeom prst="rect">
-              <a:avLst/>
-            </a:prstGeom>
-            <a:noFill/>
-            <a:ln w="76200">
-              <a:solidFill>
-                <a:srgbClr val="013B51"/>
-              </a:solidFill>
-            </a:ln>
-          </p:spPr>
-          <p:style>
-            <a:lnRef idx="2">
-              <a:schemeClr val="accent1">
-                <a:shade val="50000"/>
-              </a:schemeClr>
-            </a:lnRef>
-            <a:fillRef idx="1">
-              <a:schemeClr val="accent1"/>
-            </a:fillRef>
-            <a:effectRef idx="0">
-              <a:schemeClr val="accent1"/>
-            </a:effectRef>
-            <a:fontRef idx="minor">
-              <a:schemeClr val="lt1"/>
-            </a:fontRef>
-          </p:style>
-          <p:txBody>
-            <a:bodyPr rtlCol="0" anchor="ctr"/>
-            <a:lstStyle/>
-            <a:p>
-              <a:pPr algn="ctr"/>
-              <a:r>
-                <a:rPr lang="en-US" altLang="ko-KR" sz="1400" dirty="0" err="1">
-                  <a:solidFill>
-                    <a:srgbClr val="013B51"/>
-                  </a:solidFill>
-                  <a:latin typeface="Noto Sans CJK KR Bold" panose="020B0800000000000000" pitchFamily="34" charset="-127"/>
-                  <a:ea typeface="Noto Sans CJK KR Bold" panose="020B0800000000000000" pitchFamily="34" charset="-127"/>
-                </a:rPr>
-                <a:t>n.a.</a:t>
-              </a:r>
-              <a:endParaRPr lang="ko-KR" altLang="en-US" sz="1400" dirty="0">
-                <a:solidFill>
-                  <a:srgbClr val="013B51"/>
-                </a:solidFill>
-                <a:latin typeface="Noto Sans CJK KR Bold" panose="020B0800000000000000" pitchFamily="34" charset="-127"/>
-                <a:ea typeface="Noto Sans CJK KR Bold" panose="020B0800000000000000" pitchFamily="34" charset="-127"/>
-              </a:endParaRPr>
-            </a:p>
-          </p:txBody>
-        </p:sp>
-        <p:sp>
-          <p:nvSpPr>
-            <p:cNvPr id="259" name="Rectangle 258">
-              <a:extLst>
-                <a:ext uri="{FF2B5EF4-FFF2-40B4-BE49-F238E27FC236}">
-                  <a16:creationId xmlns:a16="http://schemas.microsoft.com/office/drawing/2014/main" id="{25AC483C-12BE-410F-A19A-4B65506A18B0}"/>
-                </a:ext>
-              </a:extLst>
-            </p:cNvPr>
-            <p:cNvSpPr/>
-            <p:nvPr/>
-          </p:nvSpPr>
-          <p:spPr>
-            <a:xfrm>
-              <a:off x="7288677" y="3074982"/>
-              <a:ext cx="873260" cy="336105"/>
-            </a:xfrm>
-            <a:prstGeom prst="rect">
-              <a:avLst/>
-            </a:prstGeom>
-            <a:solidFill>
-              <a:srgbClr val="013B51"/>
-            </a:solidFill>
-            <a:ln w="76200">
-              <a:solidFill>
-                <a:srgbClr val="013B51"/>
-              </a:solidFill>
-            </a:ln>
-          </p:spPr>
-          <p:style>
-            <a:lnRef idx="2">
-              <a:schemeClr val="accent1">
-                <a:shade val="50000"/>
-              </a:schemeClr>
-            </a:lnRef>
-            <a:fillRef idx="1">
-              <a:schemeClr val="accent1"/>
-            </a:fillRef>
-            <a:effectRef idx="0">
-              <a:schemeClr val="accent1"/>
-            </a:effectRef>
-            <a:fontRef idx="minor">
-              <a:schemeClr val="lt1"/>
-            </a:fontRef>
-          </p:style>
-          <p:txBody>
-            <a:bodyPr rtlCol="0" anchor="ctr"/>
-            <a:lstStyle/>
-            <a:p>
-              <a:pPr algn="ctr"/>
-              <a:r>
-                <a:rPr lang="en-US" altLang="ko-KR" sz="1050" dirty="0" err="1">
-                  <a:solidFill>
-                    <a:schemeClr val="bg1"/>
-                  </a:solidFill>
-                  <a:latin typeface="Noto Sans CJK KR Bold" panose="020B0800000000000000" pitchFamily="34" charset="-127"/>
-                  <a:ea typeface="Noto Sans CJK KR Bold" panose="020B0800000000000000" pitchFamily="34" charset="-127"/>
-                </a:rPr>
-                <a:t>rd</a:t>
-              </a:r>
-              <a:endParaRPr lang="ko-KR" altLang="en-US" sz="1050" dirty="0">
-                <a:solidFill>
-                  <a:schemeClr val="bg1"/>
-                </a:solidFill>
-                <a:latin typeface="Noto Sans CJK KR Bold" panose="020B0800000000000000" pitchFamily="34" charset="-127"/>
-                <a:ea typeface="Noto Sans CJK KR Bold" panose="020B0800000000000000" pitchFamily="34" charset="-127"/>
-              </a:endParaRPr>
-            </a:p>
-          </p:txBody>
-        </p:sp>
-        <p:sp>
-          <p:nvSpPr>
-            <p:cNvPr id="260" name="Rectangle 259">
-              <a:extLst>
-                <a:ext uri="{FF2B5EF4-FFF2-40B4-BE49-F238E27FC236}">
-                  <a16:creationId xmlns:a16="http://schemas.microsoft.com/office/drawing/2014/main" id="{77D1787D-B47F-4494-9B5E-3B6ECFE0D45E}"/>
-                </a:ext>
-              </a:extLst>
-            </p:cNvPr>
-            <p:cNvSpPr/>
-            <p:nvPr/>
-          </p:nvSpPr>
-          <p:spPr>
-            <a:xfrm>
-              <a:off x="8154974" y="3432837"/>
-              <a:ext cx="1040005" cy="465047"/>
-            </a:xfrm>
-            <a:prstGeom prst="rect">
-              <a:avLst/>
-            </a:prstGeom>
-            <a:noFill/>
-            <a:ln w="76200">
-              <a:solidFill>
-                <a:srgbClr val="013B51"/>
-              </a:solidFill>
-            </a:ln>
-          </p:spPr>
-          <p:style>
-            <a:lnRef idx="2">
-              <a:schemeClr val="accent1">
-                <a:shade val="50000"/>
-              </a:schemeClr>
-            </a:lnRef>
-            <a:fillRef idx="1">
-              <a:schemeClr val="accent1"/>
-            </a:fillRef>
-            <a:effectRef idx="0">
-              <a:schemeClr val="accent1"/>
-            </a:effectRef>
-            <a:fontRef idx="minor">
-              <a:schemeClr val="lt1"/>
-            </a:fontRef>
-          </p:style>
-          <p:txBody>
-            <a:bodyPr rtlCol="0" anchor="ctr"/>
-            <a:lstStyle/>
-            <a:p>
-              <a:pPr algn="ctr"/>
-              <a:r>
-                <a:rPr lang="en-US" altLang="ko-KR" sz="1400" dirty="0" err="1">
-                  <a:solidFill>
-                    <a:srgbClr val="013B51"/>
-                  </a:solidFill>
-                  <a:latin typeface="Noto Sans CJK KR Bold" panose="020B0800000000000000" pitchFamily="34" charset="-127"/>
-                  <a:ea typeface="Noto Sans CJK KR Bold" panose="020B0800000000000000" pitchFamily="34" charset="-127"/>
-                </a:rPr>
-                <a:t>n.a.</a:t>
-              </a:r>
-              <a:endParaRPr lang="ko-KR" altLang="en-US" sz="1400" dirty="0">
-                <a:solidFill>
-                  <a:srgbClr val="013B51"/>
-                </a:solidFill>
-                <a:latin typeface="Noto Sans CJK KR Bold" panose="020B0800000000000000" pitchFamily="34" charset="-127"/>
-                <a:ea typeface="Noto Sans CJK KR Bold" panose="020B0800000000000000" pitchFamily="34" charset="-127"/>
-              </a:endParaRPr>
-            </a:p>
-          </p:txBody>
-        </p:sp>
-        <p:sp>
-          <p:nvSpPr>
-            <p:cNvPr id="264" name="Rectangle 263">
-              <a:extLst>
-                <a:ext uri="{FF2B5EF4-FFF2-40B4-BE49-F238E27FC236}">
-                  <a16:creationId xmlns:a16="http://schemas.microsoft.com/office/drawing/2014/main" id="{7D2BD6F2-5AE9-4FDE-8E20-E6031AF41FB3}"/>
-                </a:ext>
-              </a:extLst>
-            </p:cNvPr>
-            <p:cNvSpPr/>
-            <p:nvPr/>
-          </p:nvSpPr>
-          <p:spPr>
-            <a:xfrm>
-              <a:off x="8154974" y="3074982"/>
-              <a:ext cx="1040005" cy="336105"/>
-            </a:xfrm>
-            <a:prstGeom prst="rect">
-              <a:avLst/>
-            </a:prstGeom>
-            <a:solidFill>
-              <a:srgbClr val="013B51"/>
-            </a:solidFill>
-            <a:ln w="76200">
-              <a:solidFill>
-                <a:srgbClr val="013B51"/>
-              </a:solidFill>
-            </a:ln>
-          </p:spPr>
-          <p:style>
-            <a:lnRef idx="2">
-              <a:schemeClr val="accent1">
-                <a:shade val="50000"/>
-              </a:schemeClr>
-            </a:lnRef>
-            <a:fillRef idx="1">
-              <a:schemeClr val="accent1"/>
-            </a:fillRef>
-            <a:effectRef idx="0">
-              <a:schemeClr val="accent1"/>
-            </a:effectRef>
-            <a:fontRef idx="minor">
-              <a:schemeClr val="lt1"/>
-            </a:fontRef>
-          </p:style>
-          <p:txBody>
-            <a:bodyPr rtlCol="0" anchor="ctr"/>
-            <a:lstStyle/>
-            <a:p>
-              <a:pPr algn="ctr"/>
-              <a:r>
-                <a:rPr lang="en-US" altLang="ko-KR" sz="1050" dirty="0" err="1">
-                  <a:solidFill>
-                    <a:schemeClr val="bg1"/>
-                  </a:solidFill>
-                  <a:latin typeface="Noto Sans CJK KR Bold" panose="020B0800000000000000" pitchFamily="34" charset="-127"/>
-                  <a:ea typeface="Noto Sans CJK KR Bold" panose="020B0800000000000000" pitchFamily="34" charset="-127"/>
-                </a:rPr>
-                <a:t>shamt</a:t>
-              </a:r>
-              <a:endParaRPr lang="ko-KR" altLang="en-US" sz="1050" dirty="0">
-                <a:solidFill>
-                  <a:schemeClr val="bg1"/>
-                </a:solidFill>
-                <a:latin typeface="Noto Sans CJK KR Bold" panose="020B0800000000000000" pitchFamily="34" charset="-127"/>
-                <a:ea typeface="Noto Sans CJK KR Bold" panose="020B0800000000000000" pitchFamily="34" charset="-127"/>
-              </a:endParaRPr>
-            </a:p>
-          </p:txBody>
-        </p:sp>
-        <p:sp>
-          <p:nvSpPr>
-            <p:cNvPr id="265" name="Rectangle 264">
-              <a:extLst>
-                <a:ext uri="{FF2B5EF4-FFF2-40B4-BE49-F238E27FC236}">
-                  <a16:creationId xmlns:a16="http://schemas.microsoft.com/office/drawing/2014/main" id="{18F97752-0F30-47C5-9F42-807C305DA4F0}"/>
-                </a:ext>
-              </a:extLst>
-            </p:cNvPr>
-            <p:cNvSpPr/>
-            <p:nvPr/>
-          </p:nvSpPr>
-          <p:spPr>
-            <a:xfrm>
-              <a:off x="9193662" y="3432837"/>
-              <a:ext cx="1040005" cy="465047"/>
-            </a:xfrm>
-            <a:prstGeom prst="rect">
-              <a:avLst/>
-            </a:prstGeom>
-            <a:noFill/>
-            <a:ln w="76200">
-              <a:solidFill>
-                <a:srgbClr val="013B51"/>
-              </a:solidFill>
-            </a:ln>
-          </p:spPr>
-          <p:style>
-            <a:lnRef idx="2">
-              <a:schemeClr val="accent1">
-                <a:shade val="50000"/>
-              </a:schemeClr>
-            </a:lnRef>
-            <a:fillRef idx="1">
-              <a:schemeClr val="accent1"/>
-            </a:fillRef>
-            <a:effectRef idx="0">
-              <a:schemeClr val="accent1"/>
-            </a:effectRef>
-            <a:fontRef idx="minor">
-              <a:schemeClr val="lt1"/>
-            </a:fontRef>
-          </p:style>
-          <p:txBody>
-            <a:bodyPr rtlCol="0" anchor="ctr"/>
-            <a:lstStyle/>
-            <a:p>
-              <a:pPr algn="ctr"/>
-              <a:r>
-                <a:rPr lang="en-US" altLang="ko-KR" sz="1400" dirty="0" err="1">
-                  <a:solidFill>
-                    <a:srgbClr val="013B51"/>
-                  </a:solidFill>
-                  <a:latin typeface="Noto Sans CJK KR Bold" panose="020B0800000000000000" pitchFamily="34" charset="-127"/>
-                  <a:ea typeface="Noto Sans CJK KR Bold" panose="020B0800000000000000" pitchFamily="34" charset="-127"/>
-                </a:rPr>
-                <a:t>n.a.</a:t>
-              </a:r>
-              <a:endParaRPr lang="ko-KR" altLang="en-US" sz="1400" dirty="0">
-                <a:solidFill>
-                  <a:srgbClr val="013B51"/>
-                </a:solidFill>
-                <a:latin typeface="Noto Sans CJK KR Bold" panose="020B0800000000000000" pitchFamily="34" charset="-127"/>
-                <a:ea typeface="Noto Sans CJK KR Bold" panose="020B0800000000000000" pitchFamily="34" charset="-127"/>
-              </a:endParaRPr>
-            </a:p>
-          </p:txBody>
-        </p:sp>
-        <p:sp>
-          <p:nvSpPr>
-            <p:cNvPr id="269" name="Rectangle 268">
-              <a:extLst>
-                <a:ext uri="{FF2B5EF4-FFF2-40B4-BE49-F238E27FC236}">
-                  <a16:creationId xmlns:a16="http://schemas.microsoft.com/office/drawing/2014/main" id="{B4230F23-EEF2-4CB1-BF60-9300605D09AB}"/>
-                </a:ext>
-              </a:extLst>
-            </p:cNvPr>
-            <p:cNvSpPr/>
-            <p:nvPr/>
-          </p:nvSpPr>
-          <p:spPr>
-            <a:xfrm>
-              <a:off x="9193662" y="3074982"/>
-              <a:ext cx="1040005" cy="336105"/>
-            </a:xfrm>
-            <a:prstGeom prst="rect">
-              <a:avLst/>
-            </a:prstGeom>
-            <a:solidFill>
-              <a:srgbClr val="013B51"/>
-            </a:solidFill>
-            <a:ln w="76200">
-              <a:solidFill>
-                <a:srgbClr val="013B51"/>
-              </a:solidFill>
-            </a:ln>
-          </p:spPr>
-          <p:style>
-            <a:lnRef idx="2">
-              <a:schemeClr val="accent1">
-                <a:shade val="50000"/>
-              </a:schemeClr>
-            </a:lnRef>
-            <a:fillRef idx="1">
-              <a:schemeClr val="accent1"/>
-            </a:fillRef>
-            <a:effectRef idx="0">
-              <a:schemeClr val="accent1"/>
-            </a:effectRef>
-            <a:fontRef idx="minor">
-              <a:schemeClr val="lt1"/>
-            </a:fontRef>
-          </p:style>
-          <p:txBody>
-            <a:bodyPr rtlCol="0" anchor="ctr"/>
-            <a:lstStyle/>
-            <a:p>
-              <a:pPr algn="ctr"/>
-              <a:r>
-                <a:rPr lang="en-US" altLang="ko-KR" sz="1050" dirty="0" err="1">
-                  <a:solidFill>
-                    <a:schemeClr val="bg1"/>
-                  </a:solidFill>
-                  <a:latin typeface="Noto Sans CJK KR Bold" panose="020B0800000000000000" pitchFamily="34" charset="-127"/>
-                  <a:ea typeface="Noto Sans CJK KR Bold" panose="020B0800000000000000" pitchFamily="34" charset="-127"/>
-                </a:rPr>
-                <a:t>funct</a:t>
-              </a:r>
-              <a:endParaRPr lang="ko-KR" altLang="en-US" sz="1050" dirty="0">
-                <a:solidFill>
-                  <a:schemeClr val="bg1"/>
-                </a:solidFill>
-                <a:latin typeface="Noto Sans CJK KR Bold" panose="020B0800000000000000" pitchFamily="34" charset="-127"/>
-                <a:ea typeface="Noto Sans CJK KR Bold" panose="020B0800000000000000" pitchFamily="34" charset="-127"/>
-              </a:endParaRPr>
-            </a:p>
-          </p:txBody>
-        </p:sp>
-        <p:sp>
-          <p:nvSpPr>
-            <p:cNvPr id="270" name="Rectangle 269">
-              <a:extLst>
-                <a:ext uri="{FF2B5EF4-FFF2-40B4-BE49-F238E27FC236}">
-                  <a16:creationId xmlns:a16="http://schemas.microsoft.com/office/drawing/2014/main" id="{65F2BF15-7DA6-46DA-91E7-702EB9E124D2}"/>
-                </a:ext>
-              </a:extLst>
-            </p:cNvPr>
-            <p:cNvSpPr/>
-            <p:nvPr/>
-          </p:nvSpPr>
-          <p:spPr>
-            <a:xfrm>
-              <a:off x="10223472" y="3432837"/>
-              <a:ext cx="1625930" cy="465047"/>
-            </a:xfrm>
-            <a:prstGeom prst="rect">
-              <a:avLst/>
-            </a:prstGeom>
-            <a:noFill/>
-            <a:ln w="76200">
-              <a:solidFill>
-                <a:srgbClr val="013B51"/>
-              </a:solidFill>
-            </a:ln>
-          </p:spPr>
-          <p:style>
-            <a:lnRef idx="2">
-              <a:schemeClr val="accent1">
-                <a:shade val="50000"/>
-              </a:schemeClr>
-            </a:lnRef>
-            <a:fillRef idx="1">
-              <a:schemeClr val="accent1"/>
-            </a:fillRef>
-            <a:effectRef idx="0">
-              <a:schemeClr val="accent1"/>
-            </a:effectRef>
-            <a:fontRef idx="minor">
-              <a:schemeClr val="lt1"/>
-            </a:fontRef>
-          </p:style>
-          <p:txBody>
-            <a:bodyPr rtlCol="0" anchor="ctr"/>
-            <a:lstStyle/>
-            <a:p>
-              <a:pPr algn="ctr"/>
-              <a:r>
-                <a:rPr lang="en-US" altLang="ko-KR" sz="1400" dirty="0">
-                  <a:solidFill>
-                    <a:srgbClr val="013B51"/>
-                  </a:solidFill>
-                  <a:latin typeface="Noto Sans CJK KR Bold" panose="020B0800000000000000" pitchFamily="34" charset="-127"/>
-                  <a:ea typeface="Noto Sans CJK KR Bold" panose="020B0800000000000000" pitchFamily="34" charset="-127"/>
-                </a:rPr>
-                <a:t>address</a:t>
-              </a:r>
-              <a:endParaRPr lang="ko-KR" altLang="en-US" sz="1400" dirty="0">
-                <a:solidFill>
-                  <a:srgbClr val="013B51"/>
-                </a:solidFill>
-                <a:latin typeface="Noto Sans CJK KR Bold" panose="020B0800000000000000" pitchFamily="34" charset="-127"/>
-                <a:ea typeface="Noto Sans CJK KR Bold" panose="020B0800000000000000" pitchFamily="34" charset="-127"/>
-              </a:endParaRPr>
-            </a:p>
-          </p:txBody>
-        </p:sp>
-        <p:sp>
-          <p:nvSpPr>
-            <p:cNvPr id="274" name="Rectangle 273">
-              <a:extLst>
-                <a:ext uri="{FF2B5EF4-FFF2-40B4-BE49-F238E27FC236}">
-                  <a16:creationId xmlns:a16="http://schemas.microsoft.com/office/drawing/2014/main" id="{46E08C30-D79D-4D8F-9074-3F1C11F73B66}"/>
-                </a:ext>
-              </a:extLst>
-            </p:cNvPr>
-            <p:cNvSpPr/>
-            <p:nvPr/>
-          </p:nvSpPr>
-          <p:spPr>
-            <a:xfrm>
-              <a:off x="10223472" y="3074982"/>
-              <a:ext cx="1625930" cy="336105"/>
-            </a:xfrm>
-            <a:prstGeom prst="rect">
-              <a:avLst/>
-            </a:prstGeom>
-            <a:solidFill>
-              <a:srgbClr val="013B51"/>
-            </a:solidFill>
-            <a:ln w="76200">
-              <a:solidFill>
-                <a:srgbClr val="013B51"/>
-              </a:solidFill>
-            </a:ln>
-          </p:spPr>
-          <p:style>
-            <a:lnRef idx="2">
-              <a:schemeClr val="accent1">
-                <a:shade val="50000"/>
-              </a:schemeClr>
-            </a:lnRef>
-            <a:fillRef idx="1">
-              <a:schemeClr val="accent1"/>
-            </a:fillRef>
-            <a:effectRef idx="0">
-              <a:schemeClr val="accent1"/>
-            </a:effectRef>
-            <a:fontRef idx="minor">
-              <a:schemeClr val="lt1"/>
-            </a:fontRef>
-          </p:style>
-          <p:txBody>
-            <a:bodyPr rtlCol="0" anchor="ctr"/>
-            <a:lstStyle/>
-            <a:p>
-              <a:pPr algn="ctr"/>
-              <a:r>
-                <a:rPr lang="en-US" altLang="ko-KR" sz="1050" dirty="0">
-                  <a:solidFill>
-                    <a:schemeClr val="bg1"/>
-                  </a:solidFill>
-                  <a:latin typeface="Noto Sans CJK KR Bold" panose="020B0800000000000000" pitchFamily="34" charset="-127"/>
-                  <a:ea typeface="Noto Sans CJK KR Bold" panose="020B0800000000000000" pitchFamily="34" charset="-127"/>
-                </a:rPr>
-                <a:t>address</a:t>
-              </a:r>
-              <a:endParaRPr lang="ko-KR" altLang="en-US" sz="1050" dirty="0">
-                <a:solidFill>
-                  <a:schemeClr val="bg1"/>
-                </a:solidFill>
-                <a:latin typeface="Noto Sans CJK KR Bold" panose="020B0800000000000000" pitchFamily="34" charset="-127"/>
-                <a:ea typeface="Noto Sans CJK KR Bold" panose="020B0800000000000000" pitchFamily="34" charset="-127"/>
-              </a:endParaRPr>
-            </a:p>
-          </p:txBody>
-        </p:sp>
-        <p:sp>
-          <p:nvSpPr>
-            <p:cNvPr id="275" name="Rectangle 274">
-              <a:extLst>
-                <a:ext uri="{FF2B5EF4-FFF2-40B4-BE49-F238E27FC236}">
-                  <a16:creationId xmlns:a16="http://schemas.microsoft.com/office/drawing/2014/main" id="{F5521531-6A2C-42B9-80B4-D837A45FB7FB}"/>
-                </a:ext>
-              </a:extLst>
-            </p:cNvPr>
-            <p:cNvSpPr/>
-            <p:nvPr/>
-          </p:nvSpPr>
-          <p:spPr>
-            <a:xfrm>
-              <a:off x="4009100" y="3885154"/>
-              <a:ext cx="665825" cy="465047"/>
-            </a:xfrm>
-            <a:prstGeom prst="rect">
-              <a:avLst/>
-            </a:prstGeom>
-            <a:noFill/>
-            <a:ln w="76200">
-              <a:solidFill>
-                <a:srgbClr val="013B51"/>
-              </a:solidFill>
-            </a:ln>
-          </p:spPr>
-          <p:style>
-            <a:lnRef idx="2">
-              <a:schemeClr val="accent1">
-                <a:shade val="50000"/>
-              </a:schemeClr>
-            </a:lnRef>
-            <a:fillRef idx="1">
-              <a:schemeClr val="accent1"/>
-            </a:fillRef>
-            <a:effectRef idx="0">
-              <a:schemeClr val="accent1"/>
-            </a:effectRef>
-            <a:fontRef idx="minor">
-              <a:schemeClr val="lt1"/>
-            </a:fontRef>
-          </p:style>
-          <p:txBody>
-            <a:bodyPr rtlCol="0" anchor="ctr"/>
-            <a:lstStyle/>
-            <a:p>
-              <a:pPr algn="ctr"/>
-              <a:r>
-                <a:rPr lang="en-US" altLang="ko-KR" sz="1400" dirty="0">
-                  <a:solidFill>
-                    <a:srgbClr val="013B51"/>
-                  </a:solidFill>
-                  <a:latin typeface="Noto Sans CJK KR Bold" panose="020B0800000000000000" pitchFamily="34" charset="-127"/>
-                  <a:ea typeface="Noto Sans CJK KR Bold" panose="020B0800000000000000" pitchFamily="34" charset="-127"/>
-                </a:rPr>
-                <a:t>I</a:t>
-              </a:r>
-              <a:endParaRPr lang="ko-KR" altLang="en-US" sz="1400" dirty="0">
-                <a:solidFill>
-                  <a:srgbClr val="013B51"/>
-                </a:solidFill>
-                <a:latin typeface="Noto Sans CJK KR Bold" panose="020B0800000000000000" pitchFamily="34" charset="-127"/>
-                <a:ea typeface="Noto Sans CJK KR Bold" panose="020B0800000000000000" pitchFamily="34" charset="-127"/>
-              </a:endParaRPr>
-            </a:p>
-          </p:txBody>
-        </p:sp>
-        <p:sp>
-          <p:nvSpPr>
-            <p:cNvPr id="276" name="Rectangle 275">
-              <a:extLst>
-                <a:ext uri="{FF2B5EF4-FFF2-40B4-BE49-F238E27FC236}">
-                  <a16:creationId xmlns:a16="http://schemas.microsoft.com/office/drawing/2014/main" id="{6F021BAC-05F4-4066-815A-8EB88B7E8790}"/>
-                </a:ext>
-              </a:extLst>
-            </p:cNvPr>
-            <p:cNvSpPr/>
-            <p:nvPr/>
-          </p:nvSpPr>
-          <p:spPr>
-            <a:xfrm>
-              <a:off x="2246451" y="3885160"/>
-              <a:ext cx="1762647" cy="465047"/>
-            </a:xfrm>
-            <a:prstGeom prst="rect">
-              <a:avLst/>
-            </a:prstGeom>
-            <a:noFill/>
-            <a:ln w="76200">
-              <a:solidFill>
-                <a:srgbClr val="013B51"/>
-              </a:solidFill>
-            </a:ln>
-          </p:spPr>
-          <p:style>
-            <a:lnRef idx="2">
-              <a:schemeClr val="accent1">
-                <a:shade val="50000"/>
-              </a:schemeClr>
-            </a:lnRef>
-            <a:fillRef idx="1">
-              <a:schemeClr val="accent1"/>
-            </a:fillRef>
-            <a:effectRef idx="0">
-              <a:schemeClr val="accent1"/>
-            </a:effectRef>
-            <a:fontRef idx="minor">
-              <a:schemeClr val="lt1"/>
-            </a:fontRef>
-          </p:style>
-          <p:txBody>
-            <a:bodyPr rtlCol="0" anchor="ctr"/>
-            <a:lstStyle/>
-            <a:p>
-              <a:pPr algn="ctr"/>
-              <a:r>
-                <a:rPr lang="en-US" altLang="ko-KR" sz="1400" dirty="0" err="1">
-                  <a:solidFill>
-                    <a:srgbClr val="013B51"/>
-                  </a:solidFill>
-                  <a:latin typeface="Noto Sans CJK KR Bold" panose="020B0800000000000000" pitchFamily="34" charset="-127"/>
-                  <a:ea typeface="Noto Sans CJK KR Bold" panose="020B0800000000000000" pitchFamily="34" charset="-127"/>
-                </a:rPr>
-                <a:t>sw</a:t>
-              </a:r>
-              <a:endParaRPr lang="ko-KR" altLang="en-US" sz="1400" dirty="0">
-                <a:solidFill>
-                  <a:srgbClr val="013B51"/>
-                </a:solidFill>
-                <a:latin typeface="Noto Sans CJK KR Bold" panose="020B0800000000000000" pitchFamily="34" charset="-127"/>
-                <a:ea typeface="Noto Sans CJK KR Bold" panose="020B0800000000000000" pitchFamily="34" charset="-127"/>
-              </a:endParaRPr>
-            </a:p>
-          </p:txBody>
-        </p:sp>
-        <p:sp>
-          <p:nvSpPr>
-            <p:cNvPr id="277" name="Rectangle 276">
-              <a:extLst>
-                <a:ext uri="{FF2B5EF4-FFF2-40B4-BE49-F238E27FC236}">
-                  <a16:creationId xmlns:a16="http://schemas.microsoft.com/office/drawing/2014/main" id="{27F3ECB7-693C-4D04-906F-E624D8656095}"/>
-                </a:ext>
-              </a:extLst>
-            </p:cNvPr>
-            <p:cNvSpPr/>
-            <p:nvPr/>
-          </p:nvSpPr>
-          <p:spPr>
-            <a:xfrm>
-              <a:off x="4674925" y="3885162"/>
-              <a:ext cx="873260" cy="465047"/>
-            </a:xfrm>
-            <a:prstGeom prst="rect">
-              <a:avLst/>
-            </a:prstGeom>
-            <a:noFill/>
-            <a:ln w="76200">
-              <a:solidFill>
-                <a:srgbClr val="013B51"/>
-              </a:solidFill>
-            </a:ln>
-          </p:spPr>
-          <p:style>
-            <a:lnRef idx="2">
-              <a:schemeClr val="accent1">
-                <a:shade val="50000"/>
-              </a:schemeClr>
-            </a:lnRef>
-            <a:fillRef idx="1">
-              <a:schemeClr val="accent1"/>
-            </a:fillRef>
-            <a:effectRef idx="0">
-              <a:schemeClr val="accent1"/>
-            </a:effectRef>
-            <a:fontRef idx="minor">
-              <a:schemeClr val="lt1"/>
-            </a:fontRef>
-          </p:style>
-          <p:txBody>
-            <a:bodyPr rtlCol="0" anchor="ctr"/>
-            <a:lstStyle/>
-            <a:p>
-              <a:pPr algn="ctr"/>
-              <a:r>
-                <a:rPr lang="en-US" altLang="ko-KR" sz="1400" dirty="0">
-                  <a:solidFill>
-                    <a:srgbClr val="013B51"/>
-                  </a:solidFill>
-                  <a:latin typeface="Noto Sans CJK KR Bold" panose="020B0800000000000000" pitchFamily="34" charset="-127"/>
-                  <a:ea typeface="Noto Sans CJK KR Bold" panose="020B0800000000000000" pitchFamily="34" charset="-127"/>
-                </a:rPr>
-                <a:t>43</a:t>
-              </a:r>
-              <a:endParaRPr lang="ko-KR" altLang="en-US" sz="1400" dirty="0">
-                <a:solidFill>
-                  <a:srgbClr val="013B51"/>
-                </a:solidFill>
-                <a:latin typeface="Noto Sans CJK KR Bold" panose="020B0800000000000000" pitchFamily="34" charset="-127"/>
-                <a:ea typeface="Noto Sans CJK KR Bold" panose="020B0800000000000000" pitchFamily="34" charset="-127"/>
-              </a:endParaRPr>
-            </a:p>
-          </p:txBody>
-        </p:sp>
-        <p:sp>
-          <p:nvSpPr>
-            <p:cNvPr id="278" name="Rectangle 277">
-              <a:extLst>
-                <a:ext uri="{FF2B5EF4-FFF2-40B4-BE49-F238E27FC236}">
-                  <a16:creationId xmlns:a16="http://schemas.microsoft.com/office/drawing/2014/main" id="{D12B9DC7-CA12-4582-A2E0-A86652731944}"/>
-                </a:ext>
-              </a:extLst>
-            </p:cNvPr>
-            <p:cNvSpPr/>
-            <p:nvPr/>
-          </p:nvSpPr>
-          <p:spPr>
-            <a:xfrm>
-              <a:off x="5545170" y="3885164"/>
-              <a:ext cx="873260" cy="465047"/>
-            </a:xfrm>
-            <a:prstGeom prst="rect">
-              <a:avLst/>
-            </a:prstGeom>
-            <a:noFill/>
-            <a:ln w="76200">
-              <a:solidFill>
-                <a:srgbClr val="013B51"/>
-              </a:solidFill>
-            </a:ln>
-          </p:spPr>
-          <p:style>
-            <a:lnRef idx="2">
-              <a:schemeClr val="accent1">
-                <a:shade val="50000"/>
-              </a:schemeClr>
-            </a:lnRef>
-            <a:fillRef idx="1">
-              <a:schemeClr val="accent1"/>
-            </a:fillRef>
-            <a:effectRef idx="0">
-              <a:schemeClr val="accent1"/>
-            </a:effectRef>
-            <a:fontRef idx="minor">
-              <a:schemeClr val="lt1"/>
-            </a:fontRef>
-          </p:style>
-          <p:txBody>
-            <a:bodyPr rtlCol="0" anchor="ctr"/>
-            <a:lstStyle/>
-            <a:p>
-              <a:pPr algn="ctr"/>
-              <a:r>
-                <a:rPr lang="en-US" altLang="ko-KR" sz="1400" dirty="0">
-                  <a:solidFill>
-                    <a:srgbClr val="013B51"/>
-                  </a:solidFill>
-                  <a:latin typeface="Noto Sans CJK KR Bold" panose="020B0800000000000000" pitchFamily="34" charset="-127"/>
-                  <a:ea typeface="Noto Sans CJK KR Bold" panose="020B0800000000000000" pitchFamily="34" charset="-127"/>
-                </a:rPr>
-                <a:t>reg</a:t>
-              </a:r>
-              <a:endParaRPr lang="ko-KR" altLang="en-US" sz="1400" dirty="0">
-                <a:solidFill>
-                  <a:srgbClr val="013B51"/>
-                </a:solidFill>
-                <a:latin typeface="Noto Sans CJK KR Bold" panose="020B0800000000000000" pitchFamily="34" charset="-127"/>
-                <a:ea typeface="Noto Sans CJK KR Bold" panose="020B0800000000000000" pitchFamily="34" charset="-127"/>
-              </a:endParaRPr>
-            </a:p>
-          </p:txBody>
-        </p:sp>
-        <p:sp>
-          <p:nvSpPr>
-            <p:cNvPr id="279" name="Rectangle 278">
-              <a:extLst>
-                <a:ext uri="{FF2B5EF4-FFF2-40B4-BE49-F238E27FC236}">
-                  <a16:creationId xmlns:a16="http://schemas.microsoft.com/office/drawing/2014/main" id="{98729DA7-2710-47E9-B24F-216D8252AACA}"/>
-                </a:ext>
-              </a:extLst>
-            </p:cNvPr>
-            <p:cNvSpPr/>
-            <p:nvPr/>
-          </p:nvSpPr>
-          <p:spPr>
-            <a:xfrm>
-              <a:off x="6418430" y="3885166"/>
-              <a:ext cx="873260" cy="465047"/>
-            </a:xfrm>
-            <a:prstGeom prst="rect">
-              <a:avLst/>
-            </a:prstGeom>
-            <a:noFill/>
-            <a:ln w="76200">
-              <a:solidFill>
-                <a:srgbClr val="013B51"/>
-              </a:solidFill>
-            </a:ln>
-          </p:spPr>
-          <p:style>
-            <a:lnRef idx="2">
-              <a:schemeClr val="accent1">
-                <a:shade val="50000"/>
-              </a:schemeClr>
-            </a:lnRef>
-            <a:fillRef idx="1">
-              <a:schemeClr val="accent1"/>
-            </a:fillRef>
-            <a:effectRef idx="0">
-              <a:schemeClr val="accent1"/>
-            </a:effectRef>
-            <a:fontRef idx="minor">
-              <a:schemeClr val="lt1"/>
-            </a:fontRef>
-          </p:style>
-          <p:txBody>
-            <a:bodyPr rtlCol="0" anchor="ctr"/>
-            <a:lstStyle/>
-            <a:p>
-              <a:pPr algn="ctr"/>
-              <a:r>
-                <a:rPr lang="en-US" altLang="ko-KR" sz="1400" dirty="0">
-                  <a:solidFill>
-                    <a:srgbClr val="013B51"/>
-                  </a:solidFill>
-                  <a:latin typeface="Noto Sans CJK KR Bold" panose="020B0800000000000000" pitchFamily="34" charset="-127"/>
-                  <a:ea typeface="Noto Sans CJK KR Bold" panose="020B0800000000000000" pitchFamily="34" charset="-127"/>
-                </a:rPr>
-                <a:t>reg</a:t>
-              </a:r>
-              <a:endParaRPr lang="ko-KR" altLang="en-US" sz="1400" dirty="0">
-                <a:solidFill>
-                  <a:srgbClr val="013B51"/>
-                </a:solidFill>
-                <a:latin typeface="Noto Sans CJK KR Bold" panose="020B0800000000000000" pitchFamily="34" charset="-127"/>
-                <a:ea typeface="Noto Sans CJK KR Bold" panose="020B0800000000000000" pitchFamily="34" charset="-127"/>
-              </a:endParaRPr>
-            </a:p>
-          </p:txBody>
-        </p:sp>
-        <p:sp>
-          <p:nvSpPr>
-            <p:cNvPr id="280" name="Rectangle 279">
-              <a:extLst>
-                <a:ext uri="{FF2B5EF4-FFF2-40B4-BE49-F238E27FC236}">
-                  <a16:creationId xmlns:a16="http://schemas.microsoft.com/office/drawing/2014/main" id="{C800B1D5-40FE-4D5B-99F4-7DD76B8DC887}"/>
-                </a:ext>
-              </a:extLst>
-            </p:cNvPr>
-            <p:cNvSpPr/>
-            <p:nvPr/>
-          </p:nvSpPr>
-          <p:spPr>
-            <a:xfrm>
-              <a:off x="7288675" y="3885168"/>
-              <a:ext cx="873260" cy="465048"/>
-            </a:xfrm>
-            <a:prstGeom prst="rect">
-              <a:avLst/>
-            </a:prstGeom>
-            <a:noFill/>
-            <a:ln w="76200">
-              <a:solidFill>
-                <a:srgbClr val="013B51"/>
-              </a:solidFill>
-            </a:ln>
-          </p:spPr>
-          <p:style>
-            <a:lnRef idx="2">
-              <a:schemeClr val="accent1">
-                <a:shade val="50000"/>
-              </a:schemeClr>
-            </a:lnRef>
-            <a:fillRef idx="1">
-              <a:schemeClr val="accent1"/>
-            </a:fillRef>
-            <a:effectRef idx="0">
-              <a:schemeClr val="accent1"/>
-            </a:effectRef>
-            <a:fontRef idx="minor">
-              <a:schemeClr val="lt1"/>
-            </a:fontRef>
-          </p:style>
-          <p:txBody>
-            <a:bodyPr rtlCol="0" anchor="ctr"/>
-            <a:lstStyle/>
-            <a:p>
-              <a:pPr algn="ctr"/>
-              <a:r>
-                <a:rPr lang="en-US" altLang="ko-KR" sz="1400" dirty="0" err="1">
-                  <a:solidFill>
-                    <a:srgbClr val="013B51"/>
-                  </a:solidFill>
-                  <a:latin typeface="Noto Sans CJK KR Bold" panose="020B0800000000000000" pitchFamily="34" charset="-127"/>
-                  <a:ea typeface="Noto Sans CJK KR Bold" panose="020B0800000000000000" pitchFamily="34" charset="-127"/>
-                </a:rPr>
-                <a:t>n.a.</a:t>
-              </a:r>
-              <a:endParaRPr lang="ko-KR" altLang="en-US" sz="1400" dirty="0">
-                <a:solidFill>
-                  <a:srgbClr val="013B51"/>
-                </a:solidFill>
-                <a:latin typeface="Noto Sans CJK KR Bold" panose="020B0800000000000000" pitchFamily="34" charset="-127"/>
-                <a:ea typeface="Noto Sans CJK KR Bold" panose="020B0800000000000000" pitchFamily="34" charset="-127"/>
-              </a:endParaRPr>
-            </a:p>
-          </p:txBody>
-        </p:sp>
-        <p:sp>
-          <p:nvSpPr>
-            <p:cNvPr id="281" name="Rectangle 280">
-              <a:extLst>
-                <a:ext uri="{FF2B5EF4-FFF2-40B4-BE49-F238E27FC236}">
-                  <a16:creationId xmlns:a16="http://schemas.microsoft.com/office/drawing/2014/main" id="{18DE73FF-C326-47ED-B62F-927C7AC749CF}"/>
-                </a:ext>
-              </a:extLst>
-            </p:cNvPr>
-            <p:cNvSpPr/>
-            <p:nvPr/>
-          </p:nvSpPr>
-          <p:spPr>
-            <a:xfrm>
-              <a:off x="8154972" y="3885170"/>
-              <a:ext cx="1040005" cy="465048"/>
-            </a:xfrm>
-            <a:prstGeom prst="rect">
-              <a:avLst/>
-            </a:prstGeom>
-            <a:noFill/>
-            <a:ln w="76200">
-              <a:solidFill>
-                <a:srgbClr val="013B51"/>
-              </a:solidFill>
-            </a:ln>
-          </p:spPr>
-          <p:style>
-            <a:lnRef idx="2">
-              <a:schemeClr val="accent1">
-                <a:shade val="50000"/>
-              </a:schemeClr>
-            </a:lnRef>
-            <a:fillRef idx="1">
-              <a:schemeClr val="accent1"/>
-            </a:fillRef>
-            <a:effectRef idx="0">
-              <a:schemeClr val="accent1"/>
-            </a:effectRef>
-            <a:fontRef idx="minor">
-              <a:schemeClr val="lt1"/>
-            </a:fontRef>
-          </p:style>
-          <p:txBody>
-            <a:bodyPr rtlCol="0" anchor="ctr"/>
-            <a:lstStyle/>
-            <a:p>
-              <a:pPr algn="ctr"/>
-              <a:r>
-                <a:rPr lang="en-US" altLang="ko-KR" sz="1400" dirty="0" err="1">
-                  <a:solidFill>
-                    <a:srgbClr val="013B51"/>
-                  </a:solidFill>
-                  <a:latin typeface="Noto Sans CJK KR Bold" panose="020B0800000000000000" pitchFamily="34" charset="-127"/>
-                  <a:ea typeface="Noto Sans CJK KR Bold" panose="020B0800000000000000" pitchFamily="34" charset="-127"/>
-                </a:rPr>
-                <a:t>n.a.</a:t>
-              </a:r>
-              <a:endParaRPr lang="ko-KR" altLang="en-US" sz="1400" dirty="0">
-                <a:solidFill>
-                  <a:srgbClr val="013B51"/>
-                </a:solidFill>
-                <a:latin typeface="Noto Sans CJK KR Bold" panose="020B0800000000000000" pitchFamily="34" charset="-127"/>
-                <a:ea typeface="Noto Sans CJK KR Bold" panose="020B0800000000000000" pitchFamily="34" charset="-127"/>
-              </a:endParaRPr>
-            </a:p>
-          </p:txBody>
-        </p:sp>
-        <p:sp>
-          <p:nvSpPr>
-            <p:cNvPr id="282" name="Rectangle 281">
-              <a:extLst>
-                <a:ext uri="{FF2B5EF4-FFF2-40B4-BE49-F238E27FC236}">
-                  <a16:creationId xmlns:a16="http://schemas.microsoft.com/office/drawing/2014/main" id="{848DE6B1-E175-47A8-B97B-4B8B06F8B41A}"/>
-                </a:ext>
-              </a:extLst>
-            </p:cNvPr>
-            <p:cNvSpPr/>
-            <p:nvPr/>
-          </p:nvSpPr>
-          <p:spPr>
-            <a:xfrm>
-              <a:off x="9193662" y="3885172"/>
-              <a:ext cx="1040005" cy="465048"/>
-            </a:xfrm>
-            <a:prstGeom prst="rect">
-              <a:avLst/>
-            </a:prstGeom>
-            <a:noFill/>
-            <a:ln w="76200">
-              <a:solidFill>
-                <a:srgbClr val="013B51"/>
-              </a:solidFill>
-            </a:ln>
-          </p:spPr>
-          <p:style>
-            <a:lnRef idx="2">
-              <a:schemeClr val="accent1">
-                <a:shade val="50000"/>
-              </a:schemeClr>
-            </a:lnRef>
-            <a:fillRef idx="1">
-              <a:schemeClr val="accent1"/>
-            </a:fillRef>
-            <a:effectRef idx="0">
-              <a:schemeClr val="accent1"/>
-            </a:effectRef>
-            <a:fontRef idx="minor">
-              <a:schemeClr val="lt1"/>
-            </a:fontRef>
-          </p:style>
-          <p:txBody>
-            <a:bodyPr rtlCol="0" anchor="ctr"/>
-            <a:lstStyle/>
-            <a:p>
-              <a:pPr algn="ctr"/>
-              <a:r>
-                <a:rPr lang="en-US" altLang="ko-KR" sz="1400" dirty="0" err="1">
-                  <a:solidFill>
-                    <a:srgbClr val="013B51"/>
-                  </a:solidFill>
-                  <a:latin typeface="Noto Sans CJK KR Bold" panose="020B0800000000000000" pitchFamily="34" charset="-127"/>
-                  <a:ea typeface="Noto Sans CJK KR Bold" panose="020B0800000000000000" pitchFamily="34" charset="-127"/>
-                </a:rPr>
-                <a:t>n.a.</a:t>
-              </a:r>
-              <a:endParaRPr lang="ko-KR" altLang="en-US" sz="1400" dirty="0">
-                <a:solidFill>
-                  <a:srgbClr val="013B51"/>
-                </a:solidFill>
-                <a:latin typeface="Noto Sans CJK KR Bold" panose="020B0800000000000000" pitchFamily="34" charset="-127"/>
-                <a:ea typeface="Noto Sans CJK KR Bold" panose="020B0800000000000000" pitchFamily="34" charset="-127"/>
-              </a:endParaRPr>
-            </a:p>
-          </p:txBody>
-        </p:sp>
-        <p:sp>
-          <p:nvSpPr>
-            <p:cNvPr id="283" name="Rectangle 282">
-              <a:extLst>
-                <a:ext uri="{FF2B5EF4-FFF2-40B4-BE49-F238E27FC236}">
-                  <a16:creationId xmlns:a16="http://schemas.microsoft.com/office/drawing/2014/main" id="{F44CB53C-618A-4754-8FB2-24788D9C23EF}"/>
-                </a:ext>
-              </a:extLst>
-            </p:cNvPr>
-            <p:cNvSpPr/>
-            <p:nvPr/>
-          </p:nvSpPr>
-          <p:spPr>
-            <a:xfrm>
-              <a:off x="10223468" y="3885174"/>
-              <a:ext cx="1625930" cy="465048"/>
-            </a:xfrm>
-            <a:prstGeom prst="rect">
-              <a:avLst/>
-            </a:prstGeom>
-            <a:noFill/>
-            <a:ln w="76200">
-              <a:solidFill>
-                <a:srgbClr val="013B51"/>
-              </a:solidFill>
-            </a:ln>
-          </p:spPr>
-          <p:style>
-            <a:lnRef idx="2">
-              <a:schemeClr val="accent1">
-                <a:shade val="50000"/>
-              </a:schemeClr>
-            </a:lnRef>
-            <a:fillRef idx="1">
-              <a:schemeClr val="accent1"/>
-            </a:fillRef>
-            <a:effectRef idx="0">
-              <a:schemeClr val="accent1"/>
-            </a:effectRef>
-            <a:fontRef idx="minor">
-              <a:schemeClr val="lt1"/>
-            </a:fontRef>
-          </p:style>
-          <p:txBody>
-            <a:bodyPr rtlCol="0" anchor="ctr"/>
-            <a:lstStyle/>
-            <a:p>
-              <a:pPr algn="ctr"/>
-              <a:r>
-                <a:rPr lang="en-US" altLang="ko-KR" sz="1400" dirty="0">
-                  <a:solidFill>
-                    <a:srgbClr val="013B51"/>
-                  </a:solidFill>
-                  <a:latin typeface="Noto Sans CJK KR Bold" panose="020B0800000000000000" pitchFamily="34" charset="-127"/>
-                  <a:ea typeface="Noto Sans CJK KR Bold" panose="020B0800000000000000" pitchFamily="34" charset="-127"/>
-                </a:rPr>
-                <a:t>address</a:t>
-              </a:r>
-              <a:endParaRPr lang="ko-KR" altLang="en-US" sz="1400" dirty="0">
-                <a:solidFill>
-                  <a:srgbClr val="013B51"/>
-                </a:solidFill>
-                <a:latin typeface="Noto Sans CJK KR Bold" panose="020B0800000000000000" pitchFamily="34" charset="-127"/>
-                <a:ea typeface="Noto Sans CJK KR Bold" panose="020B0800000000000000" pitchFamily="34" charset="-127"/>
-              </a:endParaRPr>
             </a:p>
           </p:txBody>
         </p:sp>

--- a/ComputerOrganization/Chapter2.pptx
+++ b/ComputerOrganization/Chapter2.pptx
@@ -12,6 +12,7 @@
     <p:sldId id="261" r:id="rId6"/>
     <p:sldId id="262" r:id="rId7"/>
     <p:sldId id="263" r:id="rId8"/>
+    <p:sldId id="264" r:id="rId9"/>
   </p:sldIdLst>
   <p:sldSz cx="12192000" cy="6858000"/>
   <p:notesSz cx="6858000" cy="9144000"/>
@@ -267,7 +268,7 @@
           <a:p>
             <a:fld id="{37A25B79-5AFE-40DE-8D90-7CD7EC558B08}" type="datetimeFigureOut">
               <a:rPr lang="ko-KR" altLang="en-US" smtClean="0"/>
-              <a:t>2019-06-13</a:t>
+              <a:t>2019-06-18</a:t>
             </a:fld>
             <a:endParaRPr lang="ko-KR" altLang="en-US"/>
           </a:p>
@@ -467,7 +468,7 @@
           <a:p>
             <a:fld id="{37A25B79-5AFE-40DE-8D90-7CD7EC558B08}" type="datetimeFigureOut">
               <a:rPr lang="ko-KR" altLang="en-US" smtClean="0"/>
-              <a:t>2019-06-13</a:t>
+              <a:t>2019-06-18</a:t>
             </a:fld>
             <a:endParaRPr lang="ko-KR" altLang="en-US"/>
           </a:p>
@@ -677,7 +678,7 @@
           <a:p>
             <a:fld id="{37A25B79-5AFE-40DE-8D90-7CD7EC558B08}" type="datetimeFigureOut">
               <a:rPr lang="ko-KR" altLang="en-US" smtClean="0"/>
-              <a:t>2019-06-13</a:t>
+              <a:t>2019-06-18</a:t>
             </a:fld>
             <a:endParaRPr lang="ko-KR" altLang="en-US"/>
           </a:p>
@@ -877,7 +878,7 @@
           <a:p>
             <a:fld id="{37A25B79-5AFE-40DE-8D90-7CD7EC558B08}" type="datetimeFigureOut">
               <a:rPr lang="ko-KR" altLang="en-US" smtClean="0"/>
-              <a:t>2019-06-13</a:t>
+              <a:t>2019-06-18</a:t>
             </a:fld>
             <a:endParaRPr lang="ko-KR" altLang="en-US"/>
           </a:p>
@@ -1153,7 +1154,7 @@
           <a:p>
             <a:fld id="{37A25B79-5AFE-40DE-8D90-7CD7EC558B08}" type="datetimeFigureOut">
               <a:rPr lang="ko-KR" altLang="en-US" smtClean="0"/>
-              <a:t>2019-06-13</a:t>
+              <a:t>2019-06-18</a:t>
             </a:fld>
             <a:endParaRPr lang="ko-KR" altLang="en-US"/>
           </a:p>
@@ -1421,7 +1422,7 @@
           <a:p>
             <a:fld id="{37A25B79-5AFE-40DE-8D90-7CD7EC558B08}" type="datetimeFigureOut">
               <a:rPr lang="ko-KR" altLang="en-US" smtClean="0"/>
-              <a:t>2019-06-13</a:t>
+              <a:t>2019-06-18</a:t>
             </a:fld>
             <a:endParaRPr lang="ko-KR" altLang="en-US"/>
           </a:p>
@@ -1836,7 +1837,7 @@
           <a:p>
             <a:fld id="{37A25B79-5AFE-40DE-8D90-7CD7EC558B08}" type="datetimeFigureOut">
               <a:rPr lang="ko-KR" altLang="en-US" smtClean="0"/>
-              <a:t>2019-06-13</a:t>
+              <a:t>2019-06-18</a:t>
             </a:fld>
             <a:endParaRPr lang="ko-KR" altLang="en-US"/>
           </a:p>
@@ -1978,7 +1979,7 @@
           <a:p>
             <a:fld id="{37A25B79-5AFE-40DE-8D90-7CD7EC558B08}" type="datetimeFigureOut">
               <a:rPr lang="ko-KR" altLang="en-US" smtClean="0"/>
-              <a:t>2019-06-13</a:t>
+              <a:t>2019-06-18</a:t>
             </a:fld>
             <a:endParaRPr lang="ko-KR" altLang="en-US"/>
           </a:p>
@@ -2091,7 +2092,7 @@
           <a:p>
             <a:fld id="{37A25B79-5AFE-40DE-8D90-7CD7EC558B08}" type="datetimeFigureOut">
               <a:rPr lang="ko-KR" altLang="en-US" smtClean="0"/>
-              <a:t>2019-06-13</a:t>
+              <a:t>2019-06-18</a:t>
             </a:fld>
             <a:endParaRPr lang="ko-KR" altLang="en-US"/>
           </a:p>
@@ -2404,7 +2405,7 @@
           <a:p>
             <a:fld id="{37A25B79-5AFE-40DE-8D90-7CD7EC558B08}" type="datetimeFigureOut">
               <a:rPr lang="ko-KR" altLang="en-US" smtClean="0"/>
-              <a:t>2019-06-13</a:t>
+              <a:t>2019-06-18</a:t>
             </a:fld>
             <a:endParaRPr lang="ko-KR" altLang="en-US"/>
           </a:p>
@@ -2693,7 +2694,7 @@
           <a:p>
             <a:fld id="{37A25B79-5AFE-40DE-8D90-7CD7EC558B08}" type="datetimeFigureOut">
               <a:rPr lang="ko-KR" altLang="en-US" smtClean="0"/>
-              <a:t>2019-06-13</a:t>
+              <a:t>2019-06-18</a:t>
             </a:fld>
             <a:endParaRPr lang="ko-KR" altLang="en-US"/>
           </a:p>
@@ -2936,7 +2937,7 @@
           <a:p>
             <a:fld id="{37A25B79-5AFE-40DE-8D90-7CD7EC558B08}" type="datetimeFigureOut">
               <a:rPr lang="ko-KR" altLang="en-US" smtClean="0"/>
-              <a:t>2019-06-13</a:t>
+              <a:t>2019-06-18</a:t>
             </a:fld>
             <a:endParaRPr lang="ko-KR" altLang="en-US"/>
           </a:p>
@@ -45909,6 +45910,9550 @@
 </p:sld>
 </file>
 
+<file path=ppt/slides/slide8.xml><?xml version="1.0" encoding="utf-8"?>
+<p:sld xmlns:a="http://schemas.openxmlformats.org/drawingml/2006/main" xmlns:r="http://schemas.openxmlformats.org/officeDocument/2006/relationships" xmlns:p="http://schemas.openxmlformats.org/presentationml/2006/main">
+  <p:cSld>
+    <p:spTree>
+      <p:nvGrpSpPr>
+        <p:cNvPr id="1" name=""/>
+        <p:cNvGrpSpPr/>
+        <p:nvPr/>
+      </p:nvGrpSpPr>
+      <p:grpSpPr>
+        <a:xfrm>
+          <a:off x="0" y="0"/>
+          <a:ext cx="0" cy="0"/>
+          <a:chOff x="0" y="0"/>
+          <a:chExt cx="0" cy="0"/>
+        </a:xfrm>
+      </p:grpSpPr>
+      <p:sp>
+        <p:nvSpPr>
+          <p:cNvPr id="6" name="Rectangle 5">
+            <a:extLst>
+              <a:ext uri="{FF2B5EF4-FFF2-40B4-BE49-F238E27FC236}">
+                <a16:creationId xmlns:a16="http://schemas.microsoft.com/office/drawing/2014/main" id="{386837E1-34D3-48A7-8764-FF3A069C77A0}"/>
+              </a:ext>
+            </a:extLst>
+          </p:cNvPr>
+          <p:cNvSpPr/>
+          <p:nvPr/>
+        </p:nvSpPr>
+        <p:spPr>
+          <a:xfrm>
+            <a:off x="1" y="0"/>
+            <a:ext cx="1822612" cy="6858000"/>
+          </a:xfrm>
+          <a:prstGeom prst="rect">
+            <a:avLst/>
+          </a:prstGeom>
+          <a:solidFill>
+            <a:srgbClr val="013B51"/>
+          </a:solidFill>
+          <a:ln>
+            <a:noFill/>
+          </a:ln>
+        </p:spPr>
+        <p:style>
+          <a:lnRef idx="2">
+            <a:schemeClr val="accent1">
+              <a:shade val="50000"/>
+            </a:schemeClr>
+          </a:lnRef>
+          <a:fillRef idx="1">
+            <a:schemeClr val="accent1"/>
+          </a:fillRef>
+          <a:effectRef idx="0">
+            <a:schemeClr val="accent1"/>
+          </a:effectRef>
+          <a:fontRef idx="minor">
+            <a:schemeClr val="lt1"/>
+          </a:fontRef>
+        </p:style>
+        <p:txBody>
+          <a:bodyPr rtlCol="0" anchor="ctr"/>
+          <a:lstStyle/>
+          <a:p>
+            <a:pPr algn="ctr"/>
+            <a:endParaRPr lang="ko-KR" altLang="en-US"/>
+          </a:p>
+        </p:txBody>
+      </p:sp>
+      <p:grpSp>
+        <p:nvGrpSpPr>
+          <p:cNvPr id="4" name="Group 3">
+            <a:extLst>
+              <a:ext uri="{FF2B5EF4-FFF2-40B4-BE49-F238E27FC236}">
+                <a16:creationId xmlns:a16="http://schemas.microsoft.com/office/drawing/2014/main" id="{7072584C-6260-4990-8119-F48D43DF9D1D}"/>
+              </a:ext>
+            </a:extLst>
+          </p:cNvPr>
+          <p:cNvGrpSpPr/>
+          <p:nvPr/>
+        </p:nvGrpSpPr>
+        <p:grpSpPr>
+          <a:xfrm>
+            <a:off x="227192" y="110970"/>
+            <a:ext cx="7619352" cy="6027939"/>
+            <a:chOff x="2068497" y="372861"/>
+            <a:chExt cx="7619352" cy="6027939"/>
+          </a:xfrm>
+        </p:grpSpPr>
+        <p:grpSp>
+          <p:nvGrpSpPr>
+            <p:cNvPr id="16" name="Group 15">
+              <a:extLst>
+                <a:ext uri="{FF2B5EF4-FFF2-40B4-BE49-F238E27FC236}">
+                  <a16:creationId xmlns:a16="http://schemas.microsoft.com/office/drawing/2014/main" id="{9FED8531-C6D3-4649-A895-F74932994A64}"/>
+                </a:ext>
+              </a:extLst>
+            </p:cNvPr>
+            <p:cNvGrpSpPr/>
+            <p:nvPr/>
+          </p:nvGrpSpPr>
+          <p:grpSpPr>
+            <a:xfrm>
+              <a:off x="2183906" y="372861"/>
+              <a:ext cx="7503943" cy="5797120"/>
+              <a:chOff x="2183906" y="372861"/>
+              <a:chExt cx="7503943" cy="5797120"/>
+            </a:xfrm>
+          </p:grpSpPr>
+          <p:cxnSp>
+            <p:nvCxnSpPr>
+              <p:cNvPr id="11" name="Straight Connector 10">
+                <a:extLst>
+                  <a:ext uri="{FF2B5EF4-FFF2-40B4-BE49-F238E27FC236}">
+                    <a16:creationId xmlns:a16="http://schemas.microsoft.com/office/drawing/2014/main" id="{0FA2315E-967B-45B9-A0F4-B526CF82C921}"/>
+                  </a:ext>
+                </a:extLst>
+              </p:cNvPr>
+              <p:cNvCxnSpPr>
+                <a:stCxn id="9" idx="0"/>
+              </p:cNvCxnSpPr>
+              <p:nvPr/>
+            </p:nvCxnSpPr>
+            <p:spPr>
+              <a:xfrm flipV="1">
+                <a:off x="2183907" y="457200"/>
+                <a:ext cx="0" cy="5712781"/>
+              </a:xfrm>
+              <a:prstGeom prst="line">
+                <a:avLst/>
+              </a:prstGeom>
+              <a:ln w="57150">
+                <a:solidFill>
+                  <a:srgbClr val="DABA6F"/>
+                </a:solidFill>
+              </a:ln>
+            </p:spPr>
+            <p:style>
+              <a:lnRef idx="1">
+                <a:schemeClr val="accent1"/>
+              </a:lnRef>
+              <a:fillRef idx="0">
+                <a:schemeClr val="accent1"/>
+              </a:fillRef>
+              <a:effectRef idx="0">
+                <a:schemeClr val="accent1"/>
+              </a:effectRef>
+              <a:fontRef idx="minor">
+                <a:schemeClr val="tx1"/>
+              </a:fontRef>
+            </p:style>
+          </p:cxnSp>
+          <p:cxnSp>
+            <p:nvCxnSpPr>
+              <p:cNvPr id="12" name="Straight Connector 11">
+                <a:extLst>
+                  <a:ext uri="{FF2B5EF4-FFF2-40B4-BE49-F238E27FC236}">
+                    <a16:creationId xmlns:a16="http://schemas.microsoft.com/office/drawing/2014/main" id="{92518781-1781-40F6-9291-FD4D938DE48A}"/>
+                  </a:ext>
+                </a:extLst>
+              </p:cNvPr>
+              <p:cNvCxnSpPr>
+                <a:cxnSpLocks/>
+              </p:cNvCxnSpPr>
+              <p:nvPr/>
+            </p:nvCxnSpPr>
+            <p:spPr>
+              <a:xfrm flipH="1">
+                <a:off x="2183906" y="488271"/>
+                <a:ext cx="7273124" cy="1"/>
+              </a:xfrm>
+              <a:prstGeom prst="line">
+                <a:avLst/>
+              </a:prstGeom>
+              <a:ln w="57150">
+                <a:solidFill>
+                  <a:srgbClr val="DABA6F"/>
+                </a:solidFill>
+              </a:ln>
+            </p:spPr>
+            <p:style>
+              <a:lnRef idx="1">
+                <a:schemeClr val="accent1"/>
+              </a:lnRef>
+              <a:fillRef idx="0">
+                <a:schemeClr val="accent1"/>
+              </a:fillRef>
+              <a:effectRef idx="0">
+                <a:schemeClr val="accent1"/>
+              </a:effectRef>
+              <a:fontRef idx="minor">
+                <a:schemeClr val="tx1"/>
+              </a:fontRef>
+            </p:style>
+          </p:cxnSp>
+          <p:sp>
+            <p:nvSpPr>
+              <p:cNvPr id="15" name="Rectangle 14">
+                <a:extLst>
+                  <a:ext uri="{FF2B5EF4-FFF2-40B4-BE49-F238E27FC236}">
+                    <a16:creationId xmlns:a16="http://schemas.microsoft.com/office/drawing/2014/main" id="{57D81539-1F79-4E3F-B190-8AEB88C54CD2}"/>
+                  </a:ext>
+                </a:extLst>
+              </p:cNvPr>
+              <p:cNvSpPr/>
+              <p:nvPr/>
+            </p:nvSpPr>
+            <p:spPr>
+              <a:xfrm>
+                <a:off x="9457030" y="372861"/>
+                <a:ext cx="230819" cy="230819"/>
+              </a:xfrm>
+              <a:prstGeom prst="rect">
+                <a:avLst/>
+              </a:prstGeom>
+              <a:solidFill>
+                <a:srgbClr val="DABA6F"/>
+              </a:solidFill>
+              <a:ln>
+                <a:noFill/>
+              </a:ln>
+            </p:spPr>
+            <p:style>
+              <a:lnRef idx="2">
+                <a:schemeClr val="accent1">
+                  <a:shade val="50000"/>
+                </a:schemeClr>
+              </a:lnRef>
+              <a:fillRef idx="1">
+                <a:schemeClr val="accent1"/>
+              </a:fillRef>
+              <a:effectRef idx="0">
+                <a:schemeClr val="accent1"/>
+              </a:effectRef>
+              <a:fontRef idx="minor">
+                <a:schemeClr val="lt1"/>
+              </a:fontRef>
+            </p:style>
+            <p:txBody>
+              <a:bodyPr rtlCol="0" anchor="ctr"/>
+              <a:lstStyle/>
+              <a:p>
+                <a:pPr algn="ctr"/>
+                <a:endParaRPr lang="ko-KR" altLang="en-US"/>
+              </a:p>
+            </p:txBody>
+          </p:sp>
+        </p:grpSp>
+        <p:sp>
+          <p:nvSpPr>
+            <p:cNvPr id="9" name="Rectangle 8">
+              <a:extLst>
+                <a:ext uri="{FF2B5EF4-FFF2-40B4-BE49-F238E27FC236}">
+                  <a16:creationId xmlns:a16="http://schemas.microsoft.com/office/drawing/2014/main" id="{CD2CA69E-F38E-4DB8-82FA-239D6C25BC80}"/>
+                </a:ext>
+              </a:extLst>
+            </p:cNvPr>
+            <p:cNvSpPr/>
+            <p:nvPr/>
+          </p:nvSpPr>
+          <p:spPr>
+            <a:xfrm>
+              <a:off x="2068497" y="6169981"/>
+              <a:ext cx="230819" cy="230819"/>
+            </a:xfrm>
+            <a:prstGeom prst="rect">
+              <a:avLst/>
+            </a:prstGeom>
+            <a:solidFill>
+              <a:srgbClr val="DABA6F"/>
+            </a:solidFill>
+            <a:ln>
+              <a:noFill/>
+            </a:ln>
+          </p:spPr>
+          <p:style>
+            <a:lnRef idx="2">
+              <a:schemeClr val="accent1">
+                <a:shade val="50000"/>
+              </a:schemeClr>
+            </a:lnRef>
+            <a:fillRef idx="1">
+              <a:schemeClr val="accent1"/>
+            </a:fillRef>
+            <a:effectRef idx="0">
+              <a:schemeClr val="accent1"/>
+            </a:effectRef>
+            <a:fontRef idx="minor">
+              <a:schemeClr val="lt1"/>
+            </a:fontRef>
+          </p:style>
+          <p:txBody>
+            <a:bodyPr rtlCol="0" anchor="ctr"/>
+            <a:lstStyle/>
+            <a:p>
+              <a:pPr algn="ctr"/>
+              <a:endParaRPr lang="ko-KR" altLang="en-US" dirty="0"/>
+            </a:p>
+          </p:txBody>
+        </p:sp>
+      </p:grpSp>
+      <p:sp>
+        <p:nvSpPr>
+          <p:cNvPr id="7" name="Rectangle 6">
+            <a:extLst>
+              <a:ext uri="{FF2B5EF4-FFF2-40B4-BE49-F238E27FC236}">
+                <a16:creationId xmlns:a16="http://schemas.microsoft.com/office/drawing/2014/main" id="{2C38F449-7454-4AD1-AE1F-DA48EBB24C9F}"/>
+              </a:ext>
+            </a:extLst>
+          </p:cNvPr>
+          <p:cNvSpPr/>
+          <p:nvPr/>
+        </p:nvSpPr>
+        <p:spPr>
+          <a:xfrm>
+            <a:off x="1" y="463891"/>
+            <a:ext cx="12192000" cy="1091263"/>
+          </a:xfrm>
+          <a:prstGeom prst="rect">
+            <a:avLst/>
+          </a:prstGeom>
+          <a:solidFill>
+            <a:srgbClr val="0182C6"/>
+          </a:solidFill>
+          <a:ln>
+            <a:noFill/>
+          </a:ln>
+        </p:spPr>
+        <p:style>
+          <a:lnRef idx="2">
+            <a:schemeClr val="accent1">
+              <a:shade val="50000"/>
+            </a:schemeClr>
+          </a:lnRef>
+          <a:fillRef idx="1">
+            <a:schemeClr val="accent1"/>
+          </a:fillRef>
+          <a:effectRef idx="0">
+            <a:schemeClr val="accent1"/>
+          </a:effectRef>
+          <a:fontRef idx="minor">
+            <a:schemeClr val="lt1"/>
+          </a:fontRef>
+        </p:style>
+        <p:txBody>
+          <a:bodyPr rtlCol="0" anchor="ctr"/>
+          <a:lstStyle/>
+          <a:p>
+            <a:pPr algn="ctr"/>
+            <a:endParaRPr lang="ko-KR" altLang="en-US"/>
+          </a:p>
+        </p:txBody>
+      </p:sp>
+      <p:sp>
+        <p:nvSpPr>
+          <p:cNvPr id="2" name="Title 1">
+            <a:extLst>
+              <a:ext uri="{FF2B5EF4-FFF2-40B4-BE49-F238E27FC236}">
+                <a16:creationId xmlns:a16="http://schemas.microsoft.com/office/drawing/2014/main" id="{9DBFE3BC-27EC-435A-A2F4-B39DEF708845}"/>
+              </a:ext>
+            </a:extLst>
+          </p:cNvPr>
+          <p:cNvSpPr>
+            <a:spLocks noGrp="1"/>
+          </p:cNvSpPr>
+          <p:nvPr>
+            <p:ph type="ctrTitle"/>
+          </p:nvPr>
+        </p:nvSpPr>
+        <p:spPr>
+          <a:xfrm>
+            <a:off x="88777" y="606013"/>
+            <a:ext cx="12014446" cy="746289"/>
+          </a:xfrm>
+        </p:spPr>
+        <p:txBody>
+          <a:bodyPr>
+            <a:normAutofit/>
+          </a:bodyPr>
+          <a:lstStyle/>
+          <a:p>
+            <a:r>
+              <a:rPr lang="en-US" altLang="ko-KR" sz="4000" dirty="0">
+                <a:solidFill>
+                  <a:srgbClr val="EBFFFF"/>
+                </a:solidFill>
+                <a:latin typeface="Noto Sans CJK KR Medium" panose="020B0600000000000000" pitchFamily="34" charset="-127"/>
+                <a:ea typeface="Noto Sans CJK KR Medium" panose="020B0600000000000000" pitchFamily="34" charset="-127"/>
+              </a:rPr>
+              <a:t>Addressing mode</a:t>
+            </a:r>
+            <a:endParaRPr lang="ko-KR" altLang="en-US" sz="4000" dirty="0">
+              <a:solidFill>
+                <a:srgbClr val="EBFFFF"/>
+              </a:solidFill>
+              <a:latin typeface="Noto Sans CJK KR Medium" panose="020B0600000000000000" pitchFamily="34" charset="-127"/>
+              <a:ea typeface="Noto Sans CJK KR Medium" panose="020B0600000000000000" pitchFamily="34" charset="-127"/>
+            </a:endParaRPr>
+          </a:p>
+        </p:txBody>
+      </p:sp>
+      <p:sp>
+        <p:nvSpPr>
+          <p:cNvPr id="5" name="Rectangle 4">
+            <a:extLst>
+              <a:ext uri="{FF2B5EF4-FFF2-40B4-BE49-F238E27FC236}">
+                <a16:creationId xmlns:a16="http://schemas.microsoft.com/office/drawing/2014/main" id="{910C1B84-2676-46B2-ACAD-0B1CDB9F829C}"/>
+              </a:ext>
+            </a:extLst>
+          </p:cNvPr>
+          <p:cNvSpPr/>
+          <p:nvPr/>
+        </p:nvSpPr>
+        <p:spPr>
+          <a:xfrm>
+            <a:off x="2441358" y="2501382"/>
+            <a:ext cx="585927" cy="461639"/>
+          </a:xfrm>
+          <a:prstGeom prst="rect">
+            <a:avLst/>
+          </a:prstGeom>
+          <a:noFill/>
+          <a:ln w="57150">
+            <a:solidFill>
+              <a:srgbClr val="013B51"/>
+            </a:solidFill>
+          </a:ln>
+        </p:spPr>
+        <p:style>
+          <a:lnRef idx="2">
+            <a:schemeClr val="accent1">
+              <a:shade val="50000"/>
+            </a:schemeClr>
+          </a:lnRef>
+          <a:fillRef idx="1">
+            <a:schemeClr val="accent1"/>
+          </a:fillRef>
+          <a:effectRef idx="0">
+            <a:schemeClr val="accent1"/>
+          </a:effectRef>
+          <a:fontRef idx="minor">
+            <a:schemeClr val="lt1"/>
+          </a:fontRef>
+        </p:style>
+        <p:txBody>
+          <a:bodyPr rtlCol="0" anchor="ctr"/>
+          <a:lstStyle/>
+          <a:p>
+            <a:pPr algn="ctr"/>
+            <a:r>
+              <a:rPr lang="en-US" altLang="ko-KR" b="1" dirty="0">
+                <a:solidFill>
+                  <a:srgbClr val="013B51"/>
+                </a:solidFill>
+              </a:rPr>
+              <a:t>op</a:t>
+            </a:r>
+            <a:endParaRPr lang="ko-KR" altLang="en-US" b="1" dirty="0">
+              <a:solidFill>
+                <a:srgbClr val="013B51"/>
+              </a:solidFill>
+            </a:endParaRPr>
+          </a:p>
+        </p:txBody>
+      </p:sp>
+      <p:sp>
+        <p:nvSpPr>
+          <p:cNvPr id="24" name="Rectangle 23">
+            <a:extLst>
+              <a:ext uri="{FF2B5EF4-FFF2-40B4-BE49-F238E27FC236}">
+                <a16:creationId xmlns:a16="http://schemas.microsoft.com/office/drawing/2014/main" id="{92E6A4C7-96DA-4163-9B9C-BEDF5A0DC8D2}"/>
+              </a:ext>
+            </a:extLst>
+          </p:cNvPr>
+          <p:cNvSpPr/>
+          <p:nvPr/>
+        </p:nvSpPr>
+        <p:spPr>
+          <a:xfrm>
+            <a:off x="3027285" y="2501382"/>
+            <a:ext cx="585927" cy="461639"/>
+          </a:xfrm>
+          <a:prstGeom prst="rect">
+            <a:avLst/>
+          </a:prstGeom>
+          <a:noFill/>
+          <a:ln w="57150">
+            <a:solidFill>
+              <a:srgbClr val="013B51"/>
+            </a:solidFill>
+          </a:ln>
+        </p:spPr>
+        <p:style>
+          <a:lnRef idx="2">
+            <a:schemeClr val="accent1">
+              <a:shade val="50000"/>
+            </a:schemeClr>
+          </a:lnRef>
+          <a:fillRef idx="1">
+            <a:schemeClr val="accent1"/>
+          </a:fillRef>
+          <a:effectRef idx="0">
+            <a:schemeClr val="accent1"/>
+          </a:effectRef>
+          <a:fontRef idx="minor">
+            <a:schemeClr val="lt1"/>
+          </a:fontRef>
+        </p:style>
+        <p:txBody>
+          <a:bodyPr rtlCol="0" anchor="ctr"/>
+          <a:lstStyle/>
+          <a:p>
+            <a:pPr algn="ctr"/>
+            <a:r>
+              <a:rPr lang="en-US" altLang="ko-KR" b="1" dirty="0" err="1">
+                <a:solidFill>
+                  <a:srgbClr val="013B51"/>
+                </a:solidFill>
+              </a:rPr>
+              <a:t>rs</a:t>
+            </a:r>
+            <a:endParaRPr lang="ko-KR" altLang="en-US" b="1" dirty="0">
+              <a:solidFill>
+                <a:srgbClr val="013B51"/>
+              </a:solidFill>
+            </a:endParaRPr>
+          </a:p>
+        </p:txBody>
+      </p:sp>
+      <p:sp>
+        <p:nvSpPr>
+          <p:cNvPr id="25" name="Rectangle 24">
+            <a:extLst>
+              <a:ext uri="{FF2B5EF4-FFF2-40B4-BE49-F238E27FC236}">
+                <a16:creationId xmlns:a16="http://schemas.microsoft.com/office/drawing/2014/main" id="{A99D9B66-9E40-4D97-AF29-222CD6851E1A}"/>
+              </a:ext>
+            </a:extLst>
+          </p:cNvPr>
+          <p:cNvSpPr/>
+          <p:nvPr/>
+        </p:nvSpPr>
+        <p:spPr>
+          <a:xfrm>
+            <a:off x="3613212" y="2501382"/>
+            <a:ext cx="585927" cy="461639"/>
+          </a:xfrm>
+          <a:prstGeom prst="rect">
+            <a:avLst/>
+          </a:prstGeom>
+          <a:noFill/>
+          <a:ln w="57150">
+            <a:solidFill>
+              <a:srgbClr val="013B51"/>
+            </a:solidFill>
+          </a:ln>
+        </p:spPr>
+        <p:style>
+          <a:lnRef idx="2">
+            <a:schemeClr val="accent1">
+              <a:shade val="50000"/>
+            </a:schemeClr>
+          </a:lnRef>
+          <a:fillRef idx="1">
+            <a:schemeClr val="accent1"/>
+          </a:fillRef>
+          <a:effectRef idx="0">
+            <a:schemeClr val="accent1"/>
+          </a:effectRef>
+          <a:fontRef idx="minor">
+            <a:schemeClr val="lt1"/>
+          </a:fontRef>
+        </p:style>
+        <p:txBody>
+          <a:bodyPr rtlCol="0" anchor="ctr"/>
+          <a:lstStyle/>
+          <a:p>
+            <a:pPr algn="ctr"/>
+            <a:r>
+              <a:rPr lang="en-US" altLang="ko-KR" b="1" dirty="0">
+                <a:solidFill>
+                  <a:srgbClr val="013B51"/>
+                </a:solidFill>
+              </a:rPr>
+              <a:t>rt</a:t>
+            </a:r>
+            <a:endParaRPr lang="ko-KR" altLang="en-US" b="1" dirty="0">
+              <a:solidFill>
+                <a:srgbClr val="013B51"/>
+              </a:solidFill>
+            </a:endParaRPr>
+          </a:p>
+        </p:txBody>
+      </p:sp>
+      <p:sp>
+        <p:nvSpPr>
+          <p:cNvPr id="26" name="Rectangle 25">
+            <a:extLst>
+              <a:ext uri="{FF2B5EF4-FFF2-40B4-BE49-F238E27FC236}">
+                <a16:creationId xmlns:a16="http://schemas.microsoft.com/office/drawing/2014/main" id="{CBA2C54E-1BED-414A-AC19-CA26D97095E7}"/>
+              </a:ext>
+            </a:extLst>
+          </p:cNvPr>
+          <p:cNvSpPr/>
+          <p:nvPr/>
+        </p:nvSpPr>
+        <p:spPr>
+          <a:xfrm>
+            <a:off x="4199139" y="2501382"/>
+            <a:ext cx="1748903" cy="461639"/>
+          </a:xfrm>
+          <a:prstGeom prst="rect">
+            <a:avLst/>
+          </a:prstGeom>
+          <a:solidFill>
+            <a:srgbClr val="013B51"/>
+          </a:solidFill>
+          <a:ln w="57150">
+            <a:solidFill>
+              <a:srgbClr val="013B51"/>
+            </a:solidFill>
+          </a:ln>
+        </p:spPr>
+        <p:style>
+          <a:lnRef idx="2">
+            <a:schemeClr val="accent1">
+              <a:shade val="50000"/>
+            </a:schemeClr>
+          </a:lnRef>
+          <a:fillRef idx="1">
+            <a:schemeClr val="accent1"/>
+          </a:fillRef>
+          <a:effectRef idx="0">
+            <a:schemeClr val="accent1"/>
+          </a:effectRef>
+          <a:fontRef idx="minor">
+            <a:schemeClr val="lt1"/>
+          </a:fontRef>
+        </p:style>
+        <p:txBody>
+          <a:bodyPr rtlCol="0" anchor="ctr"/>
+          <a:lstStyle/>
+          <a:p>
+            <a:pPr algn="ctr"/>
+            <a:r>
+              <a:rPr lang="en-US" altLang="ko-KR" b="1" dirty="0">
+                <a:solidFill>
+                  <a:schemeClr val="bg1"/>
+                </a:solidFill>
+              </a:rPr>
+              <a:t>Immediate</a:t>
+            </a:r>
+            <a:endParaRPr lang="ko-KR" altLang="en-US" b="1" dirty="0">
+              <a:solidFill>
+                <a:schemeClr val="bg1"/>
+              </a:solidFill>
+            </a:endParaRPr>
+          </a:p>
+        </p:txBody>
+      </p:sp>
+      <p:sp>
+        <p:nvSpPr>
+          <p:cNvPr id="27" name="Subtitle 2">
+            <a:extLst>
+              <a:ext uri="{FF2B5EF4-FFF2-40B4-BE49-F238E27FC236}">
+                <a16:creationId xmlns:a16="http://schemas.microsoft.com/office/drawing/2014/main" id="{19DCBE3C-8816-49E2-AA56-2A013075A895}"/>
+              </a:ext>
+            </a:extLst>
+          </p:cNvPr>
+          <p:cNvSpPr txBox="1">
+            <a:spLocks/>
+          </p:cNvSpPr>
+          <p:nvPr/>
+        </p:nvSpPr>
+        <p:spPr>
+          <a:xfrm>
+            <a:off x="2325947" y="2201660"/>
+            <a:ext cx="2896515" cy="273087"/>
+          </a:xfrm>
+          <a:prstGeom prst="rect">
+            <a:avLst/>
+          </a:prstGeom>
+        </p:spPr>
+        <p:txBody>
+          <a:bodyPr vert="horz" lIns="91440" tIns="45720" rIns="91440" bIns="45720" rtlCol="0">
+            <a:noAutofit/>
+          </a:bodyPr>
+          <a:lstStyle>
+            <a:lvl1pPr marL="0" indent="0" algn="ctr" defTabSz="914400" rtl="0" eaLnBrk="1" latinLnBrk="1" hangingPunct="1">
+              <a:lnSpc>
+                <a:spcPct val="90000"/>
+              </a:lnSpc>
+              <a:spcBef>
+                <a:spcPts val="1000"/>
+              </a:spcBef>
+              <a:buFont typeface="Arial" panose="020B0604020202020204" pitchFamily="34" charset="0"/>
+              <a:buNone/>
+              <a:defRPr sz="2400" kern="1200">
+                <a:solidFill>
+                  <a:schemeClr val="tx1"/>
+                </a:solidFill>
+                <a:latin typeface="+mn-lt"/>
+                <a:ea typeface="+mn-ea"/>
+                <a:cs typeface="+mn-cs"/>
+              </a:defRPr>
+            </a:lvl1pPr>
+            <a:lvl2pPr marL="457200" indent="0" algn="ctr" defTabSz="914400" rtl="0" eaLnBrk="1" latinLnBrk="1" hangingPunct="1">
+              <a:lnSpc>
+                <a:spcPct val="90000"/>
+              </a:lnSpc>
+              <a:spcBef>
+                <a:spcPts val="500"/>
+              </a:spcBef>
+              <a:buFont typeface="Arial" panose="020B0604020202020204" pitchFamily="34" charset="0"/>
+              <a:buNone/>
+              <a:defRPr sz="2000" kern="1200">
+                <a:solidFill>
+                  <a:schemeClr val="tx1"/>
+                </a:solidFill>
+                <a:latin typeface="+mn-lt"/>
+                <a:ea typeface="+mn-ea"/>
+                <a:cs typeface="+mn-cs"/>
+              </a:defRPr>
+            </a:lvl2pPr>
+            <a:lvl3pPr marL="914400" indent="0" algn="ctr" defTabSz="914400" rtl="0" eaLnBrk="1" latinLnBrk="1" hangingPunct="1">
+              <a:lnSpc>
+                <a:spcPct val="90000"/>
+              </a:lnSpc>
+              <a:spcBef>
+                <a:spcPts val="500"/>
+              </a:spcBef>
+              <a:buFont typeface="Arial" panose="020B0604020202020204" pitchFamily="34" charset="0"/>
+              <a:buNone/>
+              <a:defRPr sz="1800" kern="1200">
+                <a:solidFill>
+                  <a:schemeClr val="tx1"/>
+                </a:solidFill>
+                <a:latin typeface="+mn-lt"/>
+                <a:ea typeface="+mn-ea"/>
+                <a:cs typeface="+mn-cs"/>
+              </a:defRPr>
+            </a:lvl3pPr>
+            <a:lvl4pPr marL="1371600" indent="0" algn="ctr" defTabSz="914400" rtl="0" eaLnBrk="1" latinLnBrk="1" hangingPunct="1">
+              <a:lnSpc>
+                <a:spcPct val="90000"/>
+              </a:lnSpc>
+              <a:spcBef>
+                <a:spcPts val="500"/>
+              </a:spcBef>
+              <a:buFont typeface="Arial" panose="020B0604020202020204" pitchFamily="34" charset="0"/>
+              <a:buNone/>
+              <a:defRPr sz="1600" kern="1200">
+                <a:solidFill>
+                  <a:schemeClr val="tx1"/>
+                </a:solidFill>
+                <a:latin typeface="+mn-lt"/>
+                <a:ea typeface="+mn-ea"/>
+                <a:cs typeface="+mn-cs"/>
+              </a:defRPr>
+            </a:lvl4pPr>
+            <a:lvl5pPr marL="1828800" indent="0" algn="ctr" defTabSz="914400" rtl="0" eaLnBrk="1" latinLnBrk="1" hangingPunct="1">
+              <a:lnSpc>
+                <a:spcPct val="90000"/>
+              </a:lnSpc>
+              <a:spcBef>
+                <a:spcPts val="500"/>
+              </a:spcBef>
+              <a:buFont typeface="Arial" panose="020B0604020202020204" pitchFamily="34" charset="0"/>
+              <a:buNone/>
+              <a:defRPr sz="1600" kern="1200">
+                <a:solidFill>
+                  <a:schemeClr val="tx1"/>
+                </a:solidFill>
+                <a:latin typeface="+mn-lt"/>
+                <a:ea typeface="+mn-ea"/>
+                <a:cs typeface="+mn-cs"/>
+              </a:defRPr>
+            </a:lvl5pPr>
+            <a:lvl6pPr marL="2286000" indent="0" algn="ctr" defTabSz="914400" rtl="0" eaLnBrk="1" latinLnBrk="1" hangingPunct="1">
+              <a:lnSpc>
+                <a:spcPct val="90000"/>
+              </a:lnSpc>
+              <a:spcBef>
+                <a:spcPts val="500"/>
+              </a:spcBef>
+              <a:buFont typeface="Arial" panose="020B0604020202020204" pitchFamily="34" charset="0"/>
+              <a:buNone/>
+              <a:defRPr sz="1600" kern="1200">
+                <a:solidFill>
+                  <a:schemeClr val="tx1"/>
+                </a:solidFill>
+                <a:latin typeface="+mn-lt"/>
+                <a:ea typeface="+mn-ea"/>
+                <a:cs typeface="+mn-cs"/>
+              </a:defRPr>
+            </a:lvl6pPr>
+            <a:lvl7pPr marL="2743200" indent="0" algn="ctr" defTabSz="914400" rtl="0" eaLnBrk="1" latinLnBrk="1" hangingPunct="1">
+              <a:lnSpc>
+                <a:spcPct val="90000"/>
+              </a:lnSpc>
+              <a:spcBef>
+                <a:spcPts val="500"/>
+              </a:spcBef>
+              <a:buFont typeface="Arial" panose="020B0604020202020204" pitchFamily="34" charset="0"/>
+              <a:buNone/>
+              <a:defRPr sz="1600" kern="1200">
+                <a:solidFill>
+                  <a:schemeClr val="tx1"/>
+                </a:solidFill>
+                <a:latin typeface="+mn-lt"/>
+                <a:ea typeface="+mn-ea"/>
+                <a:cs typeface="+mn-cs"/>
+              </a:defRPr>
+            </a:lvl7pPr>
+            <a:lvl8pPr marL="3200400" indent="0" algn="ctr" defTabSz="914400" rtl="0" eaLnBrk="1" latinLnBrk="1" hangingPunct="1">
+              <a:lnSpc>
+                <a:spcPct val="90000"/>
+              </a:lnSpc>
+              <a:spcBef>
+                <a:spcPts val="500"/>
+              </a:spcBef>
+              <a:buFont typeface="Arial" panose="020B0604020202020204" pitchFamily="34" charset="0"/>
+              <a:buNone/>
+              <a:defRPr sz="1600" kern="1200">
+                <a:solidFill>
+                  <a:schemeClr val="tx1"/>
+                </a:solidFill>
+                <a:latin typeface="+mn-lt"/>
+                <a:ea typeface="+mn-ea"/>
+                <a:cs typeface="+mn-cs"/>
+              </a:defRPr>
+            </a:lvl8pPr>
+            <a:lvl9pPr marL="3657600" indent="0" algn="ctr" defTabSz="914400" rtl="0" eaLnBrk="1" latinLnBrk="1" hangingPunct="1">
+              <a:lnSpc>
+                <a:spcPct val="90000"/>
+              </a:lnSpc>
+              <a:spcBef>
+                <a:spcPts val="500"/>
+              </a:spcBef>
+              <a:buFont typeface="Arial" panose="020B0604020202020204" pitchFamily="34" charset="0"/>
+              <a:buNone/>
+              <a:defRPr sz="1600" kern="1200">
+                <a:solidFill>
+                  <a:schemeClr val="tx1"/>
+                </a:solidFill>
+                <a:latin typeface="+mn-lt"/>
+                <a:ea typeface="+mn-ea"/>
+                <a:cs typeface="+mn-cs"/>
+              </a:defRPr>
+            </a:lvl9pPr>
+          </a:lstStyle>
+          <a:p>
+            <a:pPr algn="l"/>
+            <a:r>
+              <a:rPr lang="en-US" altLang="ko-KR" sz="1600" dirty="0">
+                <a:solidFill>
+                  <a:srgbClr val="013B51"/>
+                </a:solidFill>
+                <a:latin typeface="Noto Sans CJK KR Medium" panose="020B0600000000000000" pitchFamily="34" charset="-127"/>
+                <a:ea typeface="Noto Sans CJK KR Medium" panose="020B0600000000000000" pitchFamily="34" charset="-127"/>
+              </a:rPr>
+              <a:t>1. Immediate addressing</a:t>
+            </a:r>
+            <a:endParaRPr lang="ko-KR" altLang="en-US" sz="1600" dirty="0">
+              <a:solidFill>
+                <a:srgbClr val="013B51"/>
+              </a:solidFill>
+              <a:latin typeface="Noto Sans CJK KR Medium" panose="020B0600000000000000" pitchFamily="34" charset="-127"/>
+              <a:ea typeface="Noto Sans CJK KR Medium" panose="020B0600000000000000" pitchFamily="34" charset="-127"/>
+            </a:endParaRPr>
+          </a:p>
+        </p:txBody>
+      </p:sp>
+      <p:sp>
+        <p:nvSpPr>
+          <p:cNvPr id="28" name="Rectangle 27">
+            <a:extLst>
+              <a:ext uri="{FF2B5EF4-FFF2-40B4-BE49-F238E27FC236}">
+                <a16:creationId xmlns:a16="http://schemas.microsoft.com/office/drawing/2014/main" id="{AB56A3B6-4D05-4F18-A4C8-0829F5A620AF}"/>
+              </a:ext>
+            </a:extLst>
+          </p:cNvPr>
+          <p:cNvSpPr/>
+          <p:nvPr/>
+        </p:nvSpPr>
+        <p:spPr>
+          <a:xfrm>
+            <a:off x="2441358" y="3433341"/>
+            <a:ext cx="585927" cy="461639"/>
+          </a:xfrm>
+          <a:prstGeom prst="rect">
+            <a:avLst/>
+          </a:prstGeom>
+          <a:noFill/>
+          <a:ln w="57150">
+            <a:solidFill>
+              <a:srgbClr val="013B51"/>
+            </a:solidFill>
+          </a:ln>
+        </p:spPr>
+        <p:style>
+          <a:lnRef idx="2">
+            <a:schemeClr val="accent1">
+              <a:shade val="50000"/>
+            </a:schemeClr>
+          </a:lnRef>
+          <a:fillRef idx="1">
+            <a:schemeClr val="accent1"/>
+          </a:fillRef>
+          <a:effectRef idx="0">
+            <a:schemeClr val="accent1"/>
+          </a:effectRef>
+          <a:fontRef idx="minor">
+            <a:schemeClr val="lt1"/>
+          </a:fontRef>
+        </p:style>
+        <p:txBody>
+          <a:bodyPr rtlCol="0" anchor="ctr"/>
+          <a:lstStyle/>
+          <a:p>
+            <a:pPr algn="ctr"/>
+            <a:r>
+              <a:rPr lang="en-US" altLang="ko-KR" b="1" dirty="0">
+                <a:solidFill>
+                  <a:srgbClr val="013B51"/>
+                </a:solidFill>
+              </a:rPr>
+              <a:t>op</a:t>
+            </a:r>
+            <a:endParaRPr lang="ko-KR" altLang="en-US" b="1" dirty="0">
+              <a:solidFill>
+                <a:srgbClr val="013B51"/>
+              </a:solidFill>
+            </a:endParaRPr>
+          </a:p>
+        </p:txBody>
+      </p:sp>
+      <p:sp>
+        <p:nvSpPr>
+          <p:cNvPr id="29" name="Rectangle 28">
+            <a:extLst>
+              <a:ext uri="{FF2B5EF4-FFF2-40B4-BE49-F238E27FC236}">
+                <a16:creationId xmlns:a16="http://schemas.microsoft.com/office/drawing/2014/main" id="{54A65E17-9EB2-4ACC-A5C1-A9E1B66D03D5}"/>
+              </a:ext>
+            </a:extLst>
+          </p:cNvPr>
+          <p:cNvSpPr/>
+          <p:nvPr/>
+        </p:nvSpPr>
+        <p:spPr>
+          <a:xfrm>
+            <a:off x="3027285" y="3433341"/>
+            <a:ext cx="585927" cy="461639"/>
+          </a:xfrm>
+          <a:prstGeom prst="rect">
+            <a:avLst/>
+          </a:prstGeom>
+          <a:noFill/>
+          <a:ln w="57150">
+            <a:solidFill>
+              <a:srgbClr val="013B51"/>
+            </a:solidFill>
+          </a:ln>
+        </p:spPr>
+        <p:style>
+          <a:lnRef idx="2">
+            <a:schemeClr val="accent1">
+              <a:shade val="50000"/>
+            </a:schemeClr>
+          </a:lnRef>
+          <a:fillRef idx="1">
+            <a:schemeClr val="accent1"/>
+          </a:fillRef>
+          <a:effectRef idx="0">
+            <a:schemeClr val="accent1"/>
+          </a:effectRef>
+          <a:fontRef idx="minor">
+            <a:schemeClr val="lt1"/>
+          </a:fontRef>
+        </p:style>
+        <p:txBody>
+          <a:bodyPr rtlCol="0" anchor="ctr"/>
+          <a:lstStyle/>
+          <a:p>
+            <a:pPr algn="ctr"/>
+            <a:r>
+              <a:rPr lang="en-US" altLang="ko-KR" b="1" dirty="0" err="1">
+                <a:solidFill>
+                  <a:srgbClr val="013B51"/>
+                </a:solidFill>
+              </a:rPr>
+              <a:t>rs</a:t>
+            </a:r>
+            <a:endParaRPr lang="ko-KR" altLang="en-US" b="1" dirty="0">
+              <a:solidFill>
+                <a:srgbClr val="013B51"/>
+              </a:solidFill>
+            </a:endParaRPr>
+          </a:p>
+        </p:txBody>
+      </p:sp>
+      <p:sp>
+        <p:nvSpPr>
+          <p:cNvPr id="30" name="Rectangle 29">
+            <a:extLst>
+              <a:ext uri="{FF2B5EF4-FFF2-40B4-BE49-F238E27FC236}">
+                <a16:creationId xmlns:a16="http://schemas.microsoft.com/office/drawing/2014/main" id="{47BEAC5A-8CFD-4101-8722-4A8EB4BC829E}"/>
+              </a:ext>
+            </a:extLst>
+          </p:cNvPr>
+          <p:cNvSpPr/>
+          <p:nvPr/>
+        </p:nvSpPr>
+        <p:spPr>
+          <a:xfrm>
+            <a:off x="3613212" y="3433341"/>
+            <a:ext cx="585927" cy="461639"/>
+          </a:xfrm>
+          <a:prstGeom prst="rect">
+            <a:avLst/>
+          </a:prstGeom>
+          <a:noFill/>
+          <a:ln w="57150">
+            <a:solidFill>
+              <a:srgbClr val="013B51"/>
+            </a:solidFill>
+          </a:ln>
+        </p:spPr>
+        <p:style>
+          <a:lnRef idx="2">
+            <a:schemeClr val="accent1">
+              <a:shade val="50000"/>
+            </a:schemeClr>
+          </a:lnRef>
+          <a:fillRef idx="1">
+            <a:schemeClr val="accent1"/>
+          </a:fillRef>
+          <a:effectRef idx="0">
+            <a:schemeClr val="accent1"/>
+          </a:effectRef>
+          <a:fontRef idx="minor">
+            <a:schemeClr val="lt1"/>
+          </a:fontRef>
+        </p:style>
+        <p:txBody>
+          <a:bodyPr rtlCol="0" anchor="ctr"/>
+          <a:lstStyle/>
+          <a:p>
+            <a:pPr algn="ctr"/>
+            <a:r>
+              <a:rPr lang="en-US" altLang="ko-KR" b="1" dirty="0">
+                <a:solidFill>
+                  <a:srgbClr val="013B51"/>
+                </a:solidFill>
+              </a:rPr>
+              <a:t>rt</a:t>
+            </a:r>
+            <a:endParaRPr lang="ko-KR" altLang="en-US" b="1" dirty="0">
+              <a:solidFill>
+                <a:srgbClr val="013B51"/>
+              </a:solidFill>
+            </a:endParaRPr>
+          </a:p>
+        </p:txBody>
+      </p:sp>
+      <p:sp>
+        <p:nvSpPr>
+          <p:cNvPr id="32" name="Subtitle 2">
+            <a:extLst>
+              <a:ext uri="{FF2B5EF4-FFF2-40B4-BE49-F238E27FC236}">
+                <a16:creationId xmlns:a16="http://schemas.microsoft.com/office/drawing/2014/main" id="{5A2947CD-1ACB-411E-BBE7-D6F484FF763A}"/>
+              </a:ext>
+            </a:extLst>
+          </p:cNvPr>
+          <p:cNvSpPr txBox="1">
+            <a:spLocks/>
+          </p:cNvSpPr>
+          <p:nvPr/>
+        </p:nvSpPr>
+        <p:spPr>
+          <a:xfrm>
+            <a:off x="2325947" y="3133619"/>
+            <a:ext cx="2896515" cy="273087"/>
+          </a:xfrm>
+          <a:prstGeom prst="rect">
+            <a:avLst/>
+          </a:prstGeom>
+        </p:spPr>
+        <p:txBody>
+          <a:bodyPr vert="horz" lIns="91440" tIns="45720" rIns="91440" bIns="45720" rtlCol="0">
+            <a:noAutofit/>
+          </a:bodyPr>
+          <a:lstStyle>
+            <a:lvl1pPr marL="0" indent="0" algn="ctr" defTabSz="914400" rtl="0" eaLnBrk="1" latinLnBrk="1" hangingPunct="1">
+              <a:lnSpc>
+                <a:spcPct val="90000"/>
+              </a:lnSpc>
+              <a:spcBef>
+                <a:spcPts val="1000"/>
+              </a:spcBef>
+              <a:buFont typeface="Arial" panose="020B0604020202020204" pitchFamily="34" charset="0"/>
+              <a:buNone/>
+              <a:defRPr sz="2400" kern="1200">
+                <a:solidFill>
+                  <a:schemeClr val="tx1"/>
+                </a:solidFill>
+                <a:latin typeface="+mn-lt"/>
+                <a:ea typeface="+mn-ea"/>
+                <a:cs typeface="+mn-cs"/>
+              </a:defRPr>
+            </a:lvl1pPr>
+            <a:lvl2pPr marL="457200" indent="0" algn="ctr" defTabSz="914400" rtl="0" eaLnBrk="1" latinLnBrk="1" hangingPunct="1">
+              <a:lnSpc>
+                <a:spcPct val="90000"/>
+              </a:lnSpc>
+              <a:spcBef>
+                <a:spcPts val="500"/>
+              </a:spcBef>
+              <a:buFont typeface="Arial" panose="020B0604020202020204" pitchFamily="34" charset="0"/>
+              <a:buNone/>
+              <a:defRPr sz="2000" kern="1200">
+                <a:solidFill>
+                  <a:schemeClr val="tx1"/>
+                </a:solidFill>
+                <a:latin typeface="+mn-lt"/>
+                <a:ea typeface="+mn-ea"/>
+                <a:cs typeface="+mn-cs"/>
+              </a:defRPr>
+            </a:lvl2pPr>
+            <a:lvl3pPr marL="914400" indent="0" algn="ctr" defTabSz="914400" rtl="0" eaLnBrk="1" latinLnBrk="1" hangingPunct="1">
+              <a:lnSpc>
+                <a:spcPct val="90000"/>
+              </a:lnSpc>
+              <a:spcBef>
+                <a:spcPts val="500"/>
+              </a:spcBef>
+              <a:buFont typeface="Arial" panose="020B0604020202020204" pitchFamily="34" charset="0"/>
+              <a:buNone/>
+              <a:defRPr sz="1800" kern="1200">
+                <a:solidFill>
+                  <a:schemeClr val="tx1"/>
+                </a:solidFill>
+                <a:latin typeface="+mn-lt"/>
+                <a:ea typeface="+mn-ea"/>
+                <a:cs typeface="+mn-cs"/>
+              </a:defRPr>
+            </a:lvl3pPr>
+            <a:lvl4pPr marL="1371600" indent="0" algn="ctr" defTabSz="914400" rtl="0" eaLnBrk="1" latinLnBrk="1" hangingPunct="1">
+              <a:lnSpc>
+                <a:spcPct val="90000"/>
+              </a:lnSpc>
+              <a:spcBef>
+                <a:spcPts val="500"/>
+              </a:spcBef>
+              <a:buFont typeface="Arial" panose="020B0604020202020204" pitchFamily="34" charset="0"/>
+              <a:buNone/>
+              <a:defRPr sz="1600" kern="1200">
+                <a:solidFill>
+                  <a:schemeClr val="tx1"/>
+                </a:solidFill>
+                <a:latin typeface="+mn-lt"/>
+                <a:ea typeface="+mn-ea"/>
+                <a:cs typeface="+mn-cs"/>
+              </a:defRPr>
+            </a:lvl4pPr>
+            <a:lvl5pPr marL="1828800" indent="0" algn="ctr" defTabSz="914400" rtl="0" eaLnBrk="1" latinLnBrk="1" hangingPunct="1">
+              <a:lnSpc>
+                <a:spcPct val="90000"/>
+              </a:lnSpc>
+              <a:spcBef>
+                <a:spcPts val="500"/>
+              </a:spcBef>
+              <a:buFont typeface="Arial" panose="020B0604020202020204" pitchFamily="34" charset="0"/>
+              <a:buNone/>
+              <a:defRPr sz="1600" kern="1200">
+                <a:solidFill>
+                  <a:schemeClr val="tx1"/>
+                </a:solidFill>
+                <a:latin typeface="+mn-lt"/>
+                <a:ea typeface="+mn-ea"/>
+                <a:cs typeface="+mn-cs"/>
+              </a:defRPr>
+            </a:lvl5pPr>
+            <a:lvl6pPr marL="2286000" indent="0" algn="ctr" defTabSz="914400" rtl="0" eaLnBrk="1" latinLnBrk="1" hangingPunct="1">
+              <a:lnSpc>
+                <a:spcPct val="90000"/>
+              </a:lnSpc>
+              <a:spcBef>
+                <a:spcPts val="500"/>
+              </a:spcBef>
+              <a:buFont typeface="Arial" panose="020B0604020202020204" pitchFamily="34" charset="0"/>
+              <a:buNone/>
+              <a:defRPr sz="1600" kern="1200">
+                <a:solidFill>
+                  <a:schemeClr val="tx1"/>
+                </a:solidFill>
+                <a:latin typeface="+mn-lt"/>
+                <a:ea typeface="+mn-ea"/>
+                <a:cs typeface="+mn-cs"/>
+              </a:defRPr>
+            </a:lvl6pPr>
+            <a:lvl7pPr marL="2743200" indent="0" algn="ctr" defTabSz="914400" rtl="0" eaLnBrk="1" latinLnBrk="1" hangingPunct="1">
+              <a:lnSpc>
+                <a:spcPct val="90000"/>
+              </a:lnSpc>
+              <a:spcBef>
+                <a:spcPts val="500"/>
+              </a:spcBef>
+              <a:buFont typeface="Arial" panose="020B0604020202020204" pitchFamily="34" charset="0"/>
+              <a:buNone/>
+              <a:defRPr sz="1600" kern="1200">
+                <a:solidFill>
+                  <a:schemeClr val="tx1"/>
+                </a:solidFill>
+                <a:latin typeface="+mn-lt"/>
+                <a:ea typeface="+mn-ea"/>
+                <a:cs typeface="+mn-cs"/>
+              </a:defRPr>
+            </a:lvl7pPr>
+            <a:lvl8pPr marL="3200400" indent="0" algn="ctr" defTabSz="914400" rtl="0" eaLnBrk="1" latinLnBrk="1" hangingPunct="1">
+              <a:lnSpc>
+                <a:spcPct val="90000"/>
+              </a:lnSpc>
+              <a:spcBef>
+                <a:spcPts val="500"/>
+              </a:spcBef>
+              <a:buFont typeface="Arial" panose="020B0604020202020204" pitchFamily="34" charset="0"/>
+              <a:buNone/>
+              <a:defRPr sz="1600" kern="1200">
+                <a:solidFill>
+                  <a:schemeClr val="tx1"/>
+                </a:solidFill>
+                <a:latin typeface="+mn-lt"/>
+                <a:ea typeface="+mn-ea"/>
+                <a:cs typeface="+mn-cs"/>
+              </a:defRPr>
+            </a:lvl8pPr>
+            <a:lvl9pPr marL="3657600" indent="0" algn="ctr" defTabSz="914400" rtl="0" eaLnBrk="1" latinLnBrk="1" hangingPunct="1">
+              <a:lnSpc>
+                <a:spcPct val="90000"/>
+              </a:lnSpc>
+              <a:spcBef>
+                <a:spcPts val="500"/>
+              </a:spcBef>
+              <a:buFont typeface="Arial" panose="020B0604020202020204" pitchFamily="34" charset="0"/>
+              <a:buNone/>
+              <a:defRPr sz="1600" kern="1200">
+                <a:solidFill>
+                  <a:schemeClr val="tx1"/>
+                </a:solidFill>
+                <a:latin typeface="+mn-lt"/>
+                <a:ea typeface="+mn-ea"/>
+                <a:cs typeface="+mn-cs"/>
+              </a:defRPr>
+            </a:lvl9pPr>
+          </a:lstStyle>
+          <a:p>
+            <a:pPr algn="l"/>
+            <a:r>
+              <a:rPr lang="en-US" altLang="ko-KR" sz="1600" dirty="0">
+                <a:solidFill>
+                  <a:srgbClr val="013B51"/>
+                </a:solidFill>
+                <a:latin typeface="Noto Sans CJK KR Medium" panose="020B0600000000000000" pitchFamily="34" charset="-127"/>
+                <a:ea typeface="Noto Sans CJK KR Medium" panose="020B0600000000000000" pitchFamily="34" charset="-127"/>
+              </a:rPr>
+              <a:t>2. Register addressing</a:t>
+            </a:r>
+            <a:endParaRPr lang="ko-KR" altLang="en-US" sz="1600" dirty="0">
+              <a:solidFill>
+                <a:srgbClr val="013B51"/>
+              </a:solidFill>
+              <a:latin typeface="Noto Sans CJK KR Medium" panose="020B0600000000000000" pitchFamily="34" charset="-127"/>
+              <a:ea typeface="Noto Sans CJK KR Medium" panose="020B0600000000000000" pitchFamily="34" charset="-127"/>
+            </a:endParaRPr>
+          </a:p>
+        </p:txBody>
+      </p:sp>
+      <p:sp>
+        <p:nvSpPr>
+          <p:cNvPr id="33" name="Rectangle 32">
+            <a:extLst>
+              <a:ext uri="{FF2B5EF4-FFF2-40B4-BE49-F238E27FC236}">
+                <a16:creationId xmlns:a16="http://schemas.microsoft.com/office/drawing/2014/main" id="{E50C2909-8EFA-47A4-B305-DBB3C72FEE3B}"/>
+              </a:ext>
+            </a:extLst>
+          </p:cNvPr>
+          <p:cNvSpPr/>
+          <p:nvPr/>
+        </p:nvSpPr>
+        <p:spPr>
+          <a:xfrm>
+            <a:off x="4190261" y="3433341"/>
+            <a:ext cx="585927" cy="461639"/>
+          </a:xfrm>
+          <a:prstGeom prst="rect">
+            <a:avLst/>
+          </a:prstGeom>
+          <a:noFill/>
+          <a:ln w="57150">
+            <a:solidFill>
+              <a:srgbClr val="013B51"/>
+            </a:solidFill>
+          </a:ln>
+        </p:spPr>
+        <p:style>
+          <a:lnRef idx="2">
+            <a:schemeClr val="accent1">
+              <a:shade val="50000"/>
+            </a:schemeClr>
+          </a:lnRef>
+          <a:fillRef idx="1">
+            <a:schemeClr val="accent1"/>
+          </a:fillRef>
+          <a:effectRef idx="0">
+            <a:schemeClr val="accent1"/>
+          </a:effectRef>
+          <a:fontRef idx="minor">
+            <a:schemeClr val="lt1"/>
+          </a:fontRef>
+        </p:style>
+        <p:txBody>
+          <a:bodyPr rtlCol="0" anchor="ctr"/>
+          <a:lstStyle/>
+          <a:p>
+            <a:pPr algn="ctr"/>
+            <a:r>
+              <a:rPr lang="en-US" altLang="ko-KR" b="1" dirty="0" err="1">
+                <a:solidFill>
+                  <a:srgbClr val="013B51"/>
+                </a:solidFill>
+              </a:rPr>
+              <a:t>rd</a:t>
+            </a:r>
+            <a:endParaRPr lang="ko-KR" altLang="en-US" b="1" dirty="0">
+              <a:solidFill>
+                <a:srgbClr val="013B51"/>
+              </a:solidFill>
+            </a:endParaRPr>
+          </a:p>
+        </p:txBody>
+      </p:sp>
+      <p:sp>
+        <p:nvSpPr>
+          <p:cNvPr id="34" name="Rectangle 33">
+            <a:extLst>
+              <a:ext uri="{FF2B5EF4-FFF2-40B4-BE49-F238E27FC236}">
+                <a16:creationId xmlns:a16="http://schemas.microsoft.com/office/drawing/2014/main" id="{88FADDCE-9344-4E95-A9DD-C2E9A2CD100C}"/>
+              </a:ext>
+            </a:extLst>
+          </p:cNvPr>
+          <p:cNvSpPr/>
+          <p:nvPr/>
+        </p:nvSpPr>
+        <p:spPr>
+          <a:xfrm>
+            <a:off x="4776188" y="3433341"/>
+            <a:ext cx="585927" cy="461639"/>
+          </a:xfrm>
+          <a:prstGeom prst="rect">
+            <a:avLst/>
+          </a:prstGeom>
+          <a:noFill/>
+          <a:ln w="57150">
+            <a:solidFill>
+              <a:srgbClr val="013B51"/>
+            </a:solidFill>
+          </a:ln>
+        </p:spPr>
+        <p:style>
+          <a:lnRef idx="2">
+            <a:schemeClr val="accent1">
+              <a:shade val="50000"/>
+            </a:schemeClr>
+          </a:lnRef>
+          <a:fillRef idx="1">
+            <a:schemeClr val="accent1"/>
+          </a:fillRef>
+          <a:effectRef idx="0">
+            <a:schemeClr val="accent1"/>
+          </a:effectRef>
+          <a:fontRef idx="minor">
+            <a:schemeClr val="lt1"/>
+          </a:fontRef>
+        </p:style>
+        <p:txBody>
+          <a:bodyPr rtlCol="0" anchor="ctr"/>
+          <a:lstStyle/>
+          <a:p>
+            <a:pPr algn="ctr"/>
+            <a:r>
+              <a:rPr lang="en-US" altLang="ko-KR" b="1" dirty="0">
+                <a:solidFill>
+                  <a:srgbClr val="013B51"/>
+                </a:solidFill>
+              </a:rPr>
+              <a:t>…</a:t>
+            </a:r>
+            <a:endParaRPr lang="ko-KR" altLang="en-US" b="1" dirty="0">
+              <a:solidFill>
+                <a:srgbClr val="013B51"/>
+              </a:solidFill>
+            </a:endParaRPr>
+          </a:p>
+        </p:txBody>
+      </p:sp>
+      <p:sp>
+        <p:nvSpPr>
+          <p:cNvPr id="35" name="Rectangle 34">
+            <a:extLst>
+              <a:ext uri="{FF2B5EF4-FFF2-40B4-BE49-F238E27FC236}">
+                <a16:creationId xmlns:a16="http://schemas.microsoft.com/office/drawing/2014/main" id="{1E8A2E4B-55B6-4670-BD8D-46161DE9CAE0}"/>
+              </a:ext>
+            </a:extLst>
+          </p:cNvPr>
+          <p:cNvSpPr/>
+          <p:nvPr/>
+        </p:nvSpPr>
+        <p:spPr>
+          <a:xfrm>
+            <a:off x="5362115" y="3433341"/>
+            <a:ext cx="585927" cy="461639"/>
+          </a:xfrm>
+          <a:prstGeom prst="rect">
+            <a:avLst/>
+          </a:prstGeom>
+          <a:noFill/>
+          <a:ln w="57150">
+            <a:solidFill>
+              <a:srgbClr val="013B51"/>
+            </a:solidFill>
+          </a:ln>
+        </p:spPr>
+        <p:style>
+          <a:lnRef idx="2">
+            <a:schemeClr val="accent1">
+              <a:shade val="50000"/>
+            </a:schemeClr>
+          </a:lnRef>
+          <a:fillRef idx="1">
+            <a:schemeClr val="accent1"/>
+          </a:fillRef>
+          <a:effectRef idx="0">
+            <a:schemeClr val="accent1"/>
+          </a:effectRef>
+          <a:fontRef idx="minor">
+            <a:schemeClr val="lt1"/>
+          </a:fontRef>
+        </p:style>
+        <p:txBody>
+          <a:bodyPr rtlCol="0" anchor="ctr"/>
+          <a:lstStyle/>
+          <a:p>
+            <a:pPr algn="ctr"/>
+            <a:r>
+              <a:rPr lang="en-US" altLang="ko-KR" sz="1200" b="1" dirty="0" err="1">
+                <a:solidFill>
+                  <a:srgbClr val="013B51"/>
+                </a:solidFill>
+              </a:rPr>
+              <a:t>funct</a:t>
+            </a:r>
+            <a:endParaRPr lang="ko-KR" altLang="en-US" sz="1200" b="1" dirty="0">
+              <a:solidFill>
+                <a:srgbClr val="013B51"/>
+              </a:solidFill>
+            </a:endParaRPr>
+          </a:p>
+        </p:txBody>
+      </p:sp>
+      <p:grpSp>
+        <p:nvGrpSpPr>
+          <p:cNvPr id="8" name="Group 7">
+            <a:extLst>
+              <a:ext uri="{FF2B5EF4-FFF2-40B4-BE49-F238E27FC236}">
+                <a16:creationId xmlns:a16="http://schemas.microsoft.com/office/drawing/2014/main" id="{B0475BC2-1CB4-4376-AAB8-8D38EBE9F630}"/>
+              </a:ext>
+            </a:extLst>
+          </p:cNvPr>
+          <p:cNvGrpSpPr/>
+          <p:nvPr/>
+        </p:nvGrpSpPr>
+        <p:grpSpPr>
+          <a:xfrm>
+            <a:off x="7093132" y="2157469"/>
+            <a:ext cx="1948776" cy="1952300"/>
+            <a:chOff x="9161629" y="1638706"/>
+            <a:chExt cx="1948776" cy="1952300"/>
+          </a:xfrm>
+        </p:grpSpPr>
+        <p:grpSp>
+          <p:nvGrpSpPr>
+            <p:cNvPr id="94" name="Group 93">
+              <a:extLst>
+                <a:ext uri="{FF2B5EF4-FFF2-40B4-BE49-F238E27FC236}">
+                  <a16:creationId xmlns:a16="http://schemas.microsoft.com/office/drawing/2014/main" id="{76833FAE-BF0D-485F-B960-165C03EB5E1F}"/>
+                </a:ext>
+              </a:extLst>
+            </p:cNvPr>
+            <p:cNvGrpSpPr/>
+            <p:nvPr/>
+          </p:nvGrpSpPr>
+          <p:grpSpPr>
+            <a:xfrm>
+              <a:off x="9161629" y="1638706"/>
+              <a:ext cx="1948776" cy="1952300"/>
+              <a:chOff x="493117" y="1662265"/>
+              <a:chExt cx="2468081" cy="2472546"/>
+            </a:xfrm>
+          </p:grpSpPr>
+          <p:sp>
+            <p:nvSpPr>
+              <p:cNvPr id="95" name="Rectangle 94">
+                <a:extLst>
+                  <a:ext uri="{FF2B5EF4-FFF2-40B4-BE49-F238E27FC236}">
+                    <a16:creationId xmlns:a16="http://schemas.microsoft.com/office/drawing/2014/main" id="{7534DEA3-8E43-438B-9DB3-28EDA7C1AA9B}"/>
+                  </a:ext>
+                </a:extLst>
+              </p:cNvPr>
+              <p:cNvSpPr/>
+              <p:nvPr/>
+            </p:nvSpPr>
+            <p:spPr>
+              <a:xfrm>
+                <a:off x="719091" y="1890944"/>
+                <a:ext cx="2015231" cy="2015231"/>
+              </a:xfrm>
+              <a:prstGeom prst="rect">
+                <a:avLst/>
+              </a:prstGeom>
+              <a:solidFill>
+                <a:schemeClr val="bg2">
+                  <a:lumMod val="25000"/>
+                </a:schemeClr>
+              </a:solidFill>
+              <a:ln>
+                <a:noFill/>
+              </a:ln>
+            </p:spPr>
+            <p:style>
+              <a:lnRef idx="2">
+                <a:schemeClr val="accent1">
+                  <a:shade val="50000"/>
+                </a:schemeClr>
+              </a:lnRef>
+              <a:fillRef idx="1">
+                <a:schemeClr val="accent1"/>
+              </a:fillRef>
+              <a:effectRef idx="0">
+                <a:schemeClr val="accent1"/>
+              </a:effectRef>
+              <a:fontRef idx="minor">
+                <a:schemeClr val="lt1"/>
+              </a:fontRef>
+            </p:style>
+            <p:txBody>
+              <a:bodyPr rtlCol="0" anchor="ctr"/>
+              <a:lstStyle/>
+              <a:p>
+                <a:pPr algn="ctr"/>
+                <a:endParaRPr lang="ko-KR" altLang="en-US"/>
+              </a:p>
+            </p:txBody>
+          </p:sp>
+          <p:sp>
+            <p:nvSpPr>
+              <p:cNvPr id="96" name="Rectangle 95">
+                <a:extLst>
+                  <a:ext uri="{FF2B5EF4-FFF2-40B4-BE49-F238E27FC236}">
+                    <a16:creationId xmlns:a16="http://schemas.microsoft.com/office/drawing/2014/main" id="{FC296618-D0CB-44FF-A246-FBD16C2E630B}"/>
+                  </a:ext>
+                </a:extLst>
+              </p:cNvPr>
+              <p:cNvSpPr/>
+              <p:nvPr/>
+            </p:nvSpPr>
+            <p:spPr>
+              <a:xfrm>
+                <a:off x="831432" y="1979088"/>
+                <a:ext cx="1805346" cy="1805346"/>
+              </a:xfrm>
+              <a:prstGeom prst="rect">
+                <a:avLst/>
+              </a:prstGeom>
+              <a:solidFill>
+                <a:schemeClr val="bg2">
+                  <a:lumMod val="50000"/>
+                </a:schemeClr>
+              </a:solidFill>
+              <a:ln>
+                <a:noFill/>
+              </a:ln>
+            </p:spPr>
+            <p:style>
+              <a:lnRef idx="2">
+                <a:schemeClr val="accent1">
+                  <a:shade val="50000"/>
+                </a:schemeClr>
+              </a:lnRef>
+              <a:fillRef idx="1">
+                <a:schemeClr val="accent1"/>
+              </a:fillRef>
+              <a:effectRef idx="0">
+                <a:schemeClr val="accent1"/>
+              </a:effectRef>
+              <a:fontRef idx="minor">
+                <a:schemeClr val="lt1"/>
+              </a:fontRef>
+            </p:style>
+            <p:txBody>
+              <a:bodyPr rtlCol="0" anchor="ctr"/>
+              <a:lstStyle/>
+              <a:p>
+                <a:pPr algn="ctr"/>
+                <a:endParaRPr lang="ko-KR" altLang="en-US"/>
+              </a:p>
+            </p:txBody>
+          </p:sp>
+          <p:grpSp>
+            <p:nvGrpSpPr>
+              <p:cNvPr id="97" name="Group 96">
+                <a:extLst>
+                  <a:ext uri="{FF2B5EF4-FFF2-40B4-BE49-F238E27FC236}">
+                    <a16:creationId xmlns:a16="http://schemas.microsoft.com/office/drawing/2014/main" id="{EBDBE2C7-2A2C-462C-AE99-64F96C6A9424}"/>
+                  </a:ext>
+                </a:extLst>
+              </p:cNvPr>
+              <p:cNvGrpSpPr/>
+              <p:nvPr/>
+            </p:nvGrpSpPr>
+            <p:grpSpPr>
+              <a:xfrm>
+                <a:off x="866140" y="1662265"/>
+                <a:ext cx="1746927" cy="228134"/>
+                <a:chOff x="861060" y="1706882"/>
+                <a:chExt cx="1746927" cy="228134"/>
+              </a:xfrm>
+            </p:grpSpPr>
+            <p:sp>
+              <p:nvSpPr>
+                <p:cNvPr id="135" name="Rectangle 134">
+                  <a:extLst>
+                    <a:ext uri="{FF2B5EF4-FFF2-40B4-BE49-F238E27FC236}">
+                      <a16:creationId xmlns:a16="http://schemas.microsoft.com/office/drawing/2014/main" id="{75420210-F334-4460-84EA-B9873FFFBAD6}"/>
+                    </a:ext>
+                  </a:extLst>
+                </p:cNvPr>
+                <p:cNvSpPr/>
+                <p:nvPr/>
+              </p:nvSpPr>
+              <p:spPr>
+                <a:xfrm>
+                  <a:off x="861060" y="1706882"/>
+                  <a:ext cx="91440" cy="228098"/>
+                </a:xfrm>
+                <a:prstGeom prst="rect">
+                  <a:avLst/>
+                </a:prstGeom>
+                <a:ln>
+                  <a:noFill/>
+                </a:ln>
+              </p:spPr>
+              <p:style>
+                <a:lnRef idx="2">
+                  <a:schemeClr val="accent4">
+                    <a:shade val="50000"/>
+                  </a:schemeClr>
+                </a:lnRef>
+                <a:fillRef idx="1">
+                  <a:schemeClr val="accent4"/>
+                </a:fillRef>
+                <a:effectRef idx="0">
+                  <a:schemeClr val="accent4"/>
+                </a:effectRef>
+                <a:fontRef idx="minor">
+                  <a:schemeClr val="lt1"/>
+                </a:fontRef>
+              </p:style>
+              <p:txBody>
+                <a:bodyPr rtlCol="0" anchor="ctr"/>
+                <a:lstStyle/>
+                <a:p>
+                  <a:pPr algn="ctr"/>
+                  <a:endParaRPr lang="ko-KR" altLang="en-US"/>
+                </a:p>
+              </p:txBody>
+            </p:sp>
+            <p:sp>
+              <p:nvSpPr>
+                <p:cNvPr id="136" name="Rectangle 135">
+                  <a:extLst>
+                    <a:ext uri="{FF2B5EF4-FFF2-40B4-BE49-F238E27FC236}">
+                      <a16:creationId xmlns:a16="http://schemas.microsoft.com/office/drawing/2014/main" id="{5AAED960-5079-4512-B586-26050E33312D}"/>
+                    </a:ext>
+                  </a:extLst>
+                </p:cNvPr>
+                <p:cNvSpPr/>
+                <p:nvPr/>
+              </p:nvSpPr>
+              <p:spPr>
+                <a:xfrm>
+                  <a:off x="1025889" y="1706882"/>
+                  <a:ext cx="91440" cy="228098"/>
+                </a:xfrm>
+                <a:prstGeom prst="rect">
+                  <a:avLst/>
+                </a:prstGeom>
+                <a:ln>
+                  <a:noFill/>
+                </a:ln>
+              </p:spPr>
+              <p:style>
+                <a:lnRef idx="2">
+                  <a:schemeClr val="accent4">
+                    <a:shade val="50000"/>
+                  </a:schemeClr>
+                </a:lnRef>
+                <a:fillRef idx="1">
+                  <a:schemeClr val="accent4"/>
+                </a:fillRef>
+                <a:effectRef idx="0">
+                  <a:schemeClr val="accent4"/>
+                </a:effectRef>
+                <a:fontRef idx="minor">
+                  <a:schemeClr val="lt1"/>
+                </a:fontRef>
+              </p:style>
+              <p:txBody>
+                <a:bodyPr rtlCol="0" anchor="ctr"/>
+                <a:lstStyle/>
+                <a:p>
+                  <a:pPr algn="ctr"/>
+                  <a:endParaRPr lang="ko-KR" altLang="en-US"/>
+                </a:p>
+              </p:txBody>
+            </p:sp>
+            <p:sp>
+              <p:nvSpPr>
+                <p:cNvPr id="137" name="Rectangle 136">
+                  <a:extLst>
+                    <a:ext uri="{FF2B5EF4-FFF2-40B4-BE49-F238E27FC236}">
+                      <a16:creationId xmlns:a16="http://schemas.microsoft.com/office/drawing/2014/main" id="{74C37885-939C-4931-8B61-B72681D10243}"/>
+                    </a:ext>
+                  </a:extLst>
+                </p:cNvPr>
+                <p:cNvSpPr/>
+                <p:nvPr/>
+              </p:nvSpPr>
+              <p:spPr>
+                <a:xfrm>
+                  <a:off x="1198067" y="1706882"/>
+                  <a:ext cx="91440" cy="228098"/>
+                </a:xfrm>
+                <a:prstGeom prst="rect">
+                  <a:avLst/>
+                </a:prstGeom>
+                <a:ln>
+                  <a:noFill/>
+                </a:ln>
+              </p:spPr>
+              <p:style>
+                <a:lnRef idx="2">
+                  <a:schemeClr val="accent4">
+                    <a:shade val="50000"/>
+                  </a:schemeClr>
+                </a:lnRef>
+                <a:fillRef idx="1">
+                  <a:schemeClr val="accent4"/>
+                </a:fillRef>
+                <a:effectRef idx="0">
+                  <a:schemeClr val="accent4"/>
+                </a:effectRef>
+                <a:fontRef idx="minor">
+                  <a:schemeClr val="lt1"/>
+                </a:fontRef>
+              </p:style>
+              <p:txBody>
+                <a:bodyPr rtlCol="0" anchor="ctr"/>
+                <a:lstStyle/>
+                <a:p>
+                  <a:pPr algn="ctr"/>
+                  <a:endParaRPr lang="ko-KR" altLang="en-US"/>
+                </a:p>
+              </p:txBody>
+            </p:sp>
+            <p:sp>
+              <p:nvSpPr>
+                <p:cNvPr id="138" name="Rectangle 137">
+                  <a:extLst>
+                    <a:ext uri="{FF2B5EF4-FFF2-40B4-BE49-F238E27FC236}">
+                      <a16:creationId xmlns:a16="http://schemas.microsoft.com/office/drawing/2014/main" id="{02777824-E1B7-4696-AAF8-F9B61B58BEF5}"/>
+                    </a:ext>
+                  </a:extLst>
+                </p:cNvPr>
+                <p:cNvSpPr/>
+                <p:nvPr/>
+              </p:nvSpPr>
+              <p:spPr>
+                <a:xfrm>
+                  <a:off x="1362896" y="1706882"/>
+                  <a:ext cx="91440" cy="228098"/>
+                </a:xfrm>
+                <a:prstGeom prst="rect">
+                  <a:avLst/>
+                </a:prstGeom>
+                <a:ln>
+                  <a:noFill/>
+                </a:ln>
+              </p:spPr>
+              <p:style>
+                <a:lnRef idx="2">
+                  <a:schemeClr val="accent4">
+                    <a:shade val="50000"/>
+                  </a:schemeClr>
+                </a:lnRef>
+                <a:fillRef idx="1">
+                  <a:schemeClr val="accent4"/>
+                </a:fillRef>
+                <a:effectRef idx="0">
+                  <a:schemeClr val="accent4"/>
+                </a:effectRef>
+                <a:fontRef idx="minor">
+                  <a:schemeClr val="lt1"/>
+                </a:fontRef>
+              </p:style>
+              <p:txBody>
+                <a:bodyPr rtlCol="0" anchor="ctr"/>
+                <a:lstStyle/>
+                <a:p>
+                  <a:pPr algn="ctr"/>
+                  <a:endParaRPr lang="ko-KR" altLang="en-US"/>
+                </a:p>
+              </p:txBody>
+            </p:sp>
+            <p:sp>
+              <p:nvSpPr>
+                <p:cNvPr id="139" name="Rectangle 138">
+                  <a:extLst>
+                    <a:ext uri="{FF2B5EF4-FFF2-40B4-BE49-F238E27FC236}">
+                      <a16:creationId xmlns:a16="http://schemas.microsoft.com/office/drawing/2014/main" id="{CD2D64DF-CFAC-4A84-8E1D-FB92544361F2}"/>
+                    </a:ext>
+                  </a:extLst>
+                </p:cNvPr>
+                <p:cNvSpPr/>
+                <p:nvPr/>
+              </p:nvSpPr>
+              <p:spPr>
+                <a:xfrm>
+                  <a:off x="1527725" y="1706882"/>
+                  <a:ext cx="91440" cy="228098"/>
+                </a:xfrm>
+                <a:prstGeom prst="rect">
+                  <a:avLst/>
+                </a:prstGeom>
+                <a:ln>
+                  <a:noFill/>
+                </a:ln>
+              </p:spPr>
+              <p:style>
+                <a:lnRef idx="2">
+                  <a:schemeClr val="accent4">
+                    <a:shade val="50000"/>
+                  </a:schemeClr>
+                </a:lnRef>
+                <a:fillRef idx="1">
+                  <a:schemeClr val="accent4"/>
+                </a:fillRef>
+                <a:effectRef idx="0">
+                  <a:schemeClr val="accent4"/>
+                </a:effectRef>
+                <a:fontRef idx="minor">
+                  <a:schemeClr val="lt1"/>
+                </a:fontRef>
+              </p:style>
+              <p:txBody>
+                <a:bodyPr rtlCol="0" anchor="ctr"/>
+                <a:lstStyle/>
+                <a:p>
+                  <a:pPr algn="ctr"/>
+                  <a:endParaRPr lang="ko-KR" altLang="en-US"/>
+                </a:p>
+              </p:txBody>
+            </p:sp>
+            <p:sp>
+              <p:nvSpPr>
+                <p:cNvPr id="140" name="Rectangle 139">
+                  <a:extLst>
+                    <a:ext uri="{FF2B5EF4-FFF2-40B4-BE49-F238E27FC236}">
+                      <a16:creationId xmlns:a16="http://schemas.microsoft.com/office/drawing/2014/main" id="{702DE47C-36A9-4FB4-AA6E-DCA731746678}"/>
+                    </a:ext>
+                  </a:extLst>
+                </p:cNvPr>
+                <p:cNvSpPr/>
+                <p:nvPr/>
+              </p:nvSpPr>
+              <p:spPr>
+                <a:xfrm>
+                  <a:off x="1692554" y="1706882"/>
+                  <a:ext cx="91440" cy="228098"/>
+                </a:xfrm>
+                <a:prstGeom prst="rect">
+                  <a:avLst/>
+                </a:prstGeom>
+                <a:ln>
+                  <a:noFill/>
+                </a:ln>
+              </p:spPr>
+              <p:style>
+                <a:lnRef idx="2">
+                  <a:schemeClr val="accent4">
+                    <a:shade val="50000"/>
+                  </a:schemeClr>
+                </a:lnRef>
+                <a:fillRef idx="1">
+                  <a:schemeClr val="accent4"/>
+                </a:fillRef>
+                <a:effectRef idx="0">
+                  <a:schemeClr val="accent4"/>
+                </a:effectRef>
+                <a:fontRef idx="minor">
+                  <a:schemeClr val="lt1"/>
+                </a:fontRef>
+              </p:style>
+              <p:txBody>
+                <a:bodyPr rtlCol="0" anchor="ctr"/>
+                <a:lstStyle/>
+                <a:p>
+                  <a:pPr algn="ctr"/>
+                  <a:endParaRPr lang="ko-KR" altLang="en-US"/>
+                </a:p>
+              </p:txBody>
+            </p:sp>
+            <p:sp>
+              <p:nvSpPr>
+                <p:cNvPr id="141" name="Rectangle 140">
+                  <a:extLst>
+                    <a:ext uri="{FF2B5EF4-FFF2-40B4-BE49-F238E27FC236}">
+                      <a16:creationId xmlns:a16="http://schemas.microsoft.com/office/drawing/2014/main" id="{24DE21F2-7CCC-445E-A2CD-07274C0B5F15}"/>
+                    </a:ext>
+                  </a:extLst>
+                </p:cNvPr>
+                <p:cNvSpPr/>
+                <p:nvPr/>
+              </p:nvSpPr>
+              <p:spPr>
+                <a:xfrm>
+                  <a:off x="1864732" y="1706882"/>
+                  <a:ext cx="91440" cy="228098"/>
+                </a:xfrm>
+                <a:prstGeom prst="rect">
+                  <a:avLst/>
+                </a:prstGeom>
+                <a:ln>
+                  <a:noFill/>
+                </a:ln>
+              </p:spPr>
+              <p:style>
+                <a:lnRef idx="2">
+                  <a:schemeClr val="accent4">
+                    <a:shade val="50000"/>
+                  </a:schemeClr>
+                </a:lnRef>
+                <a:fillRef idx="1">
+                  <a:schemeClr val="accent4"/>
+                </a:fillRef>
+                <a:effectRef idx="0">
+                  <a:schemeClr val="accent4"/>
+                </a:effectRef>
+                <a:fontRef idx="minor">
+                  <a:schemeClr val="lt1"/>
+                </a:fontRef>
+              </p:style>
+              <p:txBody>
+                <a:bodyPr rtlCol="0" anchor="ctr"/>
+                <a:lstStyle/>
+                <a:p>
+                  <a:pPr algn="ctr"/>
+                  <a:endParaRPr lang="ko-KR" altLang="en-US"/>
+                </a:p>
+              </p:txBody>
+            </p:sp>
+            <p:sp>
+              <p:nvSpPr>
+                <p:cNvPr id="142" name="Rectangle 141">
+                  <a:extLst>
+                    <a:ext uri="{FF2B5EF4-FFF2-40B4-BE49-F238E27FC236}">
+                      <a16:creationId xmlns:a16="http://schemas.microsoft.com/office/drawing/2014/main" id="{BF0AFDC9-18BA-48EE-9C43-1A02231142C5}"/>
+                    </a:ext>
+                  </a:extLst>
+                </p:cNvPr>
+                <p:cNvSpPr/>
+                <p:nvPr/>
+              </p:nvSpPr>
+              <p:spPr>
+                <a:xfrm>
+                  <a:off x="2029561" y="1706882"/>
+                  <a:ext cx="91440" cy="228098"/>
+                </a:xfrm>
+                <a:prstGeom prst="rect">
+                  <a:avLst/>
+                </a:prstGeom>
+                <a:ln>
+                  <a:noFill/>
+                </a:ln>
+              </p:spPr>
+              <p:style>
+                <a:lnRef idx="2">
+                  <a:schemeClr val="accent4">
+                    <a:shade val="50000"/>
+                  </a:schemeClr>
+                </a:lnRef>
+                <a:fillRef idx="1">
+                  <a:schemeClr val="accent4"/>
+                </a:fillRef>
+                <a:effectRef idx="0">
+                  <a:schemeClr val="accent4"/>
+                </a:effectRef>
+                <a:fontRef idx="minor">
+                  <a:schemeClr val="lt1"/>
+                </a:fontRef>
+              </p:style>
+              <p:txBody>
+                <a:bodyPr rtlCol="0" anchor="ctr"/>
+                <a:lstStyle/>
+                <a:p>
+                  <a:pPr algn="ctr"/>
+                  <a:endParaRPr lang="ko-KR" altLang="en-US"/>
+                </a:p>
+              </p:txBody>
+            </p:sp>
+            <p:sp>
+              <p:nvSpPr>
+                <p:cNvPr id="143" name="Rectangle 142">
+                  <a:extLst>
+                    <a:ext uri="{FF2B5EF4-FFF2-40B4-BE49-F238E27FC236}">
+                      <a16:creationId xmlns:a16="http://schemas.microsoft.com/office/drawing/2014/main" id="{0FF44DD1-CB01-458C-AEA4-DD62F08A71E8}"/>
+                    </a:ext>
+                  </a:extLst>
+                </p:cNvPr>
+                <p:cNvSpPr/>
+                <p:nvPr/>
+              </p:nvSpPr>
+              <p:spPr>
+                <a:xfrm>
+                  <a:off x="2188566" y="1706918"/>
+                  <a:ext cx="91440" cy="228098"/>
+                </a:xfrm>
+                <a:prstGeom prst="rect">
+                  <a:avLst/>
+                </a:prstGeom>
+                <a:ln>
+                  <a:noFill/>
+                </a:ln>
+              </p:spPr>
+              <p:style>
+                <a:lnRef idx="2">
+                  <a:schemeClr val="accent4">
+                    <a:shade val="50000"/>
+                  </a:schemeClr>
+                </a:lnRef>
+                <a:fillRef idx="1">
+                  <a:schemeClr val="accent4"/>
+                </a:fillRef>
+                <a:effectRef idx="0">
+                  <a:schemeClr val="accent4"/>
+                </a:effectRef>
+                <a:fontRef idx="minor">
+                  <a:schemeClr val="lt1"/>
+                </a:fontRef>
+              </p:style>
+              <p:txBody>
+                <a:bodyPr rtlCol="0" anchor="ctr"/>
+                <a:lstStyle/>
+                <a:p>
+                  <a:pPr algn="ctr"/>
+                  <a:endParaRPr lang="ko-KR" altLang="en-US"/>
+                </a:p>
+              </p:txBody>
+            </p:sp>
+            <p:sp>
+              <p:nvSpPr>
+                <p:cNvPr id="144" name="Rectangle 143">
+                  <a:extLst>
+                    <a:ext uri="{FF2B5EF4-FFF2-40B4-BE49-F238E27FC236}">
+                      <a16:creationId xmlns:a16="http://schemas.microsoft.com/office/drawing/2014/main" id="{7B5A8E8D-057D-40DF-BC3F-2CC8E473D39F}"/>
+                    </a:ext>
+                  </a:extLst>
+                </p:cNvPr>
+                <p:cNvSpPr/>
+                <p:nvPr/>
+              </p:nvSpPr>
+              <p:spPr>
+                <a:xfrm>
+                  <a:off x="2353395" y="1706918"/>
+                  <a:ext cx="91440" cy="228098"/>
+                </a:xfrm>
+                <a:prstGeom prst="rect">
+                  <a:avLst/>
+                </a:prstGeom>
+                <a:ln>
+                  <a:noFill/>
+                </a:ln>
+              </p:spPr>
+              <p:style>
+                <a:lnRef idx="2">
+                  <a:schemeClr val="accent4">
+                    <a:shade val="50000"/>
+                  </a:schemeClr>
+                </a:lnRef>
+                <a:fillRef idx="1">
+                  <a:schemeClr val="accent4"/>
+                </a:fillRef>
+                <a:effectRef idx="0">
+                  <a:schemeClr val="accent4"/>
+                </a:effectRef>
+                <a:fontRef idx="minor">
+                  <a:schemeClr val="lt1"/>
+                </a:fontRef>
+              </p:style>
+              <p:txBody>
+                <a:bodyPr rtlCol="0" anchor="ctr"/>
+                <a:lstStyle/>
+                <a:p>
+                  <a:pPr algn="ctr"/>
+                  <a:endParaRPr lang="ko-KR" altLang="en-US"/>
+                </a:p>
+              </p:txBody>
+            </p:sp>
+            <p:sp>
+              <p:nvSpPr>
+                <p:cNvPr id="145" name="Rectangle 144">
+                  <a:extLst>
+                    <a:ext uri="{FF2B5EF4-FFF2-40B4-BE49-F238E27FC236}">
+                      <a16:creationId xmlns:a16="http://schemas.microsoft.com/office/drawing/2014/main" id="{5FDED66D-284D-42D4-81A6-1DC6F44D0811}"/>
+                    </a:ext>
+                  </a:extLst>
+                </p:cNvPr>
+                <p:cNvSpPr/>
+                <p:nvPr/>
+              </p:nvSpPr>
+              <p:spPr>
+                <a:xfrm>
+                  <a:off x="2516547" y="1706882"/>
+                  <a:ext cx="91440" cy="228098"/>
+                </a:xfrm>
+                <a:prstGeom prst="rect">
+                  <a:avLst/>
+                </a:prstGeom>
+                <a:ln>
+                  <a:noFill/>
+                </a:ln>
+              </p:spPr>
+              <p:style>
+                <a:lnRef idx="2">
+                  <a:schemeClr val="accent4">
+                    <a:shade val="50000"/>
+                  </a:schemeClr>
+                </a:lnRef>
+                <a:fillRef idx="1">
+                  <a:schemeClr val="accent4"/>
+                </a:fillRef>
+                <a:effectRef idx="0">
+                  <a:schemeClr val="accent4"/>
+                </a:effectRef>
+                <a:fontRef idx="minor">
+                  <a:schemeClr val="lt1"/>
+                </a:fontRef>
+              </p:style>
+              <p:txBody>
+                <a:bodyPr rtlCol="0" anchor="ctr"/>
+                <a:lstStyle/>
+                <a:p>
+                  <a:pPr algn="ctr"/>
+                  <a:endParaRPr lang="ko-KR" altLang="en-US"/>
+                </a:p>
+              </p:txBody>
+            </p:sp>
+          </p:grpSp>
+          <p:grpSp>
+            <p:nvGrpSpPr>
+              <p:cNvPr id="98" name="Group 97">
+                <a:extLst>
+                  <a:ext uri="{FF2B5EF4-FFF2-40B4-BE49-F238E27FC236}">
+                    <a16:creationId xmlns:a16="http://schemas.microsoft.com/office/drawing/2014/main" id="{F0FB3D05-8F6E-4A2F-AD6B-BE0BA8780159}"/>
+                  </a:ext>
+                </a:extLst>
+              </p:cNvPr>
+              <p:cNvGrpSpPr/>
+              <p:nvPr/>
+            </p:nvGrpSpPr>
+            <p:grpSpPr>
+              <a:xfrm rot="5400000">
+                <a:off x="1973667" y="2767695"/>
+                <a:ext cx="1746927" cy="228134"/>
+                <a:chOff x="861060" y="1706882"/>
+                <a:chExt cx="1746927" cy="228134"/>
+              </a:xfrm>
+            </p:grpSpPr>
+            <p:sp>
+              <p:nvSpPr>
+                <p:cNvPr id="124" name="Rectangle 123">
+                  <a:extLst>
+                    <a:ext uri="{FF2B5EF4-FFF2-40B4-BE49-F238E27FC236}">
+                      <a16:creationId xmlns:a16="http://schemas.microsoft.com/office/drawing/2014/main" id="{0022BA7C-FCAA-4A26-8BFE-E53E4C257007}"/>
+                    </a:ext>
+                  </a:extLst>
+                </p:cNvPr>
+                <p:cNvSpPr/>
+                <p:nvPr/>
+              </p:nvSpPr>
+              <p:spPr>
+                <a:xfrm>
+                  <a:off x="861060" y="1706882"/>
+                  <a:ext cx="91440" cy="228098"/>
+                </a:xfrm>
+                <a:prstGeom prst="rect">
+                  <a:avLst/>
+                </a:prstGeom>
+                <a:ln>
+                  <a:noFill/>
+                </a:ln>
+              </p:spPr>
+              <p:style>
+                <a:lnRef idx="2">
+                  <a:schemeClr val="accent4">
+                    <a:shade val="50000"/>
+                  </a:schemeClr>
+                </a:lnRef>
+                <a:fillRef idx="1">
+                  <a:schemeClr val="accent4"/>
+                </a:fillRef>
+                <a:effectRef idx="0">
+                  <a:schemeClr val="accent4"/>
+                </a:effectRef>
+                <a:fontRef idx="minor">
+                  <a:schemeClr val="lt1"/>
+                </a:fontRef>
+              </p:style>
+              <p:txBody>
+                <a:bodyPr rtlCol="0" anchor="ctr"/>
+                <a:lstStyle/>
+                <a:p>
+                  <a:pPr algn="ctr"/>
+                  <a:endParaRPr lang="ko-KR" altLang="en-US"/>
+                </a:p>
+              </p:txBody>
+            </p:sp>
+            <p:sp>
+              <p:nvSpPr>
+                <p:cNvPr id="125" name="Rectangle 124">
+                  <a:extLst>
+                    <a:ext uri="{FF2B5EF4-FFF2-40B4-BE49-F238E27FC236}">
+                      <a16:creationId xmlns:a16="http://schemas.microsoft.com/office/drawing/2014/main" id="{6CB96439-6E0E-4C11-8E5B-E0652396CF3A}"/>
+                    </a:ext>
+                  </a:extLst>
+                </p:cNvPr>
+                <p:cNvSpPr/>
+                <p:nvPr/>
+              </p:nvSpPr>
+              <p:spPr>
+                <a:xfrm>
+                  <a:off x="1025889" y="1706882"/>
+                  <a:ext cx="91440" cy="228098"/>
+                </a:xfrm>
+                <a:prstGeom prst="rect">
+                  <a:avLst/>
+                </a:prstGeom>
+                <a:ln>
+                  <a:noFill/>
+                </a:ln>
+              </p:spPr>
+              <p:style>
+                <a:lnRef idx="2">
+                  <a:schemeClr val="accent4">
+                    <a:shade val="50000"/>
+                  </a:schemeClr>
+                </a:lnRef>
+                <a:fillRef idx="1">
+                  <a:schemeClr val="accent4"/>
+                </a:fillRef>
+                <a:effectRef idx="0">
+                  <a:schemeClr val="accent4"/>
+                </a:effectRef>
+                <a:fontRef idx="minor">
+                  <a:schemeClr val="lt1"/>
+                </a:fontRef>
+              </p:style>
+              <p:txBody>
+                <a:bodyPr rtlCol="0" anchor="ctr"/>
+                <a:lstStyle/>
+                <a:p>
+                  <a:pPr algn="ctr"/>
+                  <a:endParaRPr lang="ko-KR" altLang="en-US"/>
+                </a:p>
+              </p:txBody>
+            </p:sp>
+            <p:sp>
+              <p:nvSpPr>
+                <p:cNvPr id="126" name="Rectangle 125">
+                  <a:extLst>
+                    <a:ext uri="{FF2B5EF4-FFF2-40B4-BE49-F238E27FC236}">
+                      <a16:creationId xmlns:a16="http://schemas.microsoft.com/office/drawing/2014/main" id="{01FED6E2-307B-44A3-B5A6-E288D08B7694}"/>
+                    </a:ext>
+                  </a:extLst>
+                </p:cNvPr>
+                <p:cNvSpPr/>
+                <p:nvPr/>
+              </p:nvSpPr>
+              <p:spPr>
+                <a:xfrm>
+                  <a:off x="1198067" y="1706882"/>
+                  <a:ext cx="91440" cy="228098"/>
+                </a:xfrm>
+                <a:prstGeom prst="rect">
+                  <a:avLst/>
+                </a:prstGeom>
+                <a:ln>
+                  <a:noFill/>
+                </a:ln>
+              </p:spPr>
+              <p:style>
+                <a:lnRef idx="2">
+                  <a:schemeClr val="accent4">
+                    <a:shade val="50000"/>
+                  </a:schemeClr>
+                </a:lnRef>
+                <a:fillRef idx="1">
+                  <a:schemeClr val="accent4"/>
+                </a:fillRef>
+                <a:effectRef idx="0">
+                  <a:schemeClr val="accent4"/>
+                </a:effectRef>
+                <a:fontRef idx="minor">
+                  <a:schemeClr val="lt1"/>
+                </a:fontRef>
+              </p:style>
+              <p:txBody>
+                <a:bodyPr rtlCol="0" anchor="ctr"/>
+                <a:lstStyle/>
+                <a:p>
+                  <a:pPr algn="ctr"/>
+                  <a:endParaRPr lang="ko-KR" altLang="en-US"/>
+                </a:p>
+              </p:txBody>
+            </p:sp>
+            <p:sp>
+              <p:nvSpPr>
+                <p:cNvPr id="127" name="Rectangle 126">
+                  <a:extLst>
+                    <a:ext uri="{FF2B5EF4-FFF2-40B4-BE49-F238E27FC236}">
+                      <a16:creationId xmlns:a16="http://schemas.microsoft.com/office/drawing/2014/main" id="{CF34E0EE-A923-4F3A-BBA9-B5E8B5E06588}"/>
+                    </a:ext>
+                  </a:extLst>
+                </p:cNvPr>
+                <p:cNvSpPr/>
+                <p:nvPr/>
+              </p:nvSpPr>
+              <p:spPr>
+                <a:xfrm>
+                  <a:off x="1362896" y="1706882"/>
+                  <a:ext cx="91440" cy="228098"/>
+                </a:xfrm>
+                <a:prstGeom prst="rect">
+                  <a:avLst/>
+                </a:prstGeom>
+                <a:ln>
+                  <a:noFill/>
+                </a:ln>
+              </p:spPr>
+              <p:style>
+                <a:lnRef idx="2">
+                  <a:schemeClr val="accent4">
+                    <a:shade val="50000"/>
+                  </a:schemeClr>
+                </a:lnRef>
+                <a:fillRef idx="1">
+                  <a:schemeClr val="accent4"/>
+                </a:fillRef>
+                <a:effectRef idx="0">
+                  <a:schemeClr val="accent4"/>
+                </a:effectRef>
+                <a:fontRef idx="minor">
+                  <a:schemeClr val="lt1"/>
+                </a:fontRef>
+              </p:style>
+              <p:txBody>
+                <a:bodyPr rtlCol="0" anchor="ctr"/>
+                <a:lstStyle/>
+                <a:p>
+                  <a:pPr algn="ctr"/>
+                  <a:endParaRPr lang="ko-KR" altLang="en-US"/>
+                </a:p>
+              </p:txBody>
+            </p:sp>
+            <p:sp>
+              <p:nvSpPr>
+                <p:cNvPr id="128" name="Rectangle 127">
+                  <a:extLst>
+                    <a:ext uri="{FF2B5EF4-FFF2-40B4-BE49-F238E27FC236}">
+                      <a16:creationId xmlns:a16="http://schemas.microsoft.com/office/drawing/2014/main" id="{AF16110C-4007-45A2-BB6C-D34BBC1B12C4}"/>
+                    </a:ext>
+                  </a:extLst>
+                </p:cNvPr>
+                <p:cNvSpPr/>
+                <p:nvPr/>
+              </p:nvSpPr>
+              <p:spPr>
+                <a:xfrm>
+                  <a:off x="1527725" y="1706882"/>
+                  <a:ext cx="91440" cy="228098"/>
+                </a:xfrm>
+                <a:prstGeom prst="rect">
+                  <a:avLst/>
+                </a:prstGeom>
+                <a:ln>
+                  <a:noFill/>
+                </a:ln>
+              </p:spPr>
+              <p:style>
+                <a:lnRef idx="2">
+                  <a:schemeClr val="accent4">
+                    <a:shade val="50000"/>
+                  </a:schemeClr>
+                </a:lnRef>
+                <a:fillRef idx="1">
+                  <a:schemeClr val="accent4"/>
+                </a:fillRef>
+                <a:effectRef idx="0">
+                  <a:schemeClr val="accent4"/>
+                </a:effectRef>
+                <a:fontRef idx="minor">
+                  <a:schemeClr val="lt1"/>
+                </a:fontRef>
+              </p:style>
+              <p:txBody>
+                <a:bodyPr rtlCol="0" anchor="ctr"/>
+                <a:lstStyle/>
+                <a:p>
+                  <a:pPr algn="ctr"/>
+                  <a:endParaRPr lang="ko-KR" altLang="en-US"/>
+                </a:p>
+              </p:txBody>
+            </p:sp>
+            <p:sp>
+              <p:nvSpPr>
+                <p:cNvPr id="129" name="Rectangle 128">
+                  <a:extLst>
+                    <a:ext uri="{FF2B5EF4-FFF2-40B4-BE49-F238E27FC236}">
+                      <a16:creationId xmlns:a16="http://schemas.microsoft.com/office/drawing/2014/main" id="{7F53820D-11B3-47F7-B06F-85AAB839EEC3}"/>
+                    </a:ext>
+                  </a:extLst>
+                </p:cNvPr>
+                <p:cNvSpPr/>
+                <p:nvPr/>
+              </p:nvSpPr>
+              <p:spPr>
+                <a:xfrm>
+                  <a:off x="1692554" y="1706882"/>
+                  <a:ext cx="91440" cy="228098"/>
+                </a:xfrm>
+                <a:prstGeom prst="rect">
+                  <a:avLst/>
+                </a:prstGeom>
+                <a:ln>
+                  <a:noFill/>
+                </a:ln>
+              </p:spPr>
+              <p:style>
+                <a:lnRef idx="2">
+                  <a:schemeClr val="accent4">
+                    <a:shade val="50000"/>
+                  </a:schemeClr>
+                </a:lnRef>
+                <a:fillRef idx="1">
+                  <a:schemeClr val="accent4"/>
+                </a:fillRef>
+                <a:effectRef idx="0">
+                  <a:schemeClr val="accent4"/>
+                </a:effectRef>
+                <a:fontRef idx="minor">
+                  <a:schemeClr val="lt1"/>
+                </a:fontRef>
+              </p:style>
+              <p:txBody>
+                <a:bodyPr rtlCol="0" anchor="ctr"/>
+                <a:lstStyle/>
+                <a:p>
+                  <a:pPr algn="ctr"/>
+                  <a:endParaRPr lang="ko-KR" altLang="en-US"/>
+                </a:p>
+              </p:txBody>
+            </p:sp>
+            <p:sp>
+              <p:nvSpPr>
+                <p:cNvPr id="130" name="Rectangle 129">
+                  <a:extLst>
+                    <a:ext uri="{FF2B5EF4-FFF2-40B4-BE49-F238E27FC236}">
+                      <a16:creationId xmlns:a16="http://schemas.microsoft.com/office/drawing/2014/main" id="{B1B27C0E-2C7F-477D-B1A8-A4B94C8C33B1}"/>
+                    </a:ext>
+                  </a:extLst>
+                </p:cNvPr>
+                <p:cNvSpPr/>
+                <p:nvPr/>
+              </p:nvSpPr>
+              <p:spPr>
+                <a:xfrm>
+                  <a:off x="1864732" y="1706882"/>
+                  <a:ext cx="91440" cy="228098"/>
+                </a:xfrm>
+                <a:prstGeom prst="rect">
+                  <a:avLst/>
+                </a:prstGeom>
+                <a:ln>
+                  <a:noFill/>
+                </a:ln>
+              </p:spPr>
+              <p:style>
+                <a:lnRef idx="2">
+                  <a:schemeClr val="accent4">
+                    <a:shade val="50000"/>
+                  </a:schemeClr>
+                </a:lnRef>
+                <a:fillRef idx="1">
+                  <a:schemeClr val="accent4"/>
+                </a:fillRef>
+                <a:effectRef idx="0">
+                  <a:schemeClr val="accent4"/>
+                </a:effectRef>
+                <a:fontRef idx="minor">
+                  <a:schemeClr val="lt1"/>
+                </a:fontRef>
+              </p:style>
+              <p:txBody>
+                <a:bodyPr rtlCol="0" anchor="ctr"/>
+                <a:lstStyle/>
+                <a:p>
+                  <a:pPr algn="ctr"/>
+                  <a:endParaRPr lang="ko-KR" altLang="en-US"/>
+                </a:p>
+              </p:txBody>
+            </p:sp>
+            <p:sp>
+              <p:nvSpPr>
+                <p:cNvPr id="131" name="Rectangle 130">
+                  <a:extLst>
+                    <a:ext uri="{FF2B5EF4-FFF2-40B4-BE49-F238E27FC236}">
+                      <a16:creationId xmlns:a16="http://schemas.microsoft.com/office/drawing/2014/main" id="{02880DE1-51FD-4060-92EC-84C38CD46FE5}"/>
+                    </a:ext>
+                  </a:extLst>
+                </p:cNvPr>
+                <p:cNvSpPr/>
+                <p:nvPr/>
+              </p:nvSpPr>
+              <p:spPr>
+                <a:xfrm>
+                  <a:off x="2029561" y="1706882"/>
+                  <a:ext cx="91440" cy="228098"/>
+                </a:xfrm>
+                <a:prstGeom prst="rect">
+                  <a:avLst/>
+                </a:prstGeom>
+                <a:ln>
+                  <a:noFill/>
+                </a:ln>
+              </p:spPr>
+              <p:style>
+                <a:lnRef idx="2">
+                  <a:schemeClr val="accent4">
+                    <a:shade val="50000"/>
+                  </a:schemeClr>
+                </a:lnRef>
+                <a:fillRef idx="1">
+                  <a:schemeClr val="accent4"/>
+                </a:fillRef>
+                <a:effectRef idx="0">
+                  <a:schemeClr val="accent4"/>
+                </a:effectRef>
+                <a:fontRef idx="minor">
+                  <a:schemeClr val="lt1"/>
+                </a:fontRef>
+              </p:style>
+              <p:txBody>
+                <a:bodyPr rtlCol="0" anchor="ctr"/>
+                <a:lstStyle/>
+                <a:p>
+                  <a:pPr algn="ctr"/>
+                  <a:endParaRPr lang="ko-KR" altLang="en-US"/>
+                </a:p>
+              </p:txBody>
+            </p:sp>
+            <p:sp>
+              <p:nvSpPr>
+                <p:cNvPr id="132" name="Rectangle 131">
+                  <a:extLst>
+                    <a:ext uri="{FF2B5EF4-FFF2-40B4-BE49-F238E27FC236}">
+                      <a16:creationId xmlns:a16="http://schemas.microsoft.com/office/drawing/2014/main" id="{FF672435-05D8-4B55-AEDD-FDFAB26695C3}"/>
+                    </a:ext>
+                  </a:extLst>
+                </p:cNvPr>
+                <p:cNvSpPr/>
+                <p:nvPr/>
+              </p:nvSpPr>
+              <p:spPr>
+                <a:xfrm>
+                  <a:off x="2188566" y="1706918"/>
+                  <a:ext cx="91440" cy="228098"/>
+                </a:xfrm>
+                <a:prstGeom prst="rect">
+                  <a:avLst/>
+                </a:prstGeom>
+                <a:ln>
+                  <a:noFill/>
+                </a:ln>
+              </p:spPr>
+              <p:style>
+                <a:lnRef idx="2">
+                  <a:schemeClr val="accent4">
+                    <a:shade val="50000"/>
+                  </a:schemeClr>
+                </a:lnRef>
+                <a:fillRef idx="1">
+                  <a:schemeClr val="accent4"/>
+                </a:fillRef>
+                <a:effectRef idx="0">
+                  <a:schemeClr val="accent4"/>
+                </a:effectRef>
+                <a:fontRef idx="minor">
+                  <a:schemeClr val="lt1"/>
+                </a:fontRef>
+              </p:style>
+              <p:txBody>
+                <a:bodyPr rtlCol="0" anchor="ctr"/>
+                <a:lstStyle/>
+                <a:p>
+                  <a:pPr algn="ctr"/>
+                  <a:endParaRPr lang="ko-KR" altLang="en-US"/>
+                </a:p>
+              </p:txBody>
+            </p:sp>
+            <p:sp>
+              <p:nvSpPr>
+                <p:cNvPr id="133" name="Rectangle 132">
+                  <a:extLst>
+                    <a:ext uri="{FF2B5EF4-FFF2-40B4-BE49-F238E27FC236}">
+                      <a16:creationId xmlns:a16="http://schemas.microsoft.com/office/drawing/2014/main" id="{36A961C0-9CE6-4A77-BC19-42728ECC4877}"/>
+                    </a:ext>
+                  </a:extLst>
+                </p:cNvPr>
+                <p:cNvSpPr/>
+                <p:nvPr/>
+              </p:nvSpPr>
+              <p:spPr>
+                <a:xfrm>
+                  <a:off x="2353395" y="1706918"/>
+                  <a:ext cx="91440" cy="228098"/>
+                </a:xfrm>
+                <a:prstGeom prst="rect">
+                  <a:avLst/>
+                </a:prstGeom>
+                <a:ln>
+                  <a:noFill/>
+                </a:ln>
+              </p:spPr>
+              <p:style>
+                <a:lnRef idx="2">
+                  <a:schemeClr val="accent4">
+                    <a:shade val="50000"/>
+                  </a:schemeClr>
+                </a:lnRef>
+                <a:fillRef idx="1">
+                  <a:schemeClr val="accent4"/>
+                </a:fillRef>
+                <a:effectRef idx="0">
+                  <a:schemeClr val="accent4"/>
+                </a:effectRef>
+                <a:fontRef idx="minor">
+                  <a:schemeClr val="lt1"/>
+                </a:fontRef>
+              </p:style>
+              <p:txBody>
+                <a:bodyPr rtlCol="0" anchor="ctr"/>
+                <a:lstStyle/>
+                <a:p>
+                  <a:pPr algn="ctr"/>
+                  <a:endParaRPr lang="ko-KR" altLang="en-US"/>
+                </a:p>
+              </p:txBody>
+            </p:sp>
+            <p:sp>
+              <p:nvSpPr>
+                <p:cNvPr id="134" name="Rectangle 133">
+                  <a:extLst>
+                    <a:ext uri="{FF2B5EF4-FFF2-40B4-BE49-F238E27FC236}">
+                      <a16:creationId xmlns:a16="http://schemas.microsoft.com/office/drawing/2014/main" id="{FAE1F1E9-8CE9-4112-B632-8263C6CA77DE}"/>
+                    </a:ext>
+                  </a:extLst>
+                </p:cNvPr>
+                <p:cNvSpPr/>
+                <p:nvPr/>
+              </p:nvSpPr>
+              <p:spPr>
+                <a:xfrm>
+                  <a:off x="2516547" y="1706882"/>
+                  <a:ext cx="91440" cy="228098"/>
+                </a:xfrm>
+                <a:prstGeom prst="rect">
+                  <a:avLst/>
+                </a:prstGeom>
+                <a:ln>
+                  <a:noFill/>
+                </a:ln>
+              </p:spPr>
+              <p:style>
+                <a:lnRef idx="2">
+                  <a:schemeClr val="accent4">
+                    <a:shade val="50000"/>
+                  </a:schemeClr>
+                </a:lnRef>
+                <a:fillRef idx="1">
+                  <a:schemeClr val="accent4"/>
+                </a:fillRef>
+                <a:effectRef idx="0">
+                  <a:schemeClr val="accent4"/>
+                </a:effectRef>
+                <a:fontRef idx="minor">
+                  <a:schemeClr val="lt1"/>
+                </a:fontRef>
+              </p:style>
+              <p:txBody>
+                <a:bodyPr rtlCol="0" anchor="ctr"/>
+                <a:lstStyle/>
+                <a:p>
+                  <a:pPr algn="ctr"/>
+                  <a:endParaRPr lang="ko-KR" altLang="en-US"/>
+                </a:p>
+              </p:txBody>
+            </p:sp>
+          </p:grpSp>
+          <p:grpSp>
+            <p:nvGrpSpPr>
+              <p:cNvPr id="99" name="Group 98">
+                <a:extLst>
+                  <a:ext uri="{FF2B5EF4-FFF2-40B4-BE49-F238E27FC236}">
+                    <a16:creationId xmlns:a16="http://schemas.microsoft.com/office/drawing/2014/main" id="{14DD08E9-2434-4213-915C-00AAF61D4E1E}"/>
+                  </a:ext>
+                </a:extLst>
+              </p:cNvPr>
+              <p:cNvGrpSpPr/>
+              <p:nvPr/>
+            </p:nvGrpSpPr>
+            <p:grpSpPr>
+              <a:xfrm>
+                <a:off x="866140" y="3906677"/>
+                <a:ext cx="1746927" cy="228134"/>
+                <a:chOff x="861060" y="1706882"/>
+                <a:chExt cx="1746927" cy="228134"/>
+              </a:xfrm>
+            </p:grpSpPr>
+            <p:sp>
+              <p:nvSpPr>
+                <p:cNvPr id="112" name="Rectangle 111">
+                  <a:extLst>
+                    <a:ext uri="{FF2B5EF4-FFF2-40B4-BE49-F238E27FC236}">
+                      <a16:creationId xmlns:a16="http://schemas.microsoft.com/office/drawing/2014/main" id="{89632E0E-ECE0-4233-8F4C-7BC04720DA73}"/>
+                    </a:ext>
+                  </a:extLst>
+                </p:cNvPr>
+                <p:cNvSpPr/>
+                <p:nvPr/>
+              </p:nvSpPr>
+              <p:spPr>
+                <a:xfrm>
+                  <a:off x="861060" y="1706882"/>
+                  <a:ext cx="91440" cy="228098"/>
+                </a:xfrm>
+                <a:prstGeom prst="rect">
+                  <a:avLst/>
+                </a:prstGeom>
+                <a:ln>
+                  <a:noFill/>
+                </a:ln>
+              </p:spPr>
+              <p:style>
+                <a:lnRef idx="2">
+                  <a:schemeClr val="accent4">
+                    <a:shade val="50000"/>
+                  </a:schemeClr>
+                </a:lnRef>
+                <a:fillRef idx="1">
+                  <a:schemeClr val="accent4"/>
+                </a:fillRef>
+                <a:effectRef idx="0">
+                  <a:schemeClr val="accent4"/>
+                </a:effectRef>
+                <a:fontRef idx="minor">
+                  <a:schemeClr val="lt1"/>
+                </a:fontRef>
+              </p:style>
+              <p:txBody>
+                <a:bodyPr rtlCol="0" anchor="ctr"/>
+                <a:lstStyle/>
+                <a:p>
+                  <a:pPr algn="ctr"/>
+                  <a:endParaRPr lang="ko-KR" altLang="en-US"/>
+                </a:p>
+              </p:txBody>
+            </p:sp>
+            <p:sp>
+              <p:nvSpPr>
+                <p:cNvPr id="113" name="Rectangle 112">
+                  <a:extLst>
+                    <a:ext uri="{FF2B5EF4-FFF2-40B4-BE49-F238E27FC236}">
+                      <a16:creationId xmlns:a16="http://schemas.microsoft.com/office/drawing/2014/main" id="{3DAE7EEC-74C3-45D6-80DE-D30857AB6676}"/>
+                    </a:ext>
+                  </a:extLst>
+                </p:cNvPr>
+                <p:cNvSpPr/>
+                <p:nvPr/>
+              </p:nvSpPr>
+              <p:spPr>
+                <a:xfrm>
+                  <a:off x="1025889" y="1706882"/>
+                  <a:ext cx="91440" cy="228098"/>
+                </a:xfrm>
+                <a:prstGeom prst="rect">
+                  <a:avLst/>
+                </a:prstGeom>
+                <a:ln>
+                  <a:noFill/>
+                </a:ln>
+              </p:spPr>
+              <p:style>
+                <a:lnRef idx="2">
+                  <a:schemeClr val="accent4">
+                    <a:shade val="50000"/>
+                  </a:schemeClr>
+                </a:lnRef>
+                <a:fillRef idx="1">
+                  <a:schemeClr val="accent4"/>
+                </a:fillRef>
+                <a:effectRef idx="0">
+                  <a:schemeClr val="accent4"/>
+                </a:effectRef>
+                <a:fontRef idx="minor">
+                  <a:schemeClr val="lt1"/>
+                </a:fontRef>
+              </p:style>
+              <p:txBody>
+                <a:bodyPr rtlCol="0" anchor="ctr"/>
+                <a:lstStyle/>
+                <a:p>
+                  <a:pPr algn="ctr"/>
+                  <a:endParaRPr lang="ko-KR" altLang="en-US"/>
+                </a:p>
+              </p:txBody>
+            </p:sp>
+            <p:sp>
+              <p:nvSpPr>
+                <p:cNvPr id="114" name="Rectangle 113">
+                  <a:extLst>
+                    <a:ext uri="{FF2B5EF4-FFF2-40B4-BE49-F238E27FC236}">
+                      <a16:creationId xmlns:a16="http://schemas.microsoft.com/office/drawing/2014/main" id="{AD962416-C872-447C-A867-44713AD18A4D}"/>
+                    </a:ext>
+                  </a:extLst>
+                </p:cNvPr>
+                <p:cNvSpPr/>
+                <p:nvPr/>
+              </p:nvSpPr>
+              <p:spPr>
+                <a:xfrm>
+                  <a:off x="1198067" y="1706882"/>
+                  <a:ext cx="91440" cy="228098"/>
+                </a:xfrm>
+                <a:prstGeom prst="rect">
+                  <a:avLst/>
+                </a:prstGeom>
+                <a:ln>
+                  <a:noFill/>
+                </a:ln>
+              </p:spPr>
+              <p:style>
+                <a:lnRef idx="2">
+                  <a:schemeClr val="accent4">
+                    <a:shade val="50000"/>
+                  </a:schemeClr>
+                </a:lnRef>
+                <a:fillRef idx="1">
+                  <a:schemeClr val="accent4"/>
+                </a:fillRef>
+                <a:effectRef idx="0">
+                  <a:schemeClr val="accent4"/>
+                </a:effectRef>
+                <a:fontRef idx="minor">
+                  <a:schemeClr val="lt1"/>
+                </a:fontRef>
+              </p:style>
+              <p:txBody>
+                <a:bodyPr rtlCol="0" anchor="ctr"/>
+                <a:lstStyle/>
+                <a:p>
+                  <a:pPr algn="ctr"/>
+                  <a:endParaRPr lang="ko-KR" altLang="en-US"/>
+                </a:p>
+              </p:txBody>
+            </p:sp>
+            <p:sp>
+              <p:nvSpPr>
+                <p:cNvPr id="115" name="Rectangle 114">
+                  <a:extLst>
+                    <a:ext uri="{FF2B5EF4-FFF2-40B4-BE49-F238E27FC236}">
+                      <a16:creationId xmlns:a16="http://schemas.microsoft.com/office/drawing/2014/main" id="{403DD106-A9F3-4B17-B867-713067B422AC}"/>
+                    </a:ext>
+                  </a:extLst>
+                </p:cNvPr>
+                <p:cNvSpPr/>
+                <p:nvPr/>
+              </p:nvSpPr>
+              <p:spPr>
+                <a:xfrm>
+                  <a:off x="1362896" y="1706882"/>
+                  <a:ext cx="91440" cy="228098"/>
+                </a:xfrm>
+                <a:prstGeom prst="rect">
+                  <a:avLst/>
+                </a:prstGeom>
+                <a:ln>
+                  <a:noFill/>
+                </a:ln>
+              </p:spPr>
+              <p:style>
+                <a:lnRef idx="2">
+                  <a:schemeClr val="accent4">
+                    <a:shade val="50000"/>
+                  </a:schemeClr>
+                </a:lnRef>
+                <a:fillRef idx="1">
+                  <a:schemeClr val="accent4"/>
+                </a:fillRef>
+                <a:effectRef idx="0">
+                  <a:schemeClr val="accent4"/>
+                </a:effectRef>
+                <a:fontRef idx="minor">
+                  <a:schemeClr val="lt1"/>
+                </a:fontRef>
+              </p:style>
+              <p:txBody>
+                <a:bodyPr rtlCol="0" anchor="ctr"/>
+                <a:lstStyle/>
+                <a:p>
+                  <a:pPr algn="ctr"/>
+                  <a:endParaRPr lang="ko-KR" altLang="en-US"/>
+                </a:p>
+              </p:txBody>
+            </p:sp>
+            <p:sp>
+              <p:nvSpPr>
+                <p:cNvPr id="116" name="Rectangle 115">
+                  <a:extLst>
+                    <a:ext uri="{FF2B5EF4-FFF2-40B4-BE49-F238E27FC236}">
+                      <a16:creationId xmlns:a16="http://schemas.microsoft.com/office/drawing/2014/main" id="{FCC79A12-AB88-4E11-8E25-F06DE8F156FE}"/>
+                    </a:ext>
+                  </a:extLst>
+                </p:cNvPr>
+                <p:cNvSpPr/>
+                <p:nvPr/>
+              </p:nvSpPr>
+              <p:spPr>
+                <a:xfrm>
+                  <a:off x="1527725" y="1706882"/>
+                  <a:ext cx="91440" cy="228098"/>
+                </a:xfrm>
+                <a:prstGeom prst="rect">
+                  <a:avLst/>
+                </a:prstGeom>
+                <a:ln>
+                  <a:noFill/>
+                </a:ln>
+              </p:spPr>
+              <p:style>
+                <a:lnRef idx="2">
+                  <a:schemeClr val="accent4">
+                    <a:shade val="50000"/>
+                  </a:schemeClr>
+                </a:lnRef>
+                <a:fillRef idx="1">
+                  <a:schemeClr val="accent4"/>
+                </a:fillRef>
+                <a:effectRef idx="0">
+                  <a:schemeClr val="accent4"/>
+                </a:effectRef>
+                <a:fontRef idx="minor">
+                  <a:schemeClr val="lt1"/>
+                </a:fontRef>
+              </p:style>
+              <p:txBody>
+                <a:bodyPr rtlCol="0" anchor="ctr"/>
+                <a:lstStyle/>
+                <a:p>
+                  <a:pPr algn="ctr"/>
+                  <a:endParaRPr lang="ko-KR" altLang="en-US"/>
+                </a:p>
+              </p:txBody>
+            </p:sp>
+            <p:sp>
+              <p:nvSpPr>
+                <p:cNvPr id="117" name="Rectangle 116">
+                  <a:extLst>
+                    <a:ext uri="{FF2B5EF4-FFF2-40B4-BE49-F238E27FC236}">
+                      <a16:creationId xmlns:a16="http://schemas.microsoft.com/office/drawing/2014/main" id="{8CAC3876-6D74-4798-9EC4-5779E36FA525}"/>
+                    </a:ext>
+                  </a:extLst>
+                </p:cNvPr>
+                <p:cNvSpPr/>
+                <p:nvPr/>
+              </p:nvSpPr>
+              <p:spPr>
+                <a:xfrm>
+                  <a:off x="1692554" y="1706882"/>
+                  <a:ext cx="91440" cy="228098"/>
+                </a:xfrm>
+                <a:prstGeom prst="rect">
+                  <a:avLst/>
+                </a:prstGeom>
+                <a:ln>
+                  <a:noFill/>
+                </a:ln>
+              </p:spPr>
+              <p:style>
+                <a:lnRef idx="2">
+                  <a:schemeClr val="accent4">
+                    <a:shade val="50000"/>
+                  </a:schemeClr>
+                </a:lnRef>
+                <a:fillRef idx="1">
+                  <a:schemeClr val="accent4"/>
+                </a:fillRef>
+                <a:effectRef idx="0">
+                  <a:schemeClr val="accent4"/>
+                </a:effectRef>
+                <a:fontRef idx="minor">
+                  <a:schemeClr val="lt1"/>
+                </a:fontRef>
+              </p:style>
+              <p:txBody>
+                <a:bodyPr rtlCol="0" anchor="ctr"/>
+                <a:lstStyle/>
+                <a:p>
+                  <a:pPr algn="ctr"/>
+                  <a:endParaRPr lang="ko-KR" altLang="en-US"/>
+                </a:p>
+              </p:txBody>
+            </p:sp>
+            <p:sp>
+              <p:nvSpPr>
+                <p:cNvPr id="118" name="Rectangle 117">
+                  <a:extLst>
+                    <a:ext uri="{FF2B5EF4-FFF2-40B4-BE49-F238E27FC236}">
+                      <a16:creationId xmlns:a16="http://schemas.microsoft.com/office/drawing/2014/main" id="{E48C8763-DFC1-43F5-8EA2-347F6D1DAF71}"/>
+                    </a:ext>
+                  </a:extLst>
+                </p:cNvPr>
+                <p:cNvSpPr/>
+                <p:nvPr/>
+              </p:nvSpPr>
+              <p:spPr>
+                <a:xfrm>
+                  <a:off x="1864732" y="1706882"/>
+                  <a:ext cx="91440" cy="228098"/>
+                </a:xfrm>
+                <a:prstGeom prst="rect">
+                  <a:avLst/>
+                </a:prstGeom>
+                <a:ln>
+                  <a:noFill/>
+                </a:ln>
+              </p:spPr>
+              <p:style>
+                <a:lnRef idx="2">
+                  <a:schemeClr val="accent4">
+                    <a:shade val="50000"/>
+                  </a:schemeClr>
+                </a:lnRef>
+                <a:fillRef idx="1">
+                  <a:schemeClr val="accent4"/>
+                </a:fillRef>
+                <a:effectRef idx="0">
+                  <a:schemeClr val="accent4"/>
+                </a:effectRef>
+                <a:fontRef idx="minor">
+                  <a:schemeClr val="lt1"/>
+                </a:fontRef>
+              </p:style>
+              <p:txBody>
+                <a:bodyPr rtlCol="0" anchor="ctr"/>
+                <a:lstStyle/>
+                <a:p>
+                  <a:pPr algn="ctr"/>
+                  <a:endParaRPr lang="ko-KR" altLang="en-US"/>
+                </a:p>
+              </p:txBody>
+            </p:sp>
+            <p:sp>
+              <p:nvSpPr>
+                <p:cNvPr id="119" name="Rectangle 118">
+                  <a:extLst>
+                    <a:ext uri="{FF2B5EF4-FFF2-40B4-BE49-F238E27FC236}">
+                      <a16:creationId xmlns:a16="http://schemas.microsoft.com/office/drawing/2014/main" id="{9E6D7471-EC3C-46E4-9E8B-F54E7D7CF38A}"/>
+                    </a:ext>
+                  </a:extLst>
+                </p:cNvPr>
+                <p:cNvSpPr/>
+                <p:nvPr/>
+              </p:nvSpPr>
+              <p:spPr>
+                <a:xfrm>
+                  <a:off x="2029561" y="1706882"/>
+                  <a:ext cx="91440" cy="228098"/>
+                </a:xfrm>
+                <a:prstGeom prst="rect">
+                  <a:avLst/>
+                </a:prstGeom>
+                <a:ln>
+                  <a:noFill/>
+                </a:ln>
+              </p:spPr>
+              <p:style>
+                <a:lnRef idx="2">
+                  <a:schemeClr val="accent4">
+                    <a:shade val="50000"/>
+                  </a:schemeClr>
+                </a:lnRef>
+                <a:fillRef idx="1">
+                  <a:schemeClr val="accent4"/>
+                </a:fillRef>
+                <a:effectRef idx="0">
+                  <a:schemeClr val="accent4"/>
+                </a:effectRef>
+                <a:fontRef idx="minor">
+                  <a:schemeClr val="lt1"/>
+                </a:fontRef>
+              </p:style>
+              <p:txBody>
+                <a:bodyPr rtlCol="0" anchor="ctr"/>
+                <a:lstStyle/>
+                <a:p>
+                  <a:pPr algn="ctr"/>
+                  <a:endParaRPr lang="ko-KR" altLang="en-US"/>
+                </a:p>
+              </p:txBody>
+            </p:sp>
+            <p:sp>
+              <p:nvSpPr>
+                <p:cNvPr id="120" name="Rectangle 119">
+                  <a:extLst>
+                    <a:ext uri="{FF2B5EF4-FFF2-40B4-BE49-F238E27FC236}">
+                      <a16:creationId xmlns:a16="http://schemas.microsoft.com/office/drawing/2014/main" id="{782BE9F5-B581-4A6F-8F49-1B9DF49742C4}"/>
+                    </a:ext>
+                  </a:extLst>
+                </p:cNvPr>
+                <p:cNvSpPr/>
+                <p:nvPr/>
+              </p:nvSpPr>
+              <p:spPr>
+                <a:xfrm>
+                  <a:off x="2188566" y="1706918"/>
+                  <a:ext cx="91440" cy="228098"/>
+                </a:xfrm>
+                <a:prstGeom prst="rect">
+                  <a:avLst/>
+                </a:prstGeom>
+                <a:ln>
+                  <a:noFill/>
+                </a:ln>
+              </p:spPr>
+              <p:style>
+                <a:lnRef idx="2">
+                  <a:schemeClr val="accent4">
+                    <a:shade val="50000"/>
+                  </a:schemeClr>
+                </a:lnRef>
+                <a:fillRef idx="1">
+                  <a:schemeClr val="accent4"/>
+                </a:fillRef>
+                <a:effectRef idx="0">
+                  <a:schemeClr val="accent4"/>
+                </a:effectRef>
+                <a:fontRef idx="minor">
+                  <a:schemeClr val="lt1"/>
+                </a:fontRef>
+              </p:style>
+              <p:txBody>
+                <a:bodyPr rtlCol="0" anchor="ctr"/>
+                <a:lstStyle/>
+                <a:p>
+                  <a:pPr algn="ctr"/>
+                  <a:endParaRPr lang="ko-KR" altLang="en-US"/>
+                </a:p>
+              </p:txBody>
+            </p:sp>
+            <p:sp>
+              <p:nvSpPr>
+                <p:cNvPr id="121" name="Rectangle 120">
+                  <a:extLst>
+                    <a:ext uri="{FF2B5EF4-FFF2-40B4-BE49-F238E27FC236}">
+                      <a16:creationId xmlns:a16="http://schemas.microsoft.com/office/drawing/2014/main" id="{3A904D93-CCB4-46B6-8F28-C1C6A81C1880}"/>
+                    </a:ext>
+                  </a:extLst>
+                </p:cNvPr>
+                <p:cNvSpPr/>
+                <p:nvPr/>
+              </p:nvSpPr>
+              <p:spPr>
+                <a:xfrm>
+                  <a:off x="2353395" y="1706918"/>
+                  <a:ext cx="91440" cy="228098"/>
+                </a:xfrm>
+                <a:prstGeom prst="rect">
+                  <a:avLst/>
+                </a:prstGeom>
+                <a:ln>
+                  <a:noFill/>
+                </a:ln>
+              </p:spPr>
+              <p:style>
+                <a:lnRef idx="2">
+                  <a:schemeClr val="accent4">
+                    <a:shade val="50000"/>
+                  </a:schemeClr>
+                </a:lnRef>
+                <a:fillRef idx="1">
+                  <a:schemeClr val="accent4"/>
+                </a:fillRef>
+                <a:effectRef idx="0">
+                  <a:schemeClr val="accent4"/>
+                </a:effectRef>
+                <a:fontRef idx="minor">
+                  <a:schemeClr val="lt1"/>
+                </a:fontRef>
+              </p:style>
+              <p:txBody>
+                <a:bodyPr rtlCol="0" anchor="ctr"/>
+                <a:lstStyle/>
+                <a:p>
+                  <a:pPr algn="ctr"/>
+                  <a:endParaRPr lang="ko-KR" altLang="en-US"/>
+                </a:p>
+              </p:txBody>
+            </p:sp>
+            <p:sp>
+              <p:nvSpPr>
+                <p:cNvPr id="123" name="Rectangle 122">
+                  <a:extLst>
+                    <a:ext uri="{FF2B5EF4-FFF2-40B4-BE49-F238E27FC236}">
+                      <a16:creationId xmlns:a16="http://schemas.microsoft.com/office/drawing/2014/main" id="{F06D198B-7C9E-4801-BE3D-FF52FE191153}"/>
+                    </a:ext>
+                  </a:extLst>
+                </p:cNvPr>
+                <p:cNvSpPr/>
+                <p:nvPr/>
+              </p:nvSpPr>
+              <p:spPr>
+                <a:xfrm>
+                  <a:off x="2516547" y="1706882"/>
+                  <a:ext cx="91440" cy="228098"/>
+                </a:xfrm>
+                <a:prstGeom prst="rect">
+                  <a:avLst/>
+                </a:prstGeom>
+                <a:ln>
+                  <a:noFill/>
+                </a:ln>
+              </p:spPr>
+              <p:style>
+                <a:lnRef idx="2">
+                  <a:schemeClr val="accent4">
+                    <a:shade val="50000"/>
+                  </a:schemeClr>
+                </a:lnRef>
+                <a:fillRef idx="1">
+                  <a:schemeClr val="accent4"/>
+                </a:fillRef>
+                <a:effectRef idx="0">
+                  <a:schemeClr val="accent4"/>
+                </a:effectRef>
+                <a:fontRef idx="minor">
+                  <a:schemeClr val="lt1"/>
+                </a:fontRef>
+              </p:style>
+              <p:txBody>
+                <a:bodyPr rtlCol="0" anchor="ctr"/>
+                <a:lstStyle/>
+                <a:p>
+                  <a:pPr algn="ctr"/>
+                  <a:endParaRPr lang="ko-KR" altLang="en-US"/>
+                </a:p>
+              </p:txBody>
+            </p:sp>
+          </p:grpSp>
+          <p:grpSp>
+            <p:nvGrpSpPr>
+              <p:cNvPr id="100" name="Group 99">
+                <a:extLst>
+                  <a:ext uri="{FF2B5EF4-FFF2-40B4-BE49-F238E27FC236}">
+                    <a16:creationId xmlns:a16="http://schemas.microsoft.com/office/drawing/2014/main" id="{EE54BD1A-9680-4012-AB16-733873C0EC10}"/>
+                  </a:ext>
+                </a:extLst>
+              </p:cNvPr>
+              <p:cNvGrpSpPr/>
+              <p:nvPr/>
+            </p:nvGrpSpPr>
+            <p:grpSpPr>
+              <a:xfrm rot="5400000">
+                <a:off x="-266280" y="2767694"/>
+                <a:ext cx="1746927" cy="228134"/>
+                <a:chOff x="861060" y="1706882"/>
+                <a:chExt cx="1746927" cy="228134"/>
+              </a:xfrm>
+            </p:grpSpPr>
+            <p:sp>
+              <p:nvSpPr>
+                <p:cNvPr id="101" name="Rectangle 100">
+                  <a:extLst>
+                    <a:ext uri="{FF2B5EF4-FFF2-40B4-BE49-F238E27FC236}">
+                      <a16:creationId xmlns:a16="http://schemas.microsoft.com/office/drawing/2014/main" id="{B895EC89-0904-411A-99C7-CF94AA2CE877}"/>
+                    </a:ext>
+                  </a:extLst>
+                </p:cNvPr>
+                <p:cNvSpPr/>
+                <p:nvPr/>
+              </p:nvSpPr>
+              <p:spPr>
+                <a:xfrm>
+                  <a:off x="861060" y="1706882"/>
+                  <a:ext cx="91440" cy="228098"/>
+                </a:xfrm>
+                <a:prstGeom prst="rect">
+                  <a:avLst/>
+                </a:prstGeom>
+                <a:ln>
+                  <a:noFill/>
+                </a:ln>
+              </p:spPr>
+              <p:style>
+                <a:lnRef idx="2">
+                  <a:schemeClr val="accent4">
+                    <a:shade val="50000"/>
+                  </a:schemeClr>
+                </a:lnRef>
+                <a:fillRef idx="1">
+                  <a:schemeClr val="accent4"/>
+                </a:fillRef>
+                <a:effectRef idx="0">
+                  <a:schemeClr val="accent4"/>
+                </a:effectRef>
+                <a:fontRef idx="minor">
+                  <a:schemeClr val="lt1"/>
+                </a:fontRef>
+              </p:style>
+              <p:txBody>
+                <a:bodyPr rtlCol="0" anchor="ctr"/>
+                <a:lstStyle/>
+                <a:p>
+                  <a:pPr algn="ctr"/>
+                  <a:endParaRPr lang="ko-KR" altLang="en-US"/>
+                </a:p>
+              </p:txBody>
+            </p:sp>
+            <p:sp>
+              <p:nvSpPr>
+                <p:cNvPr id="102" name="Rectangle 101">
+                  <a:extLst>
+                    <a:ext uri="{FF2B5EF4-FFF2-40B4-BE49-F238E27FC236}">
+                      <a16:creationId xmlns:a16="http://schemas.microsoft.com/office/drawing/2014/main" id="{23E383E2-66C3-4F1E-95A1-D95B16C5A5A6}"/>
+                    </a:ext>
+                  </a:extLst>
+                </p:cNvPr>
+                <p:cNvSpPr/>
+                <p:nvPr/>
+              </p:nvSpPr>
+              <p:spPr>
+                <a:xfrm>
+                  <a:off x="1025889" y="1706882"/>
+                  <a:ext cx="91440" cy="228098"/>
+                </a:xfrm>
+                <a:prstGeom prst="rect">
+                  <a:avLst/>
+                </a:prstGeom>
+                <a:ln>
+                  <a:noFill/>
+                </a:ln>
+              </p:spPr>
+              <p:style>
+                <a:lnRef idx="2">
+                  <a:schemeClr val="accent4">
+                    <a:shade val="50000"/>
+                  </a:schemeClr>
+                </a:lnRef>
+                <a:fillRef idx="1">
+                  <a:schemeClr val="accent4"/>
+                </a:fillRef>
+                <a:effectRef idx="0">
+                  <a:schemeClr val="accent4"/>
+                </a:effectRef>
+                <a:fontRef idx="minor">
+                  <a:schemeClr val="lt1"/>
+                </a:fontRef>
+              </p:style>
+              <p:txBody>
+                <a:bodyPr rtlCol="0" anchor="ctr"/>
+                <a:lstStyle/>
+                <a:p>
+                  <a:pPr algn="ctr"/>
+                  <a:endParaRPr lang="ko-KR" altLang="en-US"/>
+                </a:p>
+              </p:txBody>
+            </p:sp>
+            <p:sp>
+              <p:nvSpPr>
+                <p:cNvPr id="103" name="Rectangle 102">
+                  <a:extLst>
+                    <a:ext uri="{FF2B5EF4-FFF2-40B4-BE49-F238E27FC236}">
+                      <a16:creationId xmlns:a16="http://schemas.microsoft.com/office/drawing/2014/main" id="{A5C5523F-3246-400B-91C7-8E34437BC854}"/>
+                    </a:ext>
+                  </a:extLst>
+                </p:cNvPr>
+                <p:cNvSpPr/>
+                <p:nvPr/>
+              </p:nvSpPr>
+              <p:spPr>
+                <a:xfrm>
+                  <a:off x="1198067" y="1706882"/>
+                  <a:ext cx="91440" cy="228098"/>
+                </a:xfrm>
+                <a:prstGeom prst="rect">
+                  <a:avLst/>
+                </a:prstGeom>
+                <a:ln>
+                  <a:noFill/>
+                </a:ln>
+              </p:spPr>
+              <p:style>
+                <a:lnRef idx="2">
+                  <a:schemeClr val="accent4">
+                    <a:shade val="50000"/>
+                  </a:schemeClr>
+                </a:lnRef>
+                <a:fillRef idx="1">
+                  <a:schemeClr val="accent4"/>
+                </a:fillRef>
+                <a:effectRef idx="0">
+                  <a:schemeClr val="accent4"/>
+                </a:effectRef>
+                <a:fontRef idx="minor">
+                  <a:schemeClr val="lt1"/>
+                </a:fontRef>
+              </p:style>
+              <p:txBody>
+                <a:bodyPr rtlCol="0" anchor="ctr"/>
+                <a:lstStyle/>
+                <a:p>
+                  <a:pPr algn="ctr"/>
+                  <a:endParaRPr lang="ko-KR" altLang="en-US"/>
+                </a:p>
+              </p:txBody>
+            </p:sp>
+            <p:sp>
+              <p:nvSpPr>
+                <p:cNvPr id="104" name="Rectangle 103">
+                  <a:extLst>
+                    <a:ext uri="{FF2B5EF4-FFF2-40B4-BE49-F238E27FC236}">
+                      <a16:creationId xmlns:a16="http://schemas.microsoft.com/office/drawing/2014/main" id="{8D7E204F-9920-49B7-8A60-5E2CB5FE9CA0}"/>
+                    </a:ext>
+                  </a:extLst>
+                </p:cNvPr>
+                <p:cNvSpPr/>
+                <p:nvPr/>
+              </p:nvSpPr>
+              <p:spPr>
+                <a:xfrm>
+                  <a:off x="1362896" y="1706882"/>
+                  <a:ext cx="91440" cy="228098"/>
+                </a:xfrm>
+                <a:prstGeom prst="rect">
+                  <a:avLst/>
+                </a:prstGeom>
+                <a:ln>
+                  <a:noFill/>
+                </a:ln>
+              </p:spPr>
+              <p:style>
+                <a:lnRef idx="2">
+                  <a:schemeClr val="accent4">
+                    <a:shade val="50000"/>
+                  </a:schemeClr>
+                </a:lnRef>
+                <a:fillRef idx="1">
+                  <a:schemeClr val="accent4"/>
+                </a:fillRef>
+                <a:effectRef idx="0">
+                  <a:schemeClr val="accent4"/>
+                </a:effectRef>
+                <a:fontRef idx="minor">
+                  <a:schemeClr val="lt1"/>
+                </a:fontRef>
+              </p:style>
+              <p:txBody>
+                <a:bodyPr rtlCol="0" anchor="ctr"/>
+                <a:lstStyle/>
+                <a:p>
+                  <a:pPr algn="ctr"/>
+                  <a:endParaRPr lang="ko-KR" altLang="en-US"/>
+                </a:p>
+              </p:txBody>
+            </p:sp>
+            <p:sp>
+              <p:nvSpPr>
+                <p:cNvPr id="105" name="Rectangle 104">
+                  <a:extLst>
+                    <a:ext uri="{FF2B5EF4-FFF2-40B4-BE49-F238E27FC236}">
+                      <a16:creationId xmlns:a16="http://schemas.microsoft.com/office/drawing/2014/main" id="{C201991B-DF27-4B9F-B888-11C058F254DA}"/>
+                    </a:ext>
+                  </a:extLst>
+                </p:cNvPr>
+                <p:cNvSpPr/>
+                <p:nvPr/>
+              </p:nvSpPr>
+              <p:spPr>
+                <a:xfrm>
+                  <a:off x="1527725" y="1706882"/>
+                  <a:ext cx="91440" cy="228098"/>
+                </a:xfrm>
+                <a:prstGeom prst="rect">
+                  <a:avLst/>
+                </a:prstGeom>
+                <a:ln>
+                  <a:noFill/>
+                </a:ln>
+              </p:spPr>
+              <p:style>
+                <a:lnRef idx="2">
+                  <a:schemeClr val="accent4">
+                    <a:shade val="50000"/>
+                  </a:schemeClr>
+                </a:lnRef>
+                <a:fillRef idx="1">
+                  <a:schemeClr val="accent4"/>
+                </a:fillRef>
+                <a:effectRef idx="0">
+                  <a:schemeClr val="accent4"/>
+                </a:effectRef>
+                <a:fontRef idx="minor">
+                  <a:schemeClr val="lt1"/>
+                </a:fontRef>
+              </p:style>
+              <p:txBody>
+                <a:bodyPr rtlCol="0" anchor="ctr"/>
+                <a:lstStyle/>
+                <a:p>
+                  <a:pPr algn="ctr"/>
+                  <a:endParaRPr lang="ko-KR" altLang="en-US"/>
+                </a:p>
+              </p:txBody>
+            </p:sp>
+            <p:sp>
+              <p:nvSpPr>
+                <p:cNvPr id="106" name="Rectangle 105">
+                  <a:extLst>
+                    <a:ext uri="{FF2B5EF4-FFF2-40B4-BE49-F238E27FC236}">
+                      <a16:creationId xmlns:a16="http://schemas.microsoft.com/office/drawing/2014/main" id="{1182EBA2-9888-4713-838A-AEEE13AB78A9}"/>
+                    </a:ext>
+                  </a:extLst>
+                </p:cNvPr>
+                <p:cNvSpPr/>
+                <p:nvPr/>
+              </p:nvSpPr>
+              <p:spPr>
+                <a:xfrm>
+                  <a:off x="1692554" y="1706882"/>
+                  <a:ext cx="91440" cy="228098"/>
+                </a:xfrm>
+                <a:prstGeom prst="rect">
+                  <a:avLst/>
+                </a:prstGeom>
+                <a:ln>
+                  <a:noFill/>
+                </a:ln>
+              </p:spPr>
+              <p:style>
+                <a:lnRef idx="2">
+                  <a:schemeClr val="accent4">
+                    <a:shade val="50000"/>
+                  </a:schemeClr>
+                </a:lnRef>
+                <a:fillRef idx="1">
+                  <a:schemeClr val="accent4"/>
+                </a:fillRef>
+                <a:effectRef idx="0">
+                  <a:schemeClr val="accent4"/>
+                </a:effectRef>
+                <a:fontRef idx="minor">
+                  <a:schemeClr val="lt1"/>
+                </a:fontRef>
+              </p:style>
+              <p:txBody>
+                <a:bodyPr rtlCol="0" anchor="ctr"/>
+                <a:lstStyle/>
+                <a:p>
+                  <a:pPr algn="ctr"/>
+                  <a:endParaRPr lang="ko-KR" altLang="en-US"/>
+                </a:p>
+              </p:txBody>
+            </p:sp>
+            <p:sp>
+              <p:nvSpPr>
+                <p:cNvPr id="107" name="Rectangle 106">
+                  <a:extLst>
+                    <a:ext uri="{FF2B5EF4-FFF2-40B4-BE49-F238E27FC236}">
+                      <a16:creationId xmlns:a16="http://schemas.microsoft.com/office/drawing/2014/main" id="{84702606-34C6-4200-AD24-ECA3F6F4B7B6}"/>
+                    </a:ext>
+                  </a:extLst>
+                </p:cNvPr>
+                <p:cNvSpPr/>
+                <p:nvPr/>
+              </p:nvSpPr>
+              <p:spPr>
+                <a:xfrm>
+                  <a:off x="1864732" y="1706882"/>
+                  <a:ext cx="91440" cy="228098"/>
+                </a:xfrm>
+                <a:prstGeom prst="rect">
+                  <a:avLst/>
+                </a:prstGeom>
+                <a:ln>
+                  <a:noFill/>
+                </a:ln>
+              </p:spPr>
+              <p:style>
+                <a:lnRef idx="2">
+                  <a:schemeClr val="accent4">
+                    <a:shade val="50000"/>
+                  </a:schemeClr>
+                </a:lnRef>
+                <a:fillRef idx="1">
+                  <a:schemeClr val="accent4"/>
+                </a:fillRef>
+                <a:effectRef idx="0">
+                  <a:schemeClr val="accent4"/>
+                </a:effectRef>
+                <a:fontRef idx="minor">
+                  <a:schemeClr val="lt1"/>
+                </a:fontRef>
+              </p:style>
+              <p:txBody>
+                <a:bodyPr rtlCol="0" anchor="ctr"/>
+                <a:lstStyle/>
+                <a:p>
+                  <a:pPr algn="ctr"/>
+                  <a:endParaRPr lang="ko-KR" altLang="en-US"/>
+                </a:p>
+              </p:txBody>
+            </p:sp>
+            <p:sp>
+              <p:nvSpPr>
+                <p:cNvPr id="108" name="Rectangle 107">
+                  <a:extLst>
+                    <a:ext uri="{FF2B5EF4-FFF2-40B4-BE49-F238E27FC236}">
+                      <a16:creationId xmlns:a16="http://schemas.microsoft.com/office/drawing/2014/main" id="{BB376527-C02E-422A-936B-FCC58FD302F8}"/>
+                    </a:ext>
+                  </a:extLst>
+                </p:cNvPr>
+                <p:cNvSpPr/>
+                <p:nvPr/>
+              </p:nvSpPr>
+              <p:spPr>
+                <a:xfrm>
+                  <a:off x="2029561" y="1706882"/>
+                  <a:ext cx="91440" cy="228098"/>
+                </a:xfrm>
+                <a:prstGeom prst="rect">
+                  <a:avLst/>
+                </a:prstGeom>
+                <a:ln>
+                  <a:noFill/>
+                </a:ln>
+              </p:spPr>
+              <p:style>
+                <a:lnRef idx="2">
+                  <a:schemeClr val="accent4">
+                    <a:shade val="50000"/>
+                  </a:schemeClr>
+                </a:lnRef>
+                <a:fillRef idx="1">
+                  <a:schemeClr val="accent4"/>
+                </a:fillRef>
+                <a:effectRef idx="0">
+                  <a:schemeClr val="accent4"/>
+                </a:effectRef>
+                <a:fontRef idx="minor">
+                  <a:schemeClr val="lt1"/>
+                </a:fontRef>
+              </p:style>
+              <p:txBody>
+                <a:bodyPr rtlCol="0" anchor="ctr"/>
+                <a:lstStyle/>
+                <a:p>
+                  <a:pPr algn="ctr"/>
+                  <a:endParaRPr lang="ko-KR" altLang="en-US"/>
+                </a:p>
+              </p:txBody>
+            </p:sp>
+            <p:sp>
+              <p:nvSpPr>
+                <p:cNvPr id="109" name="Rectangle 108">
+                  <a:extLst>
+                    <a:ext uri="{FF2B5EF4-FFF2-40B4-BE49-F238E27FC236}">
+                      <a16:creationId xmlns:a16="http://schemas.microsoft.com/office/drawing/2014/main" id="{D200B2C7-043D-427D-B471-118FFC442B31}"/>
+                    </a:ext>
+                  </a:extLst>
+                </p:cNvPr>
+                <p:cNvSpPr/>
+                <p:nvPr/>
+              </p:nvSpPr>
+              <p:spPr>
+                <a:xfrm>
+                  <a:off x="2188566" y="1706918"/>
+                  <a:ext cx="91440" cy="228098"/>
+                </a:xfrm>
+                <a:prstGeom prst="rect">
+                  <a:avLst/>
+                </a:prstGeom>
+                <a:ln>
+                  <a:noFill/>
+                </a:ln>
+              </p:spPr>
+              <p:style>
+                <a:lnRef idx="2">
+                  <a:schemeClr val="accent4">
+                    <a:shade val="50000"/>
+                  </a:schemeClr>
+                </a:lnRef>
+                <a:fillRef idx="1">
+                  <a:schemeClr val="accent4"/>
+                </a:fillRef>
+                <a:effectRef idx="0">
+                  <a:schemeClr val="accent4"/>
+                </a:effectRef>
+                <a:fontRef idx="minor">
+                  <a:schemeClr val="lt1"/>
+                </a:fontRef>
+              </p:style>
+              <p:txBody>
+                <a:bodyPr rtlCol="0" anchor="ctr"/>
+                <a:lstStyle/>
+                <a:p>
+                  <a:pPr algn="ctr"/>
+                  <a:endParaRPr lang="ko-KR" altLang="en-US"/>
+                </a:p>
+              </p:txBody>
+            </p:sp>
+            <p:sp>
+              <p:nvSpPr>
+                <p:cNvPr id="110" name="Rectangle 109">
+                  <a:extLst>
+                    <a:ext uri="{FF2B5EF4-FFF2-40B4-BE49-F238E27FC236}">
+                      <a16:creationId xmlns:a16="http://schemas.microsoft.com/office/drawing/2014/main" id="{8877BE0F-4555-4875-B689-09D667A7DFA1}"/>
+                    </a:ext>
+                  </a:extLst>
+                </p:cNvPr>
+                <p:cNvSpPr/>
+                <p:nvPr/>
+              </p:nvSpPr>
+              <p:spPr>
+                <a:xfrm>
+                  <a:off x="2353395" y="1706918"/>
+                  <a:ext cx="91440" cy="228098"/>
+                </a:xfrm>
+                <a:prstGeom prst="rect">
+                  <a:avLst/>
+                </a:prstGeom>
+                <a:ln>
+                  <a:noFill/>
+                </a:ln>
+              </p:spPr>
+              <p:style>
+                <a:lnRef idx="2">
+                  <a:schemeClr val="accent4">
+                    <a:shade val="50000"/>
+                  </a:schemeClr>
+                </a:lnRef>
+                <a:fillRef idx="1">
+                  <a:schemeClr val="accent4"/>
+                </a:fillRef>
+                <a:effectRef idx="0">
+                  <a:schemeClr val="accent4"/>
+                </a:effectRef>
+                <a:fontRef idx="minor">
+                  <a:schemeClr val="lt1"/>
+                </a:fontRef>
+              </p:style>
+              <p:txBody>
+                <a:bodyPr rtlCol="0" anchor="ctr"/>
+                <a:lstStyle/>
+                <a:p>
+                  <a:pPr algn="ctr"/>
+                  <a:endParaRPr lang="ko-KR" altLang="en-US"/>
+                </a:p>
+              </p:txBody>
+            </p:sp>
+            <p:sp>
+              <p:nvSpPr>
+                <p:cNvPr id="111" name="Rectangle 110">
+                  <a:extLst>
+                    <a:ext uri="{FF2B5EF4-FFF2-40B4-BE49-F238E27FC236}">
+                      <a16:creationId xmlns:a16="http://schemas.microsoft.com/office/drawing/2014/main" id="{B8985C66-5595-4729-A1A9-D60D0CFBD7F1}"/>
+                    </a:ext>
+                  </a:extLst>
+                </p:cNvPr>
+                <p:cNvSpPr/>
+                <p:nvPr/>
+              </p:nvSpPr>
+              <p:spPr>
+                <a:xfrm>
+                  <a:off x="2516547" y="1706882"/>
+                  <a:ext cx="91440" cy="228098"/>
+                </a:xfrm>
+                <a:prstGeom prst="rect">
+                  <a:avLst/>
+                </a:prstGeom>
+                <a:ln>
+                  <a:noFill/>
+                </a:ln>
+              </p:spPr>
+              <p:style>
+                <a:lnRef idx="2">
+                  <a:schemeClr val="accent4">
+                    <a:shade val="50000"/>
+                  </a:schemeClr>
+                </a:lnRef>
+                <a:fillRef idx="1">
+                  <a:schemeClr val="accent4"/>
+                </a:fillRef>
+                <a:effectRef idx="0">
+                  <a:schemeClr val="accent4"/>
+                </a:effectRef>
+                <a:fontRef idx="minor">
+                  <a:schemeClr val="lt1"/>
+                </a:fontRef>
+              </p:style>
+              <p:txBody>
+                <a:bodyPr rtlCol="0" anchor="ctr"/>
+                <a:lstStyle/>
+                <a:p>
+                  <a:pPr algn="ctr"/>
+                  <a:endParaRPr lang="ko-KR" altLang="en-US"/>
+                </a:p>
+              </p:txBody>
+            </p:sp>
+          </p:grpSp>
+        </p:grpSp>
+        <p:grpSp>
+          <p:nvGrpSpPr>
+            <p:cNvPr id="146" name="Group 145">
+              <a:extLst>
+                <a:ext uri="{FF2B5EF4-FFF2-40B4-BE49-F238E27FC236}">
+                  <a16:creationId xmlns:a16="http://schemas.microsoft.com/office/drawing/2014/main" id="{2BF5D3DF-9DAE-4ABA-98CA-F4C149EEF96B}"/>
+                </a:ext>
+              </a:extLst>
+            </p:cNvPr>
+            <p:cNvGrpSpPr/>
+            <p:nvPr/>
+          </p:nvGrpSpPr>
+          <p:grpSpPr>
+            <a:xfrm>
+              <a:off x="9417003" y="2652647"/>
+              <a:ext cx="425337" cy="281422"/>
+              <a:chOff x="9417003" y="2652647"/>
+              <a:chExt cx="425337" cy="281422"/>
+            </a:xfrm>
+          </p:grpSpPr>
+          <p:sp>
+            <p:nvSpPr>
+              <p:cNvPr id="147" name="Rectangle 146">
+                <a:extLst>
+                  <a:ext uri="{FF2B5EF4-FFF2-40B4-BE49-F238E27FC236}">
+                    <a16:creationId xmlns:a16="http://schemas.microsoft.com/office/drawing/2014/main" id="{C4450915-739E-4EF5-AA92-4887F86F49BB}"/>
+                  </a:ext>
+                </a:extLst>
+              </p:cNvPr>
+              <p:cNvSpPr/>
+              <p:nvPr/>
+            </p:nvSpPr>
+            <p:spPr>
+              <a:xfrm>
+                <a:off x="9475787" y="2667517"/>
+                <a:ext cx="254467" cy="254505"/>
+              </a:xfrm>
+              <a:prstGeom prst="rect">
+                <a:avLst/>
+              </a:prstGeom>
+              <a:solidFill>
+                <a:srgbClr val="013B51"/>
+              </a:solidFill>
+              <a:ln>
+                <a:noFill/>
+              </a:ln>
+            </p:spPr>
+            <p:style>
+              <a:lnRef idx="2">
+                <a:schemeClr val="accent1">
+                  <a:shade val="50000"/>
+                </a:schemeClr>
+              </a:lnRef>
+              <a:fillRef idx="1">
+                <a:schemeClr val="accent1"/>
+              </a:fillRef>
+              <a:effectRef idx="0">
+                <a:schemeClr val="accent1"/>
+              </a:effectRef>
+              <a:fontRef idx="minor">
+                <a:schemeClr val="lt1"/>
+              </a:fontRef>
+            </p:style>
+            <p:txBody>
+              <a:bodyPr rtlCol="0" anchor="ctr"/>
+              <a:lstStyle/>
+              <a:p>
+                <a:pPr algn="ctr"/>
+                <a:endParaRPr lang="ko-KR" altLang="en-US" sz="700" dirty="0"/>
+              </a:p>
+            </p:txBody>
+          </p:sp>
+          <p:sp>
+            <p:nvSpPr>
+              <p:cNvPr id="148" name="Subtitle 2">
+                <a:extLst>
+                  <a:ext uri="{FF2B5EF4-FFF2-40B4-BE49-F238E27FC236}">
+                    <a16:creationId xmlns:a16="http://schemas.microsoft.com/office/drawing/2014/main" id="{EF057F9B-C8CA-44F6-AC99-0FB064AB222F}"/>
+                  </a:ext>
+                </a:extLst>
+              </p:cNvPr>
+              <p:cNvSpPr txBox="1">
+                <a:spLocks/>
+              </p:cNvSpPr>
+              <p:nvPr/>
+            </p:nvSpPr>
+            <p:spPr>
+              <a:xfrm>
+                <a:off x="9417003" y="2652647"/>
+                <a:ext cx="425337" cy="281422"/>
+              </a:xfrm>
+              <a:prstGeom prst="rect">
+                <a:avLst/>
+              </a:prstGeom>
+            </p:spPr>
+            <p:txBody>
+              <a:bodyPr vert="horz" lIns="91440" tIns="45720" rIns="91440" bIns="45720" rtlCol="0">
+                <a:noAutofit/>
+              </a:bodyPr>
+              <a:lstStyle>
+                <a:lvl1pPr marL="0" indent="0" algn="ctr" defTabSz="914400" rtl="0" eaLnBrk="1" latinLnBrk="1" hangingPunct="1">
+                  <a:lnSpc>
+                    <a:spcPct val="90000"/>
+                  </a:lnSpc>
+                  <a:spcBef>
+                    <a:spcPts val="1000"/>
+                  </a:spcBef>
+                  <a:buFont typeface="Arial" panose="020B0604020202020204" pitchFamily="34" charset="0"/>
+                  <a:buNone/>
+                  <a:defRPr sz="2400" kern="1200">
+                    <a:solidFill>
+                      <a:schemeClr val="tx1"/>
+                    </a:solidFill>
+                    <a:latin typeface="+mn-lt"/>
+                    <a:ea typeface="+mn-ea"/>
+                    <a:cs typeface="+mn-cs"/>
+                  </a:defRPr>
+                </a:lvl1pPr>
+                <a:lvl2pPr marL="457200" indent="0" algn="ctr" defTabSz="914400" rtl="0" eaLnBrk="1" latinLnBrk="1" hangingPunct="1">
+                  <a:lnSpc>
+                    <a:spcPct val="90000"/>
+                  </a:lnSpc>
+                  <a:spcBef>
+                    <a:spcPts val="500"/>
+                  </a:spcBef>
+                  <a:buFont typeface="Arial" panose="020B0604020202020204" pitchFamily="34" charset="0"/>
+                  <a:buNone/>
+                  <a:defRPr sz="2000" kern="1200">
+                    <a:solidFill>
+                      <a:schemeClr val="tx1"/>
+                    </a:solidFill>
+                    <a:latin typeface="+mn-lt"/>
+                    <a:ea typeface="+mn-ea"/>
+                    <a:cs typeface="+mn-cs"/>
+                  </a:defRPr>
+                </a:lvl2pPr>
+                <a:lvl3pPr marL="914400" indent="0" algn="ctr" defTabSz="914400" rtl="0" eaLnBrk="1" latinLnBrk="1" hangingPunct="1">
+                  <a:lnSpc>
+                    <a:spcPct val="90000"/>
+                  </a:lnSpc>
+                  <a:spcBef>
+                    <a:spcPts val="500"/>
+                  </a:spcBef>
+                  <a:buFont typeface="Arial" panose="020B0604020202020204" pitchFamily="34" charset="0"/>
+                  <a:buNone/>
+                  <a:defRPr sz="1800" kern="1200">
+                    <a:solidFill>
+                      <a:schemeClr val="tx1"/>
+                    </a:solidFill>
+                    <a:latin typeface="+mn-lt"/>
+                    <a:ea typeface="+mn-ea"/>
+                    <a:cs typeface="+mn-cs"/>
+                  </a:defRPr>
+                </a:lvl3pPr>
+                <a:lvl4pPr marL="1371600" indent="0" algn="ctr" defTabSz="914400" rtl="0" eaLnBrk="1" latinLnBrk="1" hangingPunct="1">
+                  <a:lnSpc>
+                    <a:spcPct val="90000"/>
+                  </a:lnSpc>
+                  <a:spcBef>
+                    <a:spcPts val="500"/>
+                  </a:spcBef>
+                  <a:buFont typeface="Arial" panose="020B0604020202020204" pitchFamily="34" charset="0"/>
+                  <a:buNone/>
+                  <a:defRPr sz="1600" kern="1200">
+                    <a:solidFill>
+                      <a:schemeClr val="tx1"/>
+                    </a:solidFill>
+                    <a:latin typeface="+mn-lt"/>
+                    <a:ea typeface="+mn-ea"/>
+                    <a:cs typeface="+mn-cs"/>
+                  </a:defRPr>
+                </a:lvl4pPr>
+                <a:lvl5pPr marL="1828800" indent="0" algn="ctr" defTabSz="914400" rtl="0" eaLnBrk="1" latinLnBrk="1" hangingPunct="1">
+                  <a:lnSpc>
+                    <a:spcPct val="90000"/>
+                  </a:lnSpc>
+                  <a:spcBef>
+                    <a:spcPts val="500"/>
+                  </a:spcBef>
+                  <a:buFont typeface="Arial" panose="020B0604020202020204" pitchFamily="34" charset="0"/>
+                  <a:buNone/>
+                  <a:defRPr sz="1600" kern="1200">
+                    <a:solidFill>
+                      <a:schemeClr val="tx1"/>
+                    </a:solidFill>
+                    <a:latin typeface="+mn-lt"/>
+                    <a:ea typeface="+mn-ea"/>
+                    <a:cs typeface="+mn-cs"/>
+                  </a:defRPr>
+                </a:lvl5pPr>
+                <a:lvl6pPr marL="2286000" indent="0" algn="ctr" defTabSz="914400" rtl="0" eaLnBrk="1" latinLnBrk="1" hangingPunct="1">
+                  <a:lnSpc>
+                    <a:spcPct val="90000"/>
+                  </a:lnSpc>
+                  <a:spcBef>
+                    <a:spcPts val="500"/>
+                  </a:spcBef>
+                  <a:buFont typeface="Arial" panose="020B0604020202020204" pitchFamily="34" charset="0"/>
+                  <a:buNone/>
+                  <a:defRPr sz="1600" kern="1200">
+                    <a:solidFill>
+                      <a:schemeClr val="tx1"/>
+                    </a:solidFill>
+                    <a:latin typeface="+mn-lt"/>
+                    <a:ea typeface="+mn-ea"/>
+                    <a:cs typeface="+mn-cs"/>
+                  </a:defRPr>
+                </a:lvl6pPr>
+                <a:lvl7pPr marL="2743200" indent="0" algn="ctr" defTabSz="914400" rtl="0" eaLnBrk="1" latinLnBrk="1" hangingPunct="1">
+                  <a:lnSpc>
+                    <a:spcPct val="90000"/>
+                  </a:lnSpc>
+                  <a:spcBef>
+                    <a:spcPts val="500"/>
+                  </a:spcBef>
+                  <a:buFont typeface="Arial" panose="020B0604020202020204" pitchFamily="34" charset="0"/>
+                  <a:buNone/>
+                  <a:defRPr sz="1600" kern="1200">
+                    <a:solidFill>
+                      <a:schemeClr val="tx1"/>
+                    </a:solidFill>
+                    <a:latin typeface="+mn-lt"/>
+                    <a:ea typeface="+mn-ea"/>
+                    <a:cs typeface="+mn-cs"/>
+                  </a:defRPr>
+                </a:lvl7pPr>
+                <a:lvl8pPr marL="3200400" indent="0" algn="ctr" defTabSz="914400" rtl="0" eaLnBrk="1" latinLnBrk="1" hangingPunct="1">
+                  <a:lnSpc>
+                    <a:spcPct val="90000"/>
+                  </a:lnSpc>
+                  <a:spcBef>
+                    <a:spcPts val="500"/>
+                  </a:spcBef>
+                  <a:buFont typeface="Arial" panose="020B0604020202020204" pitchFamily="34" charset="0"/>
+                  <a:buNone/>
+                  <a:defRPr sz="1600" kern="1200">
+                    <a:solidFill>
+                      <a:schemeClr val="tx1"/>
+                    </a:solidFill>
+                    <a:latin typeface="+mn-lt"/>
+                    <a:ea typeface="+mn-ea"/>
+                    <a:cs typeface="+mn-cs"/>
+                  </a:defRPr>
+                </a:lvl8pPr>
+                <a:lvl9pPr marL="3657600" indent="0" algn="ctr" defTabSz="914400" rtl="0" eaLnBrk="1" latinLnBrk="1" hangingPunct="1">
+                  <a:lnSpc>
+                    <a:spcPct val="90000"/>
+                  </a:lnSpc>
+                  <a:spcBef>
+                    <a:spcPts val="500"/>
+                  </a:spcBef>
+                  <a:buFont typeface="Arial" panose="020B0604020202020204" pitchFamily="34" charset="0"/>
+                  <a:buNone/>
+                  <a:defRPr sz="1600" kern="1200">
+                    <a:solidFill>
+                      <a:schemeClr val="tx1"/>
+                    </a:solidFill>
+                    <a:latin typeface="+mn-lt"/>
+                    <a:ea typeface="+mn-ea"/>
+                    <a:cs typeface="+mn-cs"/>
+                  </a:defRPr>
+                </a:lvl9pPr>
+              </a:lstStyle>
+              <a:p>
+                <a:pPr algn="l"/>
+                <a:r>
+                  <a:rPr lang="en-US" altLang="ko-KR" sz="1600" dirty="0">
+                    <a:solidFill>
+                      <a:schemeClr val="bg1"/>
+                    </a:solidFill>
+                    <a:latin typeface="Noto Sans CJK KR Medium" panose="020B0600000000000000" pitchFamily="34" charset="-127"/>
+                    <a:ea typeface="Noto Sans CJK KR Medium" panose="020B0600000000000000" pitchFamily="34" charset="-127"/>
+                  </a:rPr>
+                  <a:t>t0</a:t>
+                </a:r>
+                <a:endParaRPr lang="ko-KR" altLang="en-US" sz="1600" dirty="0">
+                  <a:solidFill>
+                    <a:schemeClr val="bg1"/>
+                  </a:solidFill>
+                  <a:latin typeface="Noto Sans CJK KR Medium" panose="020B0600000000000000" pitchFamily="34" charset="-127"/>
+                  <a:ea typeface="Noto Sans CJK KR Medium" panose="020B0600000000000000" pitchFamily="34" charset="-127"/>
+                </a:endParaRPr>
+              </a:p>
+            </p:txBody>
+          </p:sp>
+        </p:grpSp>
+        <p:grpSp>
+          <p:nvGrpSpPr>
+            <p:cNvPr id="149" name="Group 148">
+              <a:extLst>
+                <a:ext uri="{FF2B5EF4-FFF2-40B4-BE49-F238E27FC236}">
+                  <a16:creationId xmlns:a16="http://schemas.microsoft.com/office/drawing/2014/main" id="{905CC9D1-B25D-4A4F-BBF5-747CF8B33935}"/>
+                </a:ext>
+              </a:extLst>
+            </p:cNvPr>
+            <p:cNvGrpSpPr/>
+            <p:nvPr/>
+          </p:nvGrpSpPr>
+          <p:grpSpPr>
+            <a:xfrm>
+              <a:off x="9768286" y="2652647"/>
+              <a:ext cx="425337" cy="281422"/>
+              <a:chOff x="9768286" y="2652647"/>
+              <a:chExt cx="425337" cy="281422"/>
+            </a:xfrm>
+          </p:grpSpPr>
+          <p:sp>
+            <p:nvSpPr>
+              <p:cNvPr id="150" name="Rectangle 149">
+                <a:extLst>
+                  <a:ext uri="{FF2B5EF4-FFF2-40B4-BE49-F238E27FC236}">
+                    <a16:creationId xmlns:a16="http://schemas.microsoft.com/office/drawing/2014/main" id="{1F8FF87F-CB67-4DE4-9C94-5CD34BA6F85F}"/>
+                  </a:ext>
+                </a:extLst>
+              </p:cNvPr>
+              <p:cNvSpPr/>
+              <p:nvPr/>
+            </p:nvSpPr>
+            <p:spPr>
+              <a:xfrm>
+                <a:off x="9829576" y="2667517"/>
+                <a:ext cx="254467" cy="254505"/>
+              </a:xfrm>
+              <a:prstGeom prst="rect">
+                <a:avLst/>
+              </a:prstGeom>
+              <a:solidFill>
+                <a:schemeClr val="bg1">
+                  <a:lumMod val="75000"/>
+                </a:schemeClr>
+              </a:solidFill>
+              <a:ln>
+                <a:noFill/>
+              </a:ln>
+            </p:spPr>
+            <p:style>
+              <a:lnRef idx="2">
+                <a:schemeClr val="accent1">
+                  <a:shade val="50000"/>
+                </a:schemeClr>
+              </a:lnRef>
+              <a:fillRef idx="1">
+                <a:schemeClr val="accent1"/>
+              </a:fillRef>
+              <a:effectRef idx="0">
+                <a:schemeClr val="accent1"/>
+              </a:effectRef>
+              <a:fontRef idx="minor">
+                <a:schemeClr val="lt1"/>
+              </a:fontRef>
+            </p:style>
+            <p:txBody>
+              <a:bodyPr rtlCol="0" anchor="ctr"/>
+              <a:lstStyle/>
+              <a:p>
+                <a:pPr algn="ctr"/>
+                <a:endParaRPr lang="ko-KR" altLang="en-US"/>
+              </a:p>
+            </p:txBody>
+          </p:sp>
+          <p:sp>
+            <p:nvSpPr>
+              <p:cNvPr id="151" name="Subtitle 2">
+                <a:extLst>
+                  <a:ext uri="{FF2B5EF4-FFF2-40B4-BE49-F238E27FC236}">
+                    <a16:creationId xmlns:a16="http://schemas.microsoft.com/office/drawing/2014/main" id="{D9BECF40-9C5E-43B2-AF61-5CD918212DBC}"/>
+                  </a:ext>
+                </a:extLst>
+              </p:cNvPr>
+              <p:cNvSpPr txBox="1">
+                <a:spLocks/>
+              </p:cNvSpPr>
+              <p:nvPr/>
+            </p:nvSpPr>
+            <p:spPr>
+              <a:xfrm>
+                <a:off x="9768286" y="2652647"/>
+                <a:ext cx="425337" cy="281422"/>
+              </a:xfrm>
+              <a:prstGeom prst="rect">
+                <a:avLst/>
+              </a:prstGeom>
+            </p:spPr>
+            <p:txBody>
+              <a:bodyPr vert="horz" lIns="91440" tIns="45720" rIns="91440" bIns="45720" rtlCol="0">
+                <a:noAutofit/>
+              </a:bodyPr>
+              <a:lstStyle>
+                <a:lvl1pPr marL="0" indent="0" algn="ctr" defTabSz="914400" rtl="0" eaLnBrk="1" latinLnBrk="1" hangingPunct="1">
+                  <a:lnSpc>
+                    <a:spcPct val="90000"/>
+                  </a:lnSpc>
+                  <a:spcBef>
+                    <a:spcPts val="1000"/>
+                  </a:spcBef>
+                  <a:buFont typeface="Arial" panose="020B0604020202020204" pitchFamily="34" charset="0"/>
+                  <a:buNone/>
+                  <a:defRPr sz="2400" kern="1200">
+                    <a:solidFill>
+                      <a:schemeClr val="tx1"/>
+                    </a:solidFill>
+                    <a:latin typeface="+mn-lt"/>
+                    <a:ea typeface="+mn-ea"/>
+                    <a:cs typeface="+mn-cs"/>
+                  </a:defRPr>
+                </a:lvl1pPr>
+                <a:lvl2pPr marL="457200" indent="0" algn="ctr" defTabSz="914400" rtl="0" eaLnBrk="1" latinLnBrk="1" hangingPunct="1">
+                  <a:lnSpc>
+                    <a:spcPct val="90000"/>
+                  </a:lnSpc>
+                  <a:spcBef>
+                    <a:spcPts val="500"/>
+                  </a:spcBef>
+                  <a:buFont typeface="Arial" panose="020B0604020202020204" pitchFamily="34" charset="0"/>
+                  <a:buNone/>
+                  <a:defRPr sz="2000" kern="1200">
+                    <a:solidFill>
+                      <a:schemeClr val="tx1"/>
+                    </a:solidFill>
+                    <a:latin typeface="+mn-lt"/>
+                    <a:ea typeface="+mn-ea"/>
+                    <a:cs typeface="+mn-cs"/>
+                  </a:defRPr>
+                </a:lvl2pPr>
+                <a:lvl3pPr marL="914400" indent="0" algn="ctr" defTabSz="914400" rtl="0" eaLnBrk="1" latinLnBrk="1" hangingPunct="1">
+                  <a:lnSpc>
+                    <a:spcPct val="90000"/>
+                  </a:lnSpc>
+                  <a:spcBef>
+                    <a:spcPts val="500"/>
+                  </a:spcBef>
+                  <a:buFont typeface="Arial" panose="020B0604020202020204" pitchFamily="34" charset="0"/>
+                  <a:buNone/>
+                  <a:defRPr sz="1800" kern="1200">
+                    <a:solidFill>
+                      <a:schemeClr val="tx1"/>
+                    </a:solidFill>
+                    <a:latin typeface="+mn-lt"/>
+                    <a:ea typeface="+mn-ea"/>
+                    <a:cs typeface="+mn-cs"/>
+                  </a:defRPr>
+                </a:lvl3pPr>
+                <a:lvl4pPr marL="1371600" indent="0" algn="ctr" defTabSz="914400" rtl="0" eaLnBrk="1" latinLnBrk="1" hangingPunct="1">
+                  <a:lnSpc>
+                    <a:spcPct val="90000"/>
+                  </a:lnSpc>
+                  <a:spcBef>
+                    <a:spcPts val="500"/>
+                  </a:spcBef>
+                  <a:buFont typeface="Arial" panose="020B0604020202020204" pitchFamily="34" charset="0"/>
+                  <a:buNone/>
+                  <a:defRPr sz="1600" kern="1200">
+                    <a:solidFill>
+                      <a:schemeClr val="tx1"/>
+                    </a:solidFill>
+                    <a:latin typeface="+mn-lt"/>
+                    <a:ea typeface="+mn-ea"/>
+                    <a:cs typeface="+mn-cs"/>
+                  </a:defRPr>
+                </a:lvl4pPr>
+                <a:lvl5pPr marL="1828800" indent="0" algn="ctr" defTabSz="914400" rtl="0" eaLnBrk="1" latinLnBrk="1" hangingPunct="1">
+                  <a:lnSpc>
+                    <a:spcPct val="90000"/>
+                  </a:lnSpc>
+                  <a:spcBef>
+                    <a:spcPts val="500"/>
+                  </a:spcBef>
+                  <a:buFont typeface="Arial" panose="020B0604020202020204" pitchFamily="34" charset="0"/>
+                  <a:buNone/>
+                  <a:defRPr sz="1600" kern="1200">
+                    <a:solidFill>
+                      <a:schemeClr val="tx1"/>
+                    </a:solidFill>
+                    <a:latin typeface="+mn-lt"/>
+                    <a:ea typeface="+mn-ea"/>
+                    <a:cs typeface="+mn-cs"/>
+                  </a:defRPr>
+                </a:lvl5pPr>
+                <a:lvl6pPr marL="2286000" indent="0" algn="ctr" defTabSz="914400" rtl="0" eaLnBrk="1" latinLnBrk="1" hangingPunct="1">
+                  <a:lnSpc>
+                    <a:spcPct val="90000"/>
+                  </a:lnSpc>
+                  <a:spcBef>
+                    <a:spcPts val="500"/>
+                  </a:spcBef>
+                  <a:buFont typeface="Arial" panose="020B0604020202020204" pitchFamily="34" charset="0"/>
+                  <a:buNone/>
+                  <a:defRPr sz="1600" kern="1200">
+                    <a:solidFill>
+                      <a:schemeClr val="tx1"/>
+                    </a:solidFill>
+                    <a:latin typeface="+mn-lt"/>
+                    <a:ea typeface="+mn-ea"/>
+                    <a:cs typeface="+mn-cs"/>
+                  </a:defRPr>
+                </a:lvl6pPr>
+                <a:lvl7pPr marL="2743200" indent="0" algn="ctr" defTabSz="914400" rtl="0" eaLnBrk="1" latinLnBrk="1" hangingPunct="1">
+                  <a:lnSpc>
+                    <a:spcPct val="90000"/>
+                  </a:lnSpc>
+                  <a:spcBef>
+                    <a:spcPts val="500"/>
+                  </a:spcBef>
+                  <a:buFont typeface="Arial" panose="020B0604020202020204" pitchFamily="34" charset="0"/>
+                  <a:buNone/>
+                  <a:defRPr sz="1600" kern="1200">
+                    <a:solidFill>
+                      <a:schemeClr val="tx1"/>
+                    </a:solidFill>
+                    <a:latin typeface="+mn-lt"/>
+                    <a:ea typeface="+mn-ea"/>
+                    <a:cs typeface="+mn-cs"/>
+                  </a:defRPr>
+                </a:lvl7pPr>
+                <a:lvl8pPr marL="3200400" indent="0" algn="ctr" defTabSz="914400" rtl="0" eaLnBrk="1" latinLnBrk="1" hangingPunct="1">
+                  <a:lnSpc>
+                    <a:spcPct val="90000"/>
+                  </a:lnSpc>
+                  <a:spcBef>
+                    <a:spcPts val="500"/>
+                  </a:spcBef>
+                  <a:buFont typeface="Arial" panose="020B0604020202020204" pitchFamily="34" charset="0"/>
+                  <a:buNone/>
+                  <a:defRPr sz="1600" kern="1200">
+                    <a:solidFill>
+                      <a:schemeClr val="tx1"/>
+                    </a:solidFill>
+                    <a:latin typeface="+mn-lt"/>
+                    <a:ea typeface="+mn-ea"/>
+                    <a:cs typeface="+mn-cs"/>
+                  </a:defRPr>
+                </a:lvl8pPr>
+                <a:lvl9pPr marL="3657600" indent="0" algn="ctr" defTabSz="914400" rtl="0" eaLnBrk="1" latinLnBrk="1" hangingPunct="1">
+                  <a:lnSpc>
+                    <a:spcPct val="90000"/>
+                  </a:lnSpc>
+                  <a:spcBef>
+                    <a:spcPts val="500"/>
+                  </a:spcBef>
+                  <a:buFont typeface="Arial" panose="020B0604020202020204" pitchFamily="34" charset="0"/>
+                  <a:buNone/>
+                  <a:defRPr sz="1600" kern="1200">
+                    <a:solidFill>
+                      <a:schemeClr val="tx1"/>
+                    </a:solidFill>
+                    <a:latin typeface="+mn-lt"/>
+                    <a:ea typeface="+mn-ea"/>
+                    <a:cs typeface="+mn-cs"/>
+                  </a:defRPr>
+                </a:lvl9pPr>
+              </a:lstStyle>
+              <a:p>
+                <a:pPr algn="l"/>
+                <a:r>
+                  <a:rPr lang="en-US" altLang="ko-KR" sz="1600" dirty="0">
+                    <a:solidFill>
+                      <a:schemeClr val="tx1">
+                        <a:lumMod val="85000"/>
+                        <a:lumOff val="15000"/>
+                      </a:schemeClr>
+                    </a:solidFill>
+                    <a:latin typeface="Noto Sans CJK KR Medium" panose="020B0600000000000000" pitchFamily="34" charset="-127"/>
+                    <a:ea typeface="Noto Sans CJK KR Medium" panose="020B0600000000000000" pitchFamily="34" charset="-127"/>
+                  </a:rPr>
+                  <a:t>t1</a:t>
+                </a:r>
+                <a:endParaRPr lang="ko-KR" altLang="en-US" sz="1600" dirty="0">
+                  <a:solidFill>
+                    <a:schemeClr val="tx1">
+                      <a:lumMod val="85000"/>
+                      <a:lumOff val="15000"/>
+                    </a:schemeClr>
+                  </a:solidFill>
+                  <a:latin typeface="Noto Sans CJK KR Medium" panose="020B0600000000000000" pitchFamily="34" charset="-127"/>
+                  <a:ea typeface="Noto Sans CJK KR Medium" panose="020B0600000000000000" pitchFamily="34" charset="-127"/>
+                </a:endParaRPr>
+              </a:p>
+            </p:txBody>
+          </p:sp>
+        </p:grpSp>
+        <p:grpSp>
+          <p:nvGrpSpPr>
+            <p:cNvPr id="152" name="Group 151">
+              <a:extLst>
+                <a:ext uri="{FF2B5EF4-FFF2-40B4-BE49-F238E27FC236}">
+                  <a16:creationId xmlns:a16="http://schemas.microsoft.com/office/drawing/2014/main" id="{A60A0C83-535D-4F54-BD9B-3F5DAAABBB7A}"/>
+                </a:ext>
+              </a:extLst>
+            </p:cNvPr>
+            <p:cNvGrpSpPr/>
+            <p:nvPr/>
+          </p:nvGrpSpPr>
+          <p:grpSpPr>
+            <a:xfrm>
+              <a:off x="9401669" y="1969952"/>
+              <a:ext cx="1417046" cy="964117"/>
+              <a:chOff x="9401669" y="1969952"/>
+              <a:chExt cx="1417046" cy="964117"/>
+            </a:xfrm>
+          </p:grpSpPr>
+          <p:sp>
+            <p:nvSpPr>
+              <p:cNvPr id="153" name="Rectangle 152">
+                <a:extLst>
+                  <a:ext uri="{FF2B5EF4-FFF2-40B4-BE49-F238E27FC236}">
+                    <a16:creationId xmlns:a16="http://schemas.microsoft.com/office/drawing/2014/main" id="{34C3E4BB-6D95-42E5-885B-C31C067BFC09}"/>
+                  </a:ext>
+                </a:extLst>
+              </p:cNvPr>
+              <p:cNvSpPr/>
+              <p:nvPr/>
+            </p:nvSpPr>
+            <p:spPr>
+              <a:xfrm>
+                <a:off x="10193623" y="2667517"/>
+                <a:ext cx="254467" cy="254505"/>
+              </a:xfrm>
+              <a:prstGeom prst="rect">
+                <a:avLst/>
+              </a:prstGeom>
+              <a:solidFill>
+                <a:schemeClr val="bg1">
+                  <a:lumMod val="75000"/>
+                </a:schemeClr>
+              </a:solidFill>
+              <a:ln>
+                <a:noFill/>
+              </a:ln>
+            </p:spPr>
+            <p:style>
+              <a:lnRef idx="2">
+                <a:schemeClr val="accent1">
+                  <a:shade val="50000"/>
+                </a:schemeClr>
+              </a:lnRef>
+              <a:fillRef idx="1">
+                <a:schemeClr val="accent1"/>
+              </a:fillRef>
+              <a:effectRef idx="0">
+                <a:schemeClr val="accent1"/>
+              </a:effectRef>
+              <a:fontRef idx="minor">
+                <a:schemeClr val="lt1"/>
+              </a:fontRef>
+            </p:style>
+            <p:txBody>
+              <a:bodyPr rtlCol="0" anchor="ctr"/>
+              <a:lstStyle/>
+              <a:p>
+                <a:pPr algn="ctr"/>
+                <a:endParaRPr lang="ko-KR" altLang="en-US"/>
+              </a:p>
+            </p:txBody>
+          </p:sp>
+          <p:sp>
+            <p:nvSpPr>
+              <p:cNvPr id="154" name="Subtitle 2">
+                <a:extLst>
+                  <a:ext uri="{FF2B5EF4-FFF2-40B4-BE49-F238E27FC236}">
+                    <a16:creationId xmlns:a16="http://schemas.microsoft.com/office/drawing/2014/main" id="{BE709626-8D19-4DE5-BC01-A9B5990DFA2D}"/>
+                  </a:ext>
+                </a:extLst>
+              </p:cNvPr>
+              <p:cNvSpPr txBox="1">
+                <a:spLocks/>
+              </p:cNvSpPr>
+              <p:nvPr/>
+            </p:nvSpPr>
+            <p:spPr>
+              <a:xfrm>
+                <a:off x="10142748" y="2652647"/>
+                <a:ext cx="425337" cy="281422"/>
+              </a:xfrm>
+              <a:prstGeom prst="rect">
+                <a:avLst/>
+              </a:prstGeom>
+            </p:spPr>
+            <p:txBody>
+              <a:bodyPr vert="horz" lIns="91440" tIns="45720" rIns="91440" bIns="45720" rtlCol="0">
+                <a:noAutofit/>
+              </a:bodyPr>
+              <a:lstStyle>
+                <a:lvl1pPr marL="0" indent="0" algn="ctr" defTabSz="914400" rtl="0" eaLnBrk="1" latinLnBrk="1" hangingPunct="1">
+                  <a:lnSpc>
+                    <a:spcPct val="90000"/>
+                  </a:lnSpc>
+                  <a:spcBef>
+                    <a:spcPts val="1000"/>
+                  </a:spcBef>
+                  <a:buFont typeface="Arial" panose="020B0604020202020204" pitchFamily="34" charset="0"/>
+                  <a:buNone/>
+                  <a:defRPr sz="2400" kern="1200">
+                    <a:solidFill>
+                      <a:schemeClr val="tx1"/>
+                    </a:solidFill>
+                    <a:latin typeface="+mn-lt"/>
+                    <a:ea typeface="+mn-ea"/>
+                    <a:cs typeface="+mn-cs"/>
+                  </a:defRPr>
+                </a:lvl1pPr>
+                <a:lvl2pPr marL="457200" indent="0" algn="ctr" defTabSz="914400" rtl="0" eaLnBrk="1" latinLnBrk="1" hangingPunct="1">
+                  <a:lnSpc>
+                    <a:spcPct val="90000"/>
+                  </a:lnSpc>
+                  <a:spcBef>
+                    <a:spcPts val="500"/>
+                  </a:spcBef>
+                  <a:buFont typeface="Arial" panose="020B0604020202020204" pitchFamily="34" charset="0"/>
+                  <a:buNone/>
+                  <a:defRPr sz="2000" kern="1200">
+                    <a:solidFill>
+                      <a:schemeClr val="tx1"/>
+                    </a:solidFill>
+                    <a:latin typeface="+mn-lt"/>
+                    <a:ea typeface="+mn-ea"/>
+                    <a:cs typeface="+mn-cs"/>
+                  </a:defRPr>
+                </a:lvl2pPr>
+                <a:lvl3pPr marL="914400" indent="0" algn="ctr" defTabSz="914400" rtl="0" eaLnBrk="1" latinLnBrk="1" hangingPunct="1">
+                  <a:lnSpc>
+                    <a:spcPct val="90000"/>
+                  </a:lnSpc>
+                  <a:spcBef>
+                    <a:spcPts val="500"/>
+                  </a:spcBef>
+                  <a:buFont typeface="Arial" panose="020B0604020202020204" pitchFamily="34" charset="0"/>
+                  <a:buNone/>
+                  <a:defRPr sz="1800" kern="1200">
+                    <a:solidFill>
+                      <a:schemeClr val="tx1"/>
+                    </a:solidFill>
+                    <a:latin typeface="+mn-lt"/>
+                    <a:ea typeface="+mn-ea"/>
+                    <a:cs typeface="+mn-cs"/>
+                  </a:defRPr>
+                </a:lvl3pPr>
+                <a:lvl4pPr marL="1371600" indent="0" algn="ctr" defTabSz="914400" rtl="0" eaLnBrk="1" latinLnBrk="1" hangingPunct="1">
+                  <a:lnSpc>
+                    <a:spcPct val="90000"/>
+                  </a:lnSpc>
+                  <a:spcBef>
+                    <a:spcPts val="500"/>
+                  </a:spcBef>
+                  <a:buFont typeface="Arial" panose="020B0604020202020204" pitchFamily="34" charset="0"/>
+                  <a:buNone/>
+                  <a:defRPr sz="1600" kern="1200">
+                    <a:solidFill>
+                      <a:schemeClr val="tx1"/>
+                    </a:solidFill>
+                    <a:latin typeface="+mn-lt"/>
+                    <a:ea typeface="+mn-ea"/>
+                    <a:cs typeface="+mn-cs"/>
+                  </a:defRPr>
+                </a:lvl4pPr>
+                <a:lvl5pPr marL="1828800" indent="0" algn="ctr" defTabSz="914400" rtl="0" eaLnBrk="1" latinLnBrk="1" hangingPunct="1">
+                  <a:lnSpc>
+                    <a:spcPct val="90000"/>
+                  </a:lnSpc>
+                  <a:spcBef>
+                    <a:spcPts val="500"/>
+                  </a:spcBef>
+                  <a:buFont typeface="Arial" panose="020B0604020202020204" pitchFamily="34" charset="0"/>
+                  <a:buNone/>
+                  <a:defRPr sz="1600" kern="1200">
+                    <a:solidFill>
+                      <a:schemeClr val="tx1"/>
+                    </a:solidFill>
+                    <a:latin typeface="+mn-lt"/>
+                    <a:ea typeface="+mn-ea"/>
+                    <a:cs typeface="+mn-cs"/>
+                  </a:defRPr>
+                </a:lvl5pPr>
+                <a:lvl6pPr marL="2286000" indent="0" algn="ctr" defTabSz="914400" rtl="0" eaLnBrk="1" latinLnBrk="1" hangingPunct="1">
+                  <a:lnSpc>
+                    <a:spcPct val="90000"/>
+                  </a:lnSpc>
+                  <a:spcBef>
+                    <a:spcPts val="500"/>
+                  </a:spcBef>
+                  <a:buFont typeface="Arial" panose="020B0604020202020204" pitchFamily="34" charset="0"/>
+                  <a:buNone/>
+                  <a:defRPr sz="1600" kern="1200">
+                    <a:solidFill>
+                      <a:schemeClr val="tx1"/>
+                    </a:solidFill>
+                    <a:latin typeface="+mn-lt"/>
+                    <a:ea typeface="+mn-ea"/>
+                    <a:cs typeface="+mn-cs"/>
+                  </a:defRPr>
+                </a:lvl6pPr>
+                <a:lvl7pPr marL="2743200" indent="0" algn="ctr" defTabSz="914400" rtl="0" eaLnBrk="1" latinLnBrk="1" hangingPunct="1">
+                  <a:lnSpc>
+                    <a:spcPct val="90000"/>
+                  </a:lnSpc>
+                  <a:spcBef>
+                    <a:spcPts val="500"/>
+                  </a:spcBef>
+                  <a:buFont typeface="Arial" panose="020B0604020202020204" pitchFamily="34" charset="0"/>
+                  <a:buNone/>
+                  <a:defRPr sz="1600" kern="1200">
+                    <a:solidFill>
+                      <a:schemeClr val="tx1"/>
+                    </a:solidFill>
+                    <a:latin typeface="+mn-lt"/>
+                    <a:ea typeface="+mn-ea"/>
+                    <a:cs typeface="+mn-cs"/>
+                  </a:defRPr>
+                </a:lvl7pPr>
+                <a:lvl8pPr marL="3200400" indent="0" algn="ctr" defTabSz="914400" rtl="0" eaLnBrk="1" latinLnBrk="1" hangingPunct="1">
+                  <a:lnSpc>
+                    <a:spcPct val="90000"/>
+                  </a:lnSpc>
+                  <a:spcBef>
+                    <a:spcPts val="500"/>
+                  </a:spcBef>
+                  <a:buFont typeface="Arial" panose="020B0604020202020204" pitchFamily="34" charset="0"/>
+                  <a:buNone/>
+                  <a:defRPr sz="1600" kern="1200">
+                    <a:solidFill>
+                      <a:schemeClr val="tx1"/>
+                    </a:solidFill>
+                    <a:latin typeface="+mn-lt"/>
+                    <a:ea typeface="+mn-ea"/>
+                    <a:cs typeface="+mn-cs"/>
+                  </a:defRPr>
+                </a:lvl8pPr>
+                <a:lvl9pPr marL="3657600" indent="0" algn="ctr" defTabSz="914400" rtl="0" eaLnBrk="1" latinLnBrk="1" hangingPunct="1">
+                  <a:lnSpc>
+                    <a:spcPct val="90000"/>
+                  </a:lnSpc>
+                  <a:spcBef>
+                    <a:spcPts val="500"/>
+                  </a:spcBef>
+                  <a:buFont typeface="Arial" panose="020B0604020202020204" pitchFamily="34" charset="0"/>
+                  <a:buNone/>
+                  <a:defRPr sz="1600" kern="1200">
+                    <a:solidFill>
+                      <a:schemeClr val="tx1"/>
+                    </a:solidFill>
+                    <a:latin typeface="+mn-lt"/>
+                    <a:ea typeface="+mn-ea"/>
+                    <a:cs typeface="+mn-cs"/>
+                  </a:defRPr>
+                </a:lvl9pPr>
+              </a:lstStyle>
+              <a:p>
+                <a:pPr algn="l"/>
+                <a:r>
+                  <a:rPr lang="en-US" altLang="ko-KR" sz="1600" dirty="0">
+                    <a:solidFill>
+                      <a:schemeClr val="tx1">
+                        <a:lumMod val="85000"/>
+                        <a:lumOff val="15000"/>
+                      </a:schemeClr>
+                    </a:solidFill>
+                    <a:latin typeface="Noto Sans CJK KR Medium" panose="020B0600000000000000" pitchFamily="34" charset="-127"/>
+                    <a:ea typeface="Noto Sans CJK KR Medium" panose="020B0600000000000000" pitchFamily="34" charset="-127"/>
+                  </a:rPr>
+                  <a:t>t2</a:t>
+                </a:r>
+                <a:endParaRPr lang="ko-KR" altLang="en-US" sz="1600" dirty="0">
+                  <a:solidFill>
+                    <a:schemeClr val="tx1">
+                      <a:lumMod val="85000"/>
+                      <a:lumOff val="15000"/>
+                    </a:schemeClr>
+                  </a:solidFill>
+                  <a:latin typeface="Noto Sans CJK KR Medium" panose="020B0600000000000000" pitchFamily="34" charset="-127"/>
+                  <a:ea typeface="Noto Sans CJK KR Medium" panose="020B0600000000000000" pitchFamily="34" charset="-127"/>
+                </a:endParaRPr>
+              </a:p>
+            </p:txBody>
+          </p:sp>
+          <p:sp>
+            <p:nvSpPr>
+              <p:cNvPr id="183" name="Rectangle 182">
+                <a:extLst>
+                  <a:ext uri="{FF2B5EF4-FFF2-40B4-BE49-F238E27FC236}">
+                    <a16:creationId xmlns:a16="http://schemas.microsoft.com/office/drawing/2014/main" id="{78C64E98-B1B3-459F-9D3B-C5EB32134EE0}"/>
+                  </a:ext>
+                </a:extLst>
+              </p:cNvPr>
+              <p:cNvSpPr/>
+              <p:nvPr/>
+            </p:nvSpPr>
+            <p:spPr>
+              <a:xfrm>
+                <a:off x="9472864" y="2357518"/>
+                <a:ext cx="254467" cy="254505"/>
+              </a:xfrm>
+              <a:prstGeom prst="rect">
+                <a:avLst/>
+              </a:prstGeom>
+              <a:solidFill>
+                <a:schemeClr val="bg1">
+                  <a:lumMod val="75000"/>
+                </a:schemeClr>
+              </a:solidFill>
+              <a:ln>
+                <a:noFill/>
+              </a:ln>
+            </p:spPr>
+            <p:style>
+              <a:lnRef idx="2">
+                <a:schemeClr val="accent1">
+                  <a:shade val="50000"/>
+                </a:schemeClr>
+              </a:lnRef>
+              <a:fillRef idx="1">
+                <a:schemeClr val="accent1"/>
+              </a:fillRef>
+              <a:effectRef idx="0">
+                <a:schemeClr val="accent1"/>
+              </a:effectRef>
+              <a:fontRef idx="minor">
+                <a:schemeClr val="lt1"/>
+              </a:fontRef>
+            </p:style>
+            <p:txBody>
+              <a:bodyPr rtlCol="0" anchor="ctr"/>
+              <a:lstStyle/>
+              <a:p>
+                <a:pPr algn="ctr"/>
+                <a:endParaRPr lang="ko-KR" altLang="en-US"/>
+              </a:p>
+            </p:txBody>
+          </p:sp>
+          <p:sp>
+            <p:nvSpPr>
+              <p:cNvPr id="184" name="Subtitle 2">
+                <a:extLst>
+                  <a:ext uri="{FF2B5EF4-FFF2-40B4-BE49-F238E27FC236}">
+                    <a16:creationId xmlns:a16="http://schemas.microsoft.com/office/drawing/2014/main" id="{9E0E28B2-4400-48BF-B4F5-026E49C117B6}"/>
+                  </a:ext>
+                </a:extLst>
+              </p:cNvPr>
+              <p:cNvSpPr txBox="1">
+                <a:spLocks/>
+              </p:cNvSpPr>
+              <p:nvPr/>
+            </p:nvSpPr>
+            <p:spPr>
+              <a:xfrm>
+                <a:off x="9401669" y="2342648"/>
+                <a:ext cx="425337" cy="281422"/>
+              </a:xfrm>
+              <a:prstGeom prst="rect">
+                <a:avLst/>
+              </a:prstGeom>
+            </p:spPr>
+            <p:txBody>
+              <a:bodyPr vert="horz" lIns="91440" tIns="45720" rIns="91440" bIns="45720" rtlCol="0">
+                <a:noAutofit/>
+              </a:bodyPr>
+              <a:lstStyle>
+                <a:lvl1pPr marL="0" indent="0" algn="ctr" defTabSz="914400" rtl="0" eaLnBrk="1" latinLnBrk="1" hangingPunct="1">
+                  <a:lnSpc>
+                    <a:spcPct val="90000"/>
+                  </a:lnSpc>
+                  <a:spcBef>
+                    <a:spcPts val="1000"/>
+                  </a:spcBef>
+                  <a:buFont typeface="Arial" panose="020B0604020202020204" pitchFamily="34" charset="0"/>
+                  <a:buNone/>
+                  <a:defRPr sz="2400" kern="1200">
+                    <a:solidFill>
+                      <a:schemeClr val="tx1"/>
+                    </a:solidFill>
+                    <a:latin typeface="+mn-lt"/>
+                    <a:ea typeface="+mn-ea"/>
+                    <a:cs typeface="+mn-cs"/>
+                  </a:defRPr>
+                </a:lvl1pPr>
+                <a:lvl2pPr marL="457200" indent="0" algn="ctr" defTabSz="914400" rtl="0" eaLnBrk="1" latinLnBrk="1" hangingPunct="1">
+                  <a:lnSpc>
+                    <a:spcPct val="90000"/>
+                  </a:lnSpc>
+                  <a:spcBef>
+                    <a:spcPts val="500"/>
+                  </a:spcBef>
+                  <a:buFont typeface="Arial" panose="020B0604020202020204" pitchFamily="34" charset="0"/>
+                  <a:buNone/>
+                  <a:defRPr sz="2000" kern="1200">
+                    <a:solidFill>
+                      <a:schemeClr val="tx1"/>
+                    </a:solidFill>
+                    <a:latin typeface="+mn-lt"/>
+                    <a:ea typeface="+mn-ea"/>
+                    <a:cs typeface="+mn-cs"/>
+                  </a:defRPr>
+                </a:lvl2pPr>
+                <a:lvl3pPr marL="914400" indent="0" algn="ctr" defTabSz="914400" rtl="0" eaLnBrk="1" latinLnBrk="1" hangingPunct="1">
+                  <a:lnSpc>
+                    <a:spcPct val="90000"/>
+                  </a:lnSpc>
+                  <a:spcBef>
+                    <a:spcPts val="500"/>
+                  </a:spcBef>
+                  <a:buFont typeface="Arial" panose="020B0604020202020204" pitchFamily="34" charset="0"/>
+                  <a:buNone/>
+                  <a:defRPr sz="1800" kern="1200">
+                    <a:solidFill>
+                      <a:schemeClr val="tx1"/>
+                    </a:solidFill>
+                    <a:latin typeface="+mn-lt"/>
+                    <a:ea typeface="+mn-ea"/>
+                    <a:cs typeface="+mn-cs"/>
+                  </a:defRPr>
+                </a:lvl3pPr>
+                <a:lvl4pPr marL="1371600" indent="0" algn="ctr" defTabSz="914400" rtl="0" eaLnBrk="1" latinLnBrk="1" hangingPunct="1">
+                  <a:lnSpc>
+                    <a:spcPct val="90000"/>
+                  </a:lnSpc>
+                  <a:spcBef>
+                    <a:spcPts val="500"/>
+                  </a:spcBef>
+                  <a:buFont typeface="Arial" panose="020B0604020202020204" pitchFamily="34" charset="0"/>
+                  <a:buNone/>
+                  <a:defRPr sz="1600" kern="1200">
+                    <a:solidFill>
+                      <a:schemeClr val="tx1"/>
+                    </a:solidFill>
+                    <a:latin typeface="+mn-lt"/>
+                    <a:ea typeface="+mn-ea"/>
+                    <a:cs typeface="+mn-cs"/>
+                  </a:defRPr>
+                </a:lvl4pPr>
+                <a:lvl5pPr marL="1828800" indent="0" algn="ctr" defTabSz="914400" rtl="0" eaLnBrk="1" latinLnBrk="1" hangingPunct="1">
+                  <a:lnSpc>
+                    <a:spcPct val="90000"/>
+                  </a:lnSpc>
+                  <a:spcBef>
+                    <a:spcPts val="500"/>
+                  </a:spcBef>
+                  <a:buFont typeface="Arial" panose="020B0604020202020204" pitchFamily="34" charset="0"/>
+                  <a:buNone/>
+                  <a:defRPr sz="1600" kern="1200">
+                    <a:solidFill>
+                      <a:schemeClr val="tx1"/>
+                    </a:solidFill>
+                    <a:latin typeface="+mn-lt"/>
+                    <a:ea typeface="+mn-ea"/>
+                    <a:cs typeface="+mn-cs"/>
+                  </a:defRPr>
+                </a:lvl5pPr>
+                <a:lvl6pPr marL="2286000" indent="0" algn="ctr" defTabSz="914400" rtl="0" eaLnBrk="1" latinLnBrk="1" hangingPunct="1">
+                  <a:lnSpc>
+                    <a:spcPct val="90000"/>
+                  </a:lnSpc>
+                  <a:spcBef>
+                    <a:spcPts val="500"/>
+                  </a:spcBef>
+                  <a:buFont typeface="Arial" panose="020B0604020202020204" pitchFamily="34" charset="0"/>
+                  <a:buNone/>
+                  <a:defRPr sz="1600" kern="1200">
+                    <a:solidFill>
+                      <a:schemeClr val="tx1"/>
+                    </a:solidFill>
+                    <a:latin typeface="+mn-lt"/>
+                    <a:ea typeface="+mn-ea"/>
+                    <a:cs typeface="+mn-cs"/>
+                  </a:defRPr>
+                </a:lvl6pPr>
+                <a:lvl7pPr marL="2743200" indent="0" algn="ctr" defTabSz="914400" rtl="0" eaLnBrk="1" latinLnBrk="1" hangingPunct="1">
+                  <a:lnSpc>
+                    <a:spcPct val="90000"/>
+                  </a:lnSpc>
+                  <a:spcBef>
+                    <a:spcPts val="500"/>
+                  </a:spcBef>
+                  <a:buFont typeface="Arial" panose="020B0604020202020204" pitchFamily="34" charset="0"/>
+                  <a:buNone/>
+                  <a:defRPr sz="1600" kern="1200">
+                    <a:solidFill>
+                      <a:schemeClr val="tx1"/>
+                    </a:solidFill>
+                    <a:latin typeface="+mn-lt"/>
+                    <a:ea typeface="+mn-ea"/>
+                    <a:cs typeface="+mn-cs"/>
+                  </a:defRPr>
+                </a:lvl7pPr>
+                <a:lvl8pPr marL="3200400" indent="0" algn="ctr" defTabSz="914400" rtl="0" eaLnBrk="1" latinLnBrk="1" hangingPunct="1">
+                  <a:lnSpc>
+                    <a:spcPct val="90000"/>
+                  </a:lnSpc>
+                  <a:spcBef>
+                    <a:spcPts val="500"/>
+                  </a:spcBef>
+                  <a:buFont typeface="Arial" panose="020B0604020202020204" pitchFamily="34" charset="0"/>
+                  <a:buNone/>
+                  <a:defRPr sz="1600" kern="1200">
+                    <a:solidFill>
+                      <a:schemeClr val="tx1"/>
+                    </a:solidFill>
+                    <a:latin typeface="+mn-lt"/>
+                    <a:ea typeface="+mn-ea"/>
+                    <a:cs typeface="+mn-cs"/>
+                  </a:defRPr>
+                </a:lvl8pPr>
+                <a:lvl9pPr marL="3657600" indent="0" algn="ctr" defTabSz="914400" rtl="0" eaLnBrk="1" latinLnBrk="1" hangingPunct="1">
+                  <a:lnSpc>
+                    <a:spcPct val="90000"/>
+                  </a:lnSpc>
+                  <a:spcBef>
+                    <a:spcPts val="500"/>
+                  </a:spcBef>
+                  <a:buFont typeface="Arial" panose="020B0604020202020204" pitchFamily="34" charset="0"/>
+                  <a:buNone/>
+                  <a:defRPr sz="1600" kern="1200">
+                    <a:solidFill>
+                      <a:schemeClr val="tx1"/>
+                    </a:solidFill>
+                    <a:latin typeface="+mn-lt"/>
+                    <a:ea typeface="+mn-ea"/>
+                    <a:cs typeface="+mn-cs"/>
+                  </a:defRPr>
+                </a:lvl9pPr>
+              </a:lstStyle>
+              <a:p>
+                <a:pPr algn="l"/>
+                <a:r>
+                  <a:rPr lang="en-US" altLang="ko-KR" sz="1600" dirty="0" err="1">
+                    <a:solidFill>
+                      <a:schemeClr val="tx1">
+                        <a:lumMod val="85000"/>
+                        <a:lumOff val="15000"/>
+                      </a:schemeClr>
+                    </a:solidFill>
+                    <a:latin typeface="Noto Sans CJK KR Medium" panose="020B0600000000000000" pitchFamily="34" charset="-127"/>
+                    <a:ea typeface="Noto Sans CJK KR Medium" panose="020B0600000000000000" pitchFamily="34" charset="-127"/>
+                  </a:rPr>
+                  <a:t>sp</a:t>
+                </a:r>
+                <a:endParaRPr lang="ko-KR" altLang="en-US" sz="1600" dirty="0">
+                  <a:solidFill>
+                    <a:schemeClr val="tx1">
+                      <a:lumMod val="85000"/>
+                      <a:lumOff val="15000"/>
+                    </a:schemeClr>
+                  </a:solidFill>
+                  <a:latin typeface="Noto Sans CJK KR Medium" panose="020B0600000000000000" pitchFamily="34" charset="-127"/>
+                  <a:ea typeface="Noto Sans CJK KR Medium" panose="020B0600000000000000" pitchFamily="34" charset="-127"/>
+                </a:endParaRPr>
+              </a:p>
+            </p:txBody>
+          </p:sp>
+          <p:sp>
+            <p:nvSpPr>
+              <p:cNvPr id="238" name="Rectangle 237">
+                <a:extLst>
+                  <a:ext uri="{FF2B5EF4-FFF2-40B4-BE49-F238E27FC236}">
+                    <a16:creationId xmlns:a16="http://schemas.microsoft.com/office/drawing/2014/main" id="{5B559DA5-72DA-4B53-95F2-36F419EB37BB}"/>
+                  </a:ext>
+                </a:extLst>
+              </p:cNvPr>
+              <p:cNvSpPr/>
+              <p:nvPr/>
+            </p:nvSpPr>
+            <p:spPr>
+              <a:xfrm>
+                <a:off x="10182621" y="1969952"/>
+                <a:ext cx="624338" cy="624431"/>
+              </a:xfrm>
+              <a:prstGeom prst="rect">
+                <a:avLst/>
+              </a:prstGeom>
+              <a:solidFill>
+                <a:schemeClr val="bg1">
+                  <a:lumMod val="75000"/>
+                </a:schemeClr>
+              </a:solidFill>
+              <a:ln>
+                <a:noFill/>
+              </a:ln>
+            </p:spPr>
+            <p:style>
+              <a:lnRef idx="2">
+                <a:schemeClr val="accent1">
+                  <a:shade val="50000"/>
+                </a:schemeClr>
+              </a:lnRef>
+              <a:fillRef idx="1">
+                <a:schemeClr val="accent1"/>
+              </a:fillRef>
+              <a:effectRef idx="0">
+                <a:schemeClr val="accent1"/>
+              </a:effectRef>
+              <a:fontRef idx="minor">
+                <a:schemeClr val="lt1"/>
+              </a:fontRef>
+            </p:style>
+            <p:txBody>
+              <a:bodyPr rtlCol="0" anchor="ctr"/>
+              <a:lstStyle/>
+              <a:p>
+                <a:pPr algn="ctr"/>
+                <a:endParaRPr lang="ko-KR" altLang="en-US"/>
+              </a:p>
+            </p:txBody>
+          </p:sp>
+          <p:sp>
+            <p:nvSpPr>
+              <p:cNvPr id="239" name="Subtitle 2">
+                <a:extLst>
+                  <a:ext uri="{FF2B5EF4-FFF2-40B4-BE49-F238E27FC236}">
+                    <a16:creationId xmlns:a16="http://schemas.microsoft.com/office/drawing/2014/main" id="{133DF869-13B8-4E1C-B2FC-8C8F40DD8B09}"/>
+                  </a:ext>
+                </a:extLst>
+              </p:cNvPr>
+              <p:cNvSpPr txBox="1">
+                <a:spLocks/>
+              </p:cNvSpPr>
+              <p:nvPr/>
+            </p:nvSpPr>
+            <p:spPr>
+              <a:xfrm>
+                <a:off x="10182620" y="2143212"/>
+                <a:ext cx="636095" cy="384768"/>
+              </a:xfrm>
+              <a:prstGeom prst="rect">
+                <a:avLst/>
+              </a:prstGeom>
+            </p:spPr>
+            <p:txBody>
+              <a:bodyPr vert="horz" lIns="91440" tIns="45720" rIns="91440" bIns="45720" rtlCol="0">
+                <a:noAutofit/>
+              </a:bodyPr>
+              <a:lstStyle>
+                <a:lvl1pPr marL="0" indent="0" algn="ctr" defTabSz="914400" rtl="0" eaLnBrk="1" latinLnBrk="1" hangingPunct="1">
+                  <a:lnSpc>
+                    <a:spcPct val="90000"/>
+                  </a:lnSpc>
+                  <a:spcBef>
+                    <a:spcPts val="1000"/>
+                  </a:spcBef>
+                  <a:buFont typeface="Arial" panose="020B0604020202020204" pitchFamily="34" charset="0"/>
+                  <a:buNone/>
+                  <a:defRPr sz="2400" kern="1200">
+                    <a:solidFill>
+                      <a:schemeClr val="tx1"/>
+                    </a:solidFill>
+                    <a:latin typeface="+mn-lt"/>
+                    <a:ea typeface="+mn-ea"/>
+                    <a:cs typeface="+mn-cs"/>
+                  </a:defRPr>
+                </a:lvl1pPr>
+                <a:lvl2pPr marL="457200" indent="0" algn="ctr" defTabSz="914400" rtl="0" eaLnBrk="1" latinLnBrk="1" hangingPunct="1">
+                  <a:lnSpc>
+                    <a:spcPct val="90000"/>
+                  </a:lnSpc>
+                  <a:spcBef>
+                    <a:spcPts val="500"/>
+                  </a:spcBef>
+                  <a:buFont typeface="Arial" panose="020B0604020202020204" pitchFamily="34" charset="0"/>
+                  <a:buNone/>
+                  <a:defRPr sz="2000" kern="1200">
+                    <a:solidFill>
+                      <a:schemeClr val="tx1"/>
+                    </a:solidFill>
+                    <a:latin typeface="+mn-lt"/>
+                    <a:ea typeface="+mn-ea"/>
+                    <a:cs typeface="+mn-cs"/>
+                  </a:defRPr>
+                </a:lvl2pPr>
+                <a:lvl3pPr marL="914400" indent="0" algn="ctr" defTabSz="914400" rtl="0" eaLnBrk="1" latinLnBrk="1" hangingPunct="1">
+                  <a:lnSpc>
+                    <a:spcPct val="90000"/>
+                  </a:lnSpc>
+                  <a:spcBef>
+                    <a:spcPts val="500"/>
+                  </a:spcBef>
+                  <a:buFont typeface="Arial" panose="020B0604020202020204" pitchFamily="34" charset="0"/>
+                  <a:buNone/>
+                  <a:defRPr sz="1800" kern="1200">
+                    <a:solidFill>
+                      <a:schemeClr val="tx1"/>
+                    </a:solidFill>
+                    <a:latin typeface="+mn-lt"/>
+                    <a:ea typeface="+mn-ea"/>
+                    <a:cs typeface="+mn-cs"/>
+                  </a:defRPr>
+                </a:lvl3pPr>
+                <a:lvl4pPr marL="1371600" indent="0" algn="ctr" defTabSz="914400" rtl="0" eaLnBrk="1" latinLnBrk="1" hangingPunct="1">
+                  <a:lnSpc>
+                    <a:spcPct val="90000"/>
+                  </a:lnSpc>
+                  <a:spcBef>
+                    <a:spcPts val="500"/>
+                  </a:spcBef>
+                  <a:buFont typeface="Arial" panose="020B0604020202020204" pitchFamily="34" charset="0"/>
+                  <a:buNone/>
+                  <a:defRPr sz="1600" kern="1200">
+                    <a:solidFill>
+                      <a:schemeClr val="tx1"/>
+                    </a:solidFill>
+                    <a:latin typeface="+mn-lt"/>
+                    <a:ea typeface="+mn-ea"/>
+                    <a:cs typeface="+mn-cs"/>
+                  </a:defRPr>
+                </a:lvl4pPr>
+                <a:lvl5pPr marL="1828800" indent="0" algn="ctr" defTabSz="914400" rtl="0" eaLnBrk="1" latinLnBrk="1" hangingPunct="1">
+                  <a:lnSpc>
+                    <a:spcPct val="90000"/>
+                  </a:lnSpc>
+                  <a:spcBef>
+                    <a:spcPts val="500"/>
+                  </a:spcBef>
+                  <a:buFont typeface="Arial" panose="020B0604020202020204" pitchFamily="34" charset="0"/>
+                  <a:buNone/>
+                  <a:defRPr sz="1600" kern="1200">
+                    <a:solidFill>
+                      <a:schemeClr val="tx1"/>
+                    </a:solidFill>
+                    <a:latin typeface="+mn-lt"/>
+                    <a:ea typeface="+mn-ea"/>
+                    <a:cs typeface="+mn-cs"/>
+                  </a:defRPr>
+                </a:lvl5pPr>
+                <a:lvl6pPr marL="2286000" indent="0" algn="ctr" defTabSz="914400" rtl="0" eaLnBrk="1" latinLnBrk="1" hangingPunct="1">
+                  <a:lnSpc>
+                    <a:spcPct val="90000"/>
+                  </a:lnSpc>
+                  <a:spcBef>
+                    <a:spcPts val="500"/>
+                  </a:spcBef>
+                  <a:buFont typeface="Arial" panose="020B0604020202020204" pitchFamily="34" charset="0"/>
+                  <a:buNone/>
+                  <a:defRPr sz="1600" kern="1200">
+                    <a:solidFill>
+                      <a:schemeClr val="tx1"/>
+                    </a:solidFill>
+                    <a:latin typeface="+mn-lt"/>
+                    <a:ea typeface="+mn-ea"/>
+                    <a:cs typeface="+mn-cs"/>
+                  </a:defRPr>
+                </a:lvl6pPr>
+                <a:lvl7pPr marL="2743200" indent="0" algn="ctr" defTabSz="914400" rtl="0" eaLnBrk="1" latinLnBrk="1" hangingPunct="1">
+                  <a:lnSpc>
+                    <a:spcPct val="90000"/>
+                  </a:lnSpc>
+                  <a:spcBef>
+                    <a:spcPts val="500"/>
+                  </a:spcBef>
+                  <a:buFont typeface="Arial" panose="020B0604020202020204" pitchFamily="34" charset="0"/>
+                  <a:buNone/>
+                  <a:defRPr sz="1600" kern="1200">
+                    <a:solidFill>
+                      <a:schemeClr val="tx1"/>
+                    </a:solidFill>
+                    <a:latin typeface="+mn-lt"/>
+                    <a:ea typeface="+mn-ea"/>
+                    <a:cs typeface="+mn-cs"/>
+                  </a:defRPr>
+                </a:lvl7pPr>
+                <a:lvl8pPr marL="3200400" indent="0" algn="ctr" defTabSz="914400" rtl="0" eaLnBrk="1" latinLnBrk="1" hangingPunct="1">
+                  <a:lnSpc>
+                    <a:spcPct val="90000"/>
+                  </a:lnSpc>
+                  <a:spcBef>
+                    <a:spcPts val="500"/>
+                  </a:spcBef>
+                  <a:buFont typeface="Arial" panose="020B0604020202020204" pitchFamily="34" charset="0"/>
+                  <a:buNone/>
+                  <a:defRPr sz="1600" kern="1200">
+                    <a:solidFill>
+                      <a:schemeClr val="tx1"/>
+                    </a:solidFill>
+                    <a:latin typeface="+mn-lt"/>
+                    <a:ea typeface="+mn-ea"/>
+                    <a:cs typeface="+mn-cs"/>
+                  </a:defRPr>
+                </a:lvl8pPr>
+                <a:lvl9pPr marL="3657600" indent="0" algn="ctr" defTabSz="914400" rtl="0" eaLnBrk="1" latinLnBrk="1" hangingPunct="1">
+                  <a:lnSpc>
+                    <a:spcPct val="90000"/>
+                  </a:lnSpc>
+                  <a:spcBef>
+                    <a:spcPts val="500"/>
+                  </a:spcBef>
+                  <a:buFont typeface="Arial" panose="020B0604020202020204" pitchFamily="34" charset="0"/>
+                  <a:buNone/>
+                  <a:defRPr sz="1600" kern="1200">
+                    <a:solidFill>
+                      <a:schemeClr val="tx1"/>
+                    </a:solidFill>
+                    <a:latin typeface="+mn-lt"/>
+                    <a:ea typeface="+mn-ea"/>
+                    <a:cs typeface="+mn-cs"/>
+                  </a:defRPr>
+                </a:lvl9pPr>
+              </a:lstStyle>
+              <a:p>
+                <a:r>
+                  <a:rPr lang="en-US" altLang="ko-KR" sz="1600" dirty="0">
+                    <a:solidFill>
+                      <a:schemeClr val="tx1">
+                        <a:lumMod val="85000"/>
+                        <a:lumOff val="15000"/>
+                      </a:schemeClr>
+                    </a:solidFill>
+                    <a:latin typeface="Noto Sans CJK KR Medium" panose="020B0600000000000000" pitchFamily="34" charset="-127"/>
+                    <a:ea typeface="Noto Sans CJK KR Medium" panose="020B0600000000000000" pitchFamily="34" charset="-127"/>
+                  </a:rPr>
+                  <a:t>PC</a:t>
+                </a:r>
+                <a:endParaRPr lang="ko-KR" altLang="en-US" sz="1600" dirty="0">
+                  <a:solidFill>
+                    <a:schemeClr val="tx1">
+                      <a:lumMod val="85000"/>
+                      <a:lumOff val="15000"/>
+                    </a:schemeClr>
+                  </a:solidFill>
+                  <a:latin typeface="Noto Sans CJK KR Medium" panose="020B0600000000000000" pitchFamily="34" charset="-127"/>
+                  <a:ea typeface="Noto Sans CJK KR Medium" panose="020B0600000000000000" pitchFamily="34" charset="-127"/>
+                </a:endParaRPr>
+              </a:p>
+            </p:txBody>
+          </p:sp>
+        </p:grpSp>
+        <p:grpSp>
+          <p:nvGrpSpPr>
+            <p:cNvPr id="155" name="Group 154">
+              <a:extLst>
+                <a:ext uri="{FF2B5EF4-FFF2-40B4-BE49-F238E27FC236}">
+                  <a16:creationId xmlns:a16="http://schemas.microsoft.com/office/drawing/2014/main" id="{CAB87109-9504-424F-88B1-B343B51A1218}"/>
+                </a:ext>
+              </a:extLst>
+            </p:cNvPr>
+            <p:cNvGrpSpPr/>
+            <p:nvPr/>
+          </p:nvGrpSpPr>
+          <p:grpSpPr>
+            <a:xfrm>
+              <a:off x="10494031" y="2652647"/>
+              <a:ext cx="425337" cy="281422"/>
+              <a:chOff x="10494031" y="2652647"/>
+              <a:chExt cx="425337" cy="281422"/>
+            </a:xfrm>
+          </p:grpSpPr>
+          <p:sp>
+            <p:nvSpPr>
+              <p:cNvPr id="156" name="Rectangle 155">
+                <a:extLst>
+                  <a:ext uri="{FF2B5EF4-FFF2-40B4-BE49-F238E27FC236}">
+                    <a16:creationId xmlns:a16="http://schemas.microsoft.com/office/drawing/2014/main" id="{BDD501BB-5E0B-45D0-B3E7-211FFB80D59B}"/>
+                  </a:ext>
+                </a:extLst>
+              </p:cNvPr>
+              <p:cNvSpPr/>
+              <p:nvPr/>
+            </p:nvSpPr>
+            <p:spPr>
+              <a:xfrm>
+                <a:off x="10547412" y="2667517"/>
+                <a:ext cx="254467" cy="254505"/>
+              </a:xfrm>
+              <a:prstGeom prst="rect">
+                <a:avLst/>
+              </a:prstGeom>
+              <a:solidFill>
+                <a:schemeClr val="bg1">
+                  <a:lumMod val="75000"/>
+                </a:schemeClr>
+              </a:solidFill>
+              <a:ln>
+                <a:noFill/>
+              </a:ln>
+            </p:spPr>
+            <p:style>
+              <a:lnRef idx="2">
+                <a:schemeClr val="accent1">
+                  <a:shade val="50000"/>
+                </a:schemeClr>
+              </a:lnRef>
+              <a:fillRef idx="1">
+                <a:schemeClr val="accent1"/>
+              </a:fillRef>
+              <a:effectRef idx="0">
+                <a:schemeClr val="accent1"/>
+              </a:effectRef>
+              <a:fontRef idx="minor">
+                <a:schemeClr val="lt1"/>
+              </a:fontRef>
+            </p:style>
+            <p:txBody>
+              <a:bodyPr rtlCol="0" anchor="ctr"/>
+              <a:lstStyle/>
+              <a:p>
+                <a:pPr algn="ctr"/>
+                <a:endParaRPr lang="ko-KR" altLang="en-US"/>
+              </a:p>
+            </p:txBody>
+          </p:sp>
+          <p:sp>
+            <p:nvSpPr>
+              <p:cNvPr id="157" name="Subtitle 2">
+                <a:extLst>
+                  <a:ext uri="{FF2B5EF4-FFF2-40B4-BE49-F238E27FC236}">
+                    <a16:creationId xmlns:a16="http://schemas.microsoft.com/office/drawing/2014/main" id="{86C6EB5E-2DAE-4EA3-9304-E5ECA802FFEC}"/>
+                  </a:ext>
+                </a:extLst>
+              </p:cNvPr>
+              <p:cNvSpPr txBox="1">
+                <a:spLocks/>
+              </p:cNvSpPr>
+              <p:nvPr/>
+            </p:nvSpPr>
+            <p:spPr>
+              <a:xfrm>
+                <a:off x="10494031" y="2652647"/>
+                <a:ext cx="425337" cy="281422"/>
+              </a:xfrm>
+              <a:prstGeom prst="rect">
+                <a:avLst/>
+              </a:prstGeom>
+            </p:spPr>
+            <p:txBody>
+              <a:bodyPr vert="horz" lIns="91440" tIns="45720" rIns="91440" bIns="45720" rtlCol="0">
+                <a:noAutofit/>
+              </a:bodyPr>
+              <a:lstStyle>
+                <a:lvl1pPr marL="0" indent="0" algn="ctr" defTabSz="914400" rtl="0" eaLnBrk="1" latinLnBrk="1" hangingPunct="1">
+                  <a:lnSpc>
+                    <a:spcPct val="90000"/>
+                  </a:lnSpc>
+                  <a:spcBef>
+                    <a:spcPts val="1000"/>
+                  </a:spcBef>
+                  <a:buFont typeface="Arial" panose="020B0604020202020204" pitchFamily="34" charset="0"/>
+                  <a:buNone/>
+                  <a:defRPr sz="2400" kern="1200">
+                    <a:solidFill>
+                      <a:schemeClr val="tx1"/>
+                    </a:solidFill>
+                    <a:latin typeface="+mn-lt"/>
+                    <a:ea typeface="+mn-ea"/>
+                    <a:cs typeface="+mn-cs"/>
+                  </a:defRPr>
+                </a:lvl1pPr>
+                <a:lvl2pPr marL="457200" indent="0" algn="ctr" defTabSz="914400" rtl="0" eaLnBrk="1" latinLnBrk="1" hangingPunct="1">
+                  <a:lnSpc>
+                    <a:spcPct val="90000"/>
+                  </a:lnSpc>
+                  <a:spcBef>
+                    <a:spcPts val="500"/>
+                  </a:spcBef>
+                  <a:buFont typeface="Arial" panose="020B0604020202020204" pitchFamily="34" charset="0"/>
+                  <a:buNone/>
+                  <a:defRPr sz="2000" kern="1200">
+                    <a:solidFill>
+                      <a:schemeClr val="tx1"/>
+                    </a:solidFill>
+                    <a:latin typeface="+mn-lt"/>
+                    <a:ea typeface="+mn-ea"/>
+                    <a:cs typeface="+mn-cs"/>
+                  </a:defRPr>
+                </a:lvl2pPr>
+                <a:lvl3pPr marL="914400" indent="0" algn="ctr" defTabSz="914400" rtl="0" eaLnBrk="1" latinLnBrk="1" hangingPunct="1">
+                  <a:lnSpc>
+                    <a:spcPct val="90000"/>
+                  </a:lnSpc>
+                  <a:spcBef>
+                    <a:spcPts val="500"/>
+                  </a:spcBef>
+                  <a:buFont typeface="Arial" panose="020B0604020202020204" pitchFamily="34" charset="0"/>
+                  <a:buNone/>
+                  <a:defRPr sz="1800" kern="1200">
+                    <a:solidFill>
+                      <a:schemeClr val="tx1"/>
+                    </a:solidFill>
+                    <a:latin typeface="+mn-lt"/>
+                    <a:ea typeface="+mn-ea"/>
+                    <a:cs typeface="+mn-cs"/>
+                  </a:defRPr>
+                </a:lvl3pPr>
+                <a:lvl4pPr marL="1371600" indent="0" algn="ctr" defTabSz="914400" rtl="0" eaLnBrk="1" latinLnBrk="1" hangingPunct="1">
+                  <a:lnSpc>
+                    <a:spcPct val="90000"/>
+                  </a:lnSpc>
+                  <a:spcBef>
+                    <a:spcPts val="500"/>
+                  </a:spcBef>
+                  <a:buFont typeface="Arial" panose="020B0604020202020204" pitchFamily="34" charset="0"/>
+                  <a:buNone/>
+                  <a:defRPr sz="1600" kern="1200">
+                    <a:solidFill>
+                      <a:schemeClr val="tx1"/>
+                    </a:solidFill>
+                    <a:latin typeface="+mn-lt"/>
+                    <a:ea typeface="+mn-ea"/>
+                    <a:cs typeface="+mn-cs"/>
+                  </a:defRPr>
+                </a:lvl4pPr>
+                <a:lvl5pPr marL="1828800" indent="0" algn="ctr" defTabSz="914400" rtl="0" eaLnBrk="1" latinLnBrk="1" hangingPunct="1">
+                  <a:lnSpc>
+                    <a:spcPct val="90000"/>
+                  </a:lnSpc>
+                  <a:spcBef>
+                    <a:spcPts val="500"/>
+                  </a:spcBef>
+                  <a:buFont typeface="Arial" panose="020B0604020202020204" pitchFamily="34" charset="0"/>
+                  <a:buNone/>
+                  <a:defRPr sz="1600" kern="1200">
+                    <a:solidFill>
+                      <a:schemeClr val="tx1"/>
+                    </a:solidFill>
+                    <a:latin typeface="+mn-lt"/>
+                    <a:ea typeface="+mn-ea"/>
+                    <a:cs typeface="+mn-cs"/>
+                  </a:defRPr>
+                </a:lvl5pPr>
+                <a:lvl6pPr marL="2286000" indent="0" algn="ctr" defTabSz="914400" rtl="0" eaLnBrk="1" latinLnBrk="1" hangingPunct="1">
+                  <a:lnSpc>
+                    <a:spcPct val="90000"/>
+                  </a:lnSpc>
+                  <a:spcBef>
+                    <a:spcPts val="500"/>
+                  </a:spcBef>
+                  <a:buFont typeface="Arial" panose="020B0604020202020204" pitchFamily="34" charset="0"/>
+                  <a:buNone/>
+                  <a:defRPr sz="1600" kern="1200">
+                    <a:solidFill>
+                      <a:schemeClr val="tx1"/>
+                    </a:solidFill>
+                    <a:latin typeface="+mn-lt"/>
+                    <a:ea typeface="+mn-ea"/>
+                    <a:cs typeface="+mn-cs"/>
+                  </a:defRPr>
+                </a:lvl6pPr>
+                <a:lvl7pPr marL="2743200" indent="0" algn="ctr" defTabSz="914400" rtl="0" eaLnBrk="1" latinLnBrk="1" hangingPunct="1">
+                  <a:lnSpc>
+                    <a:spcPct val="90000"/>
+                  </a:lnSpc>
+                  <a:spcBef>
+                    <a:spcPts val="500"/>
+                  </a:spcBef>
+                  <a:buFont typeface="Arial" panose="020B0604020202020204" pitchFamily="34" charset="0"/>
+                  <a:buNone/>
+                  <a:defRPr sz="1600" kern="1200">
+                    <a:solidFill>
+                      <a:schemeClr val="tx1"/>
+                    </a:solidFill>
+                    <a:latin typeface="+mn-lt"/>
+                    <a:ea typeface="+mn-ea"/>
+                    <a:cs typeface="+mn-cs"/>
+                  </a:defRPr>
+                </a:lvl7pPr>
+                <a:lvl8pPr marL="3200400" indent="0" algn="ctr" defTabSz="914400" rtl="0" eaLnBrk="1" latinLnBrk="1" hangingPunct="1">
+                  <a:lnSpc>
+                    <a:spcPct val="90000"/>
+                  </a:lnSpc>
+                  <a:spcBef>
+                    <a:spcPts val="500"/>
+                  </a:spcBef>
+                  <a:buFont typeface="Arial" panose="020B0604020202020204" pitchFamily="34" charset="0"/>
+                  <a:buNone/>
+                  <a:defRPr sz="1600" kern="1200">
+                    <a:solidFill>
+                      <a:schemeClr val="tx1"/>
+                    </a:solidFill>
+                    <a:latin typeface="+mn-lt"/>
+                    <a:ea typeface="+mn-ea"/>
+                    <a:cs typeface="+mn-cs"/>
+                  </a:defRPr>
+                </a:lvl8pPr>
+                <a:lvl9pPr marL="3657600" indent="0" algn="ctr" defTabSz="914400" rtl="0" eaLnBrk="1" latinLnBrk="1" hangingPunct="1">
+                  <a:lnSpc>
+                    <a:spcPct val="90000"/>
+                  </a:lnSpc>
+                  <a:spcBef>
+                    <a:spcPts val="500"/>
+                  </a:spcBef>
+                  <a:buFont typeface="Arial" panose="020B0604020202020204" pitchFamily="34" charset="0"/>
+                  <a:buNone/>
+                  <a:defRPr sz="1600" kern="1200">
+                    <a:solidFill>
+                      <a:schemeClr val="tx1"/>
+                    </a:solidFill>
+                    <a:latin typeface="+mn-lt"/>
+                    <a:ea typeface="+mn-ea"/>
+                    <a:cs typeface="+mn-cs"/>
+                  </a:defRPr>
+                </a:lvl9pPr>
+              </a:lstStyle>
+              <a:p>
+                <a:pPr algn="l"/>
+                <a:r>
+                  <a:rPr lang="en-US" altLang="ko-KR" sz="1600" dirty="0">
+                    <a:solidFill>
+                      <a:schemeClr val="tx1">
+                        <a:lumMod val="85000"/>
+                        <a:lumOff val="15000"/>
+                      </a:schemeClr>
+                    </a:solidFill>
+                    <a:latin typeface="Noto Sans CJK KR Medium" panose="020B0600000000000000" pitchFamily="34" charset="-127"/>
+                    <a:ea typeface="Noto Sans CJK KR Medium" panose="020B0600000000000000" pitchFamily="34" charset="-127"/>
+                  </a:rPr>
+                  <a:t>t3</a:t>
+                </a:r>
+                <a:endParaRPr lang="ko-KR" altLang="en-US" sz="1600" dirty="0">
+                  <a:solidFill>
+                    <a:schemeClr val="tx1">
+                      <a:lumMod val="85000"/>
+                      <a:lumOff val="15000"/>
+                    </a:schemeClr>
+                  </a:solidFill>
+                  <a:latin typeface="Noto Sans CJK KR Medium" panose="020B0600000000000000" pitchFamily="34" charset="-127"/>
+                  <a:ea typeface="Noto Sans CJK KR Medium" panose="020B0600000000000000" pitchFamily="34" charset="-127"/>
+                </a:endParaRPr>
+              </a:p>
+            </p:txBody>
+          </p:sp>
+        </p:grpSp>
+        <p:grpSp>
+          <p:nvGrpSpPr>
+            <p:cNvPr id="158" name="Group 157">
+              <a:extLst>
+                <a:ext uri="{FF2B5EF4-FFF2-40B4-BE49-F238E27FC236}">
+                  <a16:creationId xmlns:a16="http://schemas.microsoft.com/office/drawing/2014/main" id="{76448092-90F9-4EDB-BDA3-2D5DF11CA704}"/>
+                </a:ext>
+              </a:extLst>
+            </p:cNvPr>
+            <p:cNvGrpSpPr/>
+            <p:nvPr/>
+          </p:nvGrpSpPr>
+          <p:grpSpPr>
+            <a:xfrm>
+              <a:off x="9417003" y="3002668"/>
+              <a:ext cx="425337" cy="281422"/>
+              <a:chOff x="9417003" y="3002668"/>
+              <a:chExt cx="425337" cy="281422"/>
+            </a:xfrm>
+          </p:grpSpPr>
+          <p:sp>
+            <p:nvSpPr>
+              <p:cNvPr id="159" name="Rectangle 158">
+                <a:extLst>
+                  <a:ext uri="{FF2B5EF4-FFF2-40B4-BE49-F238E27FC236}">
+                    <a16:creationId xmlns:a16="http://schemas.microsoft.com/office/drawing/2014/main" id="{18D7AB7A-F2C1-4776-9C49-D647340E37C8}"/>
+                  </a:ext>
+                </a:extLst>
+              </p:cNvPr>
+              <p:cNvSpPr/>
+              <p:nvPr/>
+            </p:nvSpPr>
+            <p:spPr>
+              <a:xfrm>
+                <a:off x="9475787" y="3008281"/>
+                <a:ext cx="254467" cy="254505"/>
+              </a:xfrm>
+              <a:prstGeom prst="rect">
+                <a:avLst/>
+              </a:prstGeom>
+              <a:solidFill>
+                <a:schemeClr val="bg1">
+                  <a:lumMod val="75000"/>
+                </a:schemeClr>
+              </a:solidFill>
+              <a:ln>
+                <a:noFill/>
+              </a:ln>
+            </p:spPr>
+            <p:style>
+              <a:lnRef idx="2">
+                <a:schemeClr val="accent1">
+                  <a:shade val="50000"/>
+                </a:schemeClr>
+              </a:lnRef>
+              <a:fillRef idx="1">
+                <a:schemeClr val="accent1"/>
+              </a:fillRef>
+              <a:effectRef idx="0">
+                <a:schemeClr val="accent1"/>
+              </a:effectRef>
+              <a:fontRef idx="minor">
+                <a:schemeClr val="lt1"/>
+              </a:fontRef>
+            </p:style>
+            <p:txBody>
+              <a:bodyPr rtlCol="0" anchor="ctr"/>
+              <a:lstStyle/>
+              <a:p>
+                <a:pPr algn="ctr"/>
+                <a:endParaRPr lang="ko-KR" altLang="en-US"/>
+              </a:p>
+            </p:txBody>
+          </p:sp>
+          <p:sp>
+            <p:nvSpPr>
+              <p:cNvPr id="160" name="Subtitle 2">
+                <a:extLst>
+                  <a:ext uri="{FF2B5EF4-FFF2-40B4-BE49-F238E27FC236}">
+                    <a16:creationId xmlns:a16="http://schemas.microsoft.com/office/drawing/2014/main" id="{A2967DF3-3032-4696-86B4-F8C7ED84FD95}"/>
+                  </a:ext>
+                </a:extLst>
+              </p:cNvPr>
+              <p:cNvSpPr txBox="1">
+                <a:spLocks/>
+              </p:cNvSpPr>
+              <p:nvPr/>
+            </p:nvSpPr>
+            <p:spPr>
+              <a:xfrm>
+                <a:off x="9417003" y="3002668"/>
+                <a:ext cx="425337" cy="281422"/>
+              </a:xfrm>
+              <a:prstGeom prst="rect">
+                <a:avLst/>
+              </a:prstGeom>
+            </p:spPr>
+            <p:txBody>
+              <a:bodyPr vert="horz" lIns="91440" tIns="45720" rIns="91440" bIns="45720" rtlCol="0">
+                <a:noAutofit/>
+              </a:bodyPr>
+              <a:lstStyle>
+                <a:lvl1pPr marL="0" indent="0" algn="ctr" defTabSz="914400" rtl="0" eaLnBrk="1" latinLnBrk="1" hangingPunct="1">
+                  <a:lnSpc>
+                    <a:spcPct val="90000"/>
+                  </a:lnSpc>
+                  <a:spcBef>
+                    <a:spcPts val="1000"/>
+                  </a:spcBef>
+                  <a:buFont typeface="Arial" panose="020B0604020202020204" pitchFamily="34" charset="0"/>
+                  <a:buNone/>
+                  <a:defRPr sz="2400" kern="1200">
+                    <a:solidFill>
+                      <a:schemeClr val="tx1"/>
+                    </a:solidFill>
+                    <a:latin typeface="+mn-lt"/>
+                    <a:ea typeface="+mn-ea"/>
+                    <a:cs typeface="+mn-cs"/>
+                  </a:defRPr>
+                </a:lvl1pPr>
+                <a:lvl2pPr marL="457200" indent="0" algn="ctr" defTabSz="914400" rtl="0" eaLnBrk="1" latinLnBrk="1" hangingPunct="1">
+                  <a:lnSpc>
+                    <a:spcPct val="90000"/>
+                  </a:lnSpc>
+                  <a:spcBef>
+                    <a:spcPts val="500"/>
+                  </a:spcBef>
+                  <a:buFont typeface="Arial" panose="020B0604020202020204" pitchFamily="34" charset="0"/>
+                  <a:buNone/>
+                  <a:defRPr sz="2000" kern="1200">
+                    <a:solidFill>
+                      <a:schemeClr val="tx1"/>
+                    </a:solidFill>
+                    <a:latin typeface="+mn-lt"/>
+                    <a:ea typeface="+mn-ea"/>
+                    <a:cs typeface="+mn-cs"/>
+                  </a:defRPr>
+                </a:lvl2pPr>
+                <a:lvl3pPr marL="914400" indent="0" algn="ctr" defTabSz="914400" rtl="0" eaLnBrk="1" latinLnBrk="1" hangingPunct="1">
+                  <a:lnSpc>
+                    <a:spcPct val="90000"/>
+                  </a:lnSpc>
+                  <a:spcBef>
+                    <a:spcPts val="500"/>
+                  </a:spcBef>
+                  <a:buFont typeface="Arial" panose="020B0604020202020204" pitchFamily="34" charset="0"/>
+                  <a:buNone/>
+                  <a:defRPr sz="1800" kern="1200">
+                    <a:solidFill>
+                      <a:schemeClr val="tx1"/>
+                    </a:solidFill>
+                    <a:latin typeface="+mn-lt"/>
+                    <a:ea typeface="+mn-ea"/>
+                    <a:cs typeface="+mn-cs"/>
+                  </a:defRPr>
+                </a:lvl3pPr>
+                <a:lvl4pPr marL="1371600" indent="0" algn="ctr" defTabSz="914400" rtl="0" eaLnBrk="1" latinLnBrk="1" hangingPunct="1">
+                  <a:lnSpc>
+                    <a:spcPct val="90000"/>
+                  </a:lnSpc>
+                  <a:spcBef>
+                    <a:spcPts val="500"/>
+                  </a:spcBef>
+                  <a:buFont typeface="Arial" panose="020B0604020202020204" pitchFamily="34" charset="0"/>
+                  <a:buNone/>
+                  <a:defRPr sz="1600" kern="1200">
+                    <a:solidFill>
+                      <a:schemeClr val="tx1"/>
+                    </a:solidFill>
+                    <a:latin typeface="+mn-lt"/>
+                    <a:ea typeface="+mn-ea"/>
+                    <a:cs typeface="+mn-cs"/>
+                  </a:defRPr>
+                </a:lvl4pPr>
+                <a:lvl5pPr marL="1828800" indent="0" algn="ctr" defTabSz="914400" rtl="0" eaLnBrk="1" latinLnBrk="1" hangingPunct="1">
+                  <a:lnSpc>
+                    <a:spcPct val="90000"/>
+                  </a:lnSpc>
+                  <a:spcBef>
+                    <a:spcPts val="500"/>
+                  </a:spcBef>
+                  <a:buFont typeface="Arial" panose="020B0604020202020204" pitchFamily="34" charset="0"/>
+                  <a:buNone/>
+                  <a:defRPr sz="1600" kern="1200">
+                    <a:solidFill>
+                      <a:schemeClr val="tx1"/>
+                    </a:solidFill>
+                    <a:latin typeface="+mn-lt"/>
+                    <a:ea typeface="+mn-ea"/>
+                    <a:cs typeface="+mn-cs"/>
+                  </a:defRPr>
+                </a:lvl5pPr>
+                <a:lvl6pPr marL="2286000" indent="0" algn="ctr" defTabSz="914400" rtl="0" eaLnBrk="1" latinLnBrk="1" hangingPunct="1">
+                  <a:lnSpc>
+                    <a:spcPct val="90000"/>
+                  </a:lnSpc>
+                  <a:spcBef>
+                    <a:spcPts val="500"/>
+                  </a:spcBef>
+                  <a:buFont typeface="Arial" panose="020B0604020202020204" pitchFamily="34" charset="0"/>
+                  <a:buNone/>
+                  <a:defRPr sz="1600" kern="1200">
+                    <a:solidFill>
+                      <a:schemeClr val="tx1"/>
+                    </a:solidFill>
+                    <a:latin typeface="+mn-lt"/>
+                    <a:ea typeface="+mn-ea"/>
+                    <a:cs typeface="+mn-cs"/>
+                  </a:defRPr>
+                </a:lvl6pPr>
+                <a:lvl7pPr marL="2743200" indent="0" algn="ctr" defTabSz="914400" rtl="0" eaLnBrk="1" latinLnBrk="1" hangingPunct="1">
+                  <a:lnSpc>
+                    <a:spcPct val="90000"/>
+                  </a:lnSpc>
+                  <a:spcBef>
+                    <a:spcPts val="500"/>
+                  </a:spcBef>
+                  <a:buFont typeface="Arial" panose="020B0604020202020204" pitchFamily="34" charset="0"/>
+                  <a:buNone/>
+                  <a:defRPr sz="1600" kern="1200">
+                    <a:solidFill>
+                      <a:schemeClr val="tx1"/>
+                    </a:solidFill>
+                    <a:latin typeface="+mn-lt"/>
+                    <a:ea typeface="+mn-ea"/>
+                    <a:cs typeface="+mn-cs"/>
+                  </a:defRPr>
+                </a:lvl7pPr>
+                <a:lvl8pPr marL="3200400" indent="0" algn="ctr" defTabSz="914400" rtl="0" eaLnBrk="1" latinLnBrk="1" hangingPunct="1">
+                  <a:lnSpc>
+                    <a:spcPct val="90000"/>
+                  </a:lnSpc>
+                  <a:spcBef>
+                    <a:spcPts val="500"/>
+                  </a:spcBef>
+                  <a:buFont typeface="Arial" panose="020B0604020202020204" pitchFamily="34" charset="0"/>
+                  <a:buNone/>
+                  <a:defRPr sz="1600" kern="1200">
+                    <a:solidFill>
+                      <a:schemeClr val="tx1"/>
+                    </a:solidFill>
+                    <a:latin typeface="+mn-lt"/>
+                    <a:ea typeface="+mn-ea"/>
+                    <a:cs typeface="+mn-cs"/>
+                  </a:defRPr>
+                </a:lvl8pPr>
+                <a:lvl9pPr marL="3657600" indent="0" algn="ctr" defTabSz="914400" rtl="0" eaLnBrk="1" latinLnBrk="1" hangingPunct="1">
+                  <a:lnSpc>
+                    <a:spcPct val="90000"/>
+                  </a:lnSpc>
+                  <a:spcBef>
+                    <a:spcPts val="500"/>
+                  </a:spcBef>
+                  <a:buFont typeface="Arial" panose="020B0604020202020204" pitchFamily="34" charset="0"/>
+                  <a:buNone/>
+                  <a:defRPr sz="1600" kern="1200">
+                    <a:solidFill>
+                      <a:schemeClr val="tx1"/>
+                    </a:solidFill>
+                    <a:latin typeface="+mn-lt"/>
+                    <a:ea typeface="+mn-ea"/>
+                    <a:cs typeface="+mn-cs"/>
+                  </a:defRPr>
+                </a:lvl9pPr>
+              </a:lstStyle>
+              <a:p>
+                <a:pPr algn="l"/>
+                <a:r>
+                  <a:rPr lang="en-US" altLang="ko-KR" sz="1600" dirty="0">
+                    <a:solidFill>
+                      <a:schemeClr val="tx1">
+                        <a:lumMod val="85000"/>
+                        <a:lumOff val="15000"/>
+                      </a:schemeClr>
+                    </a:solidFill>
+                    <a:latin typeface="Noto Sans CJK KR Medium" panose="020B0600000000000000" pitchFamily="34" charset="-127"/>
+                    <a:ea typeface="Noto Sans CJK KR Medium" panose="020B0600000000000000" pitchFamily="34" charset="-127"/>
+                  </a:rPr>
+                  <a:t>s0</a:t>
+                </a:r>
+                <a:endParaRPr lang="ko-KR" altLang="en-US" sz="1600" dirty="0">
+                  <a:solidFill>
+                    <a:schemeClr val="tx1">
+                      <a:lumMod val="85000"/>
+                      <a:lumOff val="15000"/>
+                    </a:schemeClr>
+                  </a:solidFill>
+                  <a:latin typeface="Noto Sans CJK KR Medium" panose="020B0600000000000000" pitchFamily="34" charset="-127"/>
+                  <a:ea typeface="Noto Sans CJK KR Medium" panose="020B0600000000000000" pitchFamily="34" charset="-127"/>
+                </a:endParaRPr>
+              </a:p>
+            </p:txBody>
+          </p:sp>
+        </p:grpSp>
+        <p:grpSp>
+          <p:nvGrpSpPr>
+            <p:cNvPr id="161" name="Group 160">
+              <a:extLst>
+                <a:ext uri="{FF2B5EF4-FFF2-40B4-BE49-F238E27FC236}">
+                  <a16:creationId xmlns:a16="http://schemas.microsoft.com/office/drawing/2014/main" id="{511855EA-DC71-4D51-9A27-406BDEE7997B}"/>
+                </a:ext>
+              </a:extLst>
+            </p:cNvPr>
+            <p:cNvGrpSpPr/>
+            <p:nvPr/>
+          </p:nvGrpSpPr>
+          <p:grpSpPr>
+            <a:xfrm>
+              <a:off x="9768286" y="3002668"/>
+              <a:ext cx="425337" cy="281422"/>
+              <a:chOff x="9768286" y="3002668"/>
+              <a:chExt cx="425337" cy="281422"/>
+            </a:xfrm>
+          </p:grpSpPr>
+          <p:sp>
+            <p:nvSpPr>
+              <p:cNvPr id="162" name="Rectangle 161">
+                <a:extLst>
+                  <a:ext uri="{FF2B5EF4-FFF2-40B4-BE49-F238E27FC236}">
+                    <a16:creationId xmlns:a16="http://schemas.microsoft.com/office/drawing/2014/main" id="{86EDCE64-BAF7-411F-A841-028F5361E509}"/>
+                  </a:ext>
+                </a:extLst>
+              </p:cNvPr>
+              <p:cNvSpPr/>
+              <p:nvPr/>
+            </p:nvSpPr>
+            <p:spPr>
+              <a:xfrm>
+                <a:off x="9829576" y="3008281"/>
+                <a:ext cx="254467" cy="254505"/>
+              </a:xfrm>
+              <a:prstGeom prst="rect">
+                <a:avLst/>
+              </a:prstGeom>
+              <a:solidFill>
+                <a:schemeClr val="bg1">
+                  <a:lumMod val="75000"/>
+                </a:schemeClr>
+              </a:solidFill>
+              <a:ln>
+                <a:noFill/>
+              </a:ln>
+            </p:spPr>
+            <p:style>
+              <a:lnRef idx="2">
+                <a:schemeClr val="accent1">
+                  <a:shade val="50000"/>
+                </a:schemeClr>
+              </a:lnRef>
+              <a:fillRef idx="1">
+                <a:schemeClr val="accent1"/>
+              </a:fillRef>
+              <a:effectRef idx="0">
+                <a:schemeClr val="accent1"/>
+              </a:effectRef>
+              <a:fontRef idx="minor">
+                <a:schemeClr val="lt1"/>
+              </a:fontRef>
+            </p:style>
+            <p:txBody>
+              <a:bodyPr rtlCol="0" anchor="ctr"/>
+              <a:lstStyle/>
+              <a:p>
+                <a:pPr algn="ctr"/>
+                <a:endParaRPr lang="ko-KR" altLang="en-US"/>
+              </a:p>
+            </p:txBody>
+          </p:sp>
+          <p:sp>
+            <p:nvSpPr>
+              <p:cNvPr id="163" name="Subtitle 2">
+                <a:extLst>
+                  <a:ext uri="{FF2B5EF4-FFF2-40B4-BE49-F238E27FC236}">
+                    <a16:creationId xmlns:a16="http://schemas.microsoft.com/office/drawing/2014/main" id="{A04FDFA3-2A24-4BFF-B506-CB43A20C6F79}"/>
+                  </a:ext>
+                </a:extLst>
+              </p:cNvPr>
+              <p:cNvSpPr txBox="1">
+                <a:spLocks/>
+              </p:cNvSpPr>
+              <p:nvPr/>
+            </p:nvSpPr>
+            <p:spPr>
+              <a:xfrm>
+                <a:off x="9768286" y="3002668"/>
+                <a:ext cx="425337" cy="281422"/>
+              </a:xfrm>
+              <a:prstGeom prst="rect">
+                <a:avLst/>
+              </a:prstGeom>
+            </p:spPr>
+            <p:txBody>
+              <a:bodyPr vert="horz" lIns="91440" tIns="45720" rIns="91440" bIns="45720" rtlCol="0">
+                <a:noAutofit/>
+              </a:bodyPr>
+              <a:lstStyle>
+                <a:lvl1pPr marL="0" indent="0" algn="ctr" defTabSz="914400" rtl="0" eaLnBrk="1" latinLnBrk="1" hangingPunct="1">
+                  <a:lnSpc>
+                    <a:spcPct val="90000"/>
+                  </a:lnSpc>
+                  <a:spcBef>
+                    <a:spcPts val="1000"/>
+                  </a:spcBef>
+                  <a:buFont typeface="Arial" panose="020B0604020202020204" pitchFamily="34" charset="0"/>
+                  <a:buNone/>
+                  <a:defRPr sz="2400" kern="1200">
+                    <a:solidFill>
+                      <a:schemeClr val="tx1"/>
+                    </a:solidFill>
+                    <a:latin typeface="+mn-lt"/>
+                    <a:ea typeface="+mn-ea"/>
+                    <a:cs typeface="+mn-cs"/>
+                  </a:defRPr>
+                </a:lvl1pPr>
+                <a:lvl2pPr marL="457200" indent="0" algn="ctr" defTabSz="914400" rtl="0" eaLnBrk="1" latinLnBrk="1" hangingPunct="1">
+                  <a:lnSpc>
+                    <a:spcPct val="90000"/>
+                  </a:lnSpc>
+                  <a:spcBef>
+                    <a:spcPts val="500"/>
+                  </a:spcBef>
+                  <a:buFont typeface="Arial" panose="020B0604020202020204" pitchFamily="34" charset="0"/>
+                  <a:buNone/>
+                  <a:defRPr sz="2000" kern="1200">
+                    <a:solidFill>
+                      <a:schemeClr val="tx1"/>
+                    </a:solidFill>
+                    <a:latin typeface="+mn-lt"/>
+                    <a:ea typeface="+mn-ea"/>
+                    <a:cs typeface="+mn-cs"/>
+                  </a:defRPr>
+                </a:lvl2pPr>
+                <a:lvl3pPr marL="914400" indent="0" algn="ctr" defTabSz="914400" rtl="0" eaLnBrk="1" latinLnBrk="1" hangingPunct="1">
+                  <a:lnSpc>
+                    <a:spcPct val="90000"/>
+                  </a:lnSpc>
+                  <a:spcBef>
+                    <a:spcPts val="500"/>
+                  </a:spcBef>
+                  <a:buFont typeface="Arial" panose="020B0604020202020204" pitchFamily="34" charset="0"/>
+                  <a:buNone/>
+                  <a:defRPr sz="1800" kern="1200">
+                    <a:solidFill>
+                      <a:schemeClr val="tx1"/>
+                    </a:solidFill>
+                    <a:latin typeface="+mn-lt"/>
+                    <a:ea typeface="+mn-ea"/>
+                    <a:cs typeface="+mn-cs"/>
+                  </a:defRPr>
+                </a:lvl3pPr>
+                <a:lvl4pPr marL="1371600" indent="0" algn="ctr" defTabSz="914400" rtl="0" eaLnBrk="1" latinLnBrk="1" hangingPunct="1">
+                  <a:lnSpc>
+                    <a:spcPct val="90000"/>
+                  </a:lnSpc>
+                  <a:spcBef>
+                    <a:spcPts val="500"/>
+                  </a:spcBef>
+                  <a:buFont typeface="Arial" panose="020B0604020202020204" pitchFamily="34" charset="0"/>
+                  <a:buNone/>
+                  <a:defRPr sz="1600" kern="1200">
+                    <a:solidFill>
+                      <a:schemeClr val="tx1"/>
+                    </a:solidFill>
+                    <a:latin typeface="+mn-lt"/>
+                    <a:ea typeface="+mn-ea"/>
+                    <a:cs typeface="+mn-cs"/>
+                  </a:defRPr>
+                </a:lvl4pPr>
+                <a:lvl5pPr marL="1828800" indent="0" algn="ctr" defTabSz="914400" rtl="0" eaLnBrk="1" latinLnBrk="1" hangingPunct="1">
+                  <a:lnSpc>
+                    <a:spcPct val="90000"/>
+                  </a:lnSpc>
+                  <a:spcBef>
+                    <a:spcPts val="500"/>
+                  </a:spcBef>
+                  <a:buFont typeface="Arial" panose="020B0604020202020204" pitchFamily="34" charset="0"/>
+                  <a:buNone/>
+                  <a:defRPr sz="1600" kern="1200">
+                    <a:solidFill>
+                      <a:schemeClr val="tx1"/>
+                    </a:solidFill>
+                    <a:latin typeface="+mn-lt"/>
+                    <a:ea typeface="+mn-ea"/>
+                    <a:cs typeface="+mn-cs"/>
+                  </a:defRPr>
+                </a:lvl5pPr>
+                <a:lvl6pPr marL="2286000" indent="0" algn="ctr" defTabSz="914400" rtl="0" eaLnBrk="1" latinLnBrk="1" hangingPunct="1">
+                  <a:lnSpc>
+                    <a:spcPct val="90000"/>
+                  </a:lnSpc>
+                  <a:spcBef>
+                    <a:spcPts val="500"/>
+                  </a:spcBef>
+                  <a:buFont typeface="Arial" panose="020B0604020202020204" pitchFamily="34" charset="0"/>
+                  <a:buNone/>
+                  <a:defRPr sz="1600" kern="1200">
+                    <a:solidFill>
+                      <a:schemeClr val="tx1"/>
+                    </a:solidFill>
+                    <a:latin typeface="+mn-lt"/>
+                    <a:ea typeface="+mn-ea"/>
+                    <a:cs typeface="+mn-cs"/>
+                  </a:defRPr>
+                </a:lvl6pPr>
+                <a:lvl7pPr marL="2743200" indent="0" algn="ctr" defTabSz="914400" rtl="0" eaLnBrk="1" latinLnBrk="1" hangingPunct="1">
+                  <a:lnSpc>
+                    <a:spcPct val="90000"/>
+                  </a:lnSpc>
+                  <a:spcBef>
+                    <a:spcPts val="500"/>
+                  </a:spcBef>
+                  <a:buFont typeface="Arial" panose="020B0604020202020204" pitchFamily="34" charset="0"/>
+                  <a:buNone/>
+                  <a:defRPr sz="1600" kern="1200">
+                    <a:solidFill>
+                      <a:schemeClr val="tx1"/>
+                    </a:solidFill>
+                    <a:latin typeface="+mn-lt"/>
+                    <a:ea typeface="+mn-ea"/>
+                    <a:cs typeface="+mn-cs"/>
+                  </a:defRPr>
+                </a:lvl7pPr>
+                <a:lvl8pPr marL="3200400" indent="0" algn="ctr" defTabSz="914400" rtl="0" eaLnBrk="1" latinLnBrk="1" hangingPunct="1">
+                  <a:lnSpc>
+                    <a:spcPct val="90000"/>
+                  </a:lnSpc>
+                  <a:spcBef>
+                    <a:spcPts val="500"/>
+                  </a:spcBef>
+                  <a:buFont typeface="Arial" panose="020B0604020202020204" pitchFamily="34" charset="0"/>
+                  <a:buNone/>
+                  <a:defRPr sz="1600" kern="1200">
+                    <a:solidFill>
+                      <a:schemeClr val="tx1"/>
+                    </a:solidFill>
+                    <a:latin typeface="+mn-lt"/>
+                    <a:ea typeface="+mn-ea"/>
+                    <a:cs typeface="+mn-cs"/>
+                  </a:defRPr>
+                </a:lvl8pPr>
+                <a:lvl9pPr marL="3657600" indent="0" algn="ctr" defTabSz="914400" rtl="0" eaLnBrk="1" latinLnBrk="1" hangingPunct="1">
+                  <a:lnSpc>
+                    <a:spcPct val="90000"/>
+                  </a:lnSpc>
+                  <a:spcBef>
+                    <a:spcPts val="500"/>
+                  </a:spcBef>
+                  <a:buFont typeface="Arial" panose="020B0604020202020204" pitchFamily="34" charset="0"/>
+                  <a:buNone/>
+                  <a:defRPr sz="1600" kern="1200">
+                    <a:solidFill>
+                      <a:schemeClr val="tx1"/>
+                    </a:solidFill>
+                    <a:latin typeface="+mn-lt"/>
+                    <a:ea typeface="+mn-ea"/>
+                    <a:cs typeface="+mn-cs"/>
+                  </a:defRPr>
+                </a:lvl9pPr>
+              </a:lstStyle>
+              <a:p>
+                <a:pPr algn="l"/>
+                <a:r>
+                  <a:rPr lang="en-US" altLang="ko-KR" sz="1600" dirty="0">
+                    <a:solidFill>
+                      <a:schemeClr val="tx1">
+                        <a:lumMod val="85000"/>
+                        <a:lumOff val="15000"/>
+                      </a:schemeClr>
+                    </a:solidFill>
+                    <a:latin typeface="Noto Sans CJK KR Medium" panose="020B0600000000000000" pitchFamily="34" charset="-127"/>
+                    <a:ea typeface="Noto Sans CJK KR Medium" panose="020B0600000000000000" pitchFamily="34" charset="-127"/>
+                  </a:rPr>
+                  <a:t>s1</a:t>
+                </a:r>
+                <a:endParaRPr lang="ko-KR" altLang="en-US" sz="1600" dirty="0">
+                  <a:solidFill>
+                    <a:schemeClr val="tx1">
+                      <a:lumMod val="85000"/>
+                      <a:lumOff val="15000"/>
+                    </a:schemeClr>
+                  </a:solidFill>
+                  <a:latin typeface="Noto Sans CJK KR Medium" panose="020B0600000000000000" pitchFamily="34" charset="-127"/>
+                  <a:ea typeface="Noto Sans CJK KR Medium" panose="020B0600000000000000" pitchFamily="34" charset="-127"/>
+                </a:endParaRPr>
+              </a:p>
+            </p:txBody>
+          </p:sp>
+        </p:grpSp>
+        <p:grpSp>
+          <p:nvGrpSpPr>
+            <p:cNvPr id="164" name="Group 163">
+              <a:extLst>
+                <a:ext uri="{FF2B5EF4-FFF2-40B4-BE49-F238E27FC236}">
+                  <a16:creationId xmlns:a16="http://schemas.microsoft.com/office/drawing/2014/main" id="{8ADFAA92-DCF0-49C0-8071-CD3533556C90}"/>
+                </a:ext>
+              </a:extLst>
+            </p:cNvPr>
+            <p:cNvGrpSpPr/>
+            <p:nvPr/>
+          </p:nvGrpSpPr>
+          <p:grpSpPr>
+            <a:xfrm>
+              <a:off x="10131532" y="3002668"/>
+              <a:ext cx="425337" cy="281422"/>
+              <a:chOff x="10131532" y="3002668"/>
+              <a:chExt cx="425337" cy="281422"/>
+            </a:xfrm>
+          </p:grpSpPr>
+          <p:sp>
+            <p:nvSpPr>
+              <p:cNvPr id="165" name="Rectangle 164">
+                <a:extLst>
+                  <a:ext uri="{FF2B5EF4-FFF2-40B4-BE49-F238E27FC236}">
+                    <a16:creationId xmlns:a16="http://schemas.microsoft.com/office/drawing/2014/main" id="{DBC40EA0-5979-4FB2-9973-11BF4BCBDF8F}"/>
+                  </a:ext>
+                </a:extLst>
+              </p:cNvPr>
+              <p:cNvSpPr/>
+              <p:nvPr/>
+            </p:nvSpPr>
+            <p:spPr>
+              <a:xfrm>
+                <a:off x="10193623" y="3008281"/>
+                <a:ext cx="254467" cy="254505"/>
+              </a:xfrm>
+              <a:prstGeom prst="rect">
+                <a:avLst/>
+              </a:prstGeom>
+              <a:solidFill>
+                <a:schemeClr val="bg1">
+                  <a:lumMod val="75000"/>
+                </a:schemeClr>
+              </a:solidFill>
+              <a:ln>
+                <a:noFill/>
+              </a:ln>
+            </p:spPr>
+            <p:style>
+              <a:lnRef idx="2">
+                <a:schemeClr val="accent1">
+                  <a:shade val="50000"/>
+                </a:schemeClr>
+              </a:lnRef>
+              <a:fillRef idx="1">
+                <a:schemeClr val="accent1"/>
+              </a:fillRef>
+              <a:effectRef idx="0">
+                <a:schemeClr val="accent1"/>
+              </a:effectRef>
+              <a:fontRef idx="minor">
+                <a:schemeClr val="lt1"/>
+              </a:fontRef>
+            </p:style>
+            <p:txBody>
+              <a:bodyPr rtlCol="0" anchor="ctr"/>
+              <a:lstStyle/>
+              <a:p>
+                <a:pPr algn="ctr"/>
+                <a:endParaRPr lang="ko-KR" altLang="en-US"/>
+              </a:p>
+            </p:txBody>
+          </p:sp>
+          <p:sp>
+            <p:nvSpPr>
+              <p:cNvPr id="166" name="Subtitle 2">
+                <a:extLst>
+                  <a:ext uri="{FF2B5EF4-FFF2-40B4-BE49-F238E27FC236}">
+                    <a16:creationId xmlns:a16="http://schemas.microsoft.com/office/drawing/2014/main" id="{39AB0D4E-894B-4DB0-9ED1-E65E3ADE1EED}"/>
+                  </a:ext>
+                </a:extLst>
+              </p:cNvPr>
+              <p:cNvSpPr txBox="1">
+                <a:spLocks/>
+              </p:cNvSpPr>
+              <p:nvPr/>
+            </p:nvSpPr>
+            <p:spPr>
+              <a:xfrm>
+                <a:off x="10131532" y="3002668"/>
+                <a:ext cx="425337" cy="281422"/>
+              </a:xfrm>
+              <a:prstGeom prst="rect">
+                <a:avLst/>
+              </a:prstGeom>
+            </p:spPr>
+            <p:txBody>
+              <a:bodyPr vert="horz" lIns="91440" tIns="45720" rIns="91440" bIns="45720" rtlCol="0">
+                <a:noAutofit/>
+              </a:bodyPr>
+              <a:lstStyle>
+                <a:lvl1pPr marL="0" indent="0" algn="ctr" defTabSz="914400" rtl="0" eaLnBrk="1" latinLnBrk="1" hangingPunct="1">
+                  <a:lnSpc>
+                    <a:spcPct val="90000"/>
+                  </a:lnSpc>
+                  <a:spcBef>
+                    <a:spcPts val="1000"/>
+                  </a:spcBef>
+                  <a:buFont typeface="Arial" panose="020B0604020202020204" pitchFamily="34" charset="0"/>
+                  <a:buNone/>
+                  <a:defRPr sz="2400" kern="1200">
+                    <a:solidFill>
+                      <a:schemeClr val="tx1"/>
+                    </a:solidFill>
+                    <a:latin typeface="+mn-lt"/>
+                    <a:ea typeface="+mn-ea"/>
+                    <a:cs typeface="+mn-cs"/>
+                  </a:defRPr>
+                </a:lvl1pPr>
+                <a:lvl2pPr marL="457200" indent="0" algn="ctr" defTabSz="914400" rtl="0" eaLnBrk="1" latinLnBrk="1" hangingPunct="1">
+                  <a:lnSpc>
+                    <a:spcPct val="90000"/>
+                  </a:lnSpc>
+                  <a:spcBef>
+                    <a:spcPts val="500"/>
+                  </a:spcBef>
+                  <a:buFont typeface="Arial" panose="020B0604020202020204" pitchFamily="34" charset="0"/>
+                  <a:buNone/>
+                  <a:defRPr sz="2000" kern="1200">
+                    <a:solidFill>
+                      <a:schemeClr val="tx1"/>
+                    </a:solidFill>
+                    <a:latin typeface="+mn-lt"/>
+                    <a:ea typeface="+mn-ea"/>
+                    <a:cs typeface="+mn-cs"/>
+                  </a:defRPr>
+                </a:lvl2pPr>
+                <a:lvl3pPr marL="914400" indent="0" algn="ctr" defTabSz="914400" rtl="0" eaLnBrk="1" latinLnBrk="1" hangingPunct="1">
+                  <a:lnSpc>
+                    <a:spcPct val="90000"/>
+                  </a:lnSpc>
+                  <a:spcBef>
+                    <a:spcPts val="500"/>
+                  </a:spcBef>
+                  <a:buFont typeface="Arial" panose="020B0604020202020204" pitchFamily="34" charset="0"/>
+                  <a:buNone/>
+                  <a:defRPr sz="1800" kern="1200">
+                    <a:solidFill>
+                      <a:schemeClr val="tx1"/>
+                    </a:solidFill>
+                    <a:latin typeface="+mn-lt"/>
+                    <a:ea typeface="+mn-ea"/>
+                    <a:cs typeface="+mn-cs"/>
+                  </a:defRPr>
+                </a:lvl3pPr>
+                <a:lvl4pPr marL="1371600" indent="0" algn="ctr" defTabSz="914400" rtl="0" eaLnBrk="1" latinLnBrk="1" hangingPunct="1">
+                  <a:lnSpc>
+                    <a:spcPct val="90000"/>
+                  </a:lnSpc>
+                  <a:spcBef>
+                    <a:spcPts val="500"/>
+                  </a:spcBef>
+                  <a:buFont typeface="Arial" panose="020B0604020202020204" pitchFamily="34" charset="0"/>
+                  <a:buNone/>
+                  <a:defRPr sz="1600" kern="1200">
+                    <a:solidFill>
+                      <a:schemeClr val="tx1"/>
+                    </a:solidFill>
+                    <a:latin typeface="+mn-lt"/>
+                    <a:ea typeface="+mn-ea"/>
+                    <a:cs typeface="+mn-cs"/>
+                  </a:defRPr>
+                </a:lvl4pPr>
+                <a:lvl5pPr marL="1828800" indent="0" algn="ctr" defTabSz="914400" rtl="0" eaLnBrk="1" latinLnBrk="1" hangingPunct="1">
+                  <a:lnSpc>
+                    <a:spcPct val="90000"/>
+                  </a:lnSpc>
+                  <a:spcBef>
+                    <a:spcPts val="500"/>
+                  </a:spcBef>
+                  <a:buFont typeface="Arial" panose="020B0604020202020204" pitchFamily="34" charset="0"/>
+                  <a:buNone/>
+                  <a:defRPr sz="1600" kern="1200">
+                    <a:solidFill>
+                      <a:schemeClr val="tx1"/>
+                    </a:solidFill>
+                    <a:latin typeface="+mn-lt"/>
+                    <a:ea typeface="+mn-ea"/>
+                    <a:cs typeface="+mn-cs"/>
+                  </a:defRPr>
+                </a:lvl5pPr>
+                <a:lvl6pPr marL="2286000" indent="0" algn="ctr" defTabSz="914400" rtl="0" eaLnBrk="1" latinLnBrk="1" hangingPunct="1">
+                  <a:lnSpc>
+                    <a:spcPct val="90000"/>
+                  </a:lnSpc>
+                  <a:spcBef>
+                    <a:spcPts val="500"/>
+                  </a:spcBef>
+                  <a:buFont typeface="Arial" panose="020B0604020202020204" pitchFamily="34" charset="0"/>
+                  <a:buNone/>
+                  <a:defRPr sz="1600" kern="1200">
+                    <a:solidFill>
+                      <a:schemeClr val="tx1"/>
+                    </a:solidFill>
+                    <a:latin typeface="+mn-lt"/>
+                    <a:ea typeface="+mn-ea"/>
+                    <a:cs typeface="+mn-cs"/>
+                  </a:defRPr>
+                </a:lvl6pPr>
+                <a:lvl7pPr marL="2743200" indent="0" algn="ctr" defTabSz="914400" rtl="0" eaLnBrk="1" latinLnBrk="1" hangingPunct="1">
+                  <a:lnSpc>
+                    <a:spcPct val="90000"/>
+                  </a:lnSpc>
+                  <a:spcBef>
+                    <a:spcPts val="500"/>
+                  </a:spcBef>
+                  <a:buFont typeface="Arial" panose="020B0604020202020204" pitchFamily="34" charset="0"/>
+                  <a:buNone/>
+                  <a:defRPr sz="1600" kern="1200">
+                    <a:solidFill>
+                      <a:schemeClr val="tx1"/>
+                    </a:solidFill>
+                    <a:latin typeface="+mn-lt"/>
+                    <a:ea typeface="+mn-ea"/>
+                    <a:cs typeface="+mn-cs"/>
+                  </a:defRPr>
+                </a:lvl7pPr>
+                <a:lvl8pPr marL="3200400" indent="0" algn="ctr" defTabSz="914400" rtl="0" eaLnBrk="1" latinLnBrk="1" hangingPunct="1">
+                  <a:lnSpc>
+                    <a:spcPct val="90000"/>
+                  </a:lnSpc>
+                  <a:spcBef>
+                    <a:spcPts val="500"/>
+                  </a:spcBef>
+                  <a:buFont typeface="Arial" panose="020B0604020202020204" pitchFamily="34" charset="0"/>
+                  <a:buNone/>
+                  <a:defRPr sz="1600" kern="1200">
+                    <a:solidFill>
+                      <a:schemeClr val="tx1"/>
+                    </a:solidFill>
+                    <a:latin typeface="+mn-lt"/>
+                    <a:ea typeface="+mn-ea"/>
+                    <a:cs typeface="+mn-cs"/>
+                  </a:defRPr>
+                </a:lvl8pPr>
+                <a:lvl9pPr marL="3657600" indent="0" algn="ctr" defTabSz="914400" rtl="0" eaLnBrk="1" latinLnBrk="1" hangingPunct="1">
+                  <a:lnSpc>
+                    <a:spcPct val="90000"/>
+                  </a:lnSpc>
+                  <a:spcBef>
+                    <a:spcPts val="500"/>
+                  </a:spcBef>
+                  <a:buFont typeface="Arial" panose="020B0604020202020204" pitchFamily="34" charset="0"/>
+                  <a:buNone/>
+                  <a:defRPr sz="1600" kern="1200">
+                    <a:solidFill>
+                      <a:schemeClr val="tx1"/>
+                    </a:solidFill>
+                    <a:latin typeface="+mn-lt"/>
+                    <a:ea typeface="+mn-ea"/>
+                    <a:cs typeface="+mn-cs"/>
+                  </a:defRPr>
+                </a:lvl9pPr>
+              </a:lstStyle>
+              <a:p>
+                <a:pPr algn="l"/>
+                <a:r>
+                  <a:rPr lang="en-US" altLang="ko-KR" sz="1600" dirty="0">
+                    <a:solidFill>
+                      <a:schemeClr val="tx1">
+                        <a:lumMod val="85000"/>
+                        <a:lumOff val="15000"/>
+                      </a:schemeClr>
+                    </a:solidFill>
+                    <a:latin typeface="Noto Sans CJK KR Medium" panose="020B0600000000000000" pitchFamily="34" charset="-127"/>
+                    <a:ea typeface="Noto Sans CJK KR Medium" panose="020B0600000000000000" pitchFamily="34" charset="-127"/>
+                  </a:rPr>
+                  <a:t>s2</a:t>
+                </a:r>
+                <a:endParaRPr lang="ko-KR" altLang="en-US" sz="1600" dirty="0">
+                  <a:solidFill>
+                    <a:schemeClr val="tx1">
+                      <a:lumMod val="85000"/>
+                      <a:lumOff val="15000"/>
+                    </a:schemeClr>
+                  </a:solidFill>
+                  <a:latin typeface="Noto Sans CJK KR Medium" panose="020B0600000000000000" pitchFamily="34" charset="-127"/>
+                  <a:ea typeface="Noto Sans CJK KR Medium" panose="020B0600000000000000" pitchFamily="34" charset="-127"/>
+                </a:endParaRPr>
+              </a:p>
+            </p:txBody>
+          </p:sp>
+        </p:grpSp>
+        <p:grpSp>
+          <p:nvGrpSpPr>
+            <p:cNvPr id="167" name="Group 166">
+              <a:extLst>
+                <a:ext uri="{FF2B5EF4-FFF2-40B4-BE49-F238E27FC236}">
+                  <a16:creationId xmlns:a16="http://schemas.microsoft.com/office/drawing/2014/main" id="{E2E82AD0-2FC8-4518-A774-220918D0127E}"/>
+                </a:ext>
+              </a:extLst>
+            </p:cNvPr>
+            <p:cNvGrpSpPr/>
+            <p:nvPr/>
+          </p:nvGrpSpPr>
+          <p:grpSpPr>
+            <a:xfrm>
+              <a:off x="10482815" y="3002668"/>
+              <a:ext cx="425337" cy="281422"/>
+              <a:chOff x="10482815" y="3002668"/>
+              <a:chExt cx="425337" cy="281422"/>
+            </a:xfrm>
+          </p:grpSpPr>
+          <p:sp>
+            <p:nvSpPr>
+              <p:cNvPr id="168" name="Rectangle 167">
+                <a:extLst>
+                  <a:ext uri="{FF2B5EF4-FFF2-40B4-BE49-F238E27FC236}">
+                    <a16:creationId xmlns:a16="http://schemas.microsoft.com/office/drawing/2014/main" id="{3DC60450-FDE0-4BEA-9B9D-A23FB5C69183}"/>
+                  </a:ext>
+                </a:extLst>
+              </p:cNvPr>
+              <p:cNvSpPr/>
+              <p:nvPr/>
+            </p:nvSpPr>
+            <p:spPr>
+              <a:xfrm>
+                <a:off x="10547412" y="3008281"/>
+                <a:ext cx="254467" cy="254505"/>
+              </a:xfrm>
+              <a:prstGeom prst="rect">
+                <a:avLst/>
+              </a:prstGeom>
+              <a:solidFill>
+                <a:schemeClr val="bg1">
+                  <a:lumMod val="75000"/>
+                </a:schemeClr>
+              </a:solidFill>
+              <a:ln>
+                <a:noFill/>
+              </a:ln>
+            </p:spPr>
+            <p:style>
+              <a:lnRef idx="2">
+                <a:schemeClr val="accent1">
+                  <a:shade val="50000"/>
+                </a:schemeClr>
+              </a:lnRef>
+              <a:fillRef idx="1">
+                <a:schemeClr val="accent1"/>
+              </a:fillRef>
+              <a:effectRef idx="0">
+                <a:schemeClr val="accent1"/>
+              </a:effectRef>
+              <a:fontRef idx="minor">
+                <a:schemeClr val="lt1"/>
+              </a:fontRef>
+            </p:style>
+            <p:txBody>
+              <a:bodyPr rtlCol="0" anchor="ctr"/>
+              <a:lstStyle/>
+              <a:p>
+                <a:pPr algn="ctr"/>
+                <a:endParaRPr lang="ko-KR" altLang="en-US"/>
+              </a:p>
+            </p:txBody>
+          </p:sp>
+          <p:sp>
+            <p:nvSpPr>
+              <p:cNvPr id="169" name="Subtitle 2">
+                <a:extLst>
+                  <a:ext uri="{FF2B5EF4-FFF2-40B4-BE49-F238E27FC236}">
+                    <a16:creationId xmlns:a16="http://schemas.microsoft.com/office/drawing/2014/main" id="{758E6E92-76F6-4372-A608-3CEB29C30E20}"/>
+                  </a:ext>
+                </a:extLst>
+              </p:cNvPr>
+              <p:cNvSpPr txBox="1">
+                <a:spLocks/>
+              </p:cNvSpPr>
+              <p:nvPr/>
+            </p:nvSpPr>
+            <p:spPr>
+              <a:xfrm>
+                <a:off x="10482815" y="3002668"/>
+                <a:ext cx="425337" cy="281422"/>
+              </a:xfrm>
+              <a:prstGeom prst="rect">
+                <a:avLst/>
+              </a:prstGeom>
+            </p:spPr>
+            <p:txBody>
+              <a:bodyPr vert="horz" lIns="91440" tIns="45720" rIns="91440" bIns="45720" rtlCol="0">
+                <a:noAutofit/>
+              </a:bodyPr>
+              <a:lstStyle>
+                <a:lvl1pPr marL="0" indent="0" algn="ctr" defTabSz="914400" rtl="0" eaLnBrk="1" latinLnBrk="1" hangingPunct="1">
+                  <a:lnSpc>
+                    <a:spcPct val="90000"/>
+                  </a:lnSpc>
+                  <a:spcBef>
+                    <a:spcPts val="1000"/>
+                  </a:spcBef>
+                  <a:buFont typeface="Arial" panose="020B0604020202020204" pitchFamily="34" charset="0"/>
+                  <a:buNone/>
+                  <a:defRPr sz="2400" kern="1200">
+                    <a:solidFill>
+                      <a:schemeClr val="tx1"/>
+                    </a:solidFill>
+                    <a:latin typeface="+mn-lt"/>
+                    <a:ea typeface="+mn-ea"/>
+                    <a:cs typeface="+mn-cs"/>
+                  </a:defRPr>
+                </a:lvl1pPr>
+                <a:lvl2pPr marL="457200" indent="0" algn="ctr" defTabSz="914400" rtl="0" eaLnBrk="1" latinLnBrk="1" hangingPunct="1">
+                  <a:lnSpc>
+                    <a:spcPct val="90000"/>
+                  </a:lnSpc>
+                  <a:spcBef>
+                    <a:spcPts val="500"/>
+                  </a:spcBef>
+                  <a:buFont typeface="Arial" panose="020B0604020202020204" pitchFamily="34" charset="0"/>
+                  <a:buNone/>
+                  <a:defRPr sz="2000" kern="1200">
+                    <a:solidFill>
+                      <a:schemeClr val="tx1"/>
+                    </a:solidFill>
+                    <a:latin typeface="+mn-lt"/>
+                    <a:ea typeface="+mn-ea"/>
+                    <a:cs typeface="+mn-cs"/>
+                  </a:defRPr>
+                </a:lvl2pPr>
+                <a:lvl3pPr marL="914400" indent="0" algn="ctr" defTabSz="914400" rtl="0" eaLnBrk="1" latinLnBrk="1" hangingPunct="1">
+                  <a:lnSpc>
+                    <a:spcPct val="90000"/>
+                  </a:lnSpc>
+                  <a:spcBef>
+                    <a:spcPts val="500"/>
+                  </a:spcBef>
+                  <a:buFont typeface="Arial" panose="020B0604020202020204" pitchFamily="34" charset="0"/>
+                  <a:buNone/>
+                  <a:defRPr sz="1800" kern="1200">
+                    <a:solidFill>
+                      <a:schemeClr val="tx1"/>
+                    </a:solidFill>
+                    <a:latin typeface="+mn-lt"/>
+                    <a:ea typeface="+mn-ea"/>
+                    <a:cs typeface="+mn-cs"/>
+                  </a:defRPr>
+                </a:lvl3pPr>
+                <a:lvl4pPr marL="1371600" indent="0" algn="ctr" defTabSz="914400" rtl="0" eaLnBrk="1" latinLnBrk="1" hangingPunct="1">
+                  <a:lnSpc>
+                    <a:spcPct val="90000"/>
+                  </a:lnSpc>
+                  <a:spcBef>
+                    <a:spcPts val="500"/>
+                  </a:spcBef>
+                  <a:buFont typeface="Arial" panose="020B0604020202020204" pitchFamily="34" charset="0"/>
+                  <a:buNone/>
+                  <a:defRPr sz="1600" kern="1200">
+                    <a:solidFill>
+                      <a:schemeClr val="tx1"/>
+                    </a:solidFill>
+                    <a:latin typeface="+mn-lt"/>
+                    <a:ea typeface="+mn-ea"/>
+                    <a:cs typeface="+mn-cs"/>
+                  </a:defRPr>
+                </a:lvl4pPr>
+                <a:lvl5pPr marL="1828800" indent="0" algn="ctr" defTabSz="914400" rtl="0" eaLnBrk="1" latinLnBrk="1" hangingPunct="1">
+                  <a:lnSpc>
+                    <a:spcPct val="90000"/>
+                  </a:lnSpc>
+                  <a:spcBef>
+                    <a:spcPts val="500"/>
+                  </a:spcBef>
+                  <a:buFont typeface="Arial" panose="020B0604020202020204" pitchFamily="34" charset="0"/>
+                  <a:buNone/>
+                  <a:defRPr sz="1600" kern="1200">
+                    <a:solidFill>
+                      <a:schemeClr val="tx1"/>
+                    </a:solidFill>
+                    <a:latin typeface="+mn-lt"/>
+                    <a:ea typeface="+mn-ea"/>
+                    <a:cs typeface="+mn-cs"/>
+                  </a:defRPr>
+                </a:lvl5pPr>
+                <a:lvl6pPr marL="2286000" indent="0" algn="ctr" defTabSz="914400" rtl="0" eaLnBrk="1" latinLnBrk="1" hangingPunct="1">
+                  <a:lnSpc>
+                    <a:spcPct val="90000"/>
+                  </a:lnSpc>
+                  <a:spcBef>
+                    <a:spcPts val="500"/>
+                  </a:spcBef>
+                  <a:buFont typeface="Arial" panose="020B0604020202020204" pitchFamily="34" charset="0"/>
+                  <a:buNone/>
+                  <a:defRPr sz="1600" kern="1200">
+                    <a:solidFill>
+                      <a:schemeClr val="tx1"/>
+                    </a:solidFill>
+                    <a:latin typeface="+mn-lt"/>
+                    <a:ea typeface="+mn-ea"/>
+                    <a:cs typeface="+mn-cs"/>
+                  </a:defRPr>
+                </a:lvl6pPr>
+                <a:lvl7pPr marL="2743200" indent="0" algn="ctr" defTabSz="914400" rtl="0" eaLnBrk="1" latinLnBrk="1" hangingPunct="1">
+                  <a:lnSpc>
+                    <a:spcPct val="90000"/>
+                  </a:lnSpc>
+                  <a:spcBef>
+                    <a:spcPts val="500"/>
+                  </a:spcBef>
+                  <a:buFont typeface="Arial" panose="020B0604020202020204" pitchFamily="34" charset="0"/>
+                  <a:buNone/>
+                  <a:defRPr sz="1600" kern="1200">
+                    <a:solidFill>
+                      <a:schemeClr val="tx1"/>
+                    </a:solidFill>
+                    <a:latin typeface="+mn-lt"/>
+                    <a:ea typeface="+mn-ea"/>
+                    <a:cs typeface="+mn-cs"/>
+                  </a:defRPr>
+                </a:lvl7pPr>
+                <a:lvl8pPr marL="3200400" indent="0" algn="ctr" defTabSz="914400" rtl="0" eaLnBrk="1" latinLnBrk="1" hangingPunct="1">
+                  <a:lnSpc>
+                    <a:spcPct val="90000"/>
+                  </a:lnSpc>
+                  <a:spcBef>
+                    <a:spcPts val="500"/>
+                  </a:spcBef>
+                  <a:buFont typeface="Arial" panose="020B0604020202020204" pitchFamily="34" charset="0"/>
+                  <a:buNone/>
+                  <a:defRPr sz="1600" kern="1200">
+                    <a:solidFill>
+                      <a:schemeClr val="tx1"/>
+                    </a:solidFill>
+                    <a:latin typeface="+mn-lt"/>
+                    <a:ea typeface="+mn-ea"/>
+                    <a:cs typeface="+mn-cs"/>
+                  </a:defRPr>
+                </a:lvl8pPr>
+                <a:lvl9pPr marL="3657600" indent="0" algn="ctr" defTabSz="914400" rtl="0" eaLnBrk="1" latinLnBrk="1" hangingPunct="1">
+                  <a:lnSpc>
+                    <a:spcPct val="90000"/>
+                  </a:lnSpc>
+                  <a:spcBef>
+                    <a:spcPts val="500"/>
+                  </a:spcBef>
+                  <a:buFont typeface="Arial" panose="020B0604020202020204" pitchFamily="34" charset="0"/>
+                  <a:buNone/>
+                  <a:defRPr sz="1600" kern="1200">
+                    <a:solidFill>
+                      <a:schemeClr val="tx1"/>
+                    </a:solidFill>
+                    <a:latin typeface="+mn-lt"/>
+                    <a:ea typeface="+mn-ea"/>
+                    <a:cs typeface="+mn-cs"/>
+                  </a:defRPr>
+                </a:lvl9pPr>
+              </a:lstStyle>
+              <a:p>
+                <a:pPr algn="l"/>
+                <a:r>
+                  <a:rPr lang="en-US" altLang="ko-KR" sz="1600" dirty="0">
+                    <a:solidFill>
+                      <a:schemeClr val="tx1">
+                        <a:lumMod val="85000"/>
+                        <a:lumOff val="15000"/>
+                      </a:schemeClr>
+                    </a:solidFill>
+                    <a:latin typeface="Noto Sans CJK KR Medium" panose="020B0600000000000000" pitchFamily="34" charset="-127"/>
+                    <a:ea typeface="Noto Sans CJK KR Medium" panose="020B0600000000000000" pitchFamily="34" charset="-127"/>
+                  </a:rPr>
+                  <a:t>s3</a:t>
+                </a:r>
+                <a:endParaRPr lang="ko-KR" altLang="en-US" sz="1600" dirty="0">
+                  <a:solidFill>
+                    <a:schemeClr val="tx1">
+                      <a:lumMod val="85000"/>
+                      <a:lumOff val="15000"/>
+                    </a:schemeClr>
+                  </a:solidFill>
+                  <a:latin typeface="Noto Sans CJK KR Medium" panose="020B0600000000000000" pitchFamily="34" charset="-127"/>
+                  <a:ea typeface="Noto Sans CJK KR Medium" panose="020B0600000000000000" pitchFamily="34" charset="-127"/>
+                </a:endParaRPr>
+              </a:p>
+            </p:txBody>
+          </p:sp>
+        </p:grpSp>
+      </p:grpSp>
+      <p:cxnSp>
+        <p:nvCxnSpPr>
+          <p:cNvPr id="13" name="Straight Connector 12">
+            <a:extLst>
+              <a:ext uri="{FF2B5EF4-FFF2-40B4-BE49-F238E27FC236}">
+                <a16:creationId xmlns:a16="http://schemas.microsoft.com/office/drawing/2014/main" id="{2A6E601F-1590-46CB-81D4-67AD44106361}"/>
+              </a:ext>
+            </a:extLst>
+          </p:cNvPr>
+          <p:cNvCxnSpPr>
+            <a:stCxn id="29" idx="2"/>
+          </p:cNvCxnSpPr>
+          <p:nvPr/>
+        </p:nvCxnSpPr>
+        <p:spPr>
+          <a:xfrm flipH="1">
+            <a:off x="3320248" y="3894980"/>
+            <a:ext cx="1" cy="189340"/>
+          </a:xfrm>
+          <a:prstGeom prst="line">
+            <a:avLst/>
+          </a:prstGeom>
+          <a:ln w="38100">
+            <a:solidFill>
+              <a:srgbClr val="013B51"/>
+            </a:solidFill>
+          </a:ln>
+        </p:spPr>
+        <p:style>
+          <a:lnRef idx="1">
+            <a:schemeClr val="accent1"/>
+          </a:lnRef>
+          <a:fillRef idx="0">
+            <a:schemeClr val="accent1"/>
+          </a:fillRef>
+          <a:effectRef idx="0">
+            <a:schemeClr val="accent1"/>
+          </a:effectRef>
+          <a:fontRef idx="minor">
+            <a:schemeClr val="tx1"/>
+          </a:fontRef>
+        </p:style>
+      </p:cxnSp>
+      <p:cxnSp>
+        <p:nvCxnSpPr>
+          <p:cNvPr id="17" name="Straight Connector 16">
+            <a:extLst>
+              <a:ext uri="{FF2B5EF4-FFF2-40B4-BE49-F238E27FC236}">
+                <a16:creationId xmlns:a16="http://schemas.microsoft.com/office/drawing/2014/main" id="{F8309183-11DC-41BB-8864-CDF5D0936CF3}"/>
+              </a:ext>
+            </a:extLst>
+          </p:cNvPr>
+          <p:cNvCxnSpPr>
+            <a:cxnSpLocks/>
+          </p:cNvCxnSpPr>
+          <p:nvPr/>
+        </p:nvCxnSpPr>
+        <p:spPr>
+          <a:xfrm>
+            <a:off x="3301198" y="4089400"/>
+            <a:ext cx="3547441" cy="0"/>
+          </a:xfrm>
+          <a:prstGeom prst="line">
+            <a:avLst/>
+          </a:prstGeom>
+          <a:ln w="38100">
+            <a:solidFill>
+              <a:srgbClr val="013B51"/>
+            </a:solidFill>
+          </a:ln>
+        </p:spPr>
+        <p:style>
+          <a:lnRef idx="1">
+            <a:schemeClr val="accent1"/>
+          </a:lnRef>
+          <a:fillRef idx="0">
+            <a:schemeClr val="accent1"/>
+          </a:fillRef>
+          <a:effectRef idx="0">
+            <a:schemeClr val="accent1"/>
+          </a:effectRef>
+          <a:fontRef idx="minor">
+            <a:schemeClr val="tx1"/>
+          </a:fontRef>
+        </p:style>
+      </p:cxnSp>
+      <p:cxnSp>
+        <p:nvCxnSpPr>
+          <p:cNvPr id="19" name="Straight Connector 18">
+            <a:extLst>
+              <a:ext uri="{FF2B5EF4-FFF2-40B4-BE49-F238E27FC236}">
+                <a16:creationId xmlns:a16="http://schemas.microsoft.com/office/drawing/2014/main" id="{A8E0EF5F-2585-4090-89B6-6FAC0A45F93B}"/>
+              </a:ext>
+            </a:extLst>
+          </p:cNvPr>
+          <p:cNvCxnSpPr>
+            <a:cxnSpLocks/>
+          </p:cNvCxnSpPr>
+          <p:nvPr/>
+        </p:nvCxnSpPr>
+        <p:spPr>
+          <a:xfrm flipH="1" flipV="1">
+            <a:off x="6848640" y="3295385"/>
+            <a:ext cx="1" cy="812452"/>
+          </a:xfrm>
+          <a:prstGeom prst="line">
+            <a:avLst/>
+          </a:prstGeom>
+          <a:ln w="38100">
+            <a:solidFill>
+              <a:srgbClr val="013B51"/>
+            </a:solidFill>
+          </a:ln>
+        </p:spPr>
+        <p:style>
+          <a:lnRef idx="1">
+            <a:schemeClr val="accent1"/>
+          </a:lnRef>
+          <a:fillRef idx="0">
+            <a:schemeClr val="accent1"/>
+          </a:fillRef>
+          <a:effectRef idx="0">
+            <a:schemeClr val="accent1"/>
+          </a:effectRef>
+          <a:fontRef idx="minor">
+            <a:schemeClr val="tx1"/>
+          </a:fontRef>
+        </p:style>
+      </p:cxnSp>
+      <p:cxnSp>
+        <p:nvCxnSpPr>
+          <p:cNvPr id="21" name="Straight Arrow Connector 20">
+            <a:extLst>
+              <a:ext uri="{FF2B5EF4-FFF2-40B4-BE49-F238E27FC236}">
+                <a16:creationId xmlns:a16="http://schemas.microsoft.com/office/drawing/2014/main" id="{6B9D0A44-FF3D-45AF-AB4C-96EB6630D4D5}"/>
+              </a:ext>
+            </a:extLst>
+          </p:cNvPr>
+          <p:cNvCxnSpPr/>
+          <p:nvPr/>
+        </p:nvCxnSpPr>
+        <p:spPr>
+          <a:xfrm>
+            <a:off x="6848639" y="3314026"/>
+            <a:ext cx="539029" cy="0"/>
+          </a:xfrm>
+          <a:prstGeom prst="straightConnector1">
+            <a:avLst/>
+          </a:prstGeom>
+          <a:ln w="38100">
+            <a:solidFill>
+              <a:srgbClr val="013B51"/>
+            </a:solidFill>
+            <a:tailEnd type="triangle"/>
+          </a:ln>
+        </p:spPr>
+        <p:style>
+          <a:lnRef idx="1">
+            <a:schemeClr val="accent1"/>
+          </a:lnRef>
+          <a:fillRef idx="0">
+            <a:schemeClr val="accent1"/>
+          </a:fillRef>
+          <a:effectRef idx="0">
+            <a:schemeClr val="accent1"/>
+          </a:effectRef>
+          <a:fontRef idx="minor">
+            <a:schemeClr val="tx1"/>
+          </a:fontRef>
+        </p:style>
+      </p:cxnSp>
+      <p:sp>
+        <p:nvSpPr>
+          <p:cNvPr id="175" name="Rectangle 174">
+            <a:extLst>
+              <a:ext uri="{FF2B5EF4-FFF2-40B4-BE49-F238E27FC236}">
+                <a16:creationId xmlns:a16="http://schemas.microsoft.com/office/drawing/2014/main" id="{6ECFE425-031B-44F9-B2FA-7C67B4013895}"/>
+              </a:ext>
+            </a:extLst>
+          </p:cNvPr>
+          <p:cNvSpPr/>
+          <p:nvPr/>
+        </p:nvSpPr>
+        <p:spPr>
+          <a:xfrm>
+            <a:off x="2441358" y="4458175"/>
+            <a:ext cx="585927" cy="461639"/>
+          </a:xfrm>
+          <a:prstGeom prst="rect">
+            <a:avLst/>
+          </a:prstGeom>
+          <a:noFill/>
+          <a:ln w="57150">
+            <a:solidFill>
+              <a:srgbClr val="013B51"/>
+            </a:solidFill>
+          </a:ln>
+        </p:spPr>
+        <p:style>
+          <a:lnRef idx="2">
+            <a:schemeClr val="accent1">
+              <a:shade val="50000"/>
+            </a:schemeClr>
+          </a:lnRef>
+          <a:fillRef idx="1">
+            <a:schemeClr val="accent1"/>
+          </a:fillRef>
+          <a:effectRef idx="0">
+            <a:schemeClr val="accent1"/>
+          </a:effectRef>
+          <a:fontRef idx="minor">
+            <a:schemeClr val="lt1"/>
+          </a:fontRef>
+        </p:style>
+        <p:txBody>
+          <a:bodyPr rtlCol="0" anchor="ctr"/>
+          <a:lstStyle/>
+          <a:p>
+            <a:pPr algn="ctr"/>
+            <a:r>
+              <a:rPr lang="en-US" altLang="ko-KR" b="1" dirty="0">
+                <a:solidFill>
+                  <a:srgbClr val="013B51"/>
+                </a:solidFill>
+              </a:rPr>
+              <a:t>op</a:t>
+            </a:r>
+            <a:endParaRPr lang="ko-KR" altLang="en-US" b="1" dirty="0">
+              <a:solidFill>
+                <a:srgbClr val="013B51"/>
+              </a:solidFill>
+            </a:endParaRPr>
+          </a:p>
+        </p:txBody>
+      </p:sp>
+      <p:sp>
+        <p:nvSpPr>
+          <p:cNvPr id="176" name="Rectangle 175">
+            <a:extLst>
+              <a:ext uri="{FF2B5EF4-FFF2-40B4-BE49-F238E27FC236}">
+                <a16:creationId xmlns:a16="http://schemas.microsoft.com/office/drawing/2014/main" id="{8D4E28BB-9EBE-41DE-AE0E-3718AE6B850C}"/>
+              </a:ext>
+            </a:extLst>
+          </p:cNvPr>
+          <p:cNvSpPr/>
+          <p:nvPr/>
+        </p:nvSpPr>
+        <p:spPr>
+          <a:xfrm>
+            <a:off x="3027285" y="4458175"/>
+            <a:ext cx="585927" cy="461639"/>
+          </a:xfrm>
+          <a:prstGeom prst="rect">
+            <a:avLst/>
+          </a:prstGeom>
+          <a:noFill/>
+          <a:ln w="57150">
+            <a:solidFill>
+              <a:srgbClr val="013B51"/>
+            </a:solidFill>
+          </a:ln>
+        </p:spPr>
+        <p:style>
+          <a:lnRef idx="2">
+            <a:schemeClr val="accent1">
+              <a:shade val="50000"/>
+            </a:schemeClr>
+          </a:lnRef>
+          <a:fillRef idx="1">
+            <a:schemeClr val="accent1"/>
+          </a:fillRef>
+          <a:effectRef idx="0">
+            <a:schemeClr val="accent1"/>
+          </a:effectRef>
+          <a:fontRef idx="minor">
+            <a:schemeClr val="lt1"/>
+          </a:fontRef>
+        </p:style>
+        <p:txBody>
+          <a:bodyPr rtlCol="0" anchor="ctr"/>
+          <a:lstStyle/>
+          <a:p>
+            <a:pPr algn="ctr"/>
+            <a:r>
+              <a:rPr lang="en-US" altLang="ko-KR" b="1" dirty="0" err="1">
+                <a:solidFill>
+                  <a:srgbClr val="013B51"/>
+                </a:solidFill>
+              </a:rPr>
+              <a:t>rs</a:t>
+            </a:r>
+            <a:endParaRPr lang="ko-KR" altLang="en-US" b="1" dirty="0">
+              <a:solidFill>
+                <a:srgbClr val="013B51"/>
+              </a:solidFill>
+            </a:endParaRPr>
+          </a:p>
+        </p:txBody>
+      </p:sp>
+      <p:sp>
+        <p:nvSpPr>
+          <p:cNvPr id="177" name="Rectangle 176">
+            <a:extLst>
+              <a:ext uri="{FF2B5EF4-FFF2-40B4-BE49-F238E27FC236}">
+                <a16:creationId xmlns:a16="http://schemas.microsoft.com/office/drawing/2014/main" id="{D20EC831-673C-450F-AACC-20E707AB3B7D}"/>
+              </a:ext>
+            </a:extLst>
+          </p:cNvPr>
+          <p:cNvSpPr/>
+          <p:nvPr/>
+        </p:nvSpPr>
+        <p:spPr>
+          <a:xfrm>
+            <a:off x="3613212" y="4458175"/>
+            <a:ext cx="585927" cy="461639"/>
+          </a:xfrm>
+          <a:prstGeom prst="rect">
+            <a:avLst/>
+          </a:prstGeom>
+          <a:noFill/>
+          <a:ln w="57150">
+            <a:solidFill>
+              <a:srgbClr val="013B51"/>
+            </a:solidFill>
+          </a:ln>
+        </p:spPr>
+        <p:style>
+          <a:lnRef idx="2">
+            <a:schemeClr val="accent1">
+              <a:shade val="50000"/>
+            </a:schemeClr>
+          </a:lnRef>
+          <a:fillRef idx="1">
+            <a:schemeClr val="accent1"/>
+          </a:fillRef>
+          <a:effectRef idx="0">
+            <a:schemeClr val="accent1"/>
+          </a:effectRef>
+          <a:fontRef idx="minor">
+            <a:schemeClr val="lt1"/>
+          </a:fontRef>
+        </p:style>
+        <p:txBody>
+          <a:bodyPr rtlCol="0" anchor="ctr"/>
+          <a:lstStyle/>
+          <a:p>
+            <a:pPr algn="ctr"/>
+            <a:r>
+              <a:rPr lang="en-US" altLang="ko-KR" b="1" dirty="0">
+                <a:solidFill>
+                  <a:srgbClr val="013B51"/>
+                </a:solidFill>
+              </a:rPr>
+              <a:t>rt</a:t>
+            </a:r>
+            <a:endParaRPr lang="ko-KR" altLang="en-US" b="1" dirty="0">
+              <a:solidFill>
+                <a:srgbClr val="013B51"/>
+              </a:solidFill>
+            </a:endParaRPr>
+          </a:p>
+        </p:txBody>
+      </p:sp>
+      <p:sp>
+        <p:nvSpPr>
+          <p:cNvPr id="178" name="Rectangle 177">
+            <a:extLst>
+              <a:ext uri="{FF2B5EF4-FFF2-40B4-BE49-F238E27FC236}">
+                <a16:creationId xmlns:a16="http://schemas.microsoft.com/office/drawing/2014/main" id="{01F3D434-AB04-4E0A-9F79-DACE76A02874}"/>
+              </a:ext>
+            </a:extLst>
+          </p:cNvPr>
+          <p:cNvSpPr/>
+          <p:nvPr/>
+        </p:nvSpPr>
+        <p:spPr>
+          <a:xfrm>
+            <a:off x="4199139" y="4458175"/>
+            <a:ext cx="1748903" cy="461639"/>
+          </a:xfrm>
+          <a:prstGeom prst="rect">
+            <a:avLst/>
+          </a:prstGeom>
+          <a:noFill/>
+          <a:ln w="57150">
+            <a:solidFill>
+              <a:srgbClr val="013B51"/>
+            </a:solidFill>
+          </a:ln>
+        </p:spPr>
+        <p:style>
+          <a:lnRef idx="2">
+            <a:schemeClr val="accent1">
+              <a:shade val="50000"/>
+            </a:schemeClr>
+          </a:lnRef>
+          <a:fillRef idx="1">
+            <a:schemeClr val="accent1"/>
+          </a:fillRef>
+          <a:effectRef idx="0">
+            <a:schemeClr val="accent1"/>
+          </a:effectRef>
+          <a:fontRef idx="minor">
+            <a:schemeClr val="lt1"/>
+          </a:fontRef>
+        </p:style>
+        <p:txBody>
+          <a:bodyPr rtlCol="0" anchor="ctr"/>
+          <a:lstStyle/>
+          <a:p>
+            <a:pPr algn="ctr"/>
+            <a:r>
+              <a:rPr lang="en-US" altLang="ko-KR" b="1" dirty="0">
+                <a:solidFill>
+                  <a:srgbClr val="013B51"/>
+                </a:solidFill>
+              </a:rPr>
+              <a:t>Address</a:t>
+            </a:r>
+            <a:endParaRPr lang="ko-KR" altLang="en-US" b="1" dirty="0">
+              <a:solidFill>
+                <a:srgbClr val="013B51"/>
+              </a:solidFill>
+            </a:endParaRPr>
+          </a:p>
+        </p:txBody>
+      </p:sp>
+      <p:sp>
+        <p:nvSpPr>
+          <p:cNvPr id="179" name="Subtitle 2">
+            <a:extLst>
+              <a:ext uri="{FF2B5EF4-FFF2-40B4-BE49-F238E27FC236}">
+                <a16:creationId xmlns:a16="http://schemas.microsoft.com/office/drawing/2014/main" id="{BAFD496B-DE49-4153-91AF-395F327A94B5}"/>
+              </a:ext>
+            </a:extLst>
+          </p:cNvPr>
+          <p:cNvSpPr txBox="1">
+            <a:spLocks/>
+          </p:cNvSpPr>
+          <p:nvPr/>
+        </p:nvSpPr>
+        <p:spPr>
+          <a:xfrm>
+            <a:off x="2325947" y="4158453"/>
+            <a:ext cx="2896515" cy="273087"/>
+          </a:xfrm>
+          <a:prstGeom prst="rect">
+            <a:avLst/>
+          </a:prstGeom>
+        </p:spPr>
+        <p:txBody>
+          <a:bodyPr vert="horz" lIns="91440" tIns="45720" rIns="91440" bIns="45720" rtlCol="0">
+            <a:noAutofit/>
+          </a:bodyPr>
+          <a:lstStyle>
+            <a:lvl1pPr marL="0" indent="0" algn="ctr" defTabSz="914400" rtl="0" eaLnBrk="1" latinLnBrk="1" hangingPunct="1">
+              <a:lnSpc>
+                <a:spcPct val="90000"/>
+              </a:lnSpc>
+              <a:spcBef>
+                <a:spcPts val="1000"/>
+              </a:spcBef>
+              <a:buFont typeface="Arial" panose="020B0604020202020204" pitchFamily="34" charset="0"/>
+              <a:buNone/>
+              <a:defRPr sz="2400" kern="1200">
+                <a:solidFill>
+                  <a:schemeClr val="tx1"/>
+                </a:solidFill>
+                <a:latin typeface="+mn-lt"/>
+                <a:ea typeface="+mn-ea"/>
+                <a:cs typeface="+mn-cs"/>
+              </a:defRPr>
+            </a:lvl1pPr>
+            <a:lvl2pPr marL="457200" indent="0" algn="ctr" defTabSz="914400" rtl="0" eaLnBrk="1" latinLnBrk="1" hangingPunct="1">
+              <a:lnSpc>
+                <a:spcPct val="90000"/>
+              </a:lnSpc>
+              <a:spcBef>
+                <a:spcPts val="500"/>
+              </a:spcBef>
+              <a:buFont typeface="Arial" panose="020B0604020202020204" pitchFamily="34" charset="0"/>
+              <a:buNone/>
+              <a:defRPr sz="2000" kern="1200">
+                <a:solidFill>
+                  <a:schemeClr val="tx1"/>
+                </a:solidFill>
+                <a:latin typeface="+mn-lt"/>
+                <a:ea typeface="+mn-ea"/>
+                <a:cs typeface="+mn-cs"/>
+              </a:defRPr>
+            </a:lvl2pPr>
+            <a:lvl3pPr marL="914400" indent="0" algn="ctr" defTabSz="914400" rtl="0" eaLnBrk="1" latinLnBrk="1" hangingPunct="1">
+              <a:lnSpc>
+                <a:spcPct val="90000"/>
+              </a:lnSpc>
+              <a:spcBef>
+                <a:spcPts val="500"/>
+              </a:spcBef>
+              <a:buFont typeface="Arial" panose="020B0604020202020204" pitchFamily="34" charset="0"/>
+              <a:buNone/>
+              <a:defRPr sz="1800" kern="1200">
+                <a:solidFill>
+                  <a:schemeClr val="tx1"/>
+                </a:solidFill>
+                <a:latin typeface="+mn-lt"/>
+                <a:ea typeface="+mn-ea"/>
+                <a:cs typeface="+mn-cs"/>
+              </a:defRPr>
+            </a:lvl3pPr>
+            <a:lvl4pPr marL="1371600" indent="0" algn="ctr" defTabSz="914400" rtl="0" eaLnBrk="1" latinLnBrk="1" hangingPunct="1">
+              <a:lnSpc>
+                <a:spcPct val="90000"/>
+              </a:lnSpc>
+              <a:spcBef>
+                <a:spcPts val="500"/>
+              </a:spcBef>
+              <a:buFont typeface="Arial" panose="020B0604020202020204" pitchFamily="34" charset="0"/>
+              <a:buNone/>
+              <a:defRPr sz="1600" kern="1200">
+                <a:solidFill>
+                  <a:schemeClr val="tx1"/>
+                </a:solidFill>
+                <a:latin typeface="+mn-lt"/>
+                <a:ea typeface="+mn-ea"/>
+                <a:cs typeface="+mn-cs"/>
+              </a:defRPr>
+            </a:lvl4pPr>
+            <a:lvl5pPr marL="1828800" indent="0" algn="ctr" defTabSz="914400" rtl="0" eaLnBrk="1" latinLnBrk="1" hangingPunct="1">
+              <a:lnSpc>
+                <a:spcPct val="90000"/>
+              </a:lnSpc>
+              <a:spcBef>
+                <a:spcPts val="500"/>
+              </a:spcBef>
+              <a:buFont typeface="Arial" panose="020B0604020202020204" pitchFamily="34" charset="0"/>
+              <a:buNone/>
+              <a:defRPr sz="1600" kern="1200">
+                <a:solidFill>
+                  <a:schemeClr val="tx1"/>
+                </a:solidFill>
+                <a:latin typeface="+mn-lt"/>
+                <a:ea typeface="+mn-ea"/>
+                <a:cs typeface="+mn-cs"/>
+              </a:defRPr>
+            </a:lvl5pPr>
+            <a:lvl6pPr marL="2286000" indent="0" algn="ctr" defTabSz="914400" rtl="0" eaLnBrk="1" latinLnBrk="1" hangingPunct="1">
+              <a:lnSpc>
+                <a:spcPct val="90000"/>
+              </a:lnSpc>
+              <a:spcBef>
+                <a:spcPts val="500"/>
+              </a:spcBef>
+              <a:buFont typeface="Arial" panose="020B0604020202020204" pitchFamily="34" charset="0"/>
+              <a:buNone/>
+              <a:defRPr sz="1600" kern="1200">
+                <a:solidFill>
+                  <a:schemeClr val="tx1"/>
+                </a:solidFill>
+                <a:latin typeface="+mn-lt"/>
+                <a:ea typeface="+mn-ea"/>
+                <a:cs typeface="+mn-cs"/>
+              </a:defRPr>
+            </a:lvl6pPr>
+            <a:lvl7pPr marL="2743200" indent="0" algn="ctr" defTabSz="914400" rtl="0" eaLnBrk="1" latinLnBrk="1" hangingPunct="1">
+              <a:lnSpc>
+                <a:spcPct val="90000"/>
+              </a:lnSpc>
+              <a:spcBef>
+                <a:spcPts val="500"/>
+              </a:spcBef>
+              <a:buFont typeface="Arial" panose="020B0604020202020204" pitchFamily="34" charset="0"/>
+              <a:buNone/>
+              <a:defRPr sz="1600" kern="1200">
+                <a:solidFill>
+                  <a:schemeClr val="tx1"/>
+                </a:solidFill>
+                <a:latin typeface="+mn-lt"/>
+                <a:ea typeface="+mn-ea"/>
+                <a:cs typeface="+mn-cs"/>
+              </a:defRPr>
+            </a:lvl7pPr>
+            <a:lvl8pPr marL="3200400" indent="0" algn="ctr" defTabSz="914400" rtl="0" eaLnBrk="1" latinLnBrk="1" hangingPunct="1">
+              <a:lnSpc>
+                <a:spcPct val="90000"/>
+              </a:lnSpc>
+              <a:spcBef>
+                <a:spcPts val="500"/>
+              </a:spcBef>
+              <a:buFont typeface="Arial" panose="020B0604020202020204" pitchFamily="34" charset="0"/>
+              <a:buNone/>
+              <a:defRPr sz="1600" kern="1200">
+                <a:solidFill>
+                  <a:schemeClr val="tx1"/>
+                </a:solidFill>
+                <a:latin typeface="+mn-lt"/>
+                <a:ea typeface="+mn-ea"/>
+                <a:cs typeface="+mn-cs"/>
+              </a:defRPr>
+            </a:lvl8pPr>
+            <a:lvl9pPr marL="3657600" indent="0" algn="ctr" defTabSz="914400" rtl="0" eaLnBrk="1" latinLnBrk="1" hangingPunct="1">
+              <a:lnSpc>
+                <a:spcPct val="90000"/>
+              </a:lnSpc>
+              <a:spcBef>
+                <a:spcPts val="500"/>
+              </a:spcBef>
+              <a:buFont typeface="Arial" panose="020B0604020202020204" pitchFamily="34" charset="0"/>
+              <a:buNone/>
+              <a:defRPr sz="1600" kern="1200">
+                <a:solidFill>
+                  <a:schemeClr val="tx1"/>
+                </a:solidFill>
+                <a:latin typeface="+mn-lt"/>
+                <a:ea typeface="+mn-ea"/>
+                <a:cs typeface="+mn-cs"/>
+              </a:defRPr>
+            </a:lvl9pPr>
+          </a:lstStyle>
+          <a:p>
+            <a:pPr algn="l"/>
+            <a:r>
+              <a:rPr lang="en-US" altLang="ko-KR" sz="1600" dirty="0">
+                <a:solidFill>
+                  <a:srgbClr val="013B51"/>
+                </a:solidFill>
+                <a:latin typeface="Noto Sans CJK KR Medium" panose="020B0600000000000000" pitchFamily="34" charset="-127"/>
+                <a:ea typeface="Noto Sans CJK KR Medium" panose="020B0600000000000000" pitchFamily="34" charset="-127"/>
+              </a:rPr>
+              <a:t>3. Immediate addressing</a:t>
+            </a:r>
+            <a:endParaRPr lang="ko-KR" altLang="en-US" sz="1600" dirty="0">
+              <a:solidFill>
+                <a:srgbClr val="013B51"/>
+              </a:solidFill>
+              <a:latin typeface="Noto Sans CJK KR Medium" panose="020B0600000000000000" pitchFamily="34" charset="-127"/>
+              <a:ea typeface="Noto Sans CJK KR Medium" panose="020B0600000000000000" pitchFamily="34" charset="-127"/>
+            </a:endParaRPr>
+          </a:p>
+        </p:txBody>
+      </p:sp>
+      <p:grpSp>
+        <p:nvGrpSpPr>
+          <p:cNvPr id="186" name="Group 185">
+            <a:extLst>
+              <a:ext uri="{FF2B5EF4-FFF2-40B4-BE49-F238E27FC236}">
+                <a16:creationId xmlns:a16="http://schemas.microsoft.com/office/drawing/2014/main" id="{31DA57EA-E88F-4963-BB7A-7B8A5BE8CF42}"/>
+              </a:ext>
+            </a:extLst>
+          </p:cNvPr>
+          <p:cNvGrpSpPr/>
+          <p:nvPr/>
+        </p:nvGrpSpPr>
+        <p:grpSpPr>
+          <a:xfrm>
+            <a:off x="9363386" y="4276456"/>
+            <a:ext cx="1819575" cy="2237680"/>
+            <a:chOff x="8375337" y="4165771"/>
+            <a:chExt cx="1822613" cy="2241416"/>
+          </a:xfrm>
+        </p:grpSpPr>
+        <p:sp>
+          <p:nvSpPr>
+            <p:cNvPr id="194" name="Rectangle 193">
+              <a:extLst>
+                <a:ext uri="{FF2B5EF4-FFF2-40B4-BE49-F238E27FC236}">
+                  <a16:creationId xmlns:a16="http://schemas.microsoft.com/office/drawing/2014/main" id="{D5D5893A-3262-45F3-A743-DF1C72FFD57F}"/>
+                </a:ext>
+              </a:extLst>
+            </p:cNvPr>
+            <p:cNvSpPr/>
+            <p:nvPr/>
+          </p:nvSpPr>
+          <p:spPr>
+            <a:xfrm>
+              <a:off x="8375338" y="5624641"/>
+              <a:ext cx="1822612" cy="391272"/>
+            </a:xfrm>
+            <a:prstGeom prst="rect">
+              <a:avLst/>
+            </a:prstGeom>
+            <a:noFill/>
+            <a:ln w="57150">
+              <a:solidFill>
+                <a:srgbClr val="013B51"/>
+              </a:solidFill>
+            </a:ln>
+          </p:spPr>
+          <p:style>
+            <a:lnRef idx="2">
+              <a:schemeClr val="accent1">
+                <a:shade val="50000"/>
+              </a:schemeClr>
+            </a:lnRef>
+            <a:fillRef idx="1">
+              <a:schemeClr val="accent1"/>
+            </a:fillRef>
+            <a:effectRef idx="0">
+              <a:schemeClr val="accent1"/>
+            </a:effectRef>
+            <a:fontRef idx="minor">
+              <a:schemeClr val="lt1"/>
+            </a:fontRef>
+          </p:style>
+          <p:txBody>
+            <a:bodyPr rtlCol="0" anchor="ctr"/>
+            <a:lstStyle/>
+            <a:p>
+              <a:pPr algn="ctr"/>
+              <a:endParaRPr lang="ko-KR" altLang="en-US" sz="1050" dirty="0">
+                <a:solidFill>
+                  <a:srgbClr val="013B51"/>
+                </a:solidFill>
+                <a:latin typeface="Noto Sans CJK KR Bold" panose="020B0800000000000000" pitchFamily="34" charset="-127"/>
+                <a:ea typeface="Noto Sans CJK KR Bold" panose="020B0800000000000000" pitchFamily="34" charset="-127"/>
+              </a:endParaRPr>
+            </a:p>
+          </p:txBody>
+        </p:sp>
+        <p:sp>
+          <p:nvSpPr>
+            <p:cNvPr id="195" name="Rectangle 194">
+              <a:extLst>
+                <a:ext uri="{FF2B5EF4-FFF2-40B4-BE49-F238E27FC236}">
+                  <a16:creationId xmlns:a16="http://schemas.microsoft.com/office/drawing/2014/main" id="{9DB7296A-CE5D-455E-91B5-D4EAA08E0E87}"/>
+                </a:ext>
+              </a:extLst>
+            </p:cNvPr>
+            <p:cNvSpPr/>
+            <p:nvPr/>
+          </p:nvSpPr>
+          <p:spPr>
+            <a:xfrm>
+              <a:off x="8375338" y="5233937"/>
+              <a:ext cx="1822612" cy="391272"/>
+            </a:xfrm>
+            <a:prstGeom prst="rect">
+              <a:avLst/>
+            </a:prstGeom>
+            <a:noFill/>
+            <a:ln w="57150">
+              <a:solidFill>
+                <a:srgbClr val="013B51"/>
+              </a:solidFill>
+            </a:ln>
+          </p:spPr>
+          <p:style>
+            <a:lnRef idx="2">
+              <a:schemeClr val="accent1">
+                <a:shade val="50000"/>
+              </a:schemeClr>
+            </a:lnRef>
+            <a:fillRef idx="1">
+              <a:schemeClr val="accent1"/>
+            </a:fillRef>
+            <a:effectRef idx="0">
+              <a:schemeClr val="accent1"/>
+            </a:effectRef>
+            <a:fontRef idx="minor">
+              <a:schemeClr val="lt1"/>
+            </a:fontRef>
+          </p:style>
+          <p:txBody>
+            <a:bodyPr rtlCol="0" anchor="ctr"/>
+            <a:lstStyle/>
+            <a:p>
+              <a:pPr algn="ctr"/>
+              <a:endParaRPr lang="ko-KR" altLang="en-US" sz="1050" dirty="0">
+                <a:solidFill>
+                  <a:srgbClr val="013B51"/>
+                </a:solidFill>
+                <a:latin typeface="Noto Sans CJK KR Bold" panose="020B0800000000000000" pitchFamily="34" charset="-127"/>
+                <a:ea typeface="Noto Sans CJK KR Bold" panose="020B0800000000000000" pitchFamily="34" charset="-127"/>
+              </a:endParaRPr>
+            </a:p>
+          </p:txBody>
+        </p:sp>
+        <p:sp>
+          <p:nvSpPr>
+            <p:cNvPr id="196" name="Rectangle 195">
+              <a:extLst>
+                <a:ext uri="{FF2B5EF4-FFF2-40B4-BE49-F238E27FC236}">
+                  <a16:creationId xmlns:a16="http://schemas.microsoft.com/office/drawing/2014/main" id="{3A29110F-7EC5-4F5F-99EF-1FFF1940D825}"/>
+                </a:ext>
+              </a:extLst>
+            </p:cNvPr>
+            <p:cNvSpPr/>
+            <p:nvPr/>
+          </p:nvSpPr>
+          <p:spPr>
+            <a:xfrm>
+              <a:off x="8375338" y="4843831"/>
+              <a:ext cx="1822612" cy="391272"/>
+            </a:xfrm>
+            <a:prstGeom prst="rect">
+              <a:avLst/>
+            </a:prstGeom>
+            <a:noFill/>
+            <a:ln w="57150">
+              <a:solidFill>
+                <a:srgbClr val="013B51"/>
+              </a:solidFill>
+            </a:ln>
+          </p:spPr>
+          <p:style>
+            <a:lnRef idx="2">
+              <a:schemeClr val="accent1">
+                <a:shade val="50000"/>
+              </a:schemeClr>
+            </a:lnRef>
+            <a:fillRef idx="1">
+              <a:schemeClr val="accent1"/>
+            </a:fillRef>
+            <a:effectRef idx="0">
+              <a:schemeClr val="accent1"/>
+            </a:effectRef>
+            <a:fontRef idx="minor">
+              <a:schemeClr val="lt1"/>
+            </a:fontRef>
+          </p:style>
+          <p:txBody>
+            <a:bodyPr rtlCol="0" anchor="ctr"/>
+            <a:lstStyle/>
+            <a:p>
+              <a:pPr algn="ctr"/>
+              <a:endParaRPr lang="ko-KR" altLang="en-US" sz="1050" dirty="0">
+                <a:solidFill>
+                  <a:srgbClr val="013B51"/>
+                </a:solidFill>
+                <a:latin typeface="Noto Sans CJK KR Bold" panose="020B0800000000000000" pitchFamily="34" charset="-127"/>
+                <a:ea typeface="Noto Sans CJK KR Bold" panose="020B0800000000000000" pitchFamily="34" charset="-127"/>
+              </a:endParaRPr>
+            </a:p>
+          </p:txBody>
+        </p:sp>
+        <p:sp>
+          <p:nvSpPr>
+            <p:cNvPr id="197" name="Rectangle 196">
+              <a:extLst>
+                <a:ext uri="{FF2B5EF4-FFF2-40B4-BE49-F238E27FC236}">
+                  <a16:creationId xmlns:a16="http://schemas.microsoft.com/office/drawing/2014/main" id="{EE88CF9B-C4FF-4BFB-B705-9A0FDC8EE42F}"/>
+                </a:ext>
+              </a:extLst>
+            </p:cNvPr>
+            <p:cNvSpPr/>
+            <p:nvPr/>
+          </p:nvSpPr>
+          <p:spPr>
+            <a:xfrm>
+              <a:off x="8375337" y="4453119"/>
+              <a:ext cx="1822612" cy="391272"/>
+            </a:xfrm>
+            <a:prstGeom prst="rect">
+              <a:avLst/>
+            </a:prstGeom>
+            <a:noFill/>
+            <a:ln w="57150">
+              <a:solidFill>
+                <a:srgbClr val="013B51"/>
+              </a:solidFill>
+            </a:ln>
+          </p:spPr>
+          <p:style>
+            <a:lnRef idx="2">
+              <a:schemeClr val="accent1">
+                <a:shade val="50000"/>
+              </a:schemeClr>
+            </a:lnRef>
+            <a:fillRef idx="1">
+              <a:schemeClr val="accent1"/>
+            </a:fillRef>
+            <a:effectRef idx="0">
+              <a:schemeClr val="accent1"/>
+            </a:effectRef>
+            <a:fontRef idx="minor">
+              <a:schemeClr val="lt1"/>
+            </a:fontRef>
+          </p:style>
+          <p:txBody>
+            <a:bodyPr rtlCol="0" anchor="ctr"/>
+            <a:lstStyle/>
+            <a:p>
+              <a:pPr algn="ctr"/>
+              <a:r>
+                <a:rPr lang="en-US" altLang="ko-KR" sz="1050" dirty="0">
+                  <a:solidFill>
+                    <a:srgbClr val="013B51"/>
+                  </a:solidFill>
+                  <a:latin typeface="Noto Sans CJK KR Bold" panose="020B0800000000000000" pitchFamily="34" charset="-127"/>
+                  <a:ea typeface="Noto Sans CJK KR Bold" panose="020B0800000000000000" pitchFamily="34" charset="-127"/>
+                </a:rPr>
+                <a:t>Word(</a:t>
+              </a:r>
+              <a:r>
+                <a:rPr lang="en-US" altLang="ko-KR" sz="1050" dirty="0" err="1">
+                  <a:solidFill>
+                    <a:srgbClr val="013B51"/>
+                  </a:solidFill>
+                  <a:latin typeface="Noto Sans CJK KR Bold" panose="020B0800000000000000" pitchFamily="34" charset="-127"/>
+                  <a:ea typeface="Noto Sans CJK KR Bold" panose="020B0800000000000000" pitchFamily="34" charset="-127"/>
+                </a:rPr>
+                <a:t>HalfWord</a:t>
+              </a:r>
+              <a:r>
+                <a:rPr lang="en-US" altLang="ko-KR" sz="1050">
+                  <a:solidFill>
+                    <a:srgbClr val="013B51"/>
+                  </a:solidFill>
+                  <a:latin typeface="Noto Sans CJK KR Bold" panose="020B0800000000000000" pitchFamily="34" charset="-127"/>
+                  <a:ea typeface="Noto Sans CJK KR Bold" panose="020B0800000000000000" pitchFamily="34" charset="-127"/>
+                </a:rPr>
+                <a:t>/Byte)</a:t>
+              </a:r>
+              <a:endParaRPr lang="ko-KR" altLang="en-US" sz="1050" dirty="0">
+                <a:solidFill>
+                  <a:srgbClr val="013B51"/>
+                </a:solidFill>
+                <a:latin typeface="Noto Sans CJK KR Bold" panose="020B0800000000000000" pitchFamily="34" charset="-127"/>
+                <a:ea typeface="Noto Sans CJK KR Bold" panose="020B0800000000000000" pitchFamily="34" charset="-127"/>
+              </a:endParaRPr>
+            </a:p>
+          </p:txBody>
+        </p:sp>
+        <p:sp>
+          <p:nvSpPr>
+            <p:cNvPr id="198" name="Rectangle 197">
+              <a:extLst>
+                <a:ext uri="{FF2B5EF4-FFF2-40B4-BE49-F238E27FC236}">
+                  <a16:creationId xmlns:a16="http://schemas.microsoft.com/office/drawing/2014/main" id="{F346B300-0F45-4427-9FFF-74F8579A5FF0}"/>
+                </a:ext>
+              </a:extLst>
+            </p:cNvPr>
+            <p:cNvSpPr/>
+            <p:nvPr/>
+          </p:nvSpPr>
+          <p:spPr>
+            <a:xfrm>
+              <a:off x="8375338" y="4165771"/>
+              <a:ext cx="1822612" cy="282785"/>
+            </a:xfrm>
+            <a:prstGeom prst="rect">
+              <a:avLst/>
+            </a:prstGeom>
+            <a:noFill/>
+            <a:ln w="57150">
+              <a:solidFill>
+                <a:srgbClr val="013B51"/>
+              </a:solidFill>
+            </a:ln>
+          </p:spPr>
+          <p:style>
+            <a:lnRef idx="2">
+              <a:schemeClr val="accent1">
+                <a:shade val="50000"/>
+              </a:schemeClr>
+            </a:lnRef>
+            <a:fillRef idx="1">
+              <a:schemeClr val="accent1"/>
+            </a:fillRef>
+            <a:effectRef idx="0">
+              <a:schemeClr val="accent1"/>
+            </a:effectRef>
+            <a:fontRef idx="minor">
+              <a:schemeClr val="lt1"/>
+            </a:fontRef>
+          </p:style>
+          <p:txBody>
+            <a:bodyPr rtlCol="0" anchor="ctr"/>
+            <a:lstStyle/>
+            <a:p>
+              <a:pPr algn="ctr"/>
+              <a:r>
+                <a:rPr lang="en-US" altLang="ko-KR" sz="900" dirty="0">
+                  <a:solidFill>
+                    <a:srgbClr val="013B51"/>
+                  </a:solidFill>
+                  <a:latin typeface="Noto Sans CJK KR Bold" panose="020B0800000000000000" pitchFamily="34" charset="-127"/>
+                  <a:ea typeface="Noto Sans CJK KR Bold" panose="020B0800000000000000" pitchFamily="34" charset="-127"/>
+                </a:rPr>
+                <a:t>Memory</a:t>
+              </a:r>
+              <a:endParaRPr lang="ko-KR" altLang="en-US" sz="900" dirty="0">
+                <a:solidFill>
+                  <a:srgbClr val="013B51"/>
+                </a:solidFill>
+                <a:latin typeface="Noto Sans CJK KR Bold" panose="020B0800000000000000" pitchFamily="34" charset="-127"/>
+                <a:ea typeface="Noto Sans CJK KR Bold" panose="020B0800000000000000" pitchFamily="34" charset="-127"/>
+              </a:endParaRPr>
+            </a:p>
+          </p:txBody>
+        </p:sp>
+        <p:sp>
+          <p:nvSpPr>
+            <p:cNvPr id="199" name="Rectangle 198">
+              <a:extLst>
+                <a:ext uri="{FF2B5EF4-FFF2-40B4-BE49-F238E27FC236}">
+                  <a16:creationId xmlns:a16="http://schemas.microsoft.com/office/drawing/2014/main" id="{FE907E4D-31D2-4B58-A696-6C89BF21A3D4}"/>
+                </a:ext>
+              </a:extLst>
+            </p:cNvPr>
+            <p:cNvSpPr/>
+            <p:nvPr/>
+          </p:nvSpPr>
+          <p:spPr>
+            <a:xfrm>
+              <a:off x="8375338" y="6015915"/>
+              <a:ext cx="1822612" cy="391272"/>
+            </a:xfrm>
+            <a:prstGeom prst="rect">
+              <a:avLst/>
+            </a:prstGeom>
+            <a:noFill/>
+            <a:ln w="57150">
+              <a:solidFill>
+                <a:srgbClr val="013B51"/>
+              </a:solidFill>
+            </a:ln>
+          </p:spPr>
+          <p:style>
+            <a:lnRef idx="2">
+              <a:schemeClr val="accent1">
+                <a:shade val="50000"/>
+              </a:schemeClr>
+            </a:lnRef>
+            <a:fillRef idx="1">
+              <a:schemeClr val="accent1"/>
+            </a:fillRef>
+            <a:effectRef idx="0">
+              <a:schemeClr val="accent1"/>
+            </a:effectRef>
+            <a:fontRef idx="minor">
+              <a:schemeClr val="lt1"/>
+            </a:fontRef>
+          </p:style>
+          <p:txBody>
+            <a:bodyPr rtlCol="0" anchor="ctr"/>
+            <a:lstStyle/>
+            <a:p>
+              <a:pPr algn="ctr"/>
+              <a:endParaRPr lang="ko-KR" altLang="en-US" sz="1050" dirty="0">
+                <a:solidFill>
+                  <a:srgbClr val="013B51"/>
+                </a:solidFill>
+                <a:latin typeface="Noto Sans CJK KR Bold" panose="020B0800000000000000" pitchFamily="34" charset="-127"/>
+                <a:ea typeface="Noto Sans CJK KR Bold" panose="020B0800000000000000" pitchFamily="34" charset="-127"/>
+              </a:endParaRPr>
+            </a:p>
+          </p:txBody>
+        </p:sp>
+      </p:grpSp>
+      <p:cxnSp>
+        <p:nvCxnSpPr>
+          <p:cNvPr id="202" name="Straight Connector 201">
+            <a:extLst>
+              <a:ext uri="{FF2B5EF4-FFF2-40B4-BE49-F238E27FC236}">
+                <a16:creationId xmlns:a16="http://schemas.microsoft.com/office/drawing/2014/main" id="{82BB02AB-89AF-4DBD-9E04-2F6FC7D1FC48}"/>
+              </a:ext>
+            </a:extLst>
+          </p:cNvPr>
+          <p:cNvCxnSpPr>
+            <a:stCxn id="183" idx="3"/>
+          </p:cNvCxnSpPr>
+          <p:nvPr/>
+        </p:nvCxnSpPr>
+        <p:spPr>
+          <a:xfrm flipV="1">
+            <a:off x="7658834" y="3002122"/>
+            <a:ext cx="356712" cy="1412"/>
+          </a:xfrm>
+          <a:prstGeom prst="line">
+            <a:avLst/>
+          </a:prstGeom>
+          <a:ln w="38100">
+            <a:solidFill>
+              <a:srgbClr val="013B51"/>
+            </a:solidFill>
+          </a:ln>
+        </p:spPr>
+        <p:style>
+          <a:lnRef idx="1">
+            <a:schemeClr val="accent1"/>
+          </a:lnRef>
+          <a:fillRef idx="0">
+            <a:schemeClr val="accent1"/>
+          </a:fillRef>
+          <a:effectRef idx="0">
+            <a:schemeClr val="accent1"/>
+          </a:effectRef>
+          <a:fontRef idx="minor">
+            <a:schemeClr val="tx1"/>
+          </a:fontRef>
+        </p:style>
+      </p:cxnSp>
+      <p:sp>
+        <p:nvSpPr>
+          <p:cNvPr id="208" name="Oval 207">
+            <a:extLst>
+              <a:ext uri="{FF2B5EF4-FFF2-40B4-BE49-F238E27FC236}">
+                <a16:creationId xmlns:a16="http://schemas.microsoft.com/office/drawing/2014/main" id="{EAF4C820-0CBE-4720-92B4-2D20AF962744}"/>
+              </a:ext>
+            </a:extLst>
+          </p:cNvPr>
+          <p:cNvSpPr/>
+          <p:nvPr/>
+        </p:nvSpPr>
+        <p:spPr>
+          <a:xfrm>
+            <a:off x="7804118" y="4554403"/>
+            <a:ext cx="387414" cy="387414"/>
+          </a:xfrm>
+          <a:prstGeom prst="ellipse">
+            <a:avLst/>
+          </a:prstGeom>
+          <a:noFill/>
+          <a:ln w="28575">
+            <a:solidFill>
+              <a:srgbClr val="013B51"/>
+            </a:solidFill>
+          </a:ln>
+        </p:spPr>
+        <p:style>
+          <a:lnRef idx="2">
+            <a:schemeClr val="accent1">
+              <a:shade val="50000"/>
+            </a:schemeClr>
+          </a:lnRef>
+          <a:fillRef idx="1">
+            <a:schemeClr val="accent1"/>
+          </a:fillRef>
+          <a:effectRef idx="0">
+            <a:schemeClr val="accent1"/>
+          </a:effectRef>
+          <a:fontRef idx="minor">
+            <a:schemeClr val="lt1"/>
+          </a:fontRef>
+        </p:style>
+        <p:txBody>
+          <a:bodyPr rtlCol="0" anchor="ctr"/>
+          <a:lstStyle/>
+          <a:p>
+            <a:pPr algn="ctr"/>
+            <a:r>
+              <a:rPr lang="en-US" altLang="ko-KR" b="1" dirty="0">
+                <a:solidFill>
+                  <a:srgbClr val="013B51"/>
+                </a:solidFill>
+              </a:rPr>
+              <a:t>+</a:t>
+            </a:r>
+            <a:endParaRPr lang="ko-KR" altLang="en-US" b="1" dirty="0">
+              <a:solidFill>
+                <a:srgbClr val="013B51"/>
+              </a:solidFill>
+            </a:endParaRPr>
+          </a:p>
+        </p:txBody>
+      </p:sp>
+      <p:cxnSp>
+        <p:nvCxnSpPr>
+          <p:cNvPr id="210" name="Straight Arrow Connector 209">
+            <a:extLst>
+              <a:ext uri="{FF2B5EF4-FFF2-40B4-BE49-F238E27FC236}">
+                <a16:creationId xmlns:a16="http://schemas.microsoft.com/office/drawing/2014/main" id="{88597984-AF54-4A9B-B612-773A589A4D21}"/>
+              </a:ext>
+            </a:extLst>
+          </p:cNvPr>
+          <p:cNvCxnSpPr>
+            <a:cxnSpLocks/>
+            <a:endCxn id="208" idx="0"/>
+          </p:cNvCxnSpPr>
+          <p:nvPr/>
+        </p:nvCxnSpPr>
+        <p:spPr>
+          <a:xfrm>
+            <a:off x="7997825" y="2979420"/>
+            <a:ext cx="0" cy="1574983"/>
+          </a:xfrm>
+          <a:prstGeom prst="straightConnector1">
+            <a:avLst/>
+          </a:prstGeom>
+          <a:ln w="38100">
+            <a:solidFill>
+              <a:srgbClr val="013B51"/>
+            </a:solidFill>
+            <a:tailEnd type="triangle"/>
+          </a:ln>
+        </p:spPr>
+        <p:style>
+          <a:lnRef idx="1">
+            <a:schemeClr val="accent1"/>
+          </a:lnRef>
+          <a:fillRef idx="0">
+            <a:schemeClr val="accent1"/>
+          </a:fillRef>
+          <a:effectRef idx="0">
+            <a:schemeClr val="accent1"/>
+          </a:effectRef>
+          <a:fontRef idx="minor">
+            <a:schemeClr val="tx1"/>
+          </a:fontRef>
+        </p:style>
+      </p:cxnSp>
+      <p:cxnSp>
+        <p:nvCxnSpPr>
+          <p:cNvPr id="212" name="Straight Connector 211">
+            <a:extLst>
+              <a:ext uri="{FF2B5EF4-FFF2-40B4-BE49-F238E27FC236}">
+                <a16:creationId xmlns:a16="http://schemas.microsoft.com/office/drawing/2014/main" id="{4D51F6C0-3367-4AE9-BC87-DD1F95E36D41}"/>
+              </a:ext>
+            </a:extLst>
+          </p:cNvPr>
+          <p:cNvCxnSpPr>
+            <a:cxnSpLocks/>
+            <a:stCxn id="178" idx="2"/>
+          </p:cNvCxnSpPr>
+          <p:nvPr/>
+        </p:nvCxnSpPr>
+        <p:spPr>
+          <a:xfrm>
+            <a:off x="5073591" y="4919814"/>
+            <a:ext cx="0" cy="229081"/>
+          </a:xfrm>
+          <a:prstGeom prst="line">
+            <a:avLst/>
+          </a:prstGeom>
+          <a:ln w="38100">
+            <a:solidFill>
+              <a:srgbClr val="013B51"/>
+            </a:solidFill>
+          </a:ln>
+        </p:spPr>
+        <p:style>
+          <a:lnRef idx="1">
+            <a:schemeClr val="accent1"/>
+          </a:lnRef>
+          <a:fillRef idx="0">
+            <a:schemeClr val="accent1"/>
+          </a:fillRef>
+          <a:effectRef idx="0">
+            <a:schemeClr val="accent1"/>
+          </a:effectRef>
+          <a:fontRef idx="minor">
+            <a:schemeClr val="tx1"/>
+          </a:fontRef>
+        </p:style>
+      </p:cxnSp>
+      <p:cxnSp>
+        <p:nvCxnSpPr>
+          <p:cNvPr id="214" name="Straight Arrow Connector 213">
+            <a:extLst>
+              <a:ext uri="{FF2B5EF4-FFF2-40B4-BE49-F238E27FC236}">
+                <a16:creationId xmlns:a16="http://schemas.microsoft.com/office/drawing/2014/main" id="{5322017E-BDD1-417B-86A6-8BDDABC74811}"/>
+              </a:ext>
+            </a:extLst>
+          </p:cNvPr>
+          <p:cNvCxnSpPr>
+            <a:cxnSpLocks/>
+            <a:endCxn id="208" idx="4"/>
+          </p:cNvCxnSpPr>
+          <p:nvPr/>
+        </p:nvCxnSpPr>
+        <p:spPr>
+          <a:xfrm flipV="1">
+            <a:off x="7997825" y="4941817"/>
+            <a:ext cx="0" cy="207078"/>
+          </a:xfrm>
+          <a:prstGeom prst="straightConnector1">
+            <a:avLst/>
+          </a:prstGeom>
+          <a:ln w="38100">
+            <a:solidFill>
+              <a:srgbClr val="013B51"/>
+            </a:solidFill>
+            <a:tailEnd type="triangle"/>
+          </a:ln>
+        </p:spPr>
+        <p:style>
+          <a:lnRef idx="1">
+            <a:schemeClr val="accent1"/>
+          </a:lnRef>
+          <a:fillRef idx="0">
+            <a:schemeClr val="accent1"/>
+          </a:fillRef>
+          <a:effectRef idx="0">
+            <a:schemeClr val="accent1"/>
+          </a:effectRef>
+          <a:fontRef idx="minor">
+            <a:schemeClr val="tx1"/>
+          </a:fontRef>
+        </p:style>
+      </p:cxnSp>
+      <p:cxnSp>
+        <p:nvCxnSpPr>
+          <p:cNvPr id="228" name="Straight Connector 227">
+            <a:extLst>
+              <a:ext uri="{FF2B5EF4-FFF2-40B4-BE49-F238E27FC236}">
+                <a16:creationId xmlns:a16="http://schemas.microsoft.com/office/drawing/2014/main" id="{938D4309-81FA-4B43-BBED-275B99955E84}"/>
+              </a:ext>
+            </a:extLst>
+          </p:cNvPr>
+          <p:cNvCxnSpPr>
+            <a:cxnSpLocks/>
+          </p:cNvCxnSpPr>
+          <p:nvPr/>
+        </p:nvCxnSpPr>
+        <p:spPr>
+          <a:xfrm>
+            <a:off x="5073591" y="5131501"/>
+            <a:ext cx="2912670" cy="0"/>
+          </a:xfrm>
+          <a:prstGeom prst="line">
+            <a:avLst/>
+          </a:prstGeom>
+          <a:ln w="38100">
+            <a:solidFill>
+              <a:srgbClr val="013B51"/>
+            </a:solidFill>
+          </a:ln>
+        </p:spPr>
+        <p:style>
+          <a:lnRef idx="1">
+            <a:schemeClr val="accent1"/>
+          </a:lnRef>
+          <a:fillRef idx="0">
+            <a:schemeClr val="accent1"/>
+          </a:fillRef>
+          <a:effectRef idx="0">
+            <a:schemeClr val="accent1"/>
+          </a:effectRef>
+          <a:fontRef idx="minor">
+            <a:schemeClr val="tx1"/>
+          </a:fontRef>
+        </p:style>
+      </p:cxnSp>
+      <p:cxnSp>
+        <p:nvCxnSpPr>
+          <p:cNvPr id="233" name="Straight Arrow Connector 232">
+            <a:extLst>
+              <a:ext uri="{FF2B5EF4-FFF2-40B4-BE49-F238E27FC236}">
+                <a16:creationId xmlns:a16="http://schemas.microsoft.com/office/drawing/2014/main" id="{4B24177E-DCAC-4E21-A2A9-0C39572286B6}"/>
+              </a:ext>
+            </a:extLst>
+          </p:cNvPr>
+          <p:cNvCxnSpPr>
+            <a:cxnSpLocks/>
+            <a:stCxn id="208" idx="6"/>
+            <a:endCxn id="197" idx="1"/>
+          </p:cNvCxnSpPr>
+          <p:nvPr/>
+        </p:nvCxnSpPr>
+        <p:spPr>
+          <a:xfrm>
+            <a:off x="8191532" y="4748110"/>
+            <a:ext cx="1171854" cy="10525"/>
+          </a:xfrm>
+          <a:prstGeom prst="straightConnector1">
+            <a:avLst/>
+          </a:prstGeom>
+          <a:ln w="38100">
+            <a:solidFill>
+              <a:srgbClr val="013B51"/>
+            </a:solidFill>
+            <a:tailEnd type="triangle"/>
+          </a:ln>
+        </p:spPr>
+        <p:style>
+          <a:lnRef idx="1">
+            <a:schemeClr val="accent1"/>
+          </a:lnRef>
+          <a:fillRef idx="0">
+            <a:schemeClr val="accent1"/>
+          </a:fillRef>
+          <a:effectRef idx="0">
+            <a:schemeClr val="accent1"/>
+          </a:effectRef>
+          <a:fontRef idx="minor">
+            <a:schemeClr val="tx1"/>
+          </a:fontRef>
+        </p:style>
+      </p:cxnSp>
+      <p:sp>
+        <p:nvSpPr>
+          <p:cNvPr id="240" name="Rectangle 239">
+            <a:extLst>
+              <a:ext uri="{FF2B5EF4-FFF2-40B4-BE49-F238E27FC236}">
+                <a16:creationId xmlns:a16="http://schemas.microsoft.com/office/drawing/2014/main" id="{1CFCC241-1678-457F-9878-C05CA84C4ADF}"/>
+              </a:ext>
+            </a:extLst>
+          </p:cNvPr>
+          <p:cNvSpPr/>
+          <p:nvPr/>
+        </p:nvSpPr>
+        <p:spPr>
+          <a:xfrm>
+            <a:off x="2441358" y="5379714"/>
+            <a:ext cx="585927" cy="461639"/>
+          </a:xfrm>
+          <a:prstGeom prst="rect">
+            <a:avLst/>
+          </a:prstGeom>
+          <a:noFill/>
+          <a:ln w="57150">
+            <a:solidFill>
+              <a:srgbClr val="013B51"/>
+            </a:solidFill>
+          </a:ln>
+        </p:spPr>
+        <p:style>
+          <a:lnRef idx="2">
+            <a:schemeClr val="accent1">
+              <a:shade val="50000"/>
+            </a:schemeClr>
+          </a:lnRef>
+          <a:fillRef idx="1">
+            <a:schemeClr val="accent1"/>
+          </a:fillRef>
+          <a:effectRef idx="0">
+            <a:schemeClr val="accent1"/>
+          </a:effectRef>
+          <a:fontRef idx="minor">
+            <a:schemeClr val="lt1"/>
+          </a:fontRef>
+        </p:style>
+        <p:txBody>
+          <a:bodyPr rtlCol="0" anchor="ctr"/>
+          <a:lstStyle/>
+          <a:p>
+            <a:pPr algn="ctr"/>
+            <a:r>
+              <a:rPr lang="en-US" altLang="ko-KR" b="1" dirty="0">
+                <a:solidFill>
+                  <a:srgbClr val="013B51"/>
+                </a:solidFill>
+              </a:rPr>
+              <a:t>op</a:t>
+            </a:r>
+            <a:endParaRPr lang="ko-KR" altLang="en-US" b="1" dirty="0">
+              <a:solidFill>
+                <a:srgbClr val="013B51"/>
+              </a:solidFill>
+            </a:endParaRPr>
+          </a:p>
+        </p:txBody>
+      </p:sp>
+      <p:sp>
+        <p:nvSpPr>
+          <p:cNvPr id="241" name="Rectangle 240">
+            <a:extLst>
+              <a:ext uri="{FF2B5EF4-FFF2-40B4-BE49-F238E27FC236}">
+                <a16:creationId xmlns:a16="http://schemas.microsoft.com/office/drawing/2014/main" id="{FD5C8C20-C906-4085-B974-E4EBB278645E}"/>
+              </a:ext>
+            </a:extLst>
+          </p:cNvPr>
+          <p:cNvSpPr/>
+          <p:nvPr/>
+        </p:nvSpPr>
+        <p:spPr>
+          <a:xfrm>
+            <a:off x="3027285" y="5379714"/>
+            <a:ext cx="585927" cy="461639"/>
+          </a:xfrm>
+          <a:prstGeom prst="rect">
+            <a:avLst/>
+          </a:prstGeom>
+          <a:noFill/>
+          <a:ln w="57150">
+            <a:solidFill>
+              <a:srgbClr val="013B51"/>
+            </a:solidFill>
+          </a:ln>
+        </p:spPr>
+        <p:style>
+          <a:lnRef idx="2">
+            <a:schemeClr val="accent1">
+              <a:shade val="50000"/>
+            </a:schemeClr>
+          </a:lnRef>
+          <a:fillRef idx="1">
+            <a:schemeClr val="accent1"/>
+          </a:fillRef>
+          <a:effectRef idx="0">
+            <a:schemeClr val="accent1"/>
+          </a:effectRef>
+          <a:fontRef idx="minor">
+            <a:schemeClr val="lt1"/>
+          </a:fontRef>
+        </p:style>
+        <p:txBody>
+          <a:bodyPr rtlCol="0" anchor="ctr"/>
+          <a:lstStyle/>
+          <a:p>
+            <a:pPr algn="ctr"/>
+            <a:r>
+              <a:rPr lang="en-US" altLang="ko-KR" b="1" dirty="0" err="1">
+                <a:solidFill>
+                  <a:srgbClr val="013B51"/>
+                </a:solidFill>
+              </a:rPr>
+              <a:t>rs</a:t>
+            </a:r>
+            <a:endParaRPr lang="ko-KR" altLang="en-US" b="1" dirty="0">
+              <a:solidFill>
+                <a:srgbClr val="013B51"/>
+              </a:solidFill>
+            </a:endParaRPr>
+          </a:p>
+        </p:txBody>
+      </p:sp>
+      <p:sp>
+        <p:nvSpPr>
+          <p:cNvPr id="242" name="Rectangle 241">
+            <a:extLst>
+              <a:ext uri="{FF2B5EF4-FFF2-40B4-BE49-F238E27FC236}">
+                <a16:creationId xmlns:a16="http://schemas.microsoft.com/office/drawing/2014/main" id="{ED88F12B-E275-4C6E-BC60-610CEEAAA479}"/>
+              </a:ext>
+            </a:extLst>
+          </p:cNvPr>
+          <p:cNvSpPr/>
+          <p:nvPr/>
+        </p:nvSpPr>
+        <p:spPr>
+          <a:xfrm>
+            <a:off x="3613212" y="5379714"/>
+            <a:ext cx="585927" cy="461639"/>
+          </a:xfrm>
+          <a:prstGeom prst="rect">
+            <a:avLst/>
+          </a:prstGeom>
+          <a:noFill/>
+          <a:ln w="57150">
+            <a:solidFill>
+              <a:srgbClr val="013B51"/>
+            </a:solidFill>
+          </a:ln>
+        </p:spPr>
+        <p:style>
+          <a:lnRef idx="2">
+            <a:schemeClr val="accent1">
+              <a:shade val="50000"/>
+            </a:schemeClr>
+          </a:lnRef>
+          <a:fillRef idx="1">
+            <a:schemeClr val="accent1"/>
+          </a:fillRef>
+          <a:effectRef idx="0">
+            <a:schemeClr val="accent1"/>
+          </a:effectRef>
+          <a:fontRef idx="minor">
+            <a:schemeClr val="lt1"/>
+          </a:fontRef>
+        </p:style>
+        <p:txBody>
+          <a:bodyPr rtlCol="0" anchor="ctr"/>
+          <a:lstStyle/>
+          <a:p>
+            <a:pPr algn="ctr"/>
+            <a:r>
+              <a:rPr lang="en-US" altLang="ko-KR" b="1" dirty="0">
+                <a:solidFill>
+                  <a:srgbClr val="013B51"/>
+                </a:solidFill>
+              </a:rPr>
+              <a:t>rt</a:t>
+            </a:r>
+            <a:endParaRPr lang="ko-KR" altLang="en-US" b="1" dirty="0">
+              <a:solidFill>
+                <a:srgbClr val="013B51"/>
+              </a:solidFill>
+            </a:endParaRPr>
+          </a:p>
+        </p:txBody>
+      </p:sp>
+      <p:sp>
+        <p:nvSpPr>
+          <p:cNvPr id="243" name="Rectangle 242">
+            <a:extLst>
+              <a:ext uri="{FF2B5EF4-FFF2-40B4-BE49-F238E27FC236}">
+                <a16:creationId xmlns:a16="http://schemas.microsoft.com/office/drawing/2014/main" id="{4F643C40-9BB3-4DD8-A9BE-679998C5EBD8}"/>
+              </a:ext>
+            </a:extLst>
+          </p:cNvPr>
+          <p:cNvSpPr/>
+          <p:nvPr/>
+        </p:nvSpPr>
+        <p:spPr>
+          <a:xfrm>
+            <a:off x="4199139" y="5379714"/>
+            <a:ext cx="1748903" cy="461639"/>
+          </a:xfrm>
+          <a:prstGeom prst="rect">
+            <a:avLst/>
+          </a:prstGeom>
+          <a:noFill/>
+          <a:ln w="57150">
+            <a:solidFill>
+              <a:srgbClr val="013B51"/>
+            </a:solidFill>
+          </a:ln>
+        </p:spPr>
+        <p:style>
+          <a:lnRef idx="2">
+            <a:schemeClr val="accent1">
+              <a:shade val="50000"/>
+            </a:schemeClr>
+          </a:lnRef>
+          <a:fillRef idx="1">
+            <a:schemeClr val="accent1"/>
+          </a:fillRef>
+          <a:effectRef idx="0">
+            <a:schemeClr val="accent1"/>
+          </a:effectRef>
+          <a:fontRef idx="minor">
+            <a:schemeClr val="lt1"/>
+          </a:fontRef>
+        </p:style>
+        <p:txBody>
+          <a:bodyPr rtlCol="0" anchor="ctr"/>
+          <a:lstStyle/>
+          <a:p>
+            <a:pPr algn="ctr"/>
+            <a:r>
+              <a:rPr lang="en-US" altLang="ko-KR" b="1" dirty="0">
+                <a:solidFill>
+                  <a:srgbClr val="013B51"/>
+                </a:solidFill>
+              </a:rPr>
+              <a:t>Address</a:t>
+            </a:r>
+            <a:endParaRPr lang="ko-KR" altLang="en-US" b="1" dirty="0">
+              <a:solidFill>
+                <a:srgbClr val="013B51"/>
+              </a:solidFill>
+            </a:endParaRPr>
+          </a:p>
+        </p:txBody>
+      </p:sp>
+      <p:sp>
+        <p:nvSpPr>
+          <p:cNvPr id="244" name="Subtitle 2">
+            <a:extLst>
+              <a:ext uri="{FF2B5EF4-FFF2-40B4-BE49-F238E27FC236}">
+                <a16:creationId xmlns:a16="http://schemas.microsoft.com/office/drawing/2014/main" id="{A51ED0CE-263D-4033-8DFA-0D9F8024A9F0}"/>
+              </a:ext>
+            </a:extLst>
+          </p:cNvPr>
+          <p:cNvSpPr txBox="1">
+            <a:spLocks/>
+          </p:cNvSpPr>
+          <p:nvPr/>
+        </p:nvSpPr>
+        <p:spPr>
+          <a:xfrm>
+            <a:off x="2325947" y="5079992"/>
+            <a:ext cx="2896515" cy="273087"/>
+          </a:xfrm>
+          <a:prstGeom prst="rect">
+            <a:avLst/>
+          </a:prstGeom>
+        </p:spPr>
+        <p:txBody>
+          <a:bodyPr vert="horz" lIns="91440" tIns="45720" rIns="91440" bIns="45720" rtlCol="0">
+            <a:noAutofit/>
+          </a:bodyPr>
+          <a:lstStyle>
+            <a:lvl1pPr marL="0" indent="0" algn="ctr" defTabSz="914400" rtl="0" eaLnBrk="1" latinLnBrk="1" hangingPunct="1">
+              <a:lnSpc>
+                <a:spcPct val="90000"/>
+              </a:lnSpc>
+              <a:spcBef>
+                <a:spcPts val="1000"/>
+              </a:spcBef>
+              <a:buFont typeface="Arial" panose="020B0604020202020204" pitchFamily="34" charset="0"/>
+              <a:buNone/>
+              <a:defRPr sz="2400" kern="1200">
+                <a:solidFill>
+                  <a:schemeClr val="tx1"/>
+                </a:solidFill>
+                <a:latin typeface="+mn-lt"/>
+                <a:ea typeface="+mn-ea"/>
+                <a:cs typeface="+mn-cs"/>
+              </a:defRPr>
+            </a:lvl1pPr>
+            <a:lvl2pPr marL="457200" indent="0" algn="ctr" defTabSz="914400" rtl="0" eaLnBrk="1" latinLnBrk="1" hangingPunct="1">
+              <a:lnSpc>
+                <a:spcPct val="90000"/>
+              </a:lnSpc>
+              <a:spcBef>
+                <a:spcPts val="500"/>
+              </a:spcBef>
+              <a:buFont typeface="Arial" panose="020B0604020202020204" pitchFamily="34" charset="0"/>
+              <a:buNone/>
+              <a:defRPr sz="2000" kern="1200">
+                <a:solidFill>
+                  <a:schemeClr val="tx1"/>
+                </a:solidFill>
+                <a:latin typeface="+mn-lt"/>
+                <a:ea typeface="+mn-ea"/>
+                <a:cs typeface="+mn-cs"/>
+              </a:defRPr>
+            </a:lvl2pPr>
+            <a:lvl3pPr marL="914400" indent="0" algn="ctr" defTabSz="914400" rtl="0" eaLnBrk="1" latinLnBrk="1" hangingPunct="1">
+              <a:lnSpc>
+                <a:spcPct val="90000"/>
+              </a:lnSpc>
+              <a:spcBef>
+                <a:spcPts val="500"/>
+              </a:spcBef>
+              <a:buFont typeface="Arial" panose="020B0604020202020204" pitchFamily="34" charset="0"/>
+              <a:buNone/>
+              <a:defRPr sz="1800" kern="1200">
+                <a:solidFill>
+                  <a:schemeClr val="tx1"/>
+                </a:solidFill>
+                <a:latin typeface="+mn-lt"/>
+                <a:ea typeface="+mn-ea"/>
+                <a:cs typeface="+mn-cs"/>
+              </a:defRPr>
+            </a:lvl3pPr>
+            <a:lvl4pPr marL="1371600" indent="0" algn="ctr" defTabSz="914400" rtl="0" eaLnBrk="1" latinLnBrk="1" hangingPunct="1">
+              <a:lnSpc>
+                <a:spcPct val="90000"/>
+              </a:lnSpc>
+              <a:spcBef>
+                <a:spcPts val="500"/>
+              </a:spcBef>
+              <a:buFont typeface="Arial" panose="020B0604020202020204" pitchFamily="34" charset="0"/>
+              <a:buNone/>
+              <a:defRPr sz="1600" kern="1200">
+                <a:solidFill>
+                  <a:schemeClr val="tx1"/>
+                </a:solidFill>
+                <a:latin typeface="+mn-lt"/>
+                <a:ea typeface="+mn-ea"/>
+                <a:cs typeface="+mn-cs"/>
+              </a:defRPr>
+            </a:lvl4pPr>
+            <a:lvl5pPr marL="1828800" indent="0" algn="ctr" defTabSz="914400" rtl="0" eaLnBrk="1" latinLnBrk="1" hangingPunct="1">
+              <a:lnSpc>
+                <a:spcPct val="90000"/>
+              </a:lnSpc>
+              <a:spcBef>
+                <a:spcPts val="500"/>
+              </a:spcBef>
+              <a:buFont typeface="Arial" panose="020B0604020202020204" pitchFamily="34" charset="0"/>
+              <a:buNone/>
+              <a:defRPr sz="1600" kern="1200">
+                <a:solidFill>
+                  <a:schemeClr val="tx1"/>
+                </a:solidFill>
+                <a:latin typeface="+mn-lt"/>
+                <a:ea typeface="+mn-ea"/>
+                <a:cs typeface="+mn-cs"/>
+              </a:defRPr>
+            </a:lvl5pPr>
+            <a:lvl6pPr marL="2286000" indent="0" algn="ctr" defTabSz="914400" rtl="0" eaLnBrk="1" latinLnBrk="1" hangingPunct="1">
+              <a:lnSpc>
+                <a:spcPct val="90000"/>
+              </a:lnSpc>
+              <a:spcBef>
+                <a:spcPts val="500"/>
+              </a:spcBef>
+              <a:buFont typeface="Arial" panose="020B0604020202020204" pitchFamily="34" charset="0"/>
+              <a:buNone/>
+              <a:defRPr sz="1600" kern="1200">
+                <a:solidFill>
+                  <a:schemeClr val="tx1"/>
+                </a:solidFill>
+                <a:latin typeface="+mn-lt"/>
+                <a:ea typeface="+mn-ea"/>
+                <a:cs typeface="+mn-cs"/>
+              </a:defRPr>
+            </a:lvl6pPr>
+            <a:lvl7pPr marL="2743200" indent="0" algn="ctr" defTabSz="914400" rtl="0" eaLnBrk="1" latinLnBrk="1" hangingPunct="1">
+              <a:lnSpc>
+                <a:spcPct val="90000"/>
+              </a:lnSpc>
+              <a:spcBef>
+                <a:spcPts val="500"/>
+              </a:spcBef>
+              <a:buFont typeface="Arial" panose="020B0604020202020204" pitchFamily="34" charset="0"/>
+              <a:buNone/>
+              <a:defRPr sz="1600" kern="1200">
+                <a:solidFill>
+                  <a:schemeClr val="tx1"/>
+                </a:solidFill>
+                <a:latin typeface="+mn-lt"/>
+                <a:ea typeface="+mn-ea"/>
+                <a:cs typeface="+mn-cs"/>
+              </a:defRPr>
+            </a:lvl7pPr>
+            <a:lvl8pPr marL="3200400" indent="0" algn="ctr" defTabSz="914400" rtl="0" eaLnBrk="1" latinLnBrk="1" hangingPunct="1">
+              <a:lnSpc>
+                <a:spcPct val="90000"/>
+              </a:lnSpc>
+              <a:spcBef>
+                <a:spcPts val="500"/>
+              </a:spcBef>
+              <a:buFont typeface="Arial" panose="020B0604020202020204" pitchFamily="34" charset="0"/>
+              <a:buNone/>
+              <a:defRPr sz="1600" kern="1200">
+                <a:solidFill>
+                  <a:schemeClr val="tx1"/>
+                </a:solidFill>
+                <a:latin typeface="+mn-lt"/>
+                <a:ea typeface="+mn-ea"/>
+                <a:cs typeface="+mn-cs"/>
+              </a:defRPr>
+            </a:lvl8pPr>
+            <a:lvl9pPr marL="3657600" indent="0" algn="ctr" defTabSz="914400" rtl="0" eaLnBrk="1" latinLnBrk="1" hangingPunct="1">
+              <a:lnSpc>
+                <a:spcPct val="90000"/>
+              </a:lnSpc>
+              <a:spcBef>
+                <a:spcPts val="500"/>
+              </a:spcBef>
+              <a:buFont typeface="Arial" panose="020B0604020202020204" pitchFamily="34" charset="0"/>
+              <a:buNone/>
+              <a:defRPr sz="1600" kern="1200">
+                <a:solidFill>
+                  <a:schemeClr val="tx1"/>
+                </a:solidFill>
+                <a:latin typeface="+mn-lt"/>
+                <a:ea typeface="+mn-ea"/>
+                <a:cs typeface="+mn-cs"/>
+              </a:defRPr>
+            </a:lvl9pPr>
+          </a:lstStyle>
+          <a:p>
+            <a:pPr algn="l"/>
+            <a:r>
+              <a:rPr lang="en-US" altLang="ko-KR" sz="1600" dirty="0">
+                <a:solidFill>
+                  <a:srgbClr val="013B51"/>
+                </a:solidFill>
+                <a:latin typeface="Noto Sans CJK KR Medium" panose="020B0600000000000000" pitchFamily="34" charset="-127"/>
+                <a:ea typeface="Noto Sans CJK KR Medium" panose="020B0600000000000000" pitchFamily="34" charset="-127"/>
+              </a:rPr>
+              <a:t>4. PC-relative addressing</a:t>
+            </a:r>
+            <a:endParaRPr lang="ko-KR" altLang="en-US" sz="1600" dirty="0">
+              <a:solidFill>
+                <a:srgbClr val="013B51"/>
+              </a:solidFill>
+              <a:latin typeface="Noto Sans CJK KR Medium" panose="020B0600000000000000" pitchFamily="34" charset="-127"/>
+              <a:ea typeface="Noto Sans CJK KR Medium" panose="020B0600000000000000" pitchFamily="34" charset="-127"/>
+            </a:endParaRPr>
+          </a:p>
+        </p:txBody>
+      </p:sp>
+      <p:cxnSp>
+        <p:nvCxnSpPr>
+          <p:cNvPr id="245" name="Straight Connector 244">
+            <a:extLst>
+              <a:ext uri="{FF2B5EF4-FFF2-40B4-BE49-F238E27FC236}">
+                <a16:creationId xmlns:a16="http://schemas.microsoft.com/office/drawing/2014/main" id="{9B2F6FAF-43BB-4AF2-9E76-AD3111F53CF3}"/>
+              </a:ext>
+            </a:extLst>
+          </p:cNvPr>
+          <p:cNvCxnSpPr>
+            <a:cxnSpLocks/>
+            <a:stCxn id="243" idx="2"/>
+          </p:cNvCxnSpPr>
+          <p:nvPr/>
+        </p:nvCxnSpPr>
+        <p:spPr>
+          <a:xfrm>
+            <a:off x="5073591" y="5841353"/>
+            <a:ext cx="0" cy="229081"/>
+          </a:xfrm>
+          <a:prstGeom prst="line">
+            <a:avLst/>
+          </a:prstGeom>
+          <a:ln w="38100">
+            <a:solidFill>
+              <a:srgbClr val="013B51"/>
+            </a:solidFill>
+          </a:ln>
+        </p:spPr>
+        <p:style>
+          <a:lnRef idx="1">
+            <a:schemeClr val="accent1"/>
+          </a:lnRef>
+          <a:fillRef idx="0">
+            <a:schemeClr val="accent1"/>
+          </a:fillRef>
+          <a:effectRef idx="0">
+            <a:schemeClr val="accent1"/>
+          </a:effectRef>
+          <a:fontRef idx="minor">
+            <a:schemeClr val="tx1"/>
+          </a:fontRef>
+        </p:style>
+      </p:cxnSp>
+      <p:sp>
+        <p:nvSpPr>
+          <p:cNvPr id="248" name="Oval 247">
+            <a:extLst>
+              <a:ext uri="{FF2B5EF4-FFF2-40B4-BE49-F238E27FC236}">
+                <a16:creationId xmlns:a16="http://schemas.microsoft.com/office/drawing/2014/main" id="{27D1E51E-EA19-42CF-AA89-023430ED1D21}"/>
+              </a:ext>
+            </a:extLst>
+          </p:cNvPr>
+          <p:cNvSpPr/>
+          <p:nvPr/>
+        </p:nvSpPr>
+        <p:spPr>
+          <a:xfrm>
+            <a:off x="8234529" y="5335168"/>
+            <a:ext cx="387414" cy="387414"/>
+          </a:xfrm>
+          <a:prstGeom prst="ellipse">
+            <a:avLst/>
+          </a:prstGeom>
+          <a:noFill/>
+          <a:ln w="28575">
+            <a:solidFill>
+              <a:srgbClr val="013B51"/>
+            </a:solidFill>
+          </a:ln>
+        </p:spPr>
+        <p:style>
+          <a:lnRef idx="2">
+            <a:schemeClr val="accent1">
+              <a:shade val="50000"/>
+            </a:schemeClr>
+          </a:lnRef>
+          <a:fillRef idx="1">
+            <a:schemeClr val="accent1"/>
+          </a:fillRef>
+          <a:effectRef idx="0">
+            <a:schemeClr val="accent1"/>
+          </a:effectRef>
+          <a:fontRef idx="minor">
+            <a:schemeClr val="lt1"/>
+          </a:fontRef>
+        </p:style>
+        <p:txBody>
+          <a:bodyPr rtlCol="0" anchor="ctr"/>
+          <a:lstStyle/>
+          <a:p>
+            <a:pPr algn="ctr"/>
+            <a:r>
+              <a:rPr lang="en-US" altLang="ko-KR" b="1" dirty="0">
+                <a:solidFill>
+                  <a:srgbClr val="013B51"/>
+                </a:solidFill>
+              </a:rPr>
+              <a:t>+</a:t>
+            </a:r>
+            <a:endParaRPr lang="ko-KR" altLang="en-US" b="1" dirty="0">
+              <a:solidFill>
+                <a:srgbClr val="013B51"/>
+              </a:solidFill>
+            </a:endParaRPr>
+          </a:p>
+        </p:txBody>
+      </p:sp>
+      <p:cxnSp>
+        <p:nvCxnSpPr>
+          <p:cNvPr id="249" name="Straight Arrow Connector 248">
+            <a:extLst>
+              <a:ext uri="{FF2B5EF4-FFF2-40B4-BE49-F238E27FC236}">
+                <a16:creationId xmlns:a16="http://schemas.microsoft.com/office/drawing/2014/main" id="{8B6DE69B-D738-4EC2-B6AB-3C37A27F9DA1}"/>
+              </a:ext>
+            </a:extLst>
+          </p:cNvPr>
+          <p:cNvCxnSpPr>
+            <a:cxnSpLocks/>
+            <a:stCxn id="238" idx="2"/>
+            <a:endCxn id="248" idx="0"/>
+          </p:cNvCxnSpPr>
+          <p:nvPr/>
+        </p:nvCxnSpPr>
+        <p:spPr>
+          <a:xfrm>
+            <a:off x="8426293" y="3113146"/>
+            <a:ext cx="1943" cy="2222022"/>
+          </a:xfrm>
+          <a:prstGeom prst="straightConnector1">
+            <a:avLst/>
+          </a:prstGeom>
+          <a:ln w="38100">
+            <a:solidFill>
+              <a:srgbClr val="013B51"/>
+            </a:solidFill>
+            <a:tailEnd type="triangle"/>
+          </a:ln>
+        </p:spPr>
+        <p:style>
+          <a:lnRef idx="1">
+            <a:schemeClr val="accent1"/>
+          </a:lnRef>
+          <a:fillRef idx="0">
+            <a:schemeClr val="accent1"/>
+          </a:fillRef>
+          <a:effectRef idx="0">
+            <a:schemeClr val="accent1"/>
+          </a:effectRef>
+          <a:fontRef idx="minor">
+            <a:schemeClr val="tx1"/>
+          </a:fontRef>
+        </p:style>
+      </p:cxnSp>
+      <p:cxnSp>
+        <p:nvCxnSpPr>
+          <p:cNvPr id="250" name="Straight Arrow Connector 249">
+            <a:extLst>
+              <a:ext uri="{FF2B5EF4-FFF2-40B4-BE49-F238E27FC236}">
+                <a16:creationId xmlns:a16="http://schemas.microsoft.com/office/drawing/2014/main" id="{AE876278-48B4-4235-8346-6F7BA8534A0E}"/>
+              </a:ext>
+            </a:extLst>
+          </p:cNvPr>
+          <p:cNvCxnSpPr>
+            <a:cxnSpLocks/>
+            <a:endCxn id="248" idx="4"/>
+          </p:cNvCxnSpPr>
+          <p:nvPr/>
+        </p:nvCxnSpPr>
+        <p:spPr>
+          <a:xfrm flipV="1">
+            <a:off x="8428236" y="5722582"/>
+            <a:ext cx="0" cy="344458"/>
+          </a:xfrm>
+          <a:prstGeom prst="straightConnector1">
+            <a:avLst/>
+          </a:prstGeom>
+          <a:ln w="38100">
+            <a:solidFill>
+              <a:srgbClr val="013B51"/>
+            </a:solidFill>
+            <a:tailEnd type="triangle"/>
+          </a:ln>
+        </p:spPr>
+        <p:style>
+          <a:lnRef idx="1">
+            <a:schemeClr val="accent1"/>
+          </a:lnRef>
+          <a:fillRef idx="0">
+            <a:schemeClr val="accent1"/>
+          </a:fillRef>
+          <a:effectRef idx="0">
+            <a:schemeClr val="accent1"/>
+          </a:effectRef>
+          <a:fontRef idx="minor">
+            <a:schemeClr val="tx1"/>
+          </a:fontRef>
+        </p:style>
+      </p:cxnSp>
+      <p:cxnSp>
+        <p:nvCxnSpPr>
+          <p:cNvPr id="251" name="Straight Connector 250">
+            <a:extLst>
+              <a:ext uri="{FF2B5EF4-FFF2-40B4-BE49-F238E27FC236}">
+                <a16:creationId xmlns:a16="http://schemas.microsoft.com/office/drawing/2014/main" id="{ABEE39F5-07AA-44AB-9ED0-BCB2D1E57EF4}"/>
+              </a:ext>
+            </a:extLst>
+          </p:cNvPr>
+          <p:cNvCxnSpPr>
+            <a:cxnSpLocks/>
+          </p:cNvCxnSpPr>
+          <p:nvPr/>
+        </p:nvCxnSpPr>
+        <p:spPr>
+          <a:xfrm>
+            <a:off x="5069151" y="6051800"/>
+            <a:ext cx="3355141" cy="0"/>
+          </a:xfrm>
+          <a:prstGeom prst="line">
+            <a:avLst/>
+          </a:prstGeom>
+          <a:ln w="38100">
+            <a:solidFill>
+              <a:srgbClr val="013B51"/>
+            </a:solidFill>
+          </a:ln>
+        </p:spPr>
+        <p:style>
+          <a:lnRef idx="1">
+            <a:schemeClr val="accent1"/>
+          </a:lnRef>
+          <a:fillRef idx="0">
+            <a:schemeClr val="accent1"/>
+          </a:fillRef>
+          <a:effectRef idx="0">
+            <a:schemeClr val="accent1"/>
+          </a:effectRef>
+          <a:fontRef idx="minor">
+            <a:schemeClr val="tx1"/>
+          </a:fontRef>
+        </p:style>
+      </p:cxnSp>
+      <p:cxnSp>
+        <p:nvCxnSpPr>
+          <p:cNvPr id="252" name="Straight Arrow Connector 251">
+            <a:extLst>
+              <a:ext uri="{FF2B5EF4-FFF2-40B4-BE49-F238E27FC236}">
+                <a16:creationId xmlns:a16="http://schemas.microsoft.com/office/drawing/2014/main" id="{B8D5132F-A482-4916-99BA-0E0CCADFEA37}"/>
+              </a:ext>
+            </a:extLst>
+          </p:cNvPr>
+          <p:cNvCxnSpPr>
+            <a:cxnSpLocks/>
+            <a:stCxn id="248" idx="6"/>
+            <a:endCxn id="195" idx="1"/>
+          </p:cNvCxnSpPr>
+          <p:nvPr/>
+        </p:nvCxnSpPr>
+        <p:spPr>
+          <a:xfrm>
+            <a:off x="8621943" y="5528875"/>
+            <a:ext cx="741444" cy="9277"/>
+          </a:xfrm>
+          <a:prstGeom prst="straightConnector1">
+            <a:avLst/>
+          </a:prstGeom>
+          <a:ln w="38100">
+            <a:solidFill>
+              <a:srgbClr val="013B51"/>
+            </a:solidFill>
+            <a:tailEnd type="triangle"/>
+          </a:ln>
+        </p:spPr>
+        <p:style>
+          <a:lnRef idx="1">
+            <a:schemeClr val="accent1"/>
+          </a:lnRef>
+          <a:fillRef idx="0">
+            <a:schemeClr val="accent1"/>
+          </a:fillRef>
+          <a:effectRef idx="0">
+            <a:schemeClr val="accent1"/>
+          </a:effectRef>
+          <a:fontRef idx="minor">
+            <a:schemeClr val="tx1"/>
+          </a:fontRef>
+        </p:style>
+      </p:cxnSp>
+      <p:sp>
+        <p:nvSpPr>
+          <p:cNvPr id="263" name="Rectangle 262">
+            <a:extLst>
+              <a:ext uri="{FF2B5EF4-FFF2-40B4-BE49-F238E27FC236}">
+                <a16:creationId xmlns:a16="http://schemas.microsoft.com/office/drawing/2014/main" id="{B93B0B59-BE98-40BF-A336-738DF988A7D8}"/>
+              </a:ext>
+            </a:extLst>
+          </p:cNvPr>
+          <p:cNvSpPr/>
+          <p:nvPr/>
+        </p:nvSpPr>
+        <p:spPr>
+          <a:xfrm>
+            <a:off x="2441358" y="6190995"/>
+            <a:ext cx="585927" cy="461639"/>
+          </a:xfrm>
+          <a:prstGeom prst="rect">
+            <a:avLst/>
+          </a:prstGeom>
+          <a:noFill/>
+          <a:ln w="57150">
+            <a:solidFill>
+              <a:srgbClr val="013B51"/>
+            </a:solidFill>
+          </a:ln>
+        </p:spPr>
+        <p:style>
+          <a:lnRef idx="2">
+            <a:schemeClr val="accent1">
+              <a:shade val="50000"/>
+            </a:schemeClr>
+          </a:lnRef>
+          <a:fillRef idx="1">
+            <a:schemeClr val="accent1"/>
+          </a:fillRef>
+          <a:effectRef idx="0">
+            <a:schemeClr val="accent1"/>
+          </a:effectRef>
+          <a:fontRef idx="minor">
+            <a:schemeClr val="lt1"/>
+          </a:fontRef>
+        </p:style>
+        <p:txBody>
+          <a:bodyPr rtlCol="0" anchor="ctr"/>
+          <a:lstStyle/>
+          <a:p>
+            <a:pPr algn="ctr"/>
+            <a:r>
+              <a:rPr lang="en-US" altLang="ko-KR" b="1" dirty="0">
+                <a:solidFill>
+                  <a:srgbClr val="013B51"/>
+                </a:solidFill>
+              </a:rPr>
+              <a:t>op</a:t>
+            </a:r>
+            <a:endParaRPr lang="ko-KR" altLang="en-US" b="1" dirty="0">
+              <a:solidFill>
+                <a:srgbClr val="013B51"/>
+              </a:solidFill>
+            </a:endParaRPr>
+          </a:p>
+        </p:txBody>
+      </p:sp>
+      <p:sp>
+        <p:nvSpPr>
+          <p:cNvPr id="266" name="Rectangle 265">
+            <a:extLst>
+              <a:ext uri="{FF2B5EF4-FFF2-40B4-BE49-F238E27FC236}">
+                <a16:creationId xmlns:a16="http://schemas.microsoft.com/office/drawing/2014/main" id="{FAF8DB47-0194-4205-A79C-1C452ED6DB53}"/>
+              </a:ext>
+            </a:extLst>
+          </p:cNvPr>
+          <p:cNvSpPr/>
+          <p:nvPr/>
+        </p:nvSpPr>
+        <p:spPr>
+          <a:xfrm>
+            <a:off x="3027285" y="6190995"/>
+            <a:ext cx="2920757" cy="461639"/>
+          </a:xfrm>
+          <a:prstGeom prst="rect">
+            <a:avLst/>
+          </a:prstGeom>
+          <a:noFill/>
+          <a:ln w="57150">
+            <a:solidFill>
+              <a:srgbClr val="013B51"/>
+            </a:solidFill>
+          </a:ln>
+        </p:spPr>
+        <p:style>
+          <a:lnRef idx="2">
+            <a:schemeClr val="accent1">
+              <a:shade val="50000"/>
+            </a:schemeClr>
+          </a:lnRef>
+          <a:fillRef idx="1">
+            <a:schemeClr val="accent1"/>
+          </a:fillRef>
+          <a:effectRef idx="0">
+            <a:schemeClr val="accent1"/>
+          </a:effectRef>
+          <a:fontRef idx="minor">
+            <a:schemeClr val="lt1"/>
+          </a:fontRef>
+        </p:style>
+        <p:txBody>
+          <a:bodyPr rtlCol="0" anchor="ctr"/>
+          <a:lstStyle/>
+          <a:p>
+            <a:pPr algn="ctr"/>
+            <a:r>
+              <a:rPr lang="en-US" altLang="ko-KR" b="1" dirty="0">
+                <a:solidFill>
+                  <a:srgbClr val="013B51"/>
+                </a:solidFill>
+              </a:rPr>
+              <a:t>Address</a:t>
+            </a:r>
+            <a:endParaRPr lang="ko-KR" altLang="en-US" b="1" dirty="0">
+              <a:solidFill>
+                <a:srgbClr val="013B51"/>
+              </a:solidFill>
+            </a:endParaRPr>
+          </a:p>
+        </p:txBody>
+      </p:sp>
+      <p:sp>
+        <p:nvSpPr>
+          <p:cNvPr id="267" name="Subtitle 2">
+            <a:extLst>
+              <a:ext uri="{FF2B5EF4-FFF2-40B4-BE49-F238E27FC236}">
+                <a16:creationId xmlns:a16="http://schemas.microsoft.com/office/drawing/2014/main" id="{60CBF641-F436-4981-917F-2EAB1A1389FE}"/>
+              </a:ext>
+            </a:extLst>
+          </p:cNvPr>
+          <p:cNvSpPr txBox="1">
+            <a:spLocks/>
+          </p:cNvSpPr>
+          <p:nvPr/>
+        </p:nvSpPr>
+        <p:spPr>
+          <a:xfrm>
+            <a:off x="2325947" y="5891273"/>
+            <a:ext cx="2896515" cy="273087"/>
+          </a:xfrm>
+          <a:prstGeom prst="rect">
+            <a:avLst/>
+          </a:prstGeom>
+        </p:spPr>
+        <p:txBody>
+          <a:bodyPr vert="horz" lIns="91440" tIns="45720" rIns="91440" bIns="45720" rtlCol="0">
+            <a:noAutofit/>
+          </a:bodyPr>
+          <a:lstStyle>
+            <a:lvl1pPr marL="0" indent="0" algn="ctr" defTabSz="914400" rtl="0" eaLnBrk="1" latinLnBrk="1" hangingPunct="1">
+              <a:lnSpc>
+                <a:spcPct val="90000"/>
+              </a:lnSpc>
+              <a:spcBef>
+                <a:spcPts val="1000"/>
+              </a:spcBef>
+              <a:buFont typeface="Arial" panose="020B0604020202020204" pitchFamily="34" charset="0"/>
+              <a:buNone/>
+              <a:defRPr sz="2400" kern="1200">
+                <a:solidFill>
+                  <a:schemeClr val="tx1"/>
+                </a:solidFill>
+                <a:latin typeface="+mn-lt"/>
+                <a:ea typeface="+mn-ea"/>
+                <a:cs typeface="+mn-cs"/>
+              </a:defRPr>
+            </a:lvl1pPr>
+            <a:lvl2pPr marL="457200" indent="0" algn="ctr" defTabSz="914400" rtl="0" eaLnBrk="1" latinLnBrk="1" hangingPunct="1">
+              <a:lnSpc>
+                <a:spcPct val="90000"/>
+              </a:lnSpc>
+              <a:spcBef>
+                <a:spcPts val="500"/>
+              </a:spcBef>
+              <a:buFont typeface="Arial" panose="020B0604020202020204" pitchFamily="34" charset="0"/>
+              <a:buNone/>
+              <a:defRPr sz="2000" kern="1200">
+                <a:solidFill>
+                  <a:schemeClr val="tx1"/>
+                </a:solidFill>
+                <a:latin typeface="+mn-lt"/>
+                <a:ea typeface="+mn-ea"/>
+                <a:cs typeface="+mn-cs"/>
+              </a:defRPr>
+            </a:lvl2pPr>
+            <a:lvl3pPr marL="914400" indent="0" algn="ctr" defTabSz="914400" rtl="0" eaLnBrk="1" latinLnBrk="1" hangingPunct="1">
+              <a:lnSpc>
+                <a:spcPct val="90000"/>
+              </a:lnSpc>
+              <a:spcBef>
+                <a:spcPts val="500"/>
+              </a:spcBef>
+              <a:buFont typeface="Arial" panose="020B0604020202020204" pitchFamily="34" charset="0"/>
+              <a:buNone/>
+              <a:defRPr sz="1800" kern="1200">
+                <a:solidFill>
+                  <a:schemeClr val="tx1"/>
+                </a:solidFill>
+                <a:latin typeface="+mn-lt"/>
+                <a:ea typeface="+mn-ea"/>
+                <a:cs typeface="+mn-cs"/>
+              </a:defRPr>
+            </a:lvl3pPr>
+            <a:lvl4pPr marL="1371600" indent="0" algn="ctr" defTabSz="914400" rtl="0" eaLnBrk="1" latinLnBrk="1" hangingPunct="1">
+              <a:lnSpc>
+                <a:spcPct val="90000"/>
+              </a:lnSpc>
+              <a:spcBef>
+                <a:spcPts val="500"/>
+              </a:spcBef>
+              <a:buFont typeface="Arial" panose="020B0604020202020204" pitchFamily="34" charset="0"/>
+              <a:buNone/>
+              <a:defRPr sz="1600" kern="1200">
+                <a:solidFill>
+                  <a:schemeClr val="tx1"/>
+                </a:solidFill>
+                <a:latin typeface="+mn-lt"/>
+                <a:ea typeface="+mn-ea"/>
+                <a:cs typeface="+mn-cs"/>
+              </a:defRPr>
+            </a:lvl4pPr>
+            <a:lvl5pPr marL="1828800" indent="0" algn="ctr" defTabSz="914400" rtl="0" eaLnBrk="1" latinLnBrk="1" hangingPunct="1">
+              <a:lnSpc>
+                <a:spcPct val="90000"/>
+              </a:lnSpc>
+              <a:spcBef>
+                <a:spcPts val="500"/>
+              </a:spcBef>
+              <a:buFont typeface="Arial" panose="020B0604020202020204" pitchFamily="34" charset="0"/>
+              <a:buNone/>
+              <a:defRPr sz="1600" kern="1200">
+                <a:solidFill>
+                  <a:schemeClr val="tx1"/>
+                </a:solidFill>
+                <a:latin typeface="+mn-lt"/>
+                <a:ea typeface="+mn-ea"/>
+                <a:cs typeface="+mn-cs"/>
+              </a:defRPr>
+            </a:lvl5pPr>
+            <a:lvl6pPr marL="2286000" indent="0" algn="ctr" defTabSz="914400" rtl="0" eaLnBrk="1" latinLnBrk="1" hangingPunct="1">
+              <a:lnSpc>
+                <a:spcPct val="90000"/>
+              </a:lnSpc>
+              <a:spcBef>
+                <a:spcPts val="500"/>
+              </a:spcBef>
+              <a:buFont typeface="Arial" panose="020B0604020202020204" pitchFamily="34" charset="0"/>
+              <a:buNone/>
+              <a:defRPr sz="1600" kern="1200">
+                <a:solidFill>
+                  <a:schemeClr val="tx1"/>
+                </a:solidFill>
+                <a:latin typeface="+mn-lt"/>
+                <a:ea typeface="+mn-ea"/>
+                <a:cs typeface="+mn-cs"/>
+              </a:defRPr>
+            </a:lvl6pPr>
+            <a:lvl7pPr marL="2743200" indent="0" algn="ctr" defTabSz="914400" rtl="0" eaLnBrk="1" latinLnBrk="1" hangingPunct="1">
+              <a:lnSpc>
+                <a:spcPct val="90000"/>
+              </a:lnSpc>
+              <a:spcBef>
+                <a:spcPts val="500"/>
+              </a:spcBef>
+              <a:buFont typeface="Arial" panose="020B0604020202020204" pitchFamily="34" charset="0"/>
+              <a:buNone/>
+              <a:defRPr sz="1600" kern="1200">
+                <a:solidFill>
+                  <a:schemeClr val="tx1"/>
+                </a:solidFill>
+                <a:latin typeface="+mn-lt"/>
+                <a:ea typeface="+mn-ea"/>
+                <a:cs typeface="+mn-cs"/>
+              </a:defRPr>
+            </a:lvl7pPr>
+            <a:lvl8pPr marL="3200400" indent="0" algn="ctr" defTabSz="914400" rtl="0" eaLnBrk="1" latinLnBrk="1" hangingPunct="1">
+              <a:lnSpc>
+                <a:spcPct val="90000"/>
+              </a:lnSpc>
+              <a:spcBef>
+                <a:spcPts val="500"/>
+              </a:spcBef>
+              <a:buFont typeface="Arial" panose="020B0604020202020204" pitchFamily="34" charset="0"/>
+              <a:buNone/>
+              <a:defRPr sz="1600" kern="1200">
+                <a:solidFill>
+                  <a:schemeClr val="tx1"/>
+                </a:solidFill>
+                <a:latin typeface="+mn-lt"/>
+                <a:ea typeface="+mn-ea"/>
+                <a:cs typeface="+mn-cs"/>
+              </a:defRPr>
+            </a:lvl8pPr>
+            <a:lvl9pPr marL="3657600" indent="0" algn="ctr" defTabSz="914400" rtl="0" eaLnBrk="1" latinLnBrk="1" hangingPunct="1">
+              <a:lnSpc>
+                <a:spcPct val="90000"/>
+              </a:lnSpc>
+              <a:spcBef>
+                <a:spcPts val="500"/>
+              </a:spcBef>
+              <a:buFont typeface="Arial" panose="020B0604020202020204" pitchFamily="34" charset="0"/>
+              <a:buNone/>
+              <a:defRPr sz="1600" kern="1200">
+                <a:solidFill>
+                  <a:schemeClr val="tx1"/>
+                </a:solidFill>
+                <a:latin typeface="+mn-lt"/>
+                <a:ea typeface="+mn-ea"/>
+                <a:cs typeface="+mn-cs"/>
+              </a:defRPr>
+            </a:lvl9pPr>
+          </a:lstStyle>
+          <a:p>
+            <a:pPr algn="l"/>
+            <a:r>
+              <a:rPr lang="en-US" altLang="ko-KR" sz="1600" dirty="0">
+                <a:solidFill>
+                  <a:srgbClr val="013B51"/>
+                </a:solidFill>
+                <a:latin typeface="Noto Sans CJK KR Medium" panose="020B0600000000000000" pitchFamily="34" charset="-127"/>
+                <a:ea typeface="Noto Sans CJK KR Medium" panose="020B0600000000000000" pitchFamily="34" charset="-127"/>
+              </a:rPr>
+              <a:t>5. </a:t>
+            </a:r>
+            <a:r>
+              <a:rPr lang="en-US" altLang="ko-KR" sz="1600" dirty="0" err="1">
+                <a:solidFill>
+                  <a:srgbClr val="013B51"/>
+                </a:solidFill>
+                <a:latin typeface="Noto Sans CJK KR Medium" panose="020B0600000000000000" pitchFamily="34" charset="-127"/>
+                <a:ea typeface="Noto Sans CJK KR Medium" panose="020B0600000000000000" pitchFamily="34" charset="-127"/>
+              </a:rPr>
+              <a:t>Pseudodirect</a:t>
+            </a:r>
+            <a:r>
+              <a:rPr lang="en-US" altLang="ko-KR" sz="1600" dirty="0">
+                <a:solidFill>
+                  <a:srgbClr val="013B51"/>
+                </a:solidFill>
+                <a:latin typeface="Noto Sans CJK KR Medium" panose="020B0600000000000000" pitchFamily="34" charset="-127"/>
+                <a:ea typeface="Noto Sans CJK KR Medium" panose="020B0600000000000000" pitchFamily="34" charset="-127"/>
+              </a:rPr>
+              <a:t> addressing</a:t>
+            </a:r>
+            <a:endParaRPr lang="ko-KR" altLang="en-US" sz="1600" dirty="0">
+              <a:solidFill>
+                <a:srgbClr val="013B51"/>
+              </a:solidFill>
+              <a:latin typeface="Noto Sans CJK KR Medium" panose="020B0600000000000000" pitchFamily="34" charset="-127"/>
+              <a:ea typeface="Noto Sans CJK KR Medium" panose="020B0600000000000000" pitchFamily="34" charset="-127"/>
+            </a:endParaRPr>
+          </a:p>
+        </p:txBody>
+      </p:sp>
+      <p:cxnSp>
+        <p:nvCxnSpPr>
+          <p:cNvPr id="274" name="Straight Connector 273">
+            <a:extLst>
+              <a:ext uri="{FF2B5EF4-FFF2-40B4-BE49-F238E27FC236}">
+                <a16:creationId xmlns:a16="http://schemas.microsoft.com/office/drawing/2014/main" id="{33E2268C-7246-4EBC-9EC9-0AEF8B507D10}"/>
+              </a:ext>
+            </a:extLst>
+          </p:cNvPr>
+          <p:cNvCxnSpPr>
+            <a:cxnSpLocks/>
+          </p:cNvCxnSpPr>
+          <p:nvPr/>
+        </p:nvCxnSpPr>
+        <p:spPr>
+          <a:xfrm>
+            <a:off x="5295844" y="6638047"/>
+            <a:ext cx="0" cy="165089"/>
+          </a:xfrm>
+          <a:prstGeom prst="line">
+            <a:avLst/>
+          </a:prstGeom>
+          <a:ln w="38100">
+            <a:solidFill>
+              <a:srgbClr val="013B51"/>
+            </a:solidFill>
+          </a:ln>
+        </p:spPr>
+        <p:style>
+          <a:lnRef idx="1">
+            <a:schemeClr val="accent1"/>
+          </a:lnRef>
+          <a:fillRef idx="0">
+            <a:schemeClr val="accent1"/>
+          </a:fillRef>
+          <a:effectRef idx="0">
+            <a:schemeClr val="accent1"/>
+          </a:effectRef>
+          <a:fontRef idx="minor">
+            <a:schemeClr val="tx1"/>
+          </a:fontRef>
+        </p:style>
+      </p:cxnSp>
+      <p:sp>
+        <p:nvSpPr>
+          <p:cNvPr id="275" name="Oval 274">
+            <a:extLst>
+              <a:ext uri="{FF2B5EF4-FFF2-40B4-BE49-F238E27FC236}">
+                <a16:creationId xmlns:a16="http://schemas.microsoft.com/office/drawing/2014/main" id="{D7C58F49-9898-4794-9FCF-88CA01665BCD}"/>
+              </a:ext>
+            </a:extLst>
+          </p:cNvPr>
+          <p:cNvSpPr/>
+          <p:nvPr/>
+        </p:nvSpPr>
+        <p:spPr>
+          <a:xfrm>
+            <a:off x="8472022" y="6131862"/>
+            <a:ext cx="387414" cy="387414"/>
+          </a:xfrm>
+          <a:prstGeom prst="ellipse">
+            <a:avLst/>
+          </a:prstGeom>
+          <a:noFill/>
+          <a:ln w="28575">
+            <a:solidFill>
+              <a:srgbClr val="013B51"/>
+            </a:solidFill>
+          </a:ln>
+        </p:spPr>
+        <p:style>
+          <a:lnRef idx="2">
+            <a:schemeClr val="accent1">
+              <a:shade val="50000"/>
+            </a:schemeClr>
+          </a:lnRef>
+          <a:fillRef idx="1">
+            <a:schemeClr val="accent1"/>
+          </a:fillRef>
+          <a:effectRef idx="0">
+            <a:schemeClr val="accent1"/>
+          </a:effectRef>
+          <a:fontRef idx="minor">
+            <a:schemeClr val="lt1"/>
+          </a:fontRef>
+        </p:style>
+        <p:txBody>
+          <a:bodyPr rtlCol="0" anchor="ctr"/>
+          <a:lstStyle/>
+          <a:p>
+            <a:pPr algn="ctr"/>
+            <a:r>
+              <a:rPr lang="en-US" altLang="ko-KR" b="1" dirty="0">
+                <a:solidFill>
+                  <a:srgbClr val="013B51"/>
+                </a:solidFill>
+              </a:rPr>
+              <a:t>:</a:t>
+            </a:r>
+            <a:endParaRPr lang="ko-KR" altLang="en-US" b="1" dirty="0">
+              <a:solidFill>
+                <a:srgbClr val="013B51"/>
+              </a:solidFill>
+            </a:endParaRPr>
+          </a:p>
+        </p:txBody>
+      </p:sp>
+      <p:cxnSp>
+        <p:nvCxnSpPr>
+          <p:cNvPr id="276" name="Straight Arrow Connector 275">
+            <a:extLst>
+              <a:ext uri="{FF2B5EF4-FFF2-40B4-BE49-F238E27FC236}">
+                <a16:creationId xmlns:a16="http://schemas.microsoft.com/office/drawing/2014/main" id="{A6F24387-CA21-49B0-AD75-8BFFBD249FC3}"/>
+              </a:ext>
+            </a:extLst>
+          </p:cNvPr>
+          <p:cNvCxnSpPr>
+            <a:cxnSpLocks/>
+            <a:endCxn id="275" idx="0"/>
+          </p:cNvCxnSpPr>
+          <p:nvPr/>
+        </p:nvCxnSpPr>
+        <p:spPr>
+          <a:xfrm>
+            <a:off x="8663786" y="3109518"/>
+            <a:ext cx="1943" cy="3022344"/>
+          </a:xfrm>
+          <a:prstGeom prst="straightConnector1">
+            <a:avLst/>
+          </a:prstGeom>
+          <a:ln w="38100">
+            <a:solidFill>
+              <a:srgbClr val="013B51"/>
+            </a:solidFill>
+            <a:tailEnd type="triangle"/>
+          </a:ln>
+        </p:spPr>
+        <p:style>
+          <a:lnRef idx="1">
+            <a:schemeClr val="accent1"/>
+          </a:lnRef>
+          <a:fillRef idx="0">
+            <a:schemeClr val="accent1"/>
+          </a:fillRef>
+          <a:effectRef idx="0">
+            <a:schemeClr val="accent1"/>
+          </a:effectRef>
+          <a:fontRef idx="minor">
+            <a:schemeClr val="tx1"/>
+          </a:fontRef>
+        </p:style>
+      </p:cxnSp>
+      <p:cxnSp>
+        <p:nvCxnSpPr>
+          <p:cNvPr id="277" name="Straight Arrow Connector 276">
+            <a:extLst>
+              <a:ext uri="{FF2B5EF4-FFF2-40B4-BE49-F238E27FC236}">
+                <a16:creationId xmlns:a16="http://schemas.microsoft.com/office/drawing/2014/main" id="{ECE8AF76-6203-407B-BB94-7FBEBFCC7BEC}"/>
+              </a:ext>
+            </a:extLst>
+          </p:cNvPr>
+          <p:cNvCxnSpPr>
+            <a:cxnSpLocks/>
+            <a:endCxn id="275" idx="4"/>
+          </p:cNvCxnSpPr>
+          <p:nvPr/>
+        </p:nvCxnSpPr>
+        <p:spPr>
+          <a:xfrm flipV="1">
+            <a:off x="8665729" y="6519276"/>
+            <a:ext cx="0" cy="283860"/>
+          </a:xfrm>
+          <a:prstGeom prst="straightConnector1">
+            <a:avLst/>
+          </a:prstGeom>
+          <a:ln w="38100">
+            <a:solidFill>
+              <a:srgbClr val="013B51"/>
+            </a:solidFill>
+            <a:tailEnd type="triangle"/>
+          </a:ln>
+        </p:spPr>
+        <p:style>
+          <a:lnRef idx="1">
+            <a:schemeClr val="accent1"/>
+          </a:lnRef>
+          <a:fillRef idx="0">
+            <a:schemeClr val="accent1"/>
+          </a:fillRef>
+          <a:effectRef idx="0">
+            <a:schemeClr val="accent1"/>
+          </a:effectRef>
+          <a:fontRef idx="minor">
+            <a:schemeClr val="tx1"/>
+          </a:fontRef>
+        </p:style>
+      </p:cxnSp>
+      <p:cxnSp>
+        <p:nvCxnSpPr>
+          <p:cNvPr id="278" name="Straight Connector 277">
+            <a:extLst>
+              <a:ext uri="{FF2B5EF4-FFF2-40B4-BE49-F238E27FC236}">
+                <a16:creationId xmlns:a16="http://schemas.microsoft.com/office/drawing/2014/main" id="{03E14BEF-A2FE-4FD2-8F81-739B7DBBEBDB}"/>
+              </a:ext>
+            </a:extLst>
+          </p:cNvPr>
+          <p:cNvCxnSpPr>
+            <a:cxnSpLocks/>
+          </p:cNvCxnSpPr>
+          <p:nvPr/>
+        </p:nvCxnSpPr>
+        <p:spPr>
+          <a:xfrm>
+            <a:off x="5273040" y="6803136"/>
+            <a:ext cx="3414145" cy="0"/>
+          </a:xfrm>
+          <a:prstGeom prst="line">
+            <a:avLst/>
+          </a:prstGeom>
+          <a:ln w="38100">
+            <a:solidFill>
+              <a:srgbClr val="013B51"/>
+            </a:solidFill>
+          </a:ln>
+        </p:spPr>
+        <p:style>
+          <a:lnRef idx="1">
+            <a:schemeClr val="accent1"/>
+          </a:lnRef>
+          <a:fillRef idx="0">
+            <a:schemeClr val="accent1"/>
+          </a:fillRef>
+          <a:effectRef idx="0">
+            <a:schemeClr val="accent1"/>
+          </a:effectRef>
+          <a:fontRef idx="minor">
+            <a:schemeClr val="tx1"/>
+          </a:fontRef>
+        </p:style>
+      </p:cxnSp>
+      <p:cxnSp>
+        <p:nvCxnSpPr>
+          <p:cNvPr id="279" name="Straight Arrow Connector 278">
+            <a:extLst>
+              <a:ext uri="{FF2B5EF4-FFF2-40B4-BE49-F238E27FC236}">
+                <a16:creationId xmlns:a16="http://schemas.microsoft.com/office/drawing/2014/main" id="{7FD0D1E5-70C0-4944-B4B3-50FD4BBB973A}"/>
+              </a:ext>
+            </a:extLst>
+          </p:cNvPr>
+          <p:cNvCxnSpPr>
+            <a:cxnSpLocks/>
+            <a:stCxn id="275" idx="6"/>
+            <a:endCxn id="199" idx="1"/>
+          </p:cNvCxnSpPr>
+          <p:nvPr/>
+        </p:nvCxnSpPr>
+        <p:spPr>
+          <a:xfrm flipV="1">
+            <a:off x="8859436" y="6318826"/>
+            <a:ext cx="503951" cy="6743"/>
+          </a:xfrm>
+          <a:prstGeom prst="straightConnector1">
+            <a:avLst/>
+          </a:prstGeom>
+          <a:ln w="38100">
+            <a:solidFill>
+              <a:srgbClr val="013B51"/>
+            </a:solidFill>
+            <a:tailEnd type="triangle"/>
+          </a:ln>
+        </p:spPr>
+        <p:style>
+          <a:lnRef idx="1">
+            <a:schemeClr val="accent1"/>
+          </a:lnRef>
+          <a:fillRef idx="0">
+            <a:schemeClr val="accent1"/>
+          </a:fillRef>
+          <a:effectRef idx="0">
+            <a:schemeClr val="accent1"/>
+          </a:effectRef>
+          <a:fontRef idx="minor">
+            <a:schemeClr val="tx1"/>
+          </a:fontRef>
+        </p:style>
+      </p:cxnSp>
+    </p:spTree>
+    <p:extLst>
+      <p:ext uri="{BB962C8B-B14F-4D97-AF65-F5344CB8AC3E}">
+        <p14:creationId xmlns:p14="http://schemas.microsoft.com/office/powerpoint/2010/main" val="598684977"/>
+      </p:ext>
+    </p:extLst>
+  </p:cSld>
+  <p:clrMapOvr>
+    <a:masterClrMapping/>
+  </p:clrMapOvr>
+</p:sld>
+</file>
+
 <file path=ppt/theme/theme1.xml><?xml version="1.0" encoding="utf-8"?>
 <a:theme xmlns:a="http://schemas.openxmlformats.org/drawingml/2006/main" name="Office Theme">
   <a:themeElements>
